--- a/Bash-scripting-guid.pptx
+++ b/Bash-scripting-guid.pptx
@@ -35,8 +35,27 @@
     <p:sldId id="285" r:id="rId29"/>
     <p:sldId id="286" r:id="rId30"/>
     <p:sldId id="287" r:id="rId31"/>
-    <p:sldId id="267" r:id="rId32"/>
-    <p:sldId id="270" r:id="rId33"/>
+    <p:sldId id="289" r:id="rId32"/>
+    <p:sldId id="290" r:id="rId33"/>
+    <p:sldId id="291" r:id="rId34"/>
+    <p:sldId id="293" r:id="rId35"/>
+    <p:sldId id="295" r:id="rId36"/>
+    <p:sldId id="296" r:id="rId37"/>
+    <p:sldId id="297" r:id="rId38"/>
+    <p:sldId id="298" r:id="rId39"/>
+    <p:sldId id="299" r:id="rId40"/>
+    <p:sldId id="300" r:id="rId41"/>
+    <p:sldId id="306" r:id="rId42"/>
+    <p:sldId id="309" r:id="rId43"/>
+    <p:sldId id="307" r:id="rId44"/>
+    <p:sldId id="310" r:id="rId45"/>
+    <p:sldId id="301" r:id="rId46"/>
+    <p:sldId id="304" r:id="rId47"/>
+    <p:sldId id="302" r:id="rId48"/>
+    <p:sldId id="305" r:id="rId49"/>
+    <p:sldId id="311" r:id="rId50"/>
+    <p:sldId id="267" r:id="rId51"/>
+    <p:sldId id="270" r:id="rId52"/>
   </p:sldIdLst>
   <p:sldSz cx="12192000" cy="6858000"/>
   <p:notesSz cx="6858000" cy="9144000"/>
@@ -332,7 +351,7 @@
             <a:fld id="{B61BEF0D-F0BB-DE4B-95CE-6DB70DBA9567}" type="datetimeFigureOut">
               <a:rPr lang="en-US" dirty="0"/>
               <a:pPr/>
-              <a:t>8/2/2016</a:t>
+              <a:t>8/7/2016</a:t>
             </a:fld>
             <a:endParaRPr lang="en-US" dirty="0"/>
           </a:p>
@@ -667,7 +686,7 @@
             <a:fld id="{B61BEF0D-F0BB-DE4B-95CE-6DB70DBA9567}" type="datetimeFigureOut">
               <a:rPr lang="en-US" dirty="0"/>
               <a:pPr/>
-              <a:t>8/2/2016</a:t>
+              <a:t>8/7/2016</a:t>
             </a:fld>
             <a:endParaRPr lang="en-US" dirty="0"/>
           </a:p>
@@ -1065,7 +1084,7 @@
             <a:fld id="{B61BEF0D-F0BB-DE4B-95CE-6DB70DBA9567}" type="datetimeFigureOut">
               <a:rPr lang="en-US" dirty="0"/>
               <a:pPr/>
-              <a:t>8/2/2016</a:t>
+              <a:t>8/7/2016</a:t>
             </a:fld>
             <a:endParaRPr lang="en-US" dirty="0"/>
           </a:p>
@@ -1398,7 +1417,7 @@
             <a:fld id="{B61BEF0D-F0BB-DE4B-95CE-6DB70DBA9567}" type="datetimeFigureOut">
               <a:rPr lang="en-US" dirty="0"/>
               <a:pPr/>
-              <a:t>8/2/2016</a:t>
+              <a:t>8/7/2016</a:t>
             </a:fld>
             <a:endParaRPr lang="en-US" dirty="0"/>
           </a:p>
@@ -1715,7 +1734,7 @@
             <a:fld id="{B61BEF0D-F0BB-DE4B-95CE-6DB70DBA9567}" type="datetimeFigureOut">
               <a:rPr lang="en-US" dirty="0"/>
               <a:pPr/>
-              <a:t>8/2/2016</a:t>
+              <a:t>8/7/2016</a:t>
             </a:fld>
             <a:endParaRPr lang="en-US" dirty="0"/>
           </a:p>
@@ -2108,7 +2127,7 @@
             <a:fld id="{B61BEF0D-F0BB-DE4B-95CE-6DB70DBA9567}" type="datetimeFigureOut">
               <a:rPr lang="en-US" dirty="0"/>
               <a:pPr/>
-              <a:t>8/2/2016</a:t>
+              <a:t>8/7/2016</a:t>
             </a:fld>
             <a:endParaRPr lang="en-US" dirty="0"/>
           </a:p>
@@ -2362,7 +2381,7 @@
             <a:fld id="{B61BEF0D-F0BB-DE4B-95CE-6DB70DBA9567}" type="datetimeFigureOut">
               <a:rPr lang="en-US" dirty="0"/>
               <a:pPr/>
-              <a:t>8/2/2016</a:t>
+              <a:t>8/7/2016</a:t>
             </a:fld>
             <a:endParaRPr lang="en-US" dirty="0"/>
           </a:p>
@@ -2621,7 +2640,7 @@
             <a:fld id="{B61BEF0D-F0BB-DE4B-95CE-6DB70DBA9567}" type="datetimeFigureOut">
               <a:rPr lang="en-US" dirty="0"/>
               <a:pPr/>
-              <a:t>8/2/2016</a:t>
+              <a:t>8/7/2016</a:t>
             </a:fld>
             <a:endParaRPr lang="en-US" dirty="0"/>
           </a:p>
@@ -2790,7 +2809,7 @@
         <p:spPr>
           <a:xfrm>
             <a:off x="2592925" y="624110"/>
-            <a:ext cx="8911687" cy="1280890"/>
+            <a:ext cx="8911687" cy="753428"/>
           </a:xfrm>
         </p:spPr>
         <p:txBody>
@@ -2798,7 +2817,7 @@
           <a:lstStyle/>
           <a:p>
             <a:r>
-              <a:rPr lang="zh-CN" altLang="en-US" smtClean="0"/>
+              <a:rPr lang="zh-CN" altLang="en-US" dirty="0" smtClean="0"/>
               <a:t>单击此处编辑母版标题样式</a:t>
             </a:r>
             <a:endParaRPr lang="en-US" dirty="0"/>
@@ -2817,8 +2836,8 @@
         </p:nvSpPr>
         <p:spPr>
           <a:xfrm>
-            <a:off x="2589212" y="2133600"/>
-            <a:ext cx="8915400" cy="3777622"/>
+            <a:off x="2589212" y="1650670"/>
+            <a:ext cx="8915400" cy="4260552"/>
           </a:xfrm>
         </p:spPr>
         <p:txBody>
@@ -2880,7 +2899,7 @@
             <a:fld id="{B61BEF0D-F0BB-DE4B-95CE-6DB70DBA9567}" type="datetimeFigureOut">
               <a:rPr lang="en-US" dirty="0"/>
               <a:pPr/>
-              <a:t>8/2/2016</a:t>
+              <a:t>8/7/2016</a:t>
             </a:fld>
             <a:endParaRPr lang="en-US" dirty="0"/>
           </a:p>
@@ -3206,7 +3225,7 @@
             <a:fld id="{B61BEF0D-F0BB-DE4B-95CE-6DB70DBA9567}" type="datetimeFigureOut">
               <a:rPr lang="en-US" dirty="0"/>
               <a:pPr/>
-              <a:t>8/2/2016</a:t>
+              <a:t>8/7/2016</a:t>
             </a:fld>
             <a:endParaRPr lang="en-US" dirty="0"/>
           </a:p>
@@ -3526,7 +3545,7 @@
             <a:fld id="{B61BEF0D-F0BB-DE4B-95CE-6DB70DBA9567}" type="datetimeFigureOut">
               <a:rPr lang="en-US" dirty="0"/>
               <a:pPr/>
-              <a:t>8/2/2016</a:t>
+              <a:t>8/7/2016</a:t>
             </a:fld>
             <a:endParaRPr lang="en-US" dirty="0"/>
           </a:p>
@@ -3980,7 +3999,7 @@
             <a:fld id="{B61BEF0D-F0BB-DE4B-95CE-6DB70DBA9567}" type="datetimeFigureOut">
               <a:rPr lang="en-US" dirty="0"/>
               <a:pPr/>
-              <a:t>8/2/2016</a:t>
+              <a:t>8/7/2016</a:t>
             </a:fld>
             <a:endParaRPr lang="en-US" dirty="0"/>
           </a:p>
@@ -4182,7 +4201,7 @@
             <a:fld id="{B61BEF0D-F0BB-DE4B-95CE-6DB70DBA9567}" type="datetimeFigureOut">
               <a:rPr lang="en-US" dirty="0"/>
               <a:pPr/>
-              <a:t>8/2/2016</a:t>
+              <a:t>8/7/2016</a:t>
             </a:fld>
             <a:endParaRPr lang="en-US" dirty="0"/>
           </a:p>
@@ -4356,7 +4375,7 @@
             <a:fld id="{B61BEF0D-F0BB-DE4B-95CE-6DB70DBA9567}" type="datetimeFigureOut">
               <a:rPr lang="en-US" dirty="0"/>
               <a:pPr/>
-              <a:t>8/2/2016</a:t>
+              <a:t>8/7/2016</a:t>
             </a:fld>
             <a:endParaRPr lang="en-US" dirty="0"/>
           </a:p>
@@ -4686,7 +4705,7 @@
             <a:fld id="{B61BEF0D-F0BB-DE4B-95CE-6DB70DBA9567}" type="datetimeFigureOut">
               <a:rPr lang="en-US" dirty="0"/>
               <a:pPr/>
-              <a:t>8/2/2016</a:t>
+              <a:t>8/7/2016</a:t>
             </a:fld>
             <a:endParaRPr lang="en-US" dirty="0"/>
           </a:p>
@@ -5028,7 +5047,7 @@
             <a:fld id="{B61BEF0D-F0BB-DE4B-95CE-6DB70DBA9567}" type="datetimeFigureOut">
               <a:rPr lang="en-US" dirty="0"/>
               <a:pPr/>
-              <a:t>8/2/2016</a:t>
+              <a:t>8/7/2016</a:t>
             </a:fld>
             <a:endParaRPr lang="en-US" dirty="0"/>
           </a:p>
@@ -7079,7 +7098,7 @@
             <a:fld id="{B61BEF0D-F0BB-DE4B-95CE-6DB70DBA9567}" type="datetimeFigureOut">
               <a:rPr lang="en-US" dirty="0"/>
               <a:pPr/>
-              <a:t>8/2/2016</a:t>
+              <a:t>8/7/2016</a:t>
             </a:fld>
             <a:endParaRPr lang="en-US" dirty="0"/>
           </a:p>
@@ -7759,8 +7778,8 @@
         </p:blipFill>
         <p:spPr>
           <a:xfrm>
-            <a:off x="3767037" y="2133600"/>
-            <a:ext cx="6559751" cy="3778250"/>
+            <a:off x="2592925" y="1457341"/>
+            <a:ext cx="7733863" cy="4454509"/>
           </a:xfrm>
         </p:spPr>
       </p:pic>
@@ -7845,7 +7864,7 @@
         <p:spPr/>
         <p:txBody>
           <a:bodyPr>
-            <a:normAutofit fontScale="77500" lnSpcReduction="20000"/>
+            <a:normAutofit fontScale="85000" lnSpcReduction="10000"/>
           </a:bodyPr>
           <a:lstStyle/>
           <a:p>
@@ -8559,7 +8578,7 @@
         <p:spPr/>
         <p:txBody>
           <a:bodyPr>
-            <a:normAutofit fontScale="85000" lnSpcReduction="20000"/>
+            <a:normAutofit fontScale="92500" lnSpcReduction="20000"/>
           </a:bodyPr>
           <a:lstStyle/>
           <a:p>
@@ -9396,7 +9415,7 @@
         <p:spPr/>
         <p:txBody>
           <a:bodyPr>
-            <a:normAutofit lnSpcReduction="10000"/>
+            <a:normAutofit/>
           </a:bodyPr>
           <a:lstStyle/>
           <a:p>
@@ -10160,11 +10179,7 @@
             </a:r>
             <a:r>
               <a:rPr lang="zh-CN" altLang="en-US" dirty="0" smtClean="0"/>
-              <a:t>范围的整型数）</a:t>
-            </a:r>
-            <a:r>
-              <a:rPr lang="zh-CN" altLang="en-US" dirty="0" smtClean="0"/>
-              <a:t>。</a:t>
+              <a:t>范围的整型数）。</a:t>
             </a:r>
             <a:endParaRPr lang="en-US" altLang="zh-CN" dirty="0" smtClean="0"/>
           </a:p>
@@ -10856,7 +10871,7 @@
         <p:spPr/>
         <p:txBody>
           <a:bodyPr>
-            <a:normAutofit lnSpcReduction="10000"/>
+            <a:normAutofit/>
           </a:bodyPr>
           <a:lstStyle/>
           <a:p>
@@ -11592,8 +11607,8 @@
         </p:blipFill>
         <p:spPr>
           <a:xfrm>
-            <a:off x="5319470" y="2133600"/>
-            <a:ext cx="3454886" cy="3778250"/>
+            <a:off x="4610637" y="1358423"/>
+            <a:ext cx="4163719" cy="4553427"/>
           </a:xfrm>
         </p:spPr>
       </p:pic>
@@ -12141,6 +12156,13 @@
   <p:clrMapOvr>
     <a:masterClrMapping/>
   </p:clrMapOvr>
+  <p:timing>
+    <p:tnLst>
+      <p:par>
+        <p:cTn id="1" dur="indefinite" restart="never" nodeType="tmRoot"/>
+      </p:par>
+    </p:tnLst>
+  </p:timing>
 </p:sld>
 </file>
 
@@ -12197,7 +12219,7 @@
         <p:spPr/>
         <p:txBody>
           <a:bodyPr>
-            <a:normAutofit lnSpcReduction="10000"/>
+            <a:normAutofit/>
           </a:bodyPr>
           <a:lstStyle/>
           <a:p>
@@ -12443,6 +12465,13 @@
   <p:clrMapOvr>
     <a:masterClrMapping/>
   </p:clrMapOvr>
+  <p:timing>
+    <p:tnLst>
+      <p:par>
+        <p:cTn id="1" dur="indefinite" restart="never" nodeType="tmRoot"/>
+      </p:par>
+    </p:tnLst>
+  </p:timing>
 </p:sld>
 </file>
 
@@ -12499,7 +12528,7 @@
         <p:spPr/>
         <p:txBody>
           <a:bodyPr>
-            <a:normAutofit fontScale="92500" lnSpcReduction="20000"/>
+            <a:normAutofit lnSpcReduction="10000"/>
           </a:bodyPr>
           <a:lstStyle/>
           <a:p>
@@ -12902,6 +12931,13 @@
   <p:clrMapOvr>
     <a:masterClrMapping/>
   </p:clrMapOvr>
+  <p:timing>
+    <p:tnLst>
+      <p:par>
+        <p:cTn id="1" dur="indefinite" restart="never" nodeType="tmRoot"/>
+      </p:par>
+    </p:tnLst>
+  </p:timing>
 </p:sld>
 </file>
 
@@ -13075,6 +13111,13 @@
   <p:clrMapOvr>
     <a:masterClrMapping/>
   </p:clrMapOvr>
+  <p:timing>
+    <p:tnLst>
+      <p:par>
+        <p:cTn id="1" dur="indefinite" restart="never" nodeType="tmRoot"/>
+      </p:par>
+    </p:tnLst>
+  </p:timing>
 </p:sld>
 </file>
 
@@ -13303,6 +13346,13 @@
   <p:clrMapOvr>
     <a:masterClrMapping/>
   </p:clrMapOvr>
+  <p:timing>
+    <p:tnLst>
+      <p:par>
+        <p:cTn id="1" dur="indefinite" restart="never" nodeType="tmRoot"/>
+      </p:par>
+    </p:tnLst>
+  </p:timing>
 </p:sld>
 </file>
 
@@ -13427,11 +13477,7 @@
           <a:p>
             <a:r>
               <a:rPr lang="zh-CN" altLang="en-US" dirty="0" smtClean="0"/>
-              <a:t>变量</a:t>
-            </a:r>
-            <a:r>
-              <a:rPr lang="zh-CN" altLang="en-US" dirty="0" smtClean="0"/>
-              <a:t>和</a:t>
+              <a:t>变量和</a:t>
             </a:r>
             <a:r>
               <a:rPr lang="zh-CN" altLang="en-US" dirty="0"/>
@@ -13543,7 +13589,7 @@
         <p:spPr/>
         <p:txBody>
           <a:bodyPr>
-            <a:normAutofit fontScale="92500" lnSpcReduction="20000"/>
+            <a:normAutofit fontScale="85000" lnSpcReduction="20000"/>
           </a:bodyPr>
           <a:lstStyle/>
           <a:p>
@@ -13618,13 +13664,85 @@
             </a:pPr>
             <a:r>
               <a:rPr lang="en-US" altLang="zh-CN" dirty="0" smtClean="0"/>
-              <a:t>e.g. strlen.sh</a:t>
-            </a:r>
-          </a:p>
-          <a:p>
-            <a:r>
-              <a:rPr lang="zh-CN" altLang="en-US" dirty="0"/>
-              <a:t>匹配字符串开头的子串</a:t>
+              <a:t>	e.g. strlen.sh</a:t>
+            </a:r>
+          </a:p>
+          <a:p>
+            <a:pPr marL="0" indent="0">
+              <a:buNone/>
+            </a:pPr>
+            <a:r>
+              <a:rPr lang="en-US" altLang="zh-CN" dirty="0" smtClean="0"/>
+              <a:t>${#*}</a:t>
+            </a:r>
+            <a:r>
+              <a:rPr lang="zh-CN" altLang="en-US" dirty="0" smtClean="0"/>
+              <a:t>和</a:t>
+            </a:r>
+            <a:r>
+              <a:rPr lang="en-US" altLang="zh-CN" dirty="0" smtClean="0"/>
+              <a:t>${#@}</a:t>
+            </a:r>
+            <a:r>
+              <a:rPr lang="zh-CN" altLang="en-US" dirty="0" smtClean="0"/>
+              <a:t>表示位置参数的个数</a:t>
+            </a:r>
+            <a:endParaRPr lang="en-US" altLang="zh-CN" dirty="0" smtClean="0"/>
+          </a:p>
+          <a:p>
+            <a:pPr marL="0" indent="0">
+              <a:buNone/>
+            </a:pPr>
+            <a:r>
+              <a:rPr lang="zh-CN" altLang="en-US" dirty="0"/>
+              <a:t>对于数组</a:t>
+            </a:r>
+            <a:r>
+              <a:rPr lang="en-US" altLang="zh-CN" dirty="0" smtClean="0"/>
+              <a:t>array</a:t>
+            </a:r>
+            <a:r>
+              <a:rPr lang="zh-CN" altLang="en-US" dirty="0" smtClean="0"/>
+              <a:t>来说，</a:t>
+            </a:r>
+            <a:r>
+              <a:rPr lang="en-US" altLang="zh-CN" dirty="0"/>
+              <a:t>${#array}</a:t>
+            </a:r>
+            <a:r>
+              <a:rPr lang="zh-CN" altLang="en-US" dirty="0"/>
+              <a:t>表示数组中第一个元素的</a:t>
+            </a:r>
+            <a:r>
+              <a:rPr lang="zh-CN" altLang="en-US" dirty="0" smtClean="0"/>
+              <a:t>长度，</a:t>
+            </a:r>
+            <a:r>
+              <a:rPr lang="en-US" altLang="zh-CN" dirty="0" smtClean="0"/>
+              <a:t>${#array[*]}</a:t>
+            </a:r>
+            <a:r>
+              <a:rPr lang="zh-CN" altLang="en-US" dirty="0" smtClean="0"/>
+              <a:t>和</a:t>
+            </a:r>
+            <a:r>
+              <a:rPr lang="en-US" altLang="zh-CN" dirty="0" smtClean="0"/>
+              <a:t>${#array[@]}</a:t>
+            </a:r>
+            <a:r>
+              <a:rPr lang="zh-CN" altLang="en-US" dirty="0" smtClean="0"/>
+              <a:t>表示数组中元素的个数。</a:t>
+            </a:r>
+            <a:endParaRPr lang="en-US" altLang="zh-CN" dirty="0"/>
+          </a:p>
+          <a:p>
+            <a:r>
+              <a:rPr lang="zh-CN" altLang="en-US" dirty="0" smtClean="0"/>
+              <a:t>匹配字符串开头的</a:t>
+            </a:r>
+            <a:r>
+              <a:rPr lang="zh-CN" altLang="en-US" dirty="0"/>
+              <a:t>子串</a:t>
             </a:r>
             <a:r>
               <a:rPr lang="zh-CN" altLang="en-US" dirty="0" smtClean="0"/>
@@ -13704,7 +13822,7 @@
             </a:pPr>
             <a:r>
               <a:rPr lang="en-US" altLang="zh-CN" dirty="0" smtClean="0"/>
-              <a:t>e.g. substrlen.sh</a:t>
+              <a:t>	e.g. substrlen.sh</a:t>
             </a:r>
           </a:p>
         </p:txBody>
@@ -13719,6 +13837,13 @@
   <p:clrMapOvr>
     <a:masterClrMapping/>
   </p:clrMapOvr>
+  <p:timing>
+    <p:tnLst>
+      <p:par>
+        <p:cTn id="1" dur="indefinite" restart="never" nodeType="tmRoot"/>
+      </p:par>
+    </p:tnLst>
+  </p:timing>
 </p:sld>
 </file>
 
@@ -13756,7 +13881,7 @@
           <a:p>
             <a:r>
               <a:rPr lang="zh-CN" altLang="en-US" dirty="0" smtClean="0"/>
-              <a:t>实用工具</a:t>
+              <a:t>字符串操作</a:t>
             </a:r>
             <a:endParaRPr lang="zh-CN" altLang="en-US" dirty="0"/>
           </a:p>
@@ -13774,61 +13899,356 @@
         </p:nvSpPr>
         <p:spPr/>
         <p:txBody>
-          <a:bodyPr/>
+          <a:bodyPr>
+            <a:normAutofit fontScale="85000" lnSpcReduction="20000"/>
+          </a:bodyPr>
           <a:lstStyle/>
           <a:p>
             <a:r>
-              <a:rPr lang="en-US" altLang="zh-CN" dirty="0" smtClean="0"/>
-              <a:t>cut </a:t>
-            </a:r>
-            <a:r>
-              <a:rPr lang="zh-CN" altLang="en-US" dirty="0" smtClean="0"/>
-              <a:t>的用法</a:t>
-            </a:r>
-            <a:endParaRPr lang="en-US" altLang="zh-CN" dirty="0"/>
-          </a:p>
-          <a:p>
-            <a:r>
-              <a:rPr lang="en-US" altLang="zh-CN" dirty="0" smtClean="0"/>
-              <a:t>grep </a:t>
-            </a:r>
-            <a:r>
-              <a:rPr lang="zh-CN" altLang="en-US" dirty="0" smtClean="0"/>
-              <a:t>的用法</a:t>
+              <a:rPr lang="zh-CN" altLang="en-US" dirty="0" smtClean="0"/>
+              <a:t>索引</a:t>
             </a:r>
             <a:endParaRPr lang="en-US" altLang="zh-CN" dirty="0" smtClean="0"/>
           </a:p>
           <a:p>
-            <a:r>
-              <a:rPr lang="en-US" altLang="zh-CN" dirty="0" smtClean="0"/>
-              <a:t>sed </a:t>
-            </a:r>
-            <a:r>
-              <a:rPr lang="zh-CN" altLang="en-US" dirty="0" smtClean="0"/>
-              <a:t>的用法</a:t>
+            <a:pPr marL="0" indent="0">
+              <a:buNone/>
+            </a:pPr>
+            <a:r>
+              <a:rPr lang="en-US" altLang="zh-CN" dirty="0" err="1"/>
+              <a:t>expr</a:t>
+            </a:r>
+            <a:r>
+              <a:rPr lang="en-US" altLang="zh-CN" dirty="0"/>
+              <a:t> </a:t>
+            </a:r>
+            <a:r>
+              <a:rPr lang="en-US" altLang="zh-CN" dirty="0" smtClean="0"/>
+              <a:t>index </a:t>
+            </a:r>
+            <a:r>
+              <a:rPr lang="en-US" altLang="zh-CN" dirty="0"/>
+              <a:t>$string $</a:t>
+            </a:r>
+            <a:r>
+              <a:rPr lang="en-US" altLang="zh-CN" dirty="0" smtClean="0"/>
+              <a:t>substring</a:t>
+            </a:r>
+          </a:p>
+          <a:p>
+            <a:pPr marL="0" indent="0">
+              <a:buNone/>
+            </a:pPr>
+            <a:r>
+              <a:rPr lang="en-US" altLang="zh-CN" dirty="0"/>
+              <a:t>	</a:t>
+            </a:r>
+            <a:r>
+              <a:rPr lang="en-US" altLang="zh-CN" dirty="0" smtClean="0"/>
+              <a:t>$substring</a:t>
+            </a:r>
+            <a:r>
+              <a:rPr lang="zh-CN" altLang="en-US" dirty="0" smtClean="0"/>
+              <a:t>中第一个与</a:t>
+            </a:r>
+            <a:r>
+              <a:rPr lang="en-US" altLang="zh-CN" dirty="0" smtClean="0"/>
+              <a:t>$string</a:t>
+            </a:r>
+            <a:r>
+              <a:rPr lang="zh-CN" altLang="en-US" dirty="0" smtClean="0"/>
+              <a:t>匹配的字符在</a:t>
+            </a:r>
+            <a:r>
+              <a:rPr lang="en-US" altLang="zh-CN" dirty="0" smtClean="0"/>
+              <a:t>$string</a:t>
+            </a:r>
+            <a:r>
+              <a:rPr lang="zh-CN" altLang="en-US" dirty="0" smtClean="0"/>
+              <a:t>中的位置（索引计数从</a:t>
+            </a:r>
+            <a:r>
+              <a:rPr lang="en-US" altLang="zh-CN" dirty="0" smtClean="0"/>
+              <a:t>1</a:t>
+            </a:r>
+            <a:r>
+              <a:rPr lang="zh-CN" altLang="en-US" dirty="0" smtClean="0"/>
+              <a:t>开始 </a:t>
+            </a:r>
+            <a:r>
+              <a:rPr lang="en-US" altLang="zh-CN" dirty="0" smtClean="0"/>
+              <a:t>1-based indexing</a:t>
+            </a:r>
+            <a:r>
+              <a:rPr lang="zh-CN" altLang="en-US" dirty="0" smtClean="0"/>
+              <a:t>）。</a:t>
             </a:r>
             <a:endParaRPr lang="en-US" altLang="zh-CN" dirty="0" smtClean="0"/>
           </a:p>
           <a:p>
-            <a:r>
-              <a:rPr lang="en-US" altLang="zh-CN" dirty="0" smtClean="0"/>
-              <a:t>awk </a:t>
-            </a:r>
-            <a:r>
-              <a:rPr lang="zh-CN" altLang="en-US" dirty="0" smtClean="0"/>
-              <a:t>的用法</a:t>
+            <a:pPr marL="0" indent="0">
+              <a:buNone/>
+            </a:pPr>
+            <a:r>
+              <a:rPr lang="en-US" altLang="zh-CN" dirty="0" smtClean="0"/>
+              <a:t>	e.g. indexstr.sh</a:t>
+            </a:r>
+          </a:p>
+          <a:p>
+            <a:r>
+              <a:rPr lang="zh-CN" altLang="en-US" dirty="0" smtClean="0"/>
+              <a:t>子串提取</a:t>
             </a:r>
             <a:endParaRPr lang="en-US" altLang="zh-CN" dirty="0" smtClean="0"/>
           </a:p>
           <a:p>
-            <a:endParaRPr lang="zh-CN" altLang="en-US" dirty="0"/>
+            <a:pPr marL="0" indent="0">
+              <a:buNone/>
+            </a:pPr>
+            <a:r>
+              <a:rPr lang="en-US" altLang="zh-CN" dirty="0"/>
+              <a:t>${</a:t>
+            </a:r>
+            <a:r>
+              <a:rPr lang="en-US" altLang="zh-CN" dirty="0" err="1"/>
+              <a:t>string:position</a:t>
+            </a:r>
+            <a:r>
+              <a:rPr lang="en-US" altLang="zh-CN" dirty="0" smtClean="0"/>
+              <a:t>}</a:t>
+            </a:r>
+          </a:p>
+          <a:p>
+            <a:pPr marL="0" indent="0">
+              <a:buNone/>
+            </a:pPr>
+            <a:r>
+              <a:rPr lang="en-US" altLang="zh-CN" dirty="0"/>
+              <a:t>	</a:t>
+            </a:r>
+            <a:r>
+              <a:rPr lang="zh-CN" altLang="en-US" dirty="0"/>
+              <a:t>从</a:t>
+            </a:r>
+            <a:r>
+              <a:rPr lang="en-US" altLang="zh-CN" dirty="0" smtClean="0"/>
+              <a:t>$string</a:t>
+            </a:r>
+            <a:r>
+              <a:rPr lang="zh-CN" altLang="en-US" dirty="0" smtClean="0"/>
+              <a:t>中位置</a:t>
+            </a:r>
+            <a:r>
+              <a:rPr lang="en-US" altLang="zh-CN" dirty="0" smtClean="0"/>
+              <a:t>$position</a:t>
+            </a:r>
+            <a:r>
+              <a:rPr lang="zh-CN" altLang="en-US" dirty="0" smtClean="0"/>
+              <a:t>开始提取子串（从</a:t>
+            </a:r>
+            <a:r>
+              <a:rPr lang="en-US" altLang="zh-CN" dirty="0" smtClean="0"/>
+              <a:t>$position</a:t>
+            </a:r>
+            <a:r>
+              <a:rPr lang="zh-CN" altLang="en-US" dirty="0" smtClean="0"/>
+              <a:t>到字符串结尾）。</a:t>
+            </a:r>
+            <a:endParaRPr lang="en-US" altLang="zh-CN" dirty="0" smtClean="0"/>
+          </a:p>
+          <a:p>
+            <a:pPr marL="0" indent="0">
+              <a:buNone/>
+            </a:pPr>
+            <a:r>
+              <a:rPr lang="en-US" altLang="zh-CN" dirty="0"/>
+              <a:t>${</a:t>
+            </a:r>
+            <a:r>
+              <a:rPr lang="en-US" altLang="zh-CN" dirty="0" err="1"/>
+              <a:t>string:position:length</a:t>
+            </a:r>
+            <a:r>
+              <a:rPr lang="en-US" altLang="zh-CN" dirty="0" smtClean="0"/>
+              <a:t>}</a:t>
+            </a:r>
+          </a:p>
+          <a:p>
+            <a:pPr marL="0" indent="0">
+              <a:buNone/>
+            </a:pPr>
+            <a:r>
+              <a:rPr lang="en-US" altLang="zh-CN" dirty="0"/>
+              <a:t>	</a:t>
+            </a:r>
+            <a:r>
+              <a:rPr lang="zh-CN" altLang="en-US" dirty="0" smtClean="0"/>
+              <a:t>从</a:t>
+            </a:r>
+            <a:r>
+              <a:rPr lang="en-US" altLang="zh-CN" dirty="0" smtClean="0"/>
+              <a:t>$string</a:t>
+            </a:r>
+            <a:r>
+              <a:rPr lang="zh-CN" altLang="en-US" dirty="0" smtClean="0"/>
+              <a:t>中位置</a:t>
+            </a:r>
+            <a:r>
+              <a:rPr lang="en-US" altLang="zh-CN" dirty="0" smtClean="0"/>
+              <a:t>$position</a:t>
+            </a:r>
+            <a:r>
+              <a:rPr lang="zh-CN" altLang="en-US" dirty="0" smtClean="0"/>
+              <a:t>开始提取</a:t>
+            </a:r>
+            <a:r>
+              <a:rPr lang="en-US" altLang="zh-CN" dirty="0" smtClean="0"/>
+              <a:t>$length</a:t>
+            </a:r>
+            <a:r>
+              <a:rPr lang="zh-CN" altLang="en-US" dirty="0" smtClean="0"/>
+              <a:t>长度的子串。</a:t>
+            </a:r>
+            <a:endParaRPr lang="en-US" altLang="zh-CN" dirty="0" smtClean="0"/>
+          </a:p>
+          <a:p>
+            <a:pPr marL="0" indent="0">
+              <a:buNone/>
+            </a:pPr>
+            <a:r>
+              <a:rPr lang="en-US" altLang="zh-CN" dirty="0" smtClean="0"/>
+              <a:t>	</a:t>
+            </a:r>
+            <a:r>
+              <a:rPr lang="zh-CN" altLang="en-US" dirty="0" smtClean="0"/>
+              <a:t>注：</a:t>
+            </a:r>
+            <a:r>
+              <a:rPr lang="en-US" altLang="zh-CN" dirty="0" smtClean="0"/>
+              <a:t>$position</a:t>
+            </a:r>
+            <a:r>
+              <a:rPr lang="zh-CN" altLang="en-US" dirty="0" smtClean="0"/>
+              <a:t>计数从</a:t>
+            </a:r>
+            <a:r>
+              <a:rPr lang="en-US" altLang="zh-CN" dirty="0" smtClean="0"/>
+              <a:t>0</a:t>
+            </a:r>
+            <a:r>
+              <a:rPr lang="zh-CN" altLang="en-US" dirty="0" smtClean="0"/>
+              <a:t>开始（</a:t>
+            </a:r>
+            <a:r>
+              <a:rPr lang="en-US" altLang="zh-CN" dirty="0" smtClean="0"/>
+              <a:t>0-based indexing</a:t>
+            </a:r>
+            <a:r>
+              <a:rPr lang="zh-CN" altLang="en-US" dirty="0" smtClean="0"/>
+              <a:t>）。</a:t>
+            </a:r>
+            <a:r>
+              <a:rPr lang="en-US" altLang="zh-CN" dirty="0" smtClean="0"/>
+              <a:t>e.g. substr.sh</a:t>
+            </a:r>
+          </a:p>
+          <a:p>
+            <a:pPr marL="0" indent="0">
+              <a:buNone/>
+            </a:pPr>
+            <a:r>
+              <a:rPr lang="zh-CN" altLang="en-US" dirty="0"/>
+              <a:t>如果</a:t>
+            </a:r>
+            <a:r>
+              <a:rPr lang="en-US" altLang="zh-CN" dirty="0"/>
+              <a:t>$string</a:t>
+            </a:r>
+            <a:r>
+              <a:rPr lang="zh-CN" altLang="en-US" dirty="0"/>
+              <a:t>为参数</a:t>
+            </a:r>
+            <a:r>
+              <a:rPr lang="en-US" altLang="zh-CN" dirty="0"/>
+              <a:t>”*”</a:t>
+            </a:r>
+            <a:r>
+              <a:rPr lang="zh-CN" altLang="en-US" dirty="0"/>
+              <a:t>或</a:t>
+            </a:r>
+            <a:r>
+              <a:rPr lang="en-US" altLang="zh-CN" dirty="0"/>
+              <a:t>”@”</a:t>
+            </a:r>
+            <a:r>
+              <a:rPr lang="zh-CN" altLang="en-US" dirty="0"/>
+              <a:t>，则提取从位置</a:t>
+            </a:r>
+            <a:r>
+              <a:rPr lang="en-US" altLang="zh-CN" dirty="0"/>
+              <a:t>$position</a:t>
+            </a:r>
+            <a:r>
+              <a:rPr lang="zh-CN" altLang="en-US" dirty="0"/>
+              <a:t>开始</a:t>
+            </a:r>
+            <a:r>
+              <a:rPr lang="zh-CN" altLang="en-US" dirty="0" smtClean="0"/>
+              <a:t>的</a:t>
+            </a:r>
+            <a:r>
+              <a:rPr lang="zh-CN" altLang="en-US" dirty="0"/>
+              <a:t>最多</a:t>
+            </a:r>
+            <a:r>
+              <a:rPr lang="en-US" altLang="zh-CN" dirty="0" smtClean="0"/>
+              <a:t>$length</a:t>
+            </a:r>
+            <a:r>
+              <a:rPr lang="zh-CN" altLang="en-US" dirty="0" smtClean="0"/>
+              <a:t>个位置参数，如果没有</a:t>
+            </a:r>
+            <a:r>
+              <a:rPr lang="en-US" altLang="zh-CN" dirty="0" smtClean="0"/>
+              <a:t>$length</a:t>
+            </a:r>
+            <a:r>
+              <a:rPr lang="zh-CN" altLang="en-US" dirty="0" smtClean="0"/>
+              <a:t>参数，则提取</a:t>
+            </a:r>
+            <a:r>
+              <a:rPr lang="en-US" altLang="zh-CN" dirty="0" smtClean="0"/>
+              <a:t>$position</a:t>
+            </a:r>
+            <a:r>
+              <a:rPr lang="zh-CN" altLang="en-US" dirty="0" smtClean="0"/>
+              <a:t>位置开始的所有位置参数（包含</a:t>
+            </a:r>
+            <a:r>
+              <a:rPr lang="en-US" altLang="zh-CN" dirty="0" smtClean="0"/>
+              <a:t>$position</a:t>
+            </a:r>
+            <a:r>
+              <a:rPr lang="zh-CN" altLang="en-US" dirty="0" smtClean="0"/>
+              <a:t>位置参数）。</a:t>
+            </a:r>
+            <a:endParaRPr lang="en-US" altLang="zh-CN" dirty="0" smtClean="0"/>
+          </a:p>
+          <a:p>
+            <a:pPr marL="0" indent="0">
+              <a:buNone/>
+            </a:pPr>
+            <a:r>
+              <a:rPr lang="en-US" altLang="zh-CN" dirty="0" smtClean="0"/>
+              <a:t>e.g. sub_parameters.sh</a:t>
+            </a:r>
           </a:p>
         </p:txBody>
       </p:sp>
     </p:spTree>
     <p:extLst>
       <p:ext uri="{BB962C8B-B14F-4D97-AF65-F5344CB8AC3E}">
-        <p14:creationId xmlns:p14="http://schemas.microsoft.com/office/powerpoint/2010/main" val="2492421797"/>
+        <p14:creationId xmlns:p14="http://schemas.microsoft.com/office/powerpoint/2010/main" val="4243027036"/>
       </p:ext>
     </p:extLst>
   </p:cSld>
@@ -13878,9 +14298,469 @@
           <a:lstStyle/>
           <a:p>
             <a:r>
-              <a:rPr lang="zh-CN" altLang="en-US" dirty="0"/>
-              <a:t>参考</a:t>
-            </a:r>
+              <a:rPr lang="zh-CN" altLang="en-US" dirty="0" smtClean="0"/>
+              <a:t>字符串操作</a:t>
+            </a:r>
+            <a:endParaRPr lang="zh-CN" altLang="en-US" dirty="0"/>
+          </a:p>
+        </p:txBody>
+      </p:sp>
+      <p:sp>
+        <p:nvSpPr>
+          <p:cNvPr id="3" name="内容占位符 2"/>
+          <p:cNvSpPr>
+            <a:spLocks noGrp="1"/>
+          </p:cNvSpPr>
+          <p:nvPr>
+            <p:ph idx="1"/>
+          </p:nvPr>
+        </p:nvSpPr>
+        <p:spPr/>
+        <p:txBody>
+          <a:bodyPr>
+            <a:normAutofit fontScale="77500" lnSpcReduction="20000"/>
+          </a:bodyPr>
+          <a:lstStyle/>
+          <a:p>
+            <a:r>
+              <a:rPr lang="zh-CN" altLang="en-US" dirty="0" smtClean="0"/>
+              <a:t>子串提取（续）</a:t>
+            </a:r>
+            <a:endParaRPr lang="en-US" altLang="zh-CN" dirty="0" smtClean="0"/>
+          </a:p>
+          <a:p>
+            <a:pPr marL="0" indent="0">
+              <a:buNone/>
+            </a:pPr>
+            <a:r>
+              <a:rPr lang="en-US" altLang="zh-CN" dirty="0" err="1"/>
+              <a:t>expr</a:t>
+            </a:r>
+            <a:r>
+              <a:rPr lang="en-US" altLang="zh-CN" dirty="0"/>
+              <a:t> </a:t>
+            </a:r>
+            <a:r>
+              <a:rPr lang="en-US" altLang="zh-CN" dirty="0" err="1"/>
+              <a:t>substr</a:t>
+            </a:r>
+            <a:r>
+              <a:rPr lang="en-US" altLang="zh-CN" dirty="0"/>
+              <a:t> $string $position $</a:t>
+            </a:r>
+            <a:r>
+              <a:rPr lang="en-US" altLang="zh-CN" dirty="0" smtClean="0"/>
+              <a:t>length</a:t>
+            </a:r>
+          </a:p>
+          <a:p>
+            <a:pPr marL="0" indent="0">
+              <a:buNone/>
+            </a:pPr>
+            <a:r>
+              <a:rPr lang="en-US" altLang="zh-CN" dirty="0"/>
+              <a:t>	</a:t>
+            </a:r>
+            <a:r>
+              <a:rPr lang="zh-CN" altLang="en-US" dirty="0"/>
+              <a:t>从</a:t>
+            </a:r>
+            <a:r>
+              <a:rPr lang="en-US" altLang="zh-CN" dirty="0"/>
+              <a:t>$string</a:t>
+            </a:r>
+            <a:r>
+              <a:rPr lang="zh-CN" altLang="en-US" dirty="0"/>
+              <a:t>中位置</a:t>
+            </a:r>
+            <a:r>
+              <a:rPr lang="en-US" altLang="zh-CN" dirty="0"/>
+              <a:t>$position</a:t>
+            </a:r>
+            <a:r>
+              <a:rPr lang="zh-CN" altLang="en-US" dirty="0"/>
+              <a:t>开始提取</a:t>
+            </a:r>
+            <a:r>
+              <a:rPr lang="en-US" altLang="zh-CN" dirty="0"/>
+              <a:t>$length</a:t>
+            </a:r>
+            <a:r>
+              <a:rPr lang="zh-CN" altLang="en-US" dirty="0"/>
+              <a:t>长度的子串</a:t>
+            </a:r>
+            <a:r>
+              <a:rPr lang="zh-CN" altLang="en-US" dirty="0" smtClean="0"/>
+              <a:t>。（</a:t>
+            </a:r>
+            <a:r>
+              <a:rPr lang="en-US" altLang="zh-CN" dirty="0" smtClean="0"/>
+              <a:t>$position</a:t>
+            </a:r>
+            <a:r>
+              <a:rPr lang="zh-CN" altLang="en-US" dirty="0" smtClean="0"/>
+              <a:t>计数从</a:t>
+            </a:r>
+            <a:r>
+              <a:rPr lang="en-US" altLang="zh-CN" dirty="0" smtClean="0"/>
+              <a:t>1</a:t>
+            </a:r>
+            <a:r>
+              <a:rPr lang="zh-CN" altLang="en-US" dirty="0" smtClean="0"/>
+              <a:t>开始）</a:t>
+            </a:r>
+            <a:endParaRPr lang="en-US" altLang="zh-CN" dirty="0" smtClean="0"/>
+          </a:p>
+          <a:p>
+            <a:pPr marL="0" indent="0">
+              <a:buNone/>
+            </a:pPr>
+            <a:r>
+              <a:rPr lang="en-US" altLang="zh-CN" dirty="0"/>
+              <a:t>	</a:t>
+            </a:r>
+            <a:r>
+              <a:rPr lang="en-US" altLang="zh-CN" dirty="0" smtClean="0"/>
+              <a:t>e.g. expr_substr.sh</a:t>
+            </a:r>
+          </a:p>
+          <a:p>
+            <a:pPr marL="0" indent="0">
+              <a:buNone/>
+            </a:pPr>
+            <a:r>
+              <a:rPr lang="en-US" altLang="zh-CN" dirty="0" err="1"/>
+              <a:t>expr</a:t>
+            </a:r>
+            <a:r>
+              <a:rPr lang="en-US" altLang="zh-CN" dirty="0"/>
+              <a:t> match "$string" '\($substring</a:t>
+            </a:r>
+            <a:r>
+              <a:rPr lang="en-US" altLang="zh-CN" dirty="0" smtClean="0"/>
+              <a:t>\)‘</a:t>
+            </a:r>
+          </a:p>
+          <a:p>
+            <a:pPr marL="0" indent="0">
+              <a:buNone/>
+            </a:pPr>
+            <a:r>
+              <a:rPr lang="en-US" altLang="zh-CN" dirty="0"/>
+              <a:t>	</a:t>
+            </a:r>
+            <a:r>
+              <a:rPr lang="zh-CN" altLang="en-US" dirty="0" smtClean="0"/>
+              <a:t>从</a:t>
+            </a:r>
+            <a:r>
+              <a:rPr lang="en-US" altLang="zh-CN" dirty="0" smtClean="0"/>
+              <a:t>$string</a:t>
+            </a:r>
+            <a:r>
+              <a:rPr lang="zh-CN" altLang="en-US" dirty="0" smtClean="0"/>
+              <a:t>的开头提取</a:t>
+            </a:r>
+            <a:r>
+              <a:rPr lang="en-US" altLang="zh-CN" dirty="0" smtClean="0"/>
+              <a:t>$substring</a:t>
+            </a:r>
+            <a:r>
+              <a:rPr lang="zh-CN" altLang="en-US" dirty="0" smtClean="0"/>
+              <a:t>，</a:t>
+            </a:r>
+            <a:r>
+              <a:rPr lang="en-US" altLang="zh-CN" dirty="0" smtClean="0"/>
+              <a:t>$substring</a:t>
+            </a:r>
+            <a:r>
+              <a:rPr lang="zh-CN" altLang="en-US" dirty="0" smtClean="0"/>
+              <a:t>是一个正则表达式。</a:t>
+            </a:r>
+            <a:endParaRPr lang="en-US" altLang="zh-CN" dirty="0" smtClean="0"/>
+          </a:p>
+          <a:p>
+            <a:pPr marL="0" indent="0">
+              <a:buNone/>
+            </a:pPr>
+            <a:r>
+              <a:rPr lang="en-US" altLang="zh-CN" dirty="0" err="1"/>
+              <a:t>expr</a:t>
+            </a:r>
+            <a:r>
+              <a:rPr lang="en-US" altLang="zh-CN" dirty="0"/>
+              <a:t> "$string" : '\($substring</a:t>
+            </a:r>
+            <a:r>
+              <a:rPr lang="en-US" altLang="zh-CN" dirty="0" smtClean="0"/>
+              <a:t>\)‘</a:t>
+            </a:r>
+          </a:p>
+          <a:p>
+            <a:pPr marL="0" indent="0">
+              <a:buNone/>
+            </a:pPr>
+            <a:r>
+              <a:rPr lang="en-US" altLang="zh-CN" dirty="0"/>
+              <a:t>	</a:t>
+            </a:r>
+            <a:r>
+              <a:rPr lang="zh-CN" altLang="en-US" dirty="0"/>
+              <a:t>从</a:t>
+            </a:r>
+            <a:r>
+              <a:rPr lang="en-US" altLang="zh-CN" dirty="0"/>
+              <a:t>$string</a:t>
+            </a:r>
+            <a:r>
+              <a:rPr lang="zh-CN" altLang="en-US" dirty="0"/>
+              <a:t>的开头提取</a:t>
+            </a:r>
+            <a:r>
+              <a:rPr lang="en-US" altLang="zh-CN" dirty="0"/>
+              <a:t>$substring</a:t>
+            </a:r>
+            <a:r>
+              <a:rPr lang="zh-CN" altLang="en-US" dirty="0"/>
+              <a:t>，</a:t>
+            </a:r>
+            <a:r>
+              <a:rPr lang="en-US" altLang="zh-CN" dirty="0"/>
+              <a:t>$substring</a:t>
+            </a:r>
+            <a:r>
+              <a:rPr lang="zh-CN" altLang="en-US" dirty="0"/>
+              <a:t>是一个正则表达式</a:t>
+            </a:r>
+            <a:r>
+              <a:rPr lang="zh-CN" altLang="en-US" dirty="0" smtClean="0"/>
+              <a:t>。</a:t>
+            </a:r>
+            <a:endParaRPr lang="en-US" altLang="zh-CN" dirty="0" smtClean="0"/>
+          </a:p>
+          <a:p>
+            <a:pPr marL="0" indent="0">
+              <a:buNone/>
+            </a:pPr>
+            <a:r>
+              <a:rPr lang="en-US" altLang="zh-CN" dirty="0" smtClean="0"/>
+              <a:t>	e.g</a:t>
+            </a:r>
+            <a:r>
+              <a:rPr lang="en-US" altLang="zh-CN" dirty="0"/>
+              <a:t>. </a:t>
+            </a:r>
+            <a:r>
+              <a:rPr lang="en-US" altLang="zh-CN" dirty="0" smtClean="0"/>
+              <a:t>expr_substr_head.sh</a:t>
+            </a:r>
+          </a:p>
+          <a:p>
+            <a:pPr marL="0" indent="0">
+              <a:buNone/>
+            </a:pPr>
+            <a:r>
+              <a:rPr lang="en-US" altLang="zh-CN" dirty="0" err="1"/>
+              <a:t>expr</a:t>
+            </a:r>
+            <a:r>
+              <a:rPr lang="en-US" altLang="zh-CN" dirty="0"/>
+              <a:t> match "$string" '.*\($substring</a:t>
+            </a:r>
+            <a:r>
+              <a:rPr lang="en-US" altLang="zh-CN" dirty="0" smtClean="0"/>
+              <a:t>\)‘</a:t>
+            </a:r>
+          </a:p>
+          <a:p>
+            <a:pPr marL="0" indent="0">
+              <a:buNone/>
+            </a:pPr>
+            <a:r>
+              <a:rPr lang="en-US" altLang="zh-CN" dirty="0"/>
+              <a:t>	</a:t>
+            </a:r>
+            <a:r>
+              <a:rPr lang="zh-CN" altLang="en-US" dirty="0"/>
+              <a:t>从</a:t>
+            </a:r>
+            <a:r>
+              <a:rPr lang="en-US" altLang="zh-CN" dirty="0"/>
+              <a:t>$string</a:t>
+            </a:r>
+            <a:r>
+              <a:rPr lang="zh-CN" altLang="en-US" dirty="0" smtClean="0"/>
+              <a:t>的</a:t>
+            </a:r>
+            <a:r>
+              <a:rPr lang="zh-CN" altLang="en-US" dirty="0"/>
+              <a:t>结尾</a:t>
+            </a:r>
+            <a:r>
+              <a:rPr lang="zh-CN" altLang="en-US" dirty="0" smtClean="0"/>
+              <a:t>提取</a:t>
+            </a:r>
+            <a:r>
+              <a:rPr lang="en-US" altLang="zh-CN" dirty="0"/>
+              <a:t>$substring</a:t>
+            </a:r>
+            <a:r>
+              <a:rPr lang="zh-CN" altLang="en-US" dirty="0"/>
+              <a:t>，</a:t>
+            </a:r>
+            <a:r>
+              <a:rPr lang="en-US" altLang="zh-CN" dirty="0"/>
+              <a:t>$substring</a:t>
+            </a:r>
+            <a:r>
+              <a:rPr lang="zh-CN" altLang="en-US" dirty="0"/>
+              <a:t>是一个正则表达式</a:t>
+            </a:r>
+            <a:r>
+              <a:rPr lang="zh-CN" altLang="en-US" dirty="0" smtClean="0"/>
+              <a:t>。</a:t>
+            </a:r>
+            <a:endParaRPr lang="en-US" altLang="zh-CN" dirty="0" smtClean="0"/>
+          </a:p>
+          <a:p>
+            <a:pPr marL="0" indent="0">
+              <a:buNone/>
+            </a:pPr>
+            <a:r>
+              <a:rPr lang="en-US" altLang="zh-CN" dirty="0" err="1"/>
+              <a:t>expr</a:t>
+            </a:r>
+            <a:r>
+              <a:rPr lang="en-US" altLang="zh-CN" dirty="0"/>
+              <a:t> "$string" : '.*\($substring</a:t>
+            </a:r>
+            <a:r>
+              <a:rPr lang="en-US" altLang="zh-CN" dirty="0" smtClean="0"/>
+              <a:t>\)‘</a:t>
+            </a:r>
+          </a:p>
+          <a:p>
+            <a:pPr marL="0" indent="0">
+              <a:buNone/>
+            </a:pPr>
+            <a:r>
+              <a:rPr lang="en-US" altLang="zh-CN" dirty="0"/>
+              <a:t>	</a:t>
+            </a:r>
+            <a:r>
+              <a:rPr lang="zh-CN" altLang="en-US" dirty="0"/>
+              <a:t>从</a:t>
+            </a:r>
+            <a:r>
+              <a:rPr lang="en-US" altLang="zh-CN" dirty="0"/>
+              <a:t>$string</a:t>
+            </a:r>
+            <a:r>
+              <a:rPr lang="zh-CN" altLang="en-US" dirty="0"/>
+              <a:t>的结尾提取</a:t>
+            </a:r>
+            <a:r>
+              <a:rPr lang="en-US" altLang="zh-CN" dirty="0"/>
+              <a:t>$substring</a:t>
+            </a:r>
+            <a:r>
+              <a:rPr lang="zh-CN" altLang="en-US" dirty="0"/>
+              <a:t>，</a:t>
+            </a:r>
+            <a:r>
+              <a:rPr lang="en-US" altLang="zh-CN" dirty="0"/>
+              <a:t>$substring</a:t>
+            </a:r>
+            <a:r>
+              <a:rPr lang="zh-CN" altLang="en-US" dirty="0"/>
+              <a:t>是一个正则表达式</a:t>
+            </a:r>
+            <a:r>
+              <a:rPr lang="zh-CN" altLang="en-US" dirty="0" smtClean="0"/>
+              <a:t>。</a:t>
+            </a:r>
+            <a:endParaRPr lang="en-US" altLang="zh-CN" dirty="0" smtClean="0"/>
+          </a:p>
+          <a:p>
+            <a:pPr marL="0" indent="0">
+              <a:buNone/>
+            </a:pPr>
+            <a:r>
+              <a:rPr lang="en-US" altLang="zh-CN" dirty="0"/>
+              <a:t>	e.g. expr_substr_end.sh</a:t>
+            </a:r>
+          </a:p>
+          <a:p>
+            <a:pPr marL="0" indent="0">
+              <a:buNone/>
+            </a:pPr>
+            <a:endParaRPr lang="en-US" altLang="zh-CN" dirty="0"/>
+          </a:p>
+          <a:p>
+            <a:pPr marL="0" indent="0">
+              <a:buNone/>
+            </a:pPr>
+            <a:endParaRPr lang="zh-CN" altLang="en-US" dirty="0"/>
+          </a:p>
+        </p:txBody>
+      </p:sp>
+    </p:spTree>
+    <p:extLst>
+      <p:ext uri="{BB962C8B-B14F-4D97-AF65-F5344CB8AC3E}">
+        <p14:creationId xmlns:p14="http://schemas.microsoft.com/office/powerpoint/2010/main" val="375972999"/>
+      </p:ext>
+    </p:extLst>
+  </p:cSld>
+  <p:clrMapOvr>
+    <a:masterClrMapping/>
+  </p:clrMapOvr>
+  <p:timing>
+    <p:tnLst>
+      <p:par>
+        <p:cTn id="1" dur="indefinite" restart="never" nodeType="tmRoot"/>
+      </p:par>
+    </p:tnLst>
+  </p:timing>
+</p:sld>
+</file>
+
+<file path=ppt/slides/slide33.xml><?xml version="1.0" encoding="utf-8"?>
+<p:sld xmlns:a="http://schemas.openxmlformats.org/drawingml/2006/main" xmlns:r="http://schemas.openxmlformats.org/officeDocument/2006/relationships" xmlns:p="http://schemas.openxmlformats.org/presentationml/2006/main">
+  <p:cSld>
+    <p:spTree>
+      <p:nvGrpSpPr>
+        <p:cNvPr id="1" name=""/>
+        <p:cNvGrpSpPr/>
+        <p:nvPr/>
+      </p:nvGrpSpPr>
+      <p:grpSpPr>
+        <a:xfrm>
+          <a:off x="0" y="0"/>
+          <a:ext cx="0" cy="0"/>
+          <a:chOff x="0" y="0"/>
+          <a:chExt cx="0" cy="0"/>
+        </a:xfrm>
+      </p:grpSpPr>
+      <p:sp>
+        <p:nvSpPr>
+          <p:cNvPr id="2" name="标题 1"/>
+          <p:cNvSpPr>
+            <a:spLocks noGrp="1"/>
+          </p:cNvSpPr>
+          <p:nvPr>
+            <p:ph type="title"/>
+          </p:nvPr>
+        </p:nvSpPr>
+        <p:spPr/>
+        <p:txBody>
+          <a:bodyPr/>
+          <a:lstStyle/>
+          <a:p>
+            <a:r>
+              <a:rPr lang="zh-CN" altLang="en-US" dirty="0" smtClean="0"/>
+              <a:t>字符串操作</a:t>
+            </a:r>
+            <a:endParaRPr lang="zh-CN" altLang="en-US" dirty="0"/>
           </a:p>
         </p:txBody>
       </p:sp>
@@ -13902,16 +14782,8 @@
           <a:lstStyle/>
           <a:p>
             <a:r>
-              <a:rPr lang="en-US" altLang="zh-CN" dirty="0" smtClean="0"/>
-              <a:t>Advanced </a:t>
-            </a:r>
-            <a:r>
-              <a:rPr lang="en-US" altLang="zh-CN" dirty="0"/>
-              <a:t>Bash-Scripting Guide</a:t>
-            </a:r>
-            <a:r>
-              <a:rPr lang="zh-CN" altLang="en-US" dirty="0" smtClean="0"/>
-              <a:t>：</a:t>
+              <a:rPr lang="zh-CN" altLang="en-US" dirty="0" smtClean="0"/>
+              <a:t>子串删除</a:t>
             </a:r>
             <a:endParaRPr lang="en-US" altLang="zh-CN" dirty="0" smtClean="0"/>
           </a:p>
@@ -13920,110 +14792,256 @@
               <a:buNone/>
             </a:pPr>
             <a:r>
-              <a:rPr lang="en-US" altLang="zh-CN" dirty="0" smtClean="0">
-                <a:hlinkClick r:id="rId2"/>
-              </a:rPr>
-              <a:t>http://www.tldp.org/LDP/abs/html/abs-guide.html</a:t>
+              <a:rPr lang="en-US" altLang="zh-CN" dirty="0"/>
+              <a:t>${</a:t>
+            </a:r>
+            <a:r>
+              <a:rPr lang="en-US" altLang="zh-CN" dirty="0" err="1"/>
+              <a:t>string#substring</a:t>
+            </a:r>
+            <a:r>
+              <a:rPr lang="en-US" altLang="zh-CN" dirty="0" smtClean="0"/>
+              <a:t>}</a:t>
+            </a:r>
+          </a:p>
+          <a:p>
+            <a:pPr marL="0" indent="0">
+              <a:buNone/>
+            </a:pPr>
+            <a:r>
+              <a:rPr lang="en-US" altLang="zh-CN" dirty="0"/>
+              <a:t>	</a:t>
+            </a:r>
+            <a:r>
+              <a:rPr lang="zh-CN" altLang="en-US" dirty="0" smtClean="0"/>
+              <a:t>从</a:t>
+            </a:r>
+            <a:r>
+              <a:rPr lang="en-US" altLang="zh-CN" dirty="0" smtClean="0"/>
+              <a:t>$string</a:t>
+            </a:r>
+            <a:r>
+              <a:rPr lang="zh-CN" altLang="en-US" dirty="0" smtClean="0"/>
+              <a:t>的开头位置截掉最短匹配的</a:t>
+            </a:r>
+            <a:r>
+              <a:rPr lang="en-US" altLang="zh-CN" dirty="0" smtClean="0"/>
+              <a:t>$substring</a:t>
+            </a:r>
+          </a:p>
+          <a:p>
+            <a:pPr marL="0" indent="0">
+              <a:buNone/>
+            </a:pPr>
+            <a:r>
+              <a:rPr lang="en-US" altLang="zh-CN" dirty="0"/>
+              <a:t>${string##substring</a:t>
+            </a:r>
+            <a:r>
+              <a:rPr lang="en-US" altLang="zh-CN" dirty="0" smtClean="0"/>
+              <a:t>}</a:t>
+            </a:r>
+          </a:p>
+          <a:p>
+            <a:pPr marL="0" indent="0">
+              <a:buNone/>
+            </a:pPr>
+            <a:r>
+              <a:rPr lang="en-US" altLang="zh-CN" dirty="0"/>
+              <a:t>	</a:t>
+            </a:r>
+            <a:r>
+              <a:rPr lang="zh-CN" altLang="en-US" dirty="0"/>
+              <a:t>从</a:t>
+            </a:r>
+            <a:r>
+              <a:rPr lang="en-US" altLang="zh-CN" dirty="0"/>
+              <a:t>$string</a:t>
+            </a:r>
+            <a:r>
+              <a:rPr lang="zh-CN" altLang="en-US" dirty="0"/>
+              <a:t>的开头位置截掉</a:t>
+            </a:r>
+            <a:r>
+              <a:rPr lang="zh-CN" altLang="en-US" dirty="0" smtClean="0"/>
+              <a:t>最</a:t>
+            </a:r>
+            <a:r>
+              <a:rPr lang="zh-CN" altLang="en-US" dirty="0"/>
+              <a:t>长</a:t>
+            </a:r>
+            <a:r>
+              <a:rPr lang="zh-CN" altLang="en-US" dirty="0" smtClean="0"/>
+              <a:t>匹配</a:t>
+            </a:r>
+            <a:r>
+              <a:rPr lang="zh-CN" altLang="en-US" dirty="0"/>
+              <a:t>的</a:t>
+            </a:r>
+            <a:r>
+              <a:rPr lang="en-US" altLang="zh-CN" dirty="0"/>
+              <a:t>$</a:t>
+            </a:r>
+            <a:r>
+              <a:rPr lang="en-US" altLang="zh-CN" dirty="0" smtClean="0"/>
+              <a:t>substring</a:t>
+            </a:r>
+          </a:p>
+          <a:p>
+            <a:pPr marL="0" indent="0">
+              <a:buNone/>
+            </a:pPr>
+            <a:r>
+              <a:rPr lang="en-US" altLang="zh-CN" dirty="0"/>
+              <a:t>	</a:t>
+            </a:r>
+            <a:r>
+              <a:rPr lang="en-US" altLang="zh-CN" dirty="0" smtClean="0"/>
+              <a:t>e.g. str_head_rm.sh</a:t>
+            </a:r>
+          </a:p>
+          <a:p>
+            <a:pPr marL="0" indent="0">
+              <a:buNone/>
+            </a:pPr>
+            <a:r>
+              <a:rPr lang="en-US" altLang="zh-CN" dirty="0"/>
+              <a:t>${</a:t>
+            </a:r>
+            <a:r>
+              <a:rPr lang="en-US" altLang="zh-CN" dirty="0" err="1"/>
+              <a:t>string%substring</a:t>
+            </a:r>
+            <a:r>
+              <a:rPr lang="en-US" altLang="zh-CN" dirty="0" smtClean="0"/>
+              <a:t>}</a:t>
+            </a:r>
+          </a:p>
+          <a:p>
+            <a:pPr marL="0" indent="0">
+              <a:buNone/>
+            </a:pPr>
+            <a:r>
+              <a:rPr lang="en-US" altLang="zh-CN" dirty="0"/>
+              <a:t>	</a:t>
+            </a:r>
+            <a:r>
+              <a:rPr lang="zh-CN" altLang="en-US" dirty="0"/>
+              <a:t>从</a:t>
+            </a:r>
+            <a:r>
+              <a:rPr lang="en-US" altLang="zh-CN" dirty="0"/>
+              <a:t>$string</a:t>
+            </a:r>
+            <a:r>
+              <a:rPr lang="zh-CN" altLang="en-US" dirty="0" smtClean="0"/>
+              <a:t>的</a:t>
+            </a:r>
+            <a:r>
+              <a:rPr lang="zh-CN" altLang="en-US" dirty="0"/>
+              <a:t>结尾</a:t>
+            </a:r>
+            <a:r>
+              <a:rPr lang="zh-CN" altLang="en-US" dirty="0" smtClean="0"/>
+              <a:t>位置</a:t>
+            </a:r>
+            <a:r>
+              <a:rPr lang="zh-CN" altLang="en-US" dirty="0"/>
+              <a:t>截掉最短匹配的</a:t>
+            </a:r>
+            <a:r>
+              <a:rPr lang="en-US" altLang="zh-CN" dirty="0"/>
+              <a:t>$</a:t>
+            </a:r>
+            <a:r>
+              <a:rPr lang="en-US" altLang="zh-CN" dirty="0" smtClean="0"/>
+              <a:t>substring</a:t>
+            </a:r>
+          </a:p>
+          <a:p>
+            <a:pPr marL="0" indent="0">
+              <a:buNone/>
+            </a:pPr>
+            <a:r>
+              <a:rPr lang="en-US" altLang="zh-CN" dirty="0"/>
+              <a:t>${string</a:t>
+            </a:r>
+            <a:r>
+              <a:rPr lang="en-US" altLang="zh-CN" dirty="0" smtClean="0"/>
+              <a:t>%%substring</a:t>
+            </a:r>
+            <a:r>
+              <a:rPr lang="en-US" altLang="zh-CN" dirty="0"/>
+              <a:t>}</a:t>
+            </a:r>
+          </a:p>
+          <a:p>
+            <a:pPr marL="0" indent="0">
+              <a:buNone/>
+            </a:pPr>
+            <a:r>
+              <a:rPr lang="en-US" altLang="zh-CN" dirty="0"/>
+              <a:t>	</a:t>
+            </a:r>
+            <a:r>
+              <a:rPr lang="zh-CN" altLang="en-US" dirty="0"/>
+              <a:t>从</a:t>
+            </a:r>
+            <a:r>
+              <a:rPr lang="en-US" altLang="zh-CN" dirty="0"/>
+              <a:t>$string</a:t>
+            </a:r>
+            <a:r>
+              <a:rPr lang="zh-CN" altLang="en-US" dirty="0"/>
+              <a:t>的结尾位置截掉</a:t>
+            </a:r>
+            <a:r>
+              <a:rPr lang="zh-CN" altLang="en-US" dirty="0" smtClean="0"/>
+              <a:t>最长匹配</a:t>
+            </a:r>
+            <a:r>
+              <a:rPr lang="zh-CN" altLang="en-US" dirty="0"/>
+              <a:t>的</a:t>
+            </a:r>
+            <a:r>
+              <a:rPr lang="en-US" altLang="zh-CN" dirty="0"/>
+              <a:t>$</a:t>
+            </a:r>
+            <a:r>
+              <a:rPr lang="en-US" altLang="zh-CN" dirty="0" smtClean="0"/>
+              <a:t>substring</a:t>
+            </a:r>
+          </a:p>
+          <a:p>
+            <a:pPr marL="0" indent="0">
+              <a:buNone/>
+            </a:pPr>
+            <a:r>
+              <a:rPr lang="en-US" altLang="zh-CN" dirty="0"/>
+              <a:t>	</a:t>
+            </a:r>
+            <a:r>
+              <a:rPr lang="en-US" altLang="zh-CN" dirty="0" smtClean="0"/>
+              <a:t>e.g. str_end_rm.sh  rename.sh</a:t>
             </a:r>
             <a:endParaRPr lang="en-US" altLang="zh-CN" dirty="0"/>
           </a:p>
           <a:p>
-            <a:r>
-              <a:rPr lang="en-US" altLang="zh-CN" dirty="0" smtClean="0"/>
-              <a:t>sed </a:t>
-            </a:r>
-            <a:r>
-              <a:rPr lang="en-US" altLang="zh-CN" dirty="0"/>
-              <a:t>&amp; awk </a:t>
-            </a:r>
-            <a:r>
-              <a:rPr lang="zh-CN" altLang="en-US" dirty="0" smtClean="0"/>
-              <a:t>概述</a:t>
-            </a:r>
-            <a:endParaRPr lang="en-US" altLang="zh-CN" dirty="0" smtClean="0"/>
-          </a:p>
-          <a:p>
-            <a:pPr marL="0" indent="0">
-              <a:buNone/>
-            </a:pPr>
-            <a:r>
-              <a:rPr lang="en-US" altLang="zh-CN" dirty="0" smtClean="0">
-                <a:hlinkClick r:id="rId3"/>
-              </a:rPr>
-              <a:t>http://jarson.in/sed-awk-overview/</a:t>
-            </a:r>
-            <a:endParaRPr lang="en-US" altLang="zh-CN" dirty="0" smtClean="0"/>
-          </a:p>
-          <a:p>
-            <a:r>
-              <a:rPr lang="en-US" altLang="zh-CN" dirty="0" smtClean="0"/>
-              <a:t>sed </a:t>
-            </a:r>
-            <a:r>
-              <a:rPr lang="zh-CN" altLang="en-US" dirty="0"/>
-              <a:t>学习</a:t>
-            </a:r>
-            <a:r>
-              <a:rPr lang="zh-CN" altLang="en-US" dirty="0" smtClean="0"/>
-              <a:t>手册</a:t>
-            </a:r>
-            <a:endParaRPr lang="en-US" altLang="zh-CN" dirty="0" smtClean="0"/>
-          </a:p>
-          <a:p>
-            <a:pPr marL="0" indent="0">
-              <a:buNone/>
-            </a:pPr>
-            <a:r>
-              <a:rPr lang="en-US" altLang="zh-CN" dirty="0" smtClean="0">
-                <a:hlinkClick r:id="rId4"/>
-              </a:rPr>
-              <a:t>http://jarson.in/sed-manual/</a:t>
-            </a:r>
-            <a:endParaRPr lang="en-US" altLang="zh-CN" dirty="0" smtClean="0"/>
-          </a:p>
-          <a:p>
-            <a:r>
-              <a:rPr lang="en-US" altLang="zh-CN" dirty="0" smtClean="0"/>
-              <a:t>sed </a:t>
-            </a:r>
-            <a:r>
-              <a:rPr lang="zh-CN" altLang="en-US" dirty="0"/>
-              <a:t>函数</a:t>
-            </a:r>
-            <a:r>
-              <a:rPr lang="zh-CN" altLang="en-US" dirty="0" smtClean="0"/>
-              <a:t>参数</a:t>
-            </a:r>
-            <a:endParaRPr lang="en-US" altLang="zh-CN" dirty="0" smtClean="0"/>
-          </a:p>
-          <a:p>
-            <a:pPr marL="0" indent="0">
-              <a:buNone/>
-            </a:pPr>
-            <a:r>
-              <a:rPr lang="en-US" altLang="zh-CN" dirty="0" smtClean="0">
-                <a:hlinkClick r:id="rId5"/>
-              </a:rPr>
-              <a:t>http://jarson.in/sed-functions/</a:t>
-            </a:r>
+            <a:pPr marL="0" indent="0">
+              <a:buNone/>
+            </a:pPr>
             <a:endParaRPr lang="en-US" altLang="zh-CN" dirty="0"/>
           </a:p>
           <a:p>
-            <a:r>
-              <a:rPr lang="en-US" altLang="zh-CN" dirty="0" smtClean="0"/>
-              <a:t>awk</a:t>
-            </a:r>
-          </a:p>
-          <a:p>
-            <a:pPr marL="0" indent="0">
-              <a:buNone/>
-            </a:pPr>
-            <a:r>
-              <a:rPr lang="en-US" altLang="zh-CN" dirty="0" smtClean="0">
-                <a:hlinkClick r:id="rId6"/>
-              </a:rPr>
-              <a:t>http://www.aslibra.com/doc/awk.htm</a:t>
-            </a:r>
+            <a:pPr marL="0" indent="0">
+              <a:buNone/>
+            </a:pPr>
+            <a:endParaRPr lang="en-US" altLang="zh-CN" dirty="0"/>
+          </a:p>
+          <a:p>
+            <a:pPr marL="0" indent="0">
+              <a:buNone/>
+            </a:pPr>
             <a:endParaRPr lang="zh-CN" altLang="en-US" dirty="0"/>
           </a:p>
         </p:txBody>
@@ -14031,7 +15049,1339 @@
     </p:spTree>
     <p:extLst>
       <p:ext uri="{BB962C8B-B14F-4D97-AF65-F5344CB8AC3E}">
-        <p14:creationId xmlns:p14="http://schemas.microsoft.com/office/powerpoint/2010/main" val="893627498"/>
+        <p14:creationId xmlns:p14="http://schemas.microsoft.com/office/powerpoint/2010/main" val="1335740080"/>
+      </p:ext>
+    </p:extLst>
+  </p:cSld>
+  <p:clrMapOvr>
+    <a:masterClrMapping/>
+  </p:clrMapOvr>
+  <p:timing>
+    <p:tnLst>
+      <p:par>
+        <p:cTn id="1" dur="indefinite" restart="never" nodeType="tmRoot"/>
+      </p:par>
+    </p:tnLst>
+  </p:timing>
+</p:sld>
+</file>
+
+<file path=ppt/slides/slide34.xml><?xml version="1.0" encoding="utf-8"?>
+<p:sld xmlns:a="http://schemas.openxmlformats.org/drawingml/2006/main" xmlns:r="http://schemas.openxmlformats.org/officeDocument/2006/relationships" xmlns:p="http://schemas.openxmlformats.org/presentationml/2006/main">
+  <p:cSld>
+    <p:spTree>
+      <p:nvGrpSpPr>
+        <p:cNvPr id="1" name=""/>
+        <p:cNvGrpSpPr/>
+        <p:nvPr/>
+      </p:nvGrpSpPr>
+      <p:grpSpPr>
+        <a:xfrm>
+          <a:off x="0" y="0"/>
+          <a:ext cx="0" cy="0"/>
+          <a:chOff x="0" y="0"/>
+          <a:chExt cx="0" cy="0"/>
+        </a:xfrm>
+      </p:grpSpPr>
+      <p:sp>
+        <p:nvSpPr>
+          <p:cNvPr id="2" name="标题 1"/>
+          <p:cNvSpPr>
+            <a:spLocks noGrp="1"/>
+          </p:cNvSpPr>
+          <p:nvPr>
+            <p:ph type="title"/>
+          </p:nvPr>
+        </p:nvSpPr>
+        <p:spPr/>
+        <p:txBody>
+          <a:bodyPr/>
+          <a:lstStyle/>
+          <a:p>
+            <a:r>
+              <a:rPr lang="zh-CN" altLang="en-US" dirty="0" smtClean="0"/>
+              <a:t>字符串操作</a:t>
+            </a:r>
+            <a:endParaRPr lang="zh-CN" altLang="en-US" dirty="0"/>
+          </a:p>
+        </p:txBody>
+      </p:sp>
+      <p:sp>
+        <p:nvSpPr>
+          <p:cNvPr id="3" name="内容占位符 2"/>
+          <p:cNvSpPr>
+            <a:spLocks noGrp="1"/>
+          </p:cNvSpPr>
+          <p:nvPr>
+            <p:ph idx="1"/>
+          </p:nvPr>
+        </p:nvSpPr>
+        <p:spPr/>
+        <p:txBody>
+          <a:bodyPr>
+            <a:normAutofit lnSpcReduction="10000"/>
+          </a:bodyPr>
+          <a:lstStyle/>
+          <a:p>
+            <a:r>
+              <a:rPr lang="zh-CN" altLang="en-US" dirty="0" smtClean="0"/>
+              <a:t>子串替换</a:t>
+            </a:r>
+            <a:endParaRPr lang="en-US" altLang="zh-CN" dirty="0" smtClean="0"/>
+          </a:p>
+          <a:p>
+            <a:pPr marL="0" indent="0">
+              <a:buNone/>
+            </a:pPr>
+            <a:r>
+              <a:rPr lang="en-US" altLang="zh-CN" dirty="0"/>
+              <a:t>${string/substring/replacement</a:t>
+            </a:r>
+            <a:r>
+              <a:rPr lang="en-US" altLang="zh-CN" dirty="0" smtClean="0"/>
+              <a:t>}</a:t>
+            </a:r>
+          </a:p>
+          <a:p>
+            <a:pPr marL="0" indent="0">
+              <a:buNone/>
+            </a:pPr>
+            <a:r>
+              <a:rPr lang="en-US" altLang="zh-CN" dirty="0"/>
+              <a:t>	</a:t>
+            </a:r>
+            <a:r>
+              <a:rPr lang="zh-CN" altLang="en-US" dirty="0" smtClean="0"/>
+              <a:t>使用</a:t>
+            </a:r>
+            <a:r>
+              <a:rPr lang="en-US" altLang="zh-CN" dirty="0" smtClean="0"/>
+              <a:t>$replacement</a:t>
+            </a:r>
+            <a:r>
+              <a:rPr lang="zh-CN" altLang="en-US" dirty="0" smtClean="0"/>
+              <a:t>来替换第一个匹配的</a:t>
+            </a:r>
+            <a:r>
+              <a:rPr lang="en-US" altLang="zh-CN" dirty="0" smtClean="0"/>
+              <a:t>$substring</a:t>
+            </a:r>
+          </a:p>
+          <a:p>
+            <a:pPr marL="0" indent="0">
+              <a:buNone/>
+            </a:pPr>
+            <a:r>
+              <a:rPr lang="en-US" altLang="zh-CN" dirty="0"/>
+              <a:t>${string//substring/replacement</a:t>
+            </a:r>
+            <a:r>
+              <a:rPr lang="en-US" altLang="zh-CN" dirty="0" smtClean="0"/>
+              <a:t>}</a:t>
+            </a:r>
+          </a:p>
+          <a:p>
+            <a:pPr marL="0" indent="0">
+              <a:buNone/>
+            </a:pPr>
+            <a:r>
+              <a:rPr lang="en-US" altLang="zh-CN" dirty="0"/>
+              <a:t>	</a:t>
+            </a:r>
+            <a:r>
+              <a:rPr lang="zh-CN" altLang="en-US" dirty="0" smtClean="0"/>
+              <a:t>使用</a:t>
+            </a:r>
+            <a:r>
+              <a:rPr lang="en-US" altLang="zh-CN" dirty="0" smtClean="0"/>
+              <a:t>$replacement</a:t>
+            </a:r>
+            <a:r>
+              <a:rPr lang="zh-CN" altLang="en-US" dirty="0" smtClean="0"/>
+              <a:t>来替换所有匹配的</a:t>
+            </a:r>
+            <a:r>
+              <a:rPr lang="en-US" altLang="zh-CN" dirty="0" smtClean="0"/>
+              <a:t>$substring</a:t>
+            </a:r>
+          </a:p>
+          <a:p>
+            <a:pPr marL="0" indent="0">
+              <a:buNone/>
+            </a:pPr>
+            <a:r>
+              <a:rPr lang="en-US" altLang="zh-CN" dirty="0"/>
+              <a:t>	</a:t>
+            </a:r>
+            <a:r>
+              <a:rPr lang="en-US" altLang="zh-CN" dirty="0" smtClean="0"/>
+              <a:t>e.g. str_replace.sh</a:t>
+            </a:r>
+          </a:p>
+          <a:p>
+            <a:pPr marL="0" indent="0">
+              <a:buNone/>
+            </a:pPr>
+            <a:r>
+              <a:rPr lang="en-US" altLang="zh-CN" dirty="0"/>
+              <a:t>${string/#substring/replacement</a:t>
+            </a:r>
+            <a:r>
+              <a:rPr lang="en-US" altLang="zh-CN" dirty="0" smtClean="0"/>
+              <a:t>}</a:t>
+            </a:r>
+          </a:p>
+          <a:p>
+            <a:pPr marL="0" indent="0">
+              <a:buNone/>
+            </a:pPr>
+            <a:r>
+              <a:rPr lang="en-US" altLang="zh-CN" dirty="0"/>
+              <a:t>	</a:t>
+            </a:r>
+            <a:r>
+              <a:rPr lang="zh-CN" altLang="en-US" dirty="0" smtClean="0"/>
+              <a:t>如果</a:t>
+            </a:r>
+            <a:r>
+              <a:rPr lang="en-US" altLang="zh-CN" dirty="0" smtClean="0"/>
+              <a:t>$substring</a:t>
+            </a:r>
+            <a:r>
+              <a:rPr lang="zh-CN" altLang="en-US" dirty="0" smtClean="0"/>
+              <a:t>匹配</a:t>
+            </a:r>
+            <a:r>
+              <a:rPr lang="en-US" altLang="zh-CN" dirty="0" smtClean="0"/>
+              <a:t>$string</a:t>
+            </a:r>
+            <a:r>
+              <a:rPr lang="zh-CN" altLang="en-US" dirty="0" smtClean="0"/>
+              <a:t>的开头部分，则用</a:t>
+            </a:r>
+            <a:r>
+              <a:rPr lang="en-US" altLang="zh-CN" dirty="0" smtClean="0"/>
+              <a:t>$replacement</a:t>
+            </a:r>
+            <a:r>
+              <a:rPr lang="zh-CN" altLang="en-US" dirty="0" smtClean="0"/>
+              <a:t>替换</a:t>
+            </a:r>
+            <a:r>
+              <a:rPr lang="en-US" altLang="zh-CN" dirty="0" smtClean="0"/>
+              <a:t>$substring</a:t>
+            </a:r>
+          </a:p>
+          <a:p>
+            <a:pPr marL="0" indent="0">
+              <a:buNone/>
+            </a:pPr>
+            <a:r>
+              <a:rPr lang="en-US" altLang="zh-CN" dirty="0"/>
+              <a:t>${</a:t>
+            </a:r>
+            <a:r>
+              <a:rPr lang="en-US" altLang="zh-CN" dirty="0" smtClean="0"/>
+              <a:t>string/%substring/replacement</a:t>
+            </a:r>
+            <a:r>
+              <a:rPr lang="en-US" altLang="zh-CN" dirty="0"/>
+              <a:t>}</a:t>
+            </a:r>
+          </a:p>
+          <a:p>
+            <a:pPr marL="0" indent="0">
+              <a:buNone/>
+            </a:pPr>
+            <a:r>
+              <a:rPr lang="en-US" altLang="zh-CN" dirty="0"/>
+              <a:t>	</a:t>
+            </a:r>
+            <a:r>
+              <a:rPr lang="zh-CN" altLang="en-US" dirty="0"/>
+              <a:t>如果</a:t>
+            </a:r>
+            <a:r>
+              <a:rPr lang="en-US" altLang="zh-CN" dirty="0"/>
+              <a:t>$substring</a:t>
+            </a:r>
+            <a:r>
+              <a:rPr lang="zh-CN" altLang="en-US" dirty="0"/>
+              <a:t>匹配</a:t>
+            </a:r>
+            <a:r>
+              <a:rPr lang="en-US" altLang="zh-CN" dirty="0"/>
+              <a:t>$string</a:t>
+            </a:r>
+            <a:r>
+              <a:rPr lang="zh-CN" altLang="en-US" dirty="0" smtClean="0"/>
+              <a:t>的</a:t>
+            </a:r>
+            <a:r>
+              <a:rPr lang="zh-CN" altLang="en-US" dirty="0"/>
+              <a:t>结尾</a:t>
+            </a:r>
+            <a:r>
+              <a:rPr lang="zh-CN" altLang="en-US" dirty="0" smtClean="0"/>
+              <a:t>部分</a:t>
+            </a:r>
+            <a:r>
+              <a:rPr lang="zh-CN" altLang="en-US" dirty="0"/>
+              <a:t>，则用</a:t>
+            </a:r>
+            <a:r>
+              <a:rPr lang="en-US" altLang="zh-CN" dirty="0"/>
+              <a:t>$replacement</a:t>
+            </a:r>
+            <a:r>
+              <a:rPr lang="zh-CN" altLang="en-US" dirty="0"/>
+              <a:t>替换</a:t>
+            </a:r>
+            <a:r>
+              <a:rPr lang="en-US" altLang="zh-CN" dirty="0"/>
+              <a:t>$</a:t>
+            </a:r>
+            <a:r>
+              <a:rPr lang="en-US" altLang="zh-CN" dirty="0" smtClean="0"/>
+              <a:t>substring</a:t>
+            </a:r>
+          </a:p>
+          <a:p>
+            <a:pPr marL="0" indent="0">
+              <a:buNone/>
+            </a:pPr>
+            <a:r>
+              <a:rPr lang="en-US" altLang="zh-CN" dirty="0"/>
+              <a:t>	</a:t>
+            </a:r>
+            <a:r>
+              <a:rPr lang="en-US" altLang="zh-CN" dirty="0" smtClean="0"/>
+              <a:t>e.g. str_replace2.sh</a:t>
+            </a:r>
+            <a:endParaRPr lang="en-US" altLang="zh-CN" dirty="0"/>
+          </a:p>
+          <a:p>
+            <a:pPr marL="0" indent="0">
+              <a:buNone/>
+            </a:pPr>
+            <a:endParaRPr lang="zh-CN" altLang="en-US" dirty="0"/>
+          </a:p>
+        </p:txBody>
+      </p:sp>
+    </p:spTree>
+    <p:extLst>
+      <p:ext uri="{BB962C8B-B14F-4D97-AF65-F5344CB8AC3E}">
+        <p14:creationId xmlns:p14="http://schemas.microsoft.com/office/powerpoint/2010/main" val="3959284789"/>
+      </p:ext>
+    </p:extLst>
+  </p:cSld>
+  <p:clrMapOvr>
+    <a:masterClrMapping/>
+  </p:clrMapOvr>
+  <p:timing>
+    <p:tnLst>
+      <p:par>
+        <p:cTn id="1" dur="indefinite" restart="never" nodeType="tmRoot"/>
+      </p:par>
+    </p:tnLst>
+  </p:timing>
+</p:sld>
+</file>
+
+<file path=ppt/slides/slide35.xml><?xml version="1.0" encoding="utf-8"?>
+<p:sld xmlns:a="http://schemas.openxmlformats.org/drawingml/2006/main" xmlns:r="http://schemas.openxmlformats.org/officeDocument/2006/relationships" xmlns:p="http://schemas.openxmlformats.org/presentationml/2006/main">
+  <p:cSld>
+    <p:spTree>
+      <p:nvGrpSpPr>
+        <p:cNvPr id="1" name=""/>
+        <p:cNvGrpSpPr/>
+        <p:nvPr/>
+      </p:nvGrpSpPr>
+      <p:grpSpPr>
+        <a:xfrm>
+          <a:off x="0" y="0"/>
+          <a:ext cx="0" cy="0"/>
+          <a:chOff x="0" y="0"/>
+          <a:chExt cx="0" cy="0"/>
+        </a:xfrm>
+      </p:grpSpPr>
+      <p:sp>
+        <p:nvSpPr>
+          <p:cNvPr id="2" name="标题 1"/>
+          <p:cNvSpPr>
+            <a:spLocks noGrp="1"/>
+          </p:cNvSpPr>
+          <p:nvPr>
+            <p:ph type="title"/>
+          </p:nvPr>
+        </p:nvSpPr>
+        <p:spPr/>
+        <p:txBody>
+          <a:bodyPr/>
+          <a:lstStyle/>
+          <a:p>
+            <a:r>
+              <a:rPr lang="zh-CN" altLang="en-US" dirty="0" smtClean="0"/>
+              <a:t>字符串操作</a:t>
+            </a:r>
+            <a:endParaRPr lang="zh-CN" altLang="en-US" dirty="0"/>
+          </a:p>
+        </p:txBody>
+      </p:sp>
+      <p:pic>
+        <p:nvPicPr>
+          <p:cNvPr id="4" name="内容占位符 3"/>
+          <p:cNvPicPr>
+            <a:picLocks noGrp="1" noChangeAspect="1"/>
+          </p:cNvPicPr>
+          <p:nvPr>
+            <p:ph idx="1"/>
+          </p:nvPr>
+        </p:nvPicPr>
+        <p:blipFill>
+          <a:blip r:embed="rId2">
+            <a:extLst>
+              <a:ext uri="{28A0092B-C50C-407E-A947-70E740481C1C}">
+                <a14:useLocalDpi xmlns:a14="http://schemas.microsoft.com/office/drawing/2010/main" val="0"/>
+              </a:ext>
+            </a:extLst>
+          </a:blip>
+          <a:stretch>
+            <a:fillRect/>
+          </a:stretch>
+        </p:blipFill>
+        <p:spPr>
+          <a:xfrm>
+            <a:off x="2565100" y="1390918"/>
+            <a:ext cx="7698881" cy="4520932"/>
+          </a:xfrm>
+        </p:spPr>
+      </p:pic>
+    </p:spTree>
+    <p:extLst>
+      <p:ext uri="{BB962C8B-B14F-4D97-AF65-F5344CB8AC3E}">
+        <p14:creationId xmlns:p14="http://schemas.microsoft.com/office/powerpoint/2010/main" val="401570410"/>
+      </p:ext>
+    </p:extLst>
+  </p:cSld>
+  <p:clrMapOvr>
+    <a:masterClrMapping/>
+  </p:clrMapOvr>
+  <p:timing>
+    <p:tnLst>
+      <p:par>
+        <p:cTn id="1" dur="indefinite" restart="never" nodeType="tmRoot"/>
+      </p:par>
+    </p:tnLst>
+  </p:timing>
+</p:sld>
+</file>
+
+<file path=ppt/slides/slide36.xml><?xml version="1.0" encoding="utf-8"?>
+<p:sld xmlns:a="http://schemas.openxmlformats.org/drawingml/2006/main" xmlns:r="http://schemas.openxmlformats.org/officeDocument/2006/relationships" xmlns:p="http://schemas.openxmlformats.org/presentationml/2006/main">
+  <p:cSld>
+    <p:spTree>
+      <p:nvGrpSpPr>
+        <p:cNvPr id="1" name=""/>
+        <p:cNvGrpSpPr/>
+        <p:nvPr/>
+      </p:nvGrpSpPr>
+      <p:grpSpPr>
+        <a:xfrm>
+          <a:off x="0" y="0"/>
+          <a:ext cx="0" cy="0"/>
+          <a:chOff x="0" y="0"/>
+          <a:chExt cx="0" cy="0"/>
+        </a:xfrm>
+      </p:grpSpPr>
+      <p:sp>
+        <p:nvSpPr>
+          <p:cNvPr id="2" name="标题 1"/>
+          <p:cNvSpPr>
+            <a:spLocks noGrp="1"/>
+          </p:cNvSpPr>
+          <p:nvPr>
+            <p:ph type="title"/>
+          </p:nvPr>
+        </p:nvSpPr>
+        <p:spPr/>
+        <p:txBody>
+          <a:bodyPr/>
+          <a:lstStyle/>
+          <a:p>
+            <a:r>
+              <a:rPr lang="zh-CN" altLang="en-US" dirty="0" smtClean="0"/>
+              <a:t>参数替换</a:t>
+            </a:r>
+            <a:endParaRPr lang="zh-CN" altLang="en-US" dirty="0"/>
+          </a:p>
+        </p:txBody>
+      </p:sp>
+      <p:sp>
+        <p:nvSpPr>
+          <p:cNvPr id="3" name="内容占位符 2"/>
+          <p:cNvSpPr>
+            <a:spLocks noGrp="1"/>
+          </p:cNvSpPr>
+          <p:nvPr>
+            <p:ph idx="1"/>
+          </p:nvPr>
+        </p:nvSpPr>
+        <p:spPr/>
+        <p:txBody>
+          <a:bodyPr/>
+          <a:lstStyle/>
+          <a:p>
+            <a:r>
+              <a:rPr lang="en-US" altLang="zh-CN" dirty="0" smtClean="0"/>
+              <a:t>${parameter}</a:t>
+            </a:r>
+          </a:p>
+          <a:p>
+            <a:pPr marL="0" indent="0">
+              <a:buNone/>
+            </a:pPr>
+            <a:r>
+              <a:rPr lang="zh-CN" altLang="en-US" dirty="0" smtClean="0"/>
+              <a:t>与</a:t>
+            </a:r>
+            <a:r>
+              <a:rPr lang="en-US" altLang="zh-CN" dirty="0" smtClean="0"/>
+              <a:t>$parameter</a:t>
+            </a:r>
+            <a:r>
+              <a:rPr lang="zh-CN" altLang="en-US" dirty="0" smtClean="0"/>
+              <a:t>相同，也即变量</a:t>
+            </a:r>
+            <a:r>
+              <a:rPr lang="en-US" altLang="zh-CN" dirty="0" smtClean="0"/>
+              <a:t>parameter</a:t>
+            </a:r>
+            <a:r>
+              <a:rPr lang="zh-CN" altLang="en-US" dirty="0" smtClean="0"/>
+              <a:t>的值。在某些上下文中，只能使用</a:t>
+            </a:r>
+            <a:r>
+              <a:rPr lang="en-US" altLang="zh-CN" dirty="0" smtClean="0"/>
+              <a:t>${parameter}</a:t>
+            </a:r>
+            <a:r>
+              <a:rPr lang="zh-CN" altLang="en-US" dirty="0" smtClean="0"/>
+              <a:t>形式（把变量和字符串组合起来）。</a:t>
+            </a:r>
+            <a:endParaRPr lang="en-US" altLang="zh-CN" dirty="0" smtClean="0"/>
+          </a:p>
+          <a:p>
+            <a:pPr marL="0" indent="0">
+              <a:buNone/>
+            </a:pPr>
+            <a:r>
+              <a:rPr lang="en-US" altLang="zh-CN" dirty="0" smtClean="0"/>
+              <a:t>e.g. param.sh</a:t>
+            </a:r>
+          </a:p>
+          <a:p>
+            <a:r>
+              <a:rPr lang="en-US" altLang="zh-CN" dirty="0" smtClean="0"/>
+              <a:t>${parameter-default}, ${parameter:-default}</a:t>
+            </a:r>
+          </a:p>
+          <a:p>
+            <a:pPr marL="0" indent="0">
+              <a:buNone/>
+            </a:pPr>
+            <a:r>
+              <a:rPr lang="zh-CN" altLang="en-US" dirty="0" smtClean="0"/>
+              <a:t>如果参数</a:t>
+            </a:r>
+            <a:r>
+              <a:rPr lang="en-US" altLang="zh-CN" dirty="0" smtClean="0"/>
+              <a:t>parameter</a:t>
+            </a:r>
+            <a:r>
+              <a:rPr lang="zh-CN" altLang="en-US" dirty="0" smtClean="0"/>
+              <a:t>未设置，则</a:t>
+            </a:r>
+            <a:r>
+              <a:rPr lang="zh-CN" altLang="en-US" dirty="0" smtClean="0">
+                <a:solidFill>
+                  <a:srgbClr val="FF0000"/>
+                </a:solidFill>
+              </a:rPr>
+              <a:t>使用</a:t>
+            </a:r>
+            <a:r>
+              <a:rPr lang="en-US" altLang="zh-CN" dirty="0" smtClean="0"/>
+              <a:t>default</a:t>
+            </a:r>
+            <a:r>
+              <a:rPr lang="zh-CN" altLang="en-US" dirty="0" smtClean="0"/>
+              <a:t>值。</a:t>
+            </a:r>
+            <a:endParaRPr lang="en-US" altLang="zh-CN" dirty="0" smtClean="0"/>
+          </a:p>
+          <a:p>
+            <a:pPr marL="0" indent="0">
+              <a:buNone/>
+            </a:pPr>
+            <a:r>
+              <a:rPr lang="en-US" altLang="zh-CN" dirty="0"/>
+              <a:t>${parameter-default</a:t>
+            </a:r>
+            <a:r>
+              <a:rPr lang="en-US" altLang="zh-CN" dirty="0" smtClean="0"/>
+              <a:t>} </a:t>
+            </a:r>
+            <a:r>
+              <a:rPr lang="zh-CN" altLang="en-US" dirty="0" smtClean="0"/>
+              <a:t>和 </a:t>
+            </a:r>
+            <a:r>
+              <a:rPr lang="en-US" altLang="zh-CN" dirty="0" smtClean="0"/>
+              <a:t>${</a:t>
+            </a:r>
+            <a:r>
+              <a:rPr lang="en-US" altLang="zh-CN" dirty="0"/>
+              <a:t>parameter:-default</a:t>
+            </a:r>
+            <a:r>
+              <a:rPr lang="en-US" altLang="zh-CN" dirty="0" smtClean="0"/>
+              <a:t>}</a:t>
+            </a:r>
+            <a:r>
+              <a:rPr lang="zh-CN" altLang="en-US" dirty="0" smtClean="0"/>
+              <a:t>基本等同，只有在</a:t>
+            </a:r>
+            <a:r>
+              <a:rPr lang="en-US" altLang="zh-CN" dirty="0" smtClean="0"/>
+              <a:t>parameter</a:t>
+            </a:r>
+            <a:r>
+              <a:rPr lang="zh-CN" altLang="en-US" dirty="0" smtClean="0"/>
+              <a:t>被声明并且赋值为</a:t>
+            </a:r>
+            <a:r>
+              <a:rPr lang="en-US" altLang="zh-CN" dirty="0" smtClean="0"/>
+              <a:t>null</a:t>
+            </a:r>
+            <a:r>
+              <a:rPr lang="zh-CN" altLang="en-US" dirty="0" smtClean="0"/>
+              <a:t>时，才会产生差异。</a:t>
+            </a:r>
+            <a:endParaRPr lang="en-US" altLang="zh-CN" dirty="0" smtClean="0"/>
+          </a:p>
+          <a:p>
+            <a:pPr marL="0" indent="0">
+              <a:buNone/>
+            </a:pPr>
+            <a:r>
+              <a:rPr lang="en-US" altLang="zh-CN" dirty="0" smtClean="0"/>
+              <a:t>e.g. param-sub.sh</a:t>
+            </a:r>
+          </a:p>
+          <a:p>
+            <a:pPr marL="0" indent="0">
+              <a:buNone/>
+            </a:pPr>
+            <a:r>
+              <a:rPr lang="zh-CN" altLang="en-US" dirty="0" smtClean="0"/>
+              <a:t>脚本中“默认参数”结构常用于提供“缺失”的命令行参数。</a:t>
+            </a:r>
+            <a:endParaRPr lang="en-US" altLang="zh-CN" dirty="0" smtClean="0"/>
+          </a:p>
+          <a:p>
+            <a:pPr marL="0" indent="0">
+              <a:buNone/>
+            </a:pPr>
+            <a:r>
+              <a:rPr lang="en-US" altLang="zh-CN" dirty="0" smtClean="0"/>
+              <a:t>e.g. param-default.sh</a:t>
+            </a:r>
+            <a:endParaRPr lang="en-US" altLang="zh-CN" dirty="0"/>
+          </a:p>
+          <a:p>
+            <a:pPr marL="0" indent="0">
+              <a:buNone/>
+            </a:pPr>
+            <a:endParaRPr lang="zh-CN" altLang="en-US" dirty="0"/>
+          </a:p>
+        </p:txBody>
+      </p:sp>
+    </p:spTree>
+    <p:extLst>
+      <p:ext uri="{BB962C8B-B14F-4D97-AF65-F5344CB8AC3E}">
+        <p14:creationId xmlns:p14="http://schemas.microsoft.com/office/powerpoint/2010/main" val="1338953821"/>
+      </p:ext>
+    </p:extLst>
+  </p:cSld>
+  <p:clrMapOvr>
+    <a:masterClrMapping/>
+  </p:clrMapOvr>
+</p:sld>
+</file>
+
+<file path=ppt/slides/slide37.xml><?xml version="1.0" encoding="utf-8"?>
+<p:sld xmlns:a="http://schemas.openxmlformats.org/drawingml/2006/main" xmlns:r="http://schemas.openxmlformats.org/officeDocument/2006/relationships" xmlns:p="http://schemas.openxmlformats.org/presentationml/2006/main">
+  <p:cSld>
+    <p:spTree>
+      <p:nvGrpSpPr>
+        <p:cNvPr id="1" name=""/>
+        <p:cNvGrpSpPr/>
+        <p:nvPr/>
+      </p:nvGrpSpPr>
+      <p:grpSpPr>
+        <a:xfrm>
+          <a:off x="0" y="0"/>
+          <a:ext cx="0" cy="0"/>
+          <a:chOff x="0" y="0"/>
+          <a:chExt cx="0" cy="0"/>
+        </a:xfrm>
+      </p:grpSpPr>
+      <p:sp>
+        <p:nvSpPr>
+          <p:cNvPr id="2" name="标题 1"/>
+          <p:cNvSpPr>
+            <a:spLocks noGrp="1"/>
+          </p:cNvSpPr>
+          <p:nvPr>
+            <p:ph type="title"/>
+          </p:nvPr>
+        </p:nvSpPr>
+        <p:spPr/>
+        <p:txBody>
+          <a:bodyPr/>
+          <a:lstStyle/>
+          <a:p>
+            <a:r>
+              <a:rPr lang="zh-CN" altLang="en-US" dirty="0" smtClean="0"/>
+              <a:t>参数替换</a:t>
+            </a:r>
+            <a:endParaRPr lang="zh-CN" altLang="en-US" dirty="0"/>
+          </a:p>
+        </p:txBody>
+      </p:sp>
+      <p:sp>
+        <p:nvSpPr>
+          <p:cNvPr id="3" name="内容占位符 2"/>
+          <p:cNvSpPr>
+            <a:spLocks noGrp="1"/>
+          </p:cNvSpPr>
+          <p:nvPr>
+            <p:ph idx="1"/>
+          </p:nvPr>
+        </p:nvSpPr>
+        <p:spPr/>
+        <p:txBody>
+          <a:bodyPr>
+            <a:normAutofit fontScale="85000" lnSpcReduction="20000"/>
+          </a:bodyPr>
+          <a:lstStyle/>
+          <a:p>
+            <a:r>
+              <a:rPr lang="en-US" altLang="zh-CN" dirty="0" smtClean="0"/>
+              <a:t>${parameter=default}, ${parameter:=default}</a:t>
+            </a:r>
+          </a:p>
+          <a:p>
+            <a:pPr marL="0" indent="0">
+              <a:buNone/>
+            </a:pPr>
+            <a:r>
+              <a:rPr lang="zh-CN" altLang="en-US" dirty="0" smtClean="0"/>
+              <a:t>如果参数</a:t>
+            </a:r>
+            <a:r>
+              <a:rPr lang="en-US" altLang="zh-CN" dirty="0" smtClean="0"/>
+              <a:t>parameter</a:t>
+            </a:r>
+            <a:r>
+              <a:rPr lang="zh-CN" altLang="en-US" dirty="0" smtClean="0"/>
+              <a:t>未设置，则将它</a:t>
+            </a:r>
+            <a:r>
+              <a:rPr lang="zh-CN" altLang="en-US" dirty="0" smtClean="0">
+                <a:solidFill>
+                  <a:srgbClr val="FF0000"/>
+                </a:solidFill>
+              </a:rPr>
+              <a:t>设置</a:t>
+            </a:r>
+            <a:r>
+              <a:rPr lang="zh-CN" altLang="en-US" dirty="0" smtClean="0"/>
+              <a:t>为</a:t>
+            </a:r>
+            <a:r>
+              <a:rPr lang="en-US" altLang="zh-CN" dirty="0" smtClean="0"/>
+              <a:t>default</a:t>
+            </a:r>
+            <a:r>
+              <a:rPr lang="zh-CN" altLang="en-US" dirty="0" smtClean="0"/>
+              <a:t>值。</a:t>
+            </a:r>
+            <a:endParaRPr lang="en-US" altLang="zh-CN" dirty="0" smtClean="0"/>
+          </a:p>
+          <a:p>
+            <a:pPr marL="0" indent="0">
+              <a:buNone/>
+            </a:pPr>
+            <a:r>
+              <a:rPr lang="zh-CN" altLang="en-US" dirty="0" smtClean="0"/>
+              <a:t>两种形式基本</a:t>
+            </a:r>
+            <a:r>
+              <a:rPr lang="zh-CN" altLang="en-US" dirty="0"/>
+              <a:t>等同，只有在</a:t>
+            </a:r>
+            <a:r>
+              <a:rPr lang="en-US" altLang="zh-CN" dirty="0" smtClean="0"/>
+              <a:t>parameter</a:t>
+            </a:r>
+            <a:r>
+              <a:rPr lang="zh-CN" altLang="en-US" dirty="0" smtClean="0"/>
+              <a:t>被声明并且赋值</a:t>
+            </a:r>
+            <a:r>
+              <a:rPr lang="zh-CN" altLang="en-US" dirty="0"/>
+              <a:t>为</a:t>
+            </a:r>
+            <a:r>
+              <a:rPr lang="en-US" altLang="zh-CN" dirty="0"/>
+              <a:t>null</a:t>
+            </a:r>
+            <a:r>
+              <a:rPr lang="zh-CN" altLang="en-US" dirty="0"/>
+              <a:t>时，才会产生</a:t>
+            </a:r>
+            <a:r>
+              <a:rPr lang="zh-CN" altLang="en-US" dirty="0" smtClean="0"/>
+              <a:t>差异（</a:t>
+            </a:r>
+            <a:r>
+              <a:rPr lang="zh-CN" altLang="en-US" dirty="0"/>
+              <a:t>同前所述</a:t>
+            </a:r>
+            <a:r>
+              <a:rPr lang="zh-CN" altLang="en-US" dirty="0" smtClean="0"/>
+              <a:t>）。</a:t>
+            </a:r>
+            <a:endParaRPr lang="en-US" altLang="zh-CN" dirty="0" smtClean="0"/>
+          </a:p>
+          <a:p>
+            <a:pPr marL="0" indent="0">
+              <a:buNone/>
+            </a:pPr>
+            <a:r>
+              <a:rPr lang="en-US" altLang="zh-CN" dirty="0" smtClean="0"/>
+              <a:t>e.g. param-sub2.sh</a:t>
+            </a:r>
+          </a:p>
+          <a:p>
+            <a:pPr marL="0" indent="0">
+              <a:buNone/>
+            </a:pPr>
+            <a:endParaRPr lang="en-US" altLang="zh-CN" dirty="0"/>
+          </a:p>
+          <a:p>
+            <a:pPr marL="0" indent="0">
+              <a:buNone/>
+            </a:pPr>
+            <a:r>
+              <a:rPr lang="en-US" altLang="zh-CN" dirty="0" smtClean="0"/>
+              <a:t>${</a:t>
+            </a:r>
+            <a:r>
+              <a:rPr lang="en-US" altLang="zh-CN" dirty="0" err="1" smtClean="0"/>
+              <a:t>var</a:t>
+            </a:r>
+            <a:r>
+              <a:rPr lang="en-US" altLang="zh-CN" dirty="0" smtClean="0"/>
+              <a:t>:=default} </a:t>
+            </a:r>
+            <a:r>
+              <a:rPr lang="en-US" altLang="zh-CN" dirty="0" err="1" smtClean="0"/>
+              <a:t>vs</a:t>
+            </a:r>
+            <a:r>
+              <a:rPr lang="en-US" altLang="zh-CN" dirty="0" smtClean="0"/>
+              <a:t> ${</a:t>
+            </a:r>
+            <a:r>
+              <a:rPr lang="en-US" altLang="zh-CN" dirty="0" err="1" smtClean="0"/>
+              <a:t>var</a:t>
+            </a:r>
+            <a:r>
+              <a:rPr lang="en-US" altLang="zh-CN" dirty="0" smtClean="0"/>
+              <a:t>:-default} – what is difference?</a:t>
+            </a:r>
+          </a:p>
+          <a:p>
+            <a:pPr marL="0" indent="0">
+              <a:buNone/>
+            </a:pPr>
+            <a:r>
+              <a:rPr lang="zh-CN" altLang="en-US" dirty="0" smtClean="0"/>
+              <a:t>参考：</a:t>
+            </a:r>
+            <a:r>
+              <a:rPr lang="en-US" altLang="zh-CN" dirty="0">
+                <a:hlinkClick r:id="rId2"/>
+              </a:rPr>
+              <a:t>http://</a:t>
+            </a:r>
+            <a:r>
+              <a:rPr lang="en-US" altLang="zh-CN" dirty="0" smtClean="0">
+                <a:hlinkClick r:id="rId2"/>
+              </a:rPr>
+              <a:t>stackoverflow.com/questions/24405606/var-default-vs-var-default-what-is-difference</a:t>
+            </a:r>
+            <a:endParaRPr lang="en-US" altLang="zh-CN" dirty="0" smtClean="0"/>
+          </a:p>
+          <a:p>
+            <a:pPr marL="0" indent="0">
+              <a:buNone/>
+            </a:pPr>
+            <a:r>
+              <a:rPr lang="en-US" altLang="zh-CN" dirty="0"/>
+              <a:t>${parameter:-word}</a:t>
+            </a:r>
+          </a:p>
+          <a:p>
+            <a:pPr marL="0" indent="0">
+              <a:buNone/>
+            </a:pPr>
+            <a:r>
+              <a:rPr lang="en-US" altLang="zh-CN" dirty="0"/>
+              <a:t>Use Default Values. If parameter is unset or null, the expansion of word is substituted. Otherwise, the value of parameter is substituted</a:t>
+            </a:r>
+            <a:r>
+              <a:rPr lang="en-US" altLang="zh-CN" dirty="0" smtClean="0"/>
+              <a:t>.</a:t>
+            </a:r>
+            <a:endParaRPr lang="en-US" altLang="zh-CN" dirty="0"/>
+          </a:p>
+          <a:p>
+            <a:pPr marL="0" indent="0">
+              <a:buNone/>
+            </a:pPr>
+            <a:r>
+              <a:rPr lang="en-US" altLang="zh-CN" dirty="0"/>
+              <a:t>${parameter:=word}</a:t>
+            </a:r>
+          </a:p>
+          <a:p>
+            <a:pPr marL="0" indent="0">
+              <a:buNone/>
+            </a:pPr>
+            <a:r>
+              <a:rPr lang="en-US" altLang="zh-CN" dirty="0"/>
+              <a:t>Assign Default Values. If parameter is unset or null, the expansion of word is assigned to parameter. The value of parameter is then substituted. Positional parameters and special parameters may not be assigned to in this way.</a:t>
+            </a:r>
+            <a:endParaRPr lang="zh-CN" altLang="en-US" dirty="0"/>
+          </a:p>
+        </p:txBody>
+      </p:sp>
+    </p:spTree>
+    <p:extLst>
+      <p:ext uri="{BB962C8B-B14F-4D97-AF65-F5344CB8AC3E}">
+        <p14:creationId xmlns:p14="http://schemas.microsoft.com/office/powerpoint/2010/main" val="69175695"/>
+      </p:ext>
+    </p:extLst>
+  </p:cSld>
+  <p:clrMapOvr>
+    <a:masterClrMapping/>
+  </p:clrMapOvr>
+</p:sld>
+</file>
+
+<file path=ppt/slides/slide38.xml><?xml version="1.0" encoding="utf-8"?>
+<p:sld xmlns:a="http://schemas.openxmlformats.org/drawingml/2006/main" xmlns:r="http://schemas.openxmlformats.org/officeDocument/2006/relationships" xmlns:p="http://schemas.openxmlformats.org/presentationml/2006/main">
+  <p:cSld>
+    <p:spTree>
+      <p:nvGrpSpPr>
+        <p:cNvPr id="1" name=""/>
+        <p:cNvGrpSpPr/>
+        <p:nvPr/>
+      </p:nvGrpSpPr>
+      <p:grpSpPr>
+        <a:xfrm>
+          <a:off x="0" y="0"/>
+          <a:ext cx="0" cy="0"/>
+          <a:chOff x="0" y="0"/>
+          <a:chExt cx="0" cy="0"/>
+        </a:xfrm>
+      </p:grpSpPr>
+      <p:sp>
+        <p:nvSpPr>
+          <p:cNvPr id="2" name="标题 1"/>
+          <p:cNvSpPr>
+            <a:spLocks noGrp="1"/>
+          </p:cNvSpPr>
+          <p:nvPr>
+            <p:ph type="title"/>
+          </p:nvPr>
+        </p:nvSpPr>
+        <p:spPr/>
+        <p:txBody>
+          <a:bodyPr/>
+          <a:lstStyle/>
+          <a:p>
+            <a:r>
+              <a:rPr lang="zh-CN" altLang="en-US" dirty="0" smtClean="0"/>
+              <a:t>参数替换</a:t>
+            </a:r>
+            <a:endParaRPr lang="en-US" dirty="0"/>
+          </a:p>
+        </p:txBody>
+      </p:sp>
+      <p:sp>
+        <p:nvSpPr>
+          <p:cNvPr id="3" name="内容占位符 2"/>
+          <p:cNvSpPr>
+            <a:spLocks noGrp="1"/>
+          </p:cNvSpPr>
+          <p:nvPr>
+            <p:ph idx="1"/>
+          </p:nvPr>
+        </p:nvSpPr>
+        <p:spPr/>
+        <p:txBody>
+          <a:bodyPr>
+            <a:normAutofit fontScale="92500"/>
+          </a:bodyPr>
+          <a:lstStyle/>
+          <a:p>
+            <a:r>
+              <a:rPr lang="en-US" dirty="0"/>
+              <a:t>${</a:t>
+            </a:r>
+            <a:r>
+              <a:rPr lang="en-US" dirty="0" err="1"/>
+              <a:t>parameter+alt_value</a:t>
+            </a:r>
+            <a:r>
+              <a:rPr lang="en-US" dirty="0"/>
+              <a:t>}, ${parameter:+</a:t>
+            </a:r>
+            <a:r>
+              <a:rPr lang="en-US" dirty="0" err="1"/>
+              <a:t>alt_value</a:t>
+            </a:r>
+            <a:r>
+              <a:rPr lang="en-US" dirty="0" smtClean="0"/>
+              <a:t>}</a:t>
+            </a:r>
+          </a:p>
+          <a:p>
+            <a:pPr marL="0" indent="0">
+              <a:buNone/>
+            </a:pPr>
+            <a:r>
+              <a:rPr lang="zh-CN" altLang="en-US" dirty="0" smtClean="0"/>
+              <a:t>如果参数</a:t>
+            </a:r>
+            <a:r>
+              <a:rPr lang="en-US" altLang="zh-CN" dirty="0" smtClean="0"/>
+              <a:t>parameter</a:t>
+            </a:r>
+            <a:r>
+              <a:rPr lang="zh-CN" altLang="en-US" dirty="0"/>
+              <a:t>已</a:t>
+            </a:r>
+            <a:r>
+              <a:rPr lang="zh-CN" altLang="en-US" dirty="0" smtClean="0"/>
+              <a:t>设置，则使用</a:t>
+            </a:r>
+            <a:r>
+              <a:rPr lang="en-US" altLang="zh-CN" dirty="0" err="1" smtClean="0"/>
+              <a:t>alt_value</a:t>
+            </a:r>
+            <a:r>
+              <a:rPr lang="zh-CN" altLang="en-US" dirty="0" smtClean="0"/>
+              <a:t>值，否则使用</a:t>
+            </a:r>
+            <a:r>
+              <a:rPr lang="en-US" altLang="zh-CN" dirty="0" smtClean="0"/>
+              <a:t>null</a:t>
+            </a:r>
+            <a:r>
+              <a:rPr lang="zh-CN" altLang="en-US" dirty="0" smtClean="0"/>
+              <a:t>字符串（空值）。</a:t>
+            </a:r>
+            <a:endParaRPr lang="en-US" altLang="zh-CN" dirty="0" smtClean="0"/>
+          </a:p>
+          <a:p>
+            <a:pPr marL="0" indent="0">
+              <a:buNone/>
+            </a:pPr>
+            <a:r>
+              <a:rPr lang="zh-CN" altLang="en-US" dirty="0" smtClean="0"/>
+              <a:t>两种形式基本等同，只有在</a:t>
+            </a:r>
+            <a:r>
+              <a:rPr lang="en-US" altLang="zh-CN" dirty="0" smtClean="0"/>
+              <a:t>parameter</a:t>
+            </a:r>
+            <a:r>
+              <a:rPr lang="zh-CN" altLang="en-US" dirty="0" smtClean="0"/>
+              <a:t>被声明并且为</a:t>
+            </a:r>
+            <a:r>
+              <a:rPr lang="en-US" altLang="zh-CN" dirty="0" smtClean="0"/>
+              <a:t>null</a:t>
+            </a:r>
+            <a:r>
+              <a:rPr lang="zh-CN" altLang="en-US" dirty="0" smtClean="0"/>
+              <a:t>时，才会产生差异。</a:t>
+            </a:r>
+            <a:endParaRPr lang="en-US" altLang="zh-CN" dirty="0" smtClean="0"/>
+          </a:p>
+          <a:p>
+            <a:pPr marL="0" indent="0">
+              <a:buNone/>
+            </a:pPr>
+            <a:r>
+              <a:rPr lang="en-US" dirty="0" smtClean="0"/>
+              <a:t>e.g. param-alt.sh</a:t>
+            </a:r>
+          </a:p>
+          <a:p>
+            <a:r>
+              <a:rPr lang="en-US" dirty="0"/>
+              <a:t>${</a:t>
+            </a:r>
+            <a:r>
+              <a:rPr lang="en-US" dirty="0" err="1"/>
+              <a:t>parameter?err_msg</a:t>
+            </a:r>
+            <a:r>
+              <a:rPr lang="en-US" dirty="0"/>
+              <a:t>}, ${parameter:?</a:t>
+            </a:r>
+            <a:r>
+              <a:rPr lang="en-US" dirty="0" err="1"/>
+              <a:t>err_msg</a:t>
+            </a:r>
+            <a:r>
+              <a:rPr lang="en-US" dirty="0" smtClean="0"/>
+              <a:t>}</a:t>
+            </a:r>
+            <a:endParaRPr lang="en-US" dirty="0"/>
+          </a:p>
+          <a:p>
+            <a:pPr marL="0" indent="0">
+              <a:buNone/>
+            </a:pPr>
+            <a:r>
+              <a:rPr lang="zh-CN" altLang="en-US" dirty="0" smtClean="0"/>
+              <a:t>如果参数</a:t>
+            </a:r>
+            <a:r>
+              <a:rPr lang="en-US" altLang="zh-CN" dirty="0" smtClean="0"/>
+              <a:t>parameter</a:t>
+            </a:r>
+            <a:r>
+              <a:rPr lang="zh-CN" altLang="en-US" dirty="0" smtClean="0"/>
+              <a:t>已设置，则使用它，否则，打印</a:t>
+            </a:r>
+            <a:r>
+              <a:rPr lang="en-US" altLang="zh-CN" dirty="0" err="1" smtClean="0"/>
+              <a:t>err_msg</a:t>
+            </a:r>
+            <a:r>
+              <a:rPr lang="zh-CN" altLang="en-US" dirty="0" smtClean="0"/>
+              <a:t>并终止脚本，退出状态为</a:t>
+            </a:r>
+            <a:r>
+              <a:rPr lang="en-US" altLang="zh-CN" dirty="0" smtClean="0"/>
+              <a:t>1.</a:t>
+            </a:r>
+          </a:p>
+          <a:p>
+            <a:pPr marL="0" indent="0">
+              <a:buNone/>
+            </a:pPr>
+            <a:r>
+              <a:rPr lang="zh-CN" altLang="en-US" dirty="0"/>
+              <a:t>两种形式基本等同，只有在</a:t>
+            </a:r>
+            <a:r>
+              <a:rPr lang="en-US" altLang="zh-CN" dirty="0"/>
+              <a:t>parameter</a:t>
+            </a:r>
+            <a:r>
+              <a:rPr lang="zh-CN" altLang="en-US" dirty="0"/>
+              <a:t>被声明并且为</a:t>
+            </a:r>
+            <a:r>
+              <a:rPr lang="en-US" altLang="zh-CN" dirty="0"/>
+              <a:t>null</a:t>
+            </a:r>
+            <a:r>
+              <a:rPr lang="zh-CN" altLang="en-US" dirty="0"/>
+              <a:t>时，才会产生差异</a:t>
+            </a:r>
+            <a:r>
+              <a:rPr lang="zh-CN" altLang="en-US" dirty="0" smtClean="0"/>
+              <a:t>。</a:t>
+            </a:r>
+            <a:endParaRPr lang="en-US" altLang="zh-CN" dirty="0"/>
+          </a:p>
+          <a:p>
+            <a:pPr marL="0" indent="0">
+              <a:buNone/>
+            </a:pPr>
+            <a:r>
+              <a:rPr lang="en-US" altLang="zh-CN" dirty="0"/>
+              <a:t>e.g. </a:t>
+            </a:r>
+            <a:r>
+              <a:rPr lang="en-US" altLang="zh-CN" dirty="0" smtClean="0"/>
+              <a:t>usage-message.sh  check_env.sh</a:t>
+            </a:r>
+          </a:p>
+          <a:p>
+            <a:r>
+              <a:rPr lang="en-US" dirty="0"/>
+              <a:t>${!</a:t>
+            </a:r>
+            <a:r>
+              <a:rPr lang="en-US" dirty="0" err="1"/>
+              <a:t>varprefix</a:t>
+            </a:r>
+            <a:r>
+              <a:rPr lang="en-US" dirty="0"/>
+              <a:t>*}, ${!</a:t>
+            </a:r>
+            <a:r>
+              <a:rPr lang="en-US" dirty="0" err="1"/>
+              <a:t>varprefix</a:t>
+            </a:r>
+            <a:r>
+              <a:rPr lang="en-US" dirty="0"/>
+              <a:t>@}</a:t>
+            </a:r>
+          </a:p>
+          <a:p>
+            <a:pPr marL="0" indent="0">
+              <a:buNone/>
+            </a:pPr>
+            <a:r>
+              <a:rPr lang="zh-CN" altLang="en-US" dirty="0"/>
+              <a:t>匹配所有之前声明过的，并且以</a:t>
+            </a:r>
+            <a:r>
+              <a:rPr lang="en-US" altLang="zh-CN" dirty="0" err="1"/>
+              <a:t>varprefix</a:t>
+            </a:r>
+            <a:r>
+              <a:rPr lang="zh-CN" altLang="en-US" dirty="0"/>
+              <a:t>开头的变量。</a:t>
+            </a:r>
+            <a:endParaRPr lang="en-US" altLang="zh-CN" dirty="0"/>
+          </a:p>
+          <a:p>
+            <a:pPr marL="0" indent="0">
+              <a:buNone/>
+            </a:pPr>
+            <a:r>
+              <a:rPr lang="en-US" dirty="0"/>
+              <a:t>e.g. varprefix.sh</a:t>
+            </a:r>
+          </a:p>
+          <a:p>
+            <a:pPr marL="0" indent="0">
+              <a:buNone/>
+            </a:pPr>
+            <a:endParaRPr lang="en-US" altLang="zh-CN" dirty="0"/>
+          </a:p>
+        </p:txBody>
+      </p:sp>
+    </p:spTree>
+    <p:extLst>
+      <p:ext uri="{BB962C8B-B14F-4D97-AF65-F5344CB8AC3E}">
+        <p14:creationId xmlns:p14="http://schemas.microsoft.com/office/powerpoint/2010/main" val="1678459479"/>
+      </p:ext>
+    </p:extLst>
+  </p:cSld>
+  <p:clrMapOvr>
+    <a:masterClrMapping/>
+  </p:clrMapOvr>
+</p:sld>
+</file>
+
+<file path=ppt/slides/slide39.xml><?xml version="1.0" encoding="utf-8"?>
+<p:sld xmlns:a="http://schemas.openxmlformats.org/drawingml/2006/main" xmlns:r="http://schemas.openxmlformats.org/officeDocument/2006/relationships" xmlns:p="http://schemas.openxmlformats.org/presentationml/2006/main">
+  <p:cSld>
+    <p:spTree>
+      <p:nvGrpSpPr>
+        <p:cNvPr id="1" name=""/>
+        <p:cNvGrpSpPr/>
+        <p:nvPr/>
+      </p:nvGrpSpPr>
+      <p:grpSpPr>
+        <a:xfrm>
+          <a:off x="0" y="0"/>
+          <a:ext cx="0" cy="0"/>
+          <a:chOff x="0" y="0"/>
+          <a:chExt cx="0" cy="0"/>
+        </a:xfrm>
+      </p:grpSpPr>
+      <p:sp>
+        <p:nvSpPr>
+          <p:cNvPr id="2" name="标题 1"/>
+          <p:cNvSpPr>
+            <a:spLocks noGrp="1"/>
+          </p:cNvSpPr>
+          <p:nvPr>
+            <p:ph type="title"/>
+          </p:nvPr>
+        </p:nvSpPr>
+        <p:spPr/>
+        <p:txBody>
+          <a:bodyPr/>
+          <a:lstStyle/>
+          <a:p>
+            <a:r>
+              <a:rPr lang="zh-CN" altLang="en-US" dirty="0" smtClean="0"/>
+              <a:t>参数替换</a:t>
+            </a:r>
+            <a:endParaRPr lang="en-US" dirty="0"/>
+          </a:p>
+        </p:txBody>
+      </p:sp>
+      <p:pic>
+        <p:nvPicPr>
+          <p:cNvPr id="4" name="内容占位符 3"/>
+          <p:cNvPicPr>
+            <a:picLocks noGrp="1" noChangeAspect="1"/>
+          </p:cNvPicPr>
+          <p:nvPr>
+            <p:ph idx="1"/>
+          </p:nvPr>
+        </p:nvPicPr>
+        <p:blipFill>
+          <a:blip r:embed="rId2">
+            <a:extLst>
+              <a:ext uri="{28A0092B-C50C-407E-A947-70E740481C1C}">
+                <a14:useLocalDpi xmlns:a14="http://schemas.microsoft.com/office/drawing/2010/main" val="0"/>
+              </a:ext>
+            </a:extLst>
+          </a:blip>
+          <a:stretch>
+            <a:fillRect/>
+          </a:stretch>
+        </p:blipFill>
+        <p:spPr>
+          <a:xfrm>
+            <a:off x="4368788" y="1651000"/>
+            <a:ext cx="5356250" cy="4260850"/>
+          </a:xfrm>
+        </p:spPr>
+      </p:pic>
+    </p:spTree>
+    <p:extLst>
+      <p:ext uri="{BB962C8B-B14F-4D97-AF65-F5344CB8AC3E}">
+        <p14:creationId xmlns:p14="http://schemas.microsoft.com/office/powerpoint/2010/main" val="715500189"/>
       </p:ext>
     </p:extLst>
   </p:cSld>
@@ -14157,6 +16507,3232 @@
 </p:sld>
 </file>
 
+<file path=ppt/slides/slide40.xml><?xml version="1.0" encoding="utf-8"?>
+<p:sld xmlns:a="http://schemas.openxmlformats.org/drawingml/2006/main" xmlns:r="http://schemas.openxmlformats.org/officeDocument/2006/relationships" xmlns:p="http://schemas.openxmlformats.org/presentationml/2006/main">
+  <p:cSld>
+    <p:spTree>
+      <p:nvGrpSpPr>
+        <p:cNvPr id="1" name=""/>
+        <p:cNvGrpSpPr/>
+        <p:nvPr/>
+      </p:nvGrpSpPr>
+      <p:grpSpPr>
+        <a:xfrm>
+          <a:off x="0" y="0"/>
+          <a:ext cx="0" cy="0"/>
+          <a:chOff x="0" y="0"/>
+          <a:chExt cx="0" cy="0"/>
+        </a:xfrm>
+      </p:grpSpPr>
+      <p:sp>
+        <p:nvSpPr>
+          <p:cNvPr id="2" name="标题 1"/>
+          <p:cNvSpPr>
+            <a:spLocks noGrp="1"/>
+          </p:cNvSpPr>
+          <p:nvPr>
+            <p:ph type="title"/>
+          </p:nvPr>
+        </p:nvSpPr>
+        <p:spPr/>
+        <p:txBody>
+          <a:bodyPr/>
+          <a:lstStyle/>
+          <a:p>
+            <a:r>
+              <a:rPr lang="zh-CN" altLang="en-US" dirty="0" smtClean="0"/>
+              <a:t>语句和表达式</a:t>
+            </a:r>
+            <a:endParaRPr lang="en-US" dirty="0"/>
+          </a:p>
+        </p:txBody>
+      </p:sp>
+      <p:sp>
+        <p:nvSpPr>
+          <p:cNvPr id="3" name="内容占位符 2"/>
+          <p:cNvSpPr>
+            <a:spLocks noGrp="1"/>
+          </p:cNvSpPr>
+          <p:nvPr>
+            <p:ph idx="1"/>
+          </p:nvPr>
+        </p:nvSpPr>
+        <p:spPr/>
+        <p:txBody>
+          <a:bodyPr/>
+          <a:lstStyle/>
+          <a:p>
+            <a:r>
+              <a:rPr lang="zh-CN" altLang="en-US" dirty="0" smtClean="0"/>
+              <a:t>操作符及相关主题</a:t>
+            </a:r>
+            <a:endParaRPr lang="en-US" altLang="zh-CN" dirty="0" smtClean="0"/>
+          </a:p>
+          <a:p>
+            <a:r>
+              <a:rPr lang="zh-CN" altLang="en-US" dirty="0" smtClean="0"/>
+              <a:t>条件测试表达式</a:t>
+            </a:r>
+            <a:endParaRPr lang="en-US" altLang="zh-CN" dirty="0" smtClean="0"/>
+          </a:p>
+          <a:p>
+            <a:r>
+              <a:rPr lang="zh-CN" altLang="en-US" dirty="0" smtClean="0"/>
+              <a:t>循环与分支表达式</a:t>
+            </a:r>
+            <a:endParaRPr lang="en-US" altLang="zh-CN" dirty="0" smtClean="0"/>
+          </a:p>
+          <a:p>
+            <a:endParaRPr lang="en-US" dirty="0"/>
+          </a:p>
+        </p:txBody>
+      </p:sp>
+    </p:spTree>
+    <p:extLst>
+      <p:ext uri="{BB962C8B-B14F-4D97-AF65-F5344CB8AC3E}">
+        <p14:creationId xmlns:p14="http://schemas.microsoft.com/office/powerpoint/2010/main" val="2737567277"/>
+      </p:ext>
+    </p:extLst>
+  </p:cSld>
+  <p:clrMapOvr>
+    <a:masterClrMapping/>
+  </p:clrMapOvr>
+  <p:timing>
+    <p:tnLst>
+      <p:par>
+        <p:cTn id="1" dur="indefinite" restart="never" nodeType="tmRoot"/>
+      </p:par>
+    </p:tnLst>
+  </p:timing>
+</p:sld>
+</file>
+
+<file path=ppt/slides/slide41.xml><?xml version="1.0" encoding="utf-8"?>
+<p:sld xmlns:a="http://schemas.openxmlformats.org/drawingml/2006/main" xmlns:r="http://schemas.openxmlformats.org/officeDocument/2006/relationships" xmlns:p="http://schemas.openxmlformats.org/presentationml/2006/main">
+  <p:cSld>
+    <p:spTree>
+      <p:nvGrpSpPr>
+        <p:cNvPr id="1" name=""/>
+        <p:cNvGrpSpPr/>
+        <p:nvPr/>
+      </p:nvGrpSpPr>
+      <p:grpSpPr>
+        <a:xfrm>
+          <a:off x="0" y="0"/>
+          <a:ext cx="0" cy="0"/>
+          <a:chOff x="0" y="0"/>
+          <a:chExt cx="0" cy="0"/>
+        </a:xfrm>
+      </p:grpSpPr>
+      <p:sp>
+        <p:nvSpPr>
+          <p:cNvPr id="2" name="标题 1"/>
+          <p:cNvSpPr>
+            <a:spLocks noGrp="1"/>
+          </p:cNvSpPr>
+          <p:nvPr>
+            <p:ph type="title"/>
+          </p:nvPr>
+        </p:nvSpPr>
+        <p:spPr/>
+        <p:txBody>
+          <a:bodyPr/>
+          <a:lstStyle/>
+          <a:p>
+            <a:r>
+              <a:rPr lang="zh-CN" altLang="en-US" dirty="0" smtClean="0"/>
+              <a:t>操作符及相关主题</a:t>
+            </a:r>
+            <a:endParaRPr lang="en-US" dirty="0"/>
+          </a:p>
+        </p:txBody>
+      </p:sp>
+      <p:sp>
+        <p:nvSpPr>
+          <p:cNvPr id="3" name="内容占位符 2"/>
+          <p:cNvSpPr>
+            <a:spLocks noGrp="1"/>
+          </p:cNvSpPr>
+          <p:nvPr>
+            <p:ph idx="1"/>
+          </p:nvPr>
+        </p:nvSpPr>
+        <p:spPr/>
+        <p:txBody>
+          <a:bodyPr>
+            <a:normAutofit fontScale="70000" lnSpcReduction="20000"/>
+          </a:bodyPr>
+          <a:lstStyle/>
+          <a:p>
+            <a:r>
+              <a:rPr lang="zh-CN" altLang="en-US" dirty="0" smtClean="0"/>
+              <a:t>操作符</a:t>
+            </a:r>
+            <a:endParaRPr lang="en-US" altLang="zh-CN" dirty="0" smtClean="0"/>
+          </a:p>
+          <a:p>
+            <a:pPr>
+              <a:buFont typeface="Wingdings" panose="05000000000000000000" pitchFamily="2" charset="2"/>
+              <a:buChar char="Ø"/>
+            </a:pPr>
+            <a:r>
+              <a:rPr lang="zh-CN" altLang="en-US" dirty="0" smtClean="0"/>
+              <a:t>赋值</a:t>
+            </a:r>
+            <a:endParaRPr lang="en-US" altLang="zh-CN" dirty="0" smtClean="0"/>
+          </a:p>
+          <a:p>
+            <a:pPr marL="0" indent="0">
+              <a:buNone/>
+            </a:pPr>
+            <a:r>
+              <a:rPr lang="en-US" altLang="zh-CN" dirty="0" smtClean="0"/>
+              <a:t>= </a:t>
+            </a:r>
+            <a:r>
+              <a:rPr lang="zh-CN" altLang="en-US" dirty="0" smtClean="0"/>
+              <a:t>变量赋值，初始化或修改变量的值，可用于算术和字符串赋值，在“</a:t>
+            </a:r>
+            <a:r>
+              <a:rPr lang="en-US" altLang="zh-CN" dirty="0" smtClean="0"/>
+              <a:t>=</a:t>
+            </a:r>
+            <a:r>
+              <a:rPr lang="zh-CN" altLang="en-US" dirty="0" smtClean="0"/>
+              <a:t>”前后不允许出现空白符。</a:t>
+            </a:r>
+            <a:endParaRPr lang="en-US" altLang="zh-CN" dirty="0" smtClean="0"/>
+          </a:p>
+          <a:p>
+            <a:pPr marL="0" indent="0">
+              <a:buNone/>
+            </a:pPr>
+            <a:r>
+              <a:rPr lang="zh-CN" altLang="en-US" dirty="0" smtClean="0"/>
+              <a:t>    注意不要混淆“</a:t>
+            </a:r>
+            <a:r>
+              <a:rPr lang="en-US" altLang="zh-CN" dirty="0" smtClean="0"/>
+              <a:t>=</a:t>
+            </a:r>
+            <a:r>
+              <a:rPr lang="zh-CN" altLang="en-US" dirty="0" smtClean="0"/>
+              <a:t>”赋值操作符和</a:t>
+            </a:r>
+            <a:r>
+              <a:rPr lang="en-US" altLang="zh-CN" dirty="0" smtClean="0"/>
+              <a:t>=</a:t>
+            </a:r>
+            <a:r>
+              <a:rPr lang="zh-CN" altLang="en-US" dirty="0" smtClean="0"/>
+              <a:t>测试操作符，</a:t>
+            </a:r>
+            <a:r>
+              <a:rPr lang="en-US" altLang="zh-CN" dirty="0" smtClean="0"/>
+              <a:t>e.g. equal-test.sh</a:t>
+            </a:r>
+          </a:p>
+          <a:p>
+            <a:pPr>
+              <a:buFont typeface="Wingdings" panose="05000000000000000000" pitchFamily="2" charset="2"/>
+              <a:buChar char="Ø"/>
+            </a:pPr>
+            <a:r>
+              <a:rPr lang="zh-CN" altLang="en-US" dirty="0" smtClean="0"/>
+              <a:t>算术操作符</a:t>
+            </a:r>
+            <a:endParaRPr lang="en-US" altLang="zh-CN" dirty="0" smtClean="0"/>
+          </a:p>
+          <a:p>
+            <a:pPr marL="0" indent="0">
+              <a:buNone/>
+            </a:pPr>
+            <a:r>
+              <a:rPr lang="en-US" dirty="0" smtClean="0"/>
+              <a:t>+ -</a:t>
+            </a:r>
+            <a:r>
+              <a:rPr lang="zh-CN" altLang="en-US" dirty="0" smtClean="0"/>
+              <a:t> </a:t>
+            </a:r>
+            <a:r>
+              <a:rPr lang="en-US" altLang="zh-CN" dirty="0" smtClean="0"/>
+              <a:t>* / % </a:t>
+            </a:r>
+            <a:r>
+              <a:rPr lang="zh-CN" altLang="en-US" dirty="0" smtClean="0"/>
+              <a:t>加减乘除模</a:t>
+            </a:r>
+            <a:endParaRPr lang="en-US" altLang="zh-CN" dirty="0" smtClean="0"/>
+          </a:p>
+          <a:p>
+            <a:pPr marL="0" indent="0">
+              <a:buNone/>
+            </a:pPr>
+            <a:r>
+              <a:rPr lang="en-US" dirty="0" smtClean="0"/>
+              <a:t>** </a:t>
+            </a:r>
+            <a:r>
+              <a:rPr lang="zh-CN" altLang="en-US" dirty="0" smtClean="0"/>
+              <a:t>幂运算，</a:t>
+            </a:r>
+            <a:r>
+              <a:rPr lang="en-US" altLang="zh-CN" dirty="0"/>
+              <a:t>e.g. </a:t>
+            </a:r>
+            <a:r>
+              <a:rPr lang="en-US" altLang="zh-CN" dirty="0" smtClean="0"/>
+              <a:t>exponentiation.sh</a:t>
+            </a:r>
+          </a:p>
+          <a:p>
+            <a:pPr marL="0" indent="0">
+              <a:buNone/>
+            </a:pPr>
+            <a:r>
+              <a:rPr lang="en-US" dirty="0" smtClean="0"/>
+              <a:t>+= </a:t>
+            </a:r>
+            <a:r>
+              <a:rPr lang="zh-CN" altLang="en-US" dirty="0" smtClean="0"/>
+              <a:t>加</a:t>
+            </a:r>
+            <a:r>
+              <a:rPr lang="en-US" altLang="zh-CN" dirty="0" smtClean="0"/>
+              <a:t>-</a:t>
+            </a:r>
+            <a:r>
+              <a:rPr lang="zh-CN" altLang="en-US" dirty="0" smtClean="0"/>
+              <a:t>等于，</a:t>
+            </a:r>
+            <a:r>
+              <a:rPr lang="en-US" altLang="zh-CN" dirty="0" smtClean="0"/>
+              <a:t>-= </a:t>
+            </a:r>
+            <a:r>
+              <a:rPr lang="zh-CN" altLang="en-US" dirty="0" smtClean="0"/>
+              <a:t>减</a:t>
+            </a:r>
+            <a:r>
+              <a:rPr lang="en-US" altLang="zh-CN" dirty="0" smtClean="0"/>
+              <a:t>-</a:t>
+            </a:r>
+            <a:r>
+              <a:rPr lang="zh-CN" altLang="en-US" dirty="0" smtClean="0"/>
+              <a:t>等于，</a:t>
+            </a:r>
+            <a:r>
+              <a:rPr lang="en-US" altLang="zh-CN" dirty="0" smtClean="0"/>
+              <a:t>*= </a:t>
+            </a:r>
+            <a:r>
+              <a:rPr lang="zh-CN" altLang="en-US" dirty="0" smtClean="0"/>
+              <a:t>乘</a:t>
+            </a:r>
+            <a:r>
+              <a:rPr lang="en-US" altLang="zh-CN" dirty="0" smtClean="0"/>
+              <a:t>-</a:t>
+            </a:r>
+            <a:r>
+              <a:rPr lang="zh-CN" altLang="en-US" dirty="0" smtClean="0"/>
+              <a:t>等于，</a:t>
+            </a:r>
+            <a:r>
+              <a:rPr lang="en-US" altLang="zh-CN" dirty="0" smtClean="0"/>
+              <a:t>/= </a:t>
+            </a:r>
+            <a:r>
+              <a:rPr lang="zh-CN" altLang="en-US" dirty="0" smtClean="0"/>
+              <a:t>除</a:t>
+            </a:r>
+            <a:r>
+              <a:rPr lang="en-US" altLang="zh-CN" dirty="0" smtClean="0"/>
+              <a:t>-</a:t>
+            </a:r>
+            <a:r>
+              <a:rPr lang="zh-CN" altLang="en-US" dirty="0" smtClean="0"/>
+              <a:t>等于，</a:t>
+            </a:r>
+            <a:r>
+              <a:rPr lang="en-US" altLang="zh-CN" dirty="0" smtClean="0"/>
+              <a:t>%= </a:t>
+            </a:r>
+            <a:r>
+              <a:rPr lang="zh-CN" altLang="en-US" dirty="0"/>
+              <a:t>取</a:t>
+            </a:r>
+            <a:r>
+              <a:rPr lang="zh-CN" altLang="en-US" dirty="0" smtClean="0"/>
+              <a:t>模</a:t>
+            </a:r>
+            <a:r>
+              <a:rPr lang="en-US" altLang="zh-CN" dirty="0" smtClean="0"/>
+              <a:t>-</a:t>
+            </a:r>
+            <a:r>
+              <a:rPr lang="zh-CN" altLang="en-US" dirty="0" smtClean="0"/>
+              <a:t>等于</a:t>
+            </a:r>
+            <a:endParaRPr lang="en-US" altLang="zh-CN" dirty="0" smtClean="0"/>
+          </a:p>
+          <a:p>
+            <a:pPr marL="0" indent="0">
+              <a:buNone/>
+            </a:pPr>
+            <a:r>
+              <a:rPr lang="en-US" altLang="zh-CN" dirty="0" smtClean="0"/>
+              <a:t>e.g. arith-ops.sh</a:t>
+            </a:r>
+          </a:p>
+          <a:p>
+            <a:pPr>
+              <a:buFont typeface="Wingdings" panose="05000000000000000000" pitchFamily="2" charset="2"/>
+              <a:buChar char="Ø"/>
+            </a:pPr>
+            <a:r>
+              <a:rPr lang="zh-CN" altLang="en-US" dirty="0" smtClean="0"/>
+              <a:t>位操作符（</a:t>
+            </a:r>
+            <a:r>
+              <a:rPr lang="en-US" altLang="zh-CN" dirty="0" smtClean="0"/>
+              <a:t>shell</a:t>
+            </a:r>
+            <a:r>
+              <a:rPr lang="zh-CN" altLang="en-US" dirty="0" smtClean="0"/>
+              <a:t>脚本中很少被使用）</a:t>
+            </a:r>
+            <a:endParaRPr lang="en-US" altLang="zh-CN" dirty="0" smtClean="0"/>
+          </a:p>
+          <a:p>
+            <a:pPr marL="0" indent="0">
+              <a:buNone/>
+            </a:pPr>
+            <a:r>
+              <a:rPr lang="en-US" dirty="0" smtClean="0"/>
+              <a:t>&lt;&lt; </a:t>
+            </a:r>
+            <a:r>
+              <a:rPr lang="zh-CN" altLang="en-US" dirty="0" smtClean="0"/>
+              <a:t>左移一位（每次左移相当于乘以</a:t>
+            </a:r>
+            <a:r>
+              <a:rPr lang="en-US" altLang="zh-CN" dirty="0" smtClean="0"/>
+              <a:t>2</a:t>
+            </a:r>
+            <a:r>
+              <a:rPr lang="zh-CN" altLang="en-US" dirty="0" smtClean="0"/>
+              <a:t>）， </a:t>
+            </a:r>
+            <a:r>
+              <a:rPr lang="en-US" altLang="zh-CN" dirty="0" smtClean="0"/>
+              <a:t>&lt;&lt;= </a:t>
+            </a:r>
+            <a:r>
+              <a:rPr lang="zh-CN" altLang="en-US" dirty="0" smtClean="0"/>
+              <a:t>左移</a:t>
+            </a:r>
+            <a:r>
+              <a:rPr lang="en-US" altLang="zh-CN" dirty="0" smtClean="0"/>
+              <a:t>-</a:t>
+            </a:r>
+            <a:r>
+              <a:rPr lang="zh-CN" altLang="en-US" dirty="0" smtClean="0"/>
+              <a:t>赋值</a:t>
+            </a:r>
+            <a:endParaRPr lang="en-US" altLang="zh-CN" dirty="0" smtClean="0"/>
+          </a:p>
+          <a:p>
+            <a:pPr marL="0" indent="0">
+              <a:buNone/>
+            </a:pPr>
+            <a:r>
+              <a:rPr lang="en-US" dirty="0" smtClean="0"/>
+              <a:t>&gt;&gt; </a:t>
+            </a:r>
+            <a:r>
+              <a:rPr lang="zh-CN" altLang="en-US" dirty="0" smtClean="0"/>
+              <a:t>右移一位（每次右移都将除以</a:t>
+            </a:r>
+            <a:r>
+              <a:rPr lang="en-US" altLang="zh-CN" dirty="0" smtClean="0"/>
+              <a:t>2</a:t>
+            </a:r>
+            <a:r>
+              <a:rPr lang="zh-CN" altLang="en-US" dirty="0" smtClean="0"/>
+              <a:t>），</a:t>
+            </a:r>
+            <a:r>
+              <a:rPr lang="en-US" altLang="zh-CN" dirty="0" smtClean="0"/>
+              <a:t>&gt;&gt;= </a:t>
+            </a:r>
+            <a:r>
+              <a:rPr lang="zh-CN" altLang="en-US" dirty="0" smtClean="0"/>
+              <a:t>右移</a:t>
+            </a:r>
+            <a:r>
+              <a:rPr lang="en-US" altLang="zh-CN" dirty="0" smtClean="0"/>
+              <a:t>-</a:t>
+            </a:r>
+            <a:r>
+              <a:rPr lang="zh-CN" altLang="en-US" dirty="0" smtClean="0"/>
+              <a:t>赋值</a:t>
+            </a:r>
+            <a:endParaRPr lang="en-US" altLang="zh-CN" dirty="0" smtClean="0"/>
+          </a:p>
+          <a:p>
+            <a:pPr marL="0" indent="0">
+              <a:buNone/>
+            </a:pPr>
+            <a:r>
+              <a:rPr lang="en-US" dirty="0" smtClean="0"/>
+              <a:t>&amp; </a:t>
+            </a:r>
+            <a:r>
+              <a:rPr lang="zh-CN" altLang="en-US" dirty="0" smtClean="0"/>
+              <a:t>按位与，</a:t>
+            </a:r>
+            <a:r>
+              <a:rPr lang="en-US" altLang="zh-CN" dirty="0" smtClean="0"/>
+              <a:t>&amp;= </a:t>
+            </a:r>
+            <a:r>
+              <a:rPr lang="zh-CN" altLang="en-US" dirty="0" smtClean="0"/>
+              <a:t>按位与</a:t>
+            </a:r>
+            <a:r>
+              <a:rPr lang="en-US" altLang="zh-CN" dirty="0" smtClean="0"/>
+              <a:t>-</a:t>
+            </a:r>
+            <a:r>
+              <a:rPr lang="zh-CN" altLang="en-US" dirty="0" smtClean="0"/>
+              <a:t>赋值</a:t>
+            </a:r>
+            <a:endParaRPr lang="en-US" altLang="zh-CN" dirty="0" smtClean="0"/>
+          </a:p>
+          <a:p>
+            <a:pPr marL="0" indent="0">
+              <a:buNone/>
+            </a:pPr>
+            <a:r>
+              <a:rPr lang="en-US" dirty="0" smtClean="0"/>
+              <a:t>| </a:t>
+            </a:r>
+            <a:r>
+              <a:rPr lang="zh-CN" altLang="en-US" dirty="0" smtClean="0"/>
+              <a:t>按位或，</a:t>
+            </a:r>
+            <a:r>
+              <a:rPr lang="en-US" altLang="zh-CN" dirty="0" smtClean="0"/>
+              <a:t>|= </a:t>
+            </a:r>
+            <a:r>
+              <a:rPr lang="zh-CN" altLang="en-US" dirty="0" smtClean="0"/>
+              <a:t>按位或</a:t>
+            </a:r>
+            <a:r>
+              <a:rPr lang="en-US" altLang="zh-CN" dirty="0" smtClean="0"/>
+              <a:t>-</a:t>
+            </a:r>
+            <a:r>
+              <a:rPr lang="zh-CN" altLang="en-US" dirty="0" smtClean="0"/>
+              <a:t>赋值</a:t>
+            </a:r>
+            <a:endParaRPr lang="en-US" altLang="zh-CN" dirty="0" smtClean="0"/>
+          </a:p>
+          <a:p>
+            <a:pPr marL="0" indent="0">
+              <a:buNone/>
+            </a:pPr>
+            <a:r>
+              <a:rPr lang="en-US" altLang="zh-CN" dirty="0" smtClean="0"/>
+              <a:t>~ </a:t>
+            </a:r>
+            <a:r>
+              <a:rPr lang="zh-CN" altLang="en-US" dirty="0" smtClean="0"/>
+              <a:t>按位反，</a:t>
+            </a:r>
+            <a:r>
+              <a:rPr lang="en-US" altLang="zh-CN" dirty="0" smtClean="0"/>
+              <a:t>^ </a:t>
+            </a:r>
+            <a:r>
+              <a:rPr lang="zh-CN" altLang="en-US" dirty="0" smtClean="0"/>
+              <a:t>按位异或，</a:t>
+            </a:r>
+            <a:r>
+              <a:rPr lang="en-US" altLang="zh-CN" dirty="0" smtClean="0"/>
+              <a:t>^= </a:t>
+            </a:r>
+            <a:r>
+              <a:rPr lang="zh-CN" altLang="en-US" dirty="0" smtClean="0"/>
+              <a:t>按位异或</a:t>
+            </a:r>
+            <a:r>
+              <a:rPr lang="en-US" altLang="zh-CN" dirty="0" smtClean="0"/>
+              <a:t>-</a:t>
+            </a:r>
+            <a:r>
+              <a:rPr lang="zh-CN" altLang="en-US" dirty="0" smtClean="0"/>
+              <a:t>赋值</a:t>
+            </a:r>
+            <a:endParaRPr lang="en-US" dirty="0"/>
+          </a:p>
+        </p:txBody>
+      </p:sp>
+    </p:spTree>
+    <p:extLst>
+      <p:ext uri="{BB962C8B-B14F-4D97-AF65-F5344CB8AC3E}">
+        <p14:creationId xmlns:p14="http://schemas.microsoft.com/office/powerpoint/2010/main" val="4059421230"/>
+      </p:ext>
+    </p:extLst>
+  </p:cSld>
+  <p:clrMapOvr>
+    <a:masterClrMapping/>
+  </p:clrMapOvr>
+  <p:timing>
+    <p:tnLst>
+      <p:par>
+        <p:cTn id="1" dur="indefinite" restart="never" nodeType="tmRoot"/>
+      </p:par>
+    </p:tnLst>
+  </p:timing>
+</p:sld>
+</file>
+
+<file path=ppt/slides/slide42.xml><?xml version="1.0" encoding="utf-8"?>
+<p:sld xmlns:a="http://schemas.openxmlformats.org/drawingml/2006/main" xmlns:r="http://schemas.openxmlformats.org/officeDocument/2006/relationships" xmlns:p="http://schemas.openxmlformats.org/presentationml/2006/main">
+  <p:cSld>
+    <p:spTree>
+      <p:nvGrpSpPr>
+        <p:cNvPr id="1" name=""/>
+        <p:cNvGrpSpPr/>
+        <p:nvPr/>
+      </p:nvGrpSpPr>
+      <p:grpSpPr>
+        <a:xfrm>
+          <a:off x="0" y="0"/>
+          <a:ext cx="0" cy="0"/>
+          <a:chOff x="0" y="0"/>
+          <a:chExt cx="0" cy="0"/>
+        </a:xfrm>
+      </p:grpSpPr>
+      <p:sp>
+        <p:nvSpPr>
+          <p:cNvPr id="2" name="标题 1"/>
+          <p:cNvSpPr>
+            <a:spLocks noGrp="1"/>
+          </p:cNvSpPr>
+          <p:nvPr>
+            <p:ph type="title"/>
+          </p:nvPr>
+        </p:nvSpPr>
+        <p:spPr/>
+        <p:txBody>
+          <a:bodyPr/>
+          <a:lstStyle/>
+          <a:p>
+            <a:r>
+              <a:rPr lang="zh-CN" altLang="en-US" dirty="0" smtClean="0"/>
+              <a:t>操作符及相关主题</a:t>
+            </a:r>
+            <a:endParaRPr lang="en-US" dirty="0"/>
+          </a:p>
+        </p:txBody>
+      </p:sp>
+      <p:sp>
+        <p:nvSpPr>
+          <p:cNvPr id="3" name="内容占位符 2"/>
+          <p:cNvSpPr>
+            <a:spLocks noGrp="1"/>
+          </p:cNvSpPr>
+          <p:nvPr>
+            <p:ph idx="1"/>
+          </p:nvPr>
+        </p:nvSpPr>
+        <p:spPr/>
+        <p:txBody>
+          <a:bodyPr/>
+          <a:lstStyle/>
+          <a:p>
+            <a:r>
+              <a:rPr lang="zh-CN" altLang="en-US" dirty="0" smtClean="0"/>
+              <a:t>操作符（续）</a:t>
+            </a:r>
+            <a:endParaRPr lang="en-US" altLang="zh-CN" dirty="0" smtClean="0"/>
+          </a:p>
+          <a:p>
+            <a:pPr>
+              <a:buFont typeface="Wingdings" panose="05000000000000000000" pitchFamily="2" charset="2"/>
+              <a:buChar char="Ø"/>
+            </a:pPr>
+            <a:r>
+              <a:rPr lang="zh-CN" altLang="en-US" dirty="0" smtClean="0"/>
+              <a:t>逻辑操作符</a:t>
+            </a:r>
+            <a:endParaRPr lang="en-US" altLang="zh-CN" dirty="0" smtClean="0"/>
+          </a:p>
+          <a:p>
+            <a:pPr marL="0" indent="0">
+              <a:buNone/>
+            </a:pPr>
+            <a:r>
+              <a:rPr lang="en-US" dirty="0" smtClean="0"/>
+              <a:t>! </a:t>
+            </a:r>
+            <a:r>
+              <a:rPr lang="zh-CN" altLang="en-US" dirty="0" smtClean="0"/>
+              <a:t>逻辑反，</a:t>
+            </a:r>
+            <a:r>
+              <a:rPr lang="en-US" altLang="zh-CN" dirty="0" smtClean="0"/>
+              <a:t>e.g. not.sh</a:t>
+            </a:r>
+          </a:p>
+          <a:p>
+            <a:pPr marL="0" indent="0">
+              <a:buNone/>
+            </a:pPr>
+            <a:r>
+              <a:rPr lang="en-US" altLang="zh-CN" dirty="0" smtClean="0"/>
+              <a:t>&amp;&amp; </a:t>
+            </a:r>
+            <a:r>
+              <a:rPr lang="zh-CN" altLang="en-US" dirty="0" smtClean="0"/>
+              <a:t>逻辑与，</a:t>
+            </a:r>
+            <a:r>
+              <a:rPr lang="en-US" altLang="zh-CN" dirty="0" smtClean="0"/>
+              <a:t>e.g. and.sh</a:t>
+            </a:r>
+          </a:p>
+          <a:p>
+            <a:pPr marL="0" indent="0">
+              <a:buNone/>
+            </a:pPr>
+            <a:r>
+              <a:rPr lang="en-US" altLang="zh-CN" dirty="0" smtClean="0"/>
+              <a:t>|| </a:t>
+            </a:r>
+            <a:r>
+              <a:rPr lang="zh-CN" altLang="en-US" dirty="0" smtClean="0"/>
+              <a:t>逻辑或，</a:t>
+            </a:r>
+            <a:r>
+              <a:rPr lang="en-US" altLang="zh-CN" dirty="0" smtClean="0"/>
+              <a:t>e.g. or.sh</a:t>
+            </a:r>
+          </a:p>
+          <a:p>
+            <a:pPr>
+              <a:buFont typeface="Wingdings" panose="05000000000000000000" pitchFamily="2" charset="2"/>
+              <a:buChar char="Ø"/>
+            </a:pPr>
+            <a:r>
+              <a:rPr lang="zh-CN" altLang="en-US" dirty="0" smtClean="0"/>
+              <a:t>其他操作符</a:t>
+            </a:r>
+            <a:endParaRPr lang="en-US" altLang="zh-CN" dirty="0" smtClean="0"/>
+          </a:p>
+          <a:p>
+            <a:pPr marL="0" indent="0">
+              <a:buNone/>
+            </a:pPr>
+            <a:r>
+              <a:rPr lang="en-US" altLang="zh-CN" dirty="0" smtClean="0"/>
+              <a:t>, </a:t>
+            </a:r>
+            <a:r>
+              <a:rPr lang="zh-CN" altLang="en-US" dirty="0" smtClean="0"/>
+              <a:t>逗号操作符</a:t>
+            </a:r>
+            <a:endParaRPr lang="en-US" altLang="zh-CN" dirty="0" smtClean="0"/>
+          </a:p>
+          <a:p>
+            <a:pPr marL="0" indent="0">
+              <a:buNone/>
+            </a:pPr>
+            <a:r>
+              <a:rPr lang="zh-CN" altLang="en-US" dirty="0" smtClean="0"/>
+              <a:t>逗号操作符可以连接两个或多个算术运算，所有的操作都会被运行（可能会有副作用），但只返回最后一个操作的结果。逗号操作符主要用在</a:t>
+            </a:r>
+            <a:r>
+              <a:rPr lang="en-US" altLang="zh-CN" dirty="0" smtClean="0"/>
+              <a:t>for</a:t>
+            </a:r>
+            <a:r>
+              <a:rPr lang="zh-CN" altLang="en-US" dirty="0" smtClean="0"/>
+              <a:t>循环中。</a:t>
+            </a:r>
+            <a:r>
+              <a:rPr lang="en-US" altLang="zh-CN" dirty="0" smtClean="0"/>
+              <a:t>e.g. comma-op.sh</a:t>
+            </a:r>
+          </a:p>
+        </p:txBody>
+      </p:sp>
+    </p:spTree>
+    <p:extLst>
+      <p:ext uri="{BB962C8B-B14F-4D97-AF65-F5344CB8AC3E}">
+        <p14:creationId xmlns:p14="http://schemas.microsoft.com/office/powerpoint/2010/main" val="4092143435"/>
+      </p:ext>
+    </p:extLst>
+  </p:cSld>
+  <p:clrMapOvr>
+    <a:masterClrMapping/>
+  </p:clrMapOvr>
+  <p:timing>
+    <p:tnLst>
+      <p:par>
+        <p:cTn id="1" dur="indefinite" restart="never" nodeType="tmRoot"/>
+      </p:par>
+    </p:tnLst>
+  </p:timing>
+</p:sld>
+</file>
+
+<file path=ppt/slides/slide43.xml><?xml version="1.0" encoding="utf-8"?>
+<p:sld xmlns:a="http://schemas.openxmlformats.org/drawingml/2006/main" xmlns:r="http://schemas.openxmlformats.org/officeDocument/2006/relationships" xmlns:p="http://schemas.openxmlformats.org/presentationml/2006/main">
+  <p:cSld>
+    <p:spTree>
+      <p:nvGrpSpPr>
+        <p:cNvPr id="1" name=""/>
+        <p:cNvGrpSpPr/>
+        <p:nvPr/>
+      </p:nvGrpSpPr>
+      <p:grpSpPr>
+        <a:xfrm>
+          <a:off x="0" y="0"/>
+          <a:ext cx="0" cy="0"/>
+          <a:chOff x="0" y="0"/>
+          <a:chExt cx="0" cy="0"/>
+        </a:xfrm>
+      </p:grpSpPr>
+      <p:sp>
+        <p:nvSpPr>
+          <p:cNvPr id="2" name="标题 1"/>
+          <p:cNvSpPr>
+            <a:spLocks noGrp="1"/>
+          </p:cNvSpPr>
+          <p:nvPr>
+            <p:ph type="title"/>
+          </p:nvPr>
+        </p:nvSpPr>
+        <p:spPr/>
+        <p:txBody>
+          <a:bodyPr/>
+          <a:lstStyle/>
+          <a:p>
+            <a:r>
+              <a:rPr lang="zh-CN" altLang="en-US" dirty="0" smtClean="0"/>
+              <a:t>操作符及相关主题</a:t>
+            </a:r>
+            <a:endParaRPr lang="en-US" dirty="0"/>
+          </a:p>
+        </p:txBody>
+      </p:sp>
+      <p:sp>
+        <p:nvSpPr>
+          <p:cNvPr id="3" name="内容占位符 2"/>
+          <p:cNvSpPr>
+            <a:spLocks noGrp="1"/>
+          </p:cNvSpPr>
+          <p:nvPr>
+            <p:ph idx="1"/>
+          </p:nvPr>
+        </p:nvSpPr>
+        <p:spPr/>
+        <p:txBody>
+          <a:bodyPr/>
+          <a:lstStyle/>
+          <a:p>
+            <a:r>
+              <a:rPr lang="zh-CN" altLang="en-US" dirty="0" smtClean="0"/>
+              <a:t>数字常量</a:t>
+            </a:r>
+            <a:endParaRPr lang="en-US" altLang="zh-CN" dirty="0" smtClean="0"/>
+          </a:p>
+          <a:p>
+            <a:pPr marL="0" indent="0">
+              <a:buNone/>
+            </a:pPr>
+            <a:r>
+              <a:rPr lang="en-US" altLang="zh-CN" dirty="0"/>
+              <a:t>shell</a:t>
+            </a:r>
+            <a:r>
+              <a:rPr lang="zh-CN" altLang="en-US" dirty="0"/>
+              <a:t>脚本在默认情况</a:t>
+            </a:r>
+            <a:r>
+              <a:rPr lang="zh-CN" altLang="en-US" dirty="0" smtClean="0"/>
+              <a:t>下将数字解释为</a:t>
+            </a:r>
+            <a:r>
+              <a:rPr lang="en-US" altLang="zh-CN" dirty="0" smtClean="0"/>
+              <a:t>10</a:t>
+            </a:r>
+            <a:r>
+              <a:rPr lang="zh-CN" altLang="en-US" dirty="0"/>
+              <a:t>进制</a:t>
+            </a:r>
+            <a:r>
+              <a:rPr lang="zh-CN" altLang="en-US" dirty="0" smtClean="0"/>
+              <a:t>数</a:t>
+            </a:r>
+            <a:r>
+              <a:rPr lang="zh-CN" altLang="en-US" dirty="0"/>
+              <a:t>，</a:t>
+            </a:r>
+            <a:r>
+              <a:rPr lang="zh-CN" altLang="en-US" dirty="0" smtClean="0"/>
+              <a:t>除非</a:t>
+            </a:r>
+            <a:r>
+              <a:rPr lang="zh-CN" altLang="en-US" dirty="0"/>
+              <a:t>这个数字采用了特殊</a:t>
+            </a:r>
+            <a:r>
+              <a:rPr lang="zh-CN" altLang="en-US" dirty="0" smtClean="0"/>
+              <a:t>的</a:t>
+            </a:r>
+            <a:r>
+              <a:rPr lang="zh-CN" altLang="en-US" dirty="0"/>
+              <a:t>前缀</a:t>
+            </a:r>
+            <a:r>
+              <a:rPr lang="zh-CN" altLang="en-US" dirty="0" smtClean="0"/>
+              <a:t>或者表示法。以</a:t>
+            </a:r>
+            <a:r>
+              <a:rPr lang="en-US" altLang="zh-CN" dirty="0"/>
+              <a:t>0</a:t>
+            </a:r>
+            <a:r>
+              <a:rPr lang="zh-CN" altLang="en-US" dirty="0" smtClean="0"/>
+              <a:t>开头的数字为</a:t>
+            </a:r>
+            <a:r>
+              <a:rPr lang="en-US" altLang="zh-CN" dirty="0" smtClean="0"/>
+              <a:t>8</a:t>
+            </a:r>
+            <a:r>
+              <a:rPr lang="zh-CN" altLang="en-US" dirty="0"/>
+              <a:t>进制</a:t>
+            </a:r>
+            <a:r>
+              <a:rPr lang="zh-CN" altLang="en-US" dirty="0" smtClean="0"/>
+              <a:t>数，以</a:t>
+            </a:r>
+            <a:r>
+              <a:rPr lang="en-US" altLang="zh-CN" dirty="0"/>
+              <a:t>0x</a:t>
+            </a:r>
+            <a:r>
+              <a:rPr lang="zh-CN" altLang="en-US" dirty="0"/>
+              <a:t>开头</a:t>
+            </a:r>
+            <a:r>
+              <a:rPr lang="zh-CN" altLang="en-US" dirty="0" smtClean="0"/>
+              <a:t>的数字为</a:t>
+            </a:r>
+            <a:r>
+              <a:rPr lang="en-US" altLang="zh-CN" dirty="0" smtClean="0"/>
+              <a:t>16</a:t>
+            </a:r>
+            <a:r>
+              <a:rPr lang="zh-CN" altLang="en-US" dirty="0"/>
+              <a:t>进制</a:t>
+            </a:r>
+            <a:r>
+              <a:rPr lang="zh-CN" altLang="en-US" dirty="0" smtClean="0"/>
+              <a:t>数</a:t>
+            </a:r>
+            <a:r>
+              <a:rPr lang="zh-CN" altLang="en-US" dirty="0"/>
+              <a:t>，</a:t>
+            </a:r>
+            <a:r>
+              <a:rPr lang="zh-CN" altLang="en-US" dirty="0" smtClean="0"/>
+              <a:t>如果</a:t>
+            </a:r>
+            <a:r>
+              <a:rPr lang="zh-CN" altLang="en-US" dirty="0"/>
+              <a:t>数字中间嵌入了</a:t>
+            </a:r>
+            <a:r>
+              <a:rPr lang="en-US" altLang="zh-CN" dirty="0" smtClean="0"/>
+              <a:t>#</a:t>
+            </a:r>
+            <a:r>
+              <a:rPr lang="zh-CN" altLang="en-US" dirty="0" smtClean="0"/>
+              <a:t>号</a:t>
+            </a:r>
+            <a:r>
+              <a:rPr lang="zh-CN" altLang="en-US" dirty="0"/>
+              <a:t>，</a:t>
+            </a:r>
+            <a:r>
+              <a:rPr lang="zh-CN" altLang="en-US" dirty="0" smtClean="0"/>
+              <a:t>则认为</a:t>
+            </a:r>
+            <a:r>
+              <a:rPr lang="zh-CN" altLang="en-US" dirty="0"/>
+              <a:t>是</a:t>
+            </a:r>
+            <a:r>
+              <a:rPr lang="en-US" altLang="zh-CN" dirty="0"/>
+              <a:t>BASE#NUMBER</a:t>
+            </a:r>
+            <a:r>
+              <a:rPr lang="zh-CN" altLang="en-US" dirty="0"/>
+              <a:t>形式的标记法</a:t>
+            </a:r>
+            <a:r>
+              <a:rPr lang="en-US" altLang="zh-CN" dirty="0"/>
+              <a:t>(</a:t>
+            </a:r>
+            <a:r>
+              <a:rPr lang="zh-CN" altLang="en-US" dirty="0"/>
+              <a:t>有范围</a:t>
+            </a:r>
+            <a:r>
+              <a:rPr lang="zh-CN" altLang="en-US" dirty="0" smtClean="0"/>
+              <a:t>和表示法限制</a:t>
+            </a:r>
+            <a:r>
+              <a:rPr lang="en-US" altLang="zh-CN" dirty="0" smtClean="0"/>
+              <a:t>)</a:t>
+            </a:r>
+            <a:r>
+              <a:rPr lang="zh-CN" altLang="en-US" dirty="0" smtClean="0"/>
+              <a:t>。</a:t>
+            </a:r>
+            <a:r>
+              <a:rPr lang="en-US" altLang="zh-CN" dirty="0" smtClean="0"/>
+              <a:t>e.g. numbers.sh</a:t>
+            </a:r>
+          </a:p>
+          <a:p>
+            <a:r>
+              <a:rPr lang="zh-CN" altLang="en-US" dirty="0" smtClean="0"/>
+              <a:t>算术扩展</a:t>
+            </a:r>
+            <a:endParaRPr lang="en-US" altLang="zh-CN" dirty="0" smtClean="0"/>
+          </a:p>
+          <a:p>
+            <a:pPr marL="0" indent="0">
+              <a:buNone/>
+            </a:pPr>
+            <a:r>
+              <a:rPr lang="zh-CN" altLang="en-US" dirty="0"/>
+              <a:t>算术扩展提供</a:t>
+            </a:r>
+            <a:r>
+              <a:rPr lang="zh-CN" altLang="en-US" dirty="0" smtClean="0"/>
+              <a:t>了可以</a:t>
+            </a:r>
+            <a:r>
+              <a:rPr lang="zh-CN" altLang="en-US" dirty="0"/>
+              <a:t>在脚本中</a:t>
+            </a:r>
+            <a:r>
+              <a:rPr lang="zh-CN" altLang="en-US" dirty="0" smtClean="0"/>
+              <a:t>执行（</a:t>
+            </a:r>
+            <a:r>
+              <a:rPr lang="zh-CN" altLang="en-US" dirty="0"/>
+              <a:t>整型</a:t>
+            </a:r>
+            <a:r>
+              <a:rPr lang="zh-CN" altLang="en-US" dirty="0" smtClean="0"/>
+              <a:t>）运算的操作</a:t>
+            </a:r>
+            <a:r>
+              <a:rPr lang="zh-CN" altLang="en-US" dirty="0"/>
+              <a:t>。</a:t>
+            </a:r>
+            <a:r>
+              <a:rPr lang="zh-CN" altLang="en-US" dirty="0" smtClean="0"/>
+              <a:t>可以使用后置引用、双圆括号或</a:t>
+            </a:r>
+            <a:r>
+              <a:rPr lang="en-US" altLang="zh-CN" dirty="0" smtClean="0"/>
+              <a:t>let</a:t>
+            </a:r>
+            <a:r>
+              <a:rPr lang="zh-CN" altLang="en-US" dirty="0" smtClean="0"/>
+              <a:t>命令将</a:t>
+            </a:r>
+            <a:r>
+              <a:rPr lang="zh-CN" altLang="en-US" dirty="0"/>
+              <a:t>字符串转换为数字</a:t>
+            </a:r>
+            <a:r>
+              <a:rPr lang="zh-CN" altLang="en-US" dirty="0" smtClean="0"/>
+              <a:t>表达式。</a:t>
+            </a:r>
+            <a:endParaRPr lang="en-US" altLang="zh-CN" dirty="0" smtClean="0"/>
+          </a:p>
+          <a:p>
+            <a:pPr>
+              <a:buFont typeface="Wingdings" panose="05000000000000000000" pitchFamily="2" charset="2"/>
+              <a:buChar char="Ø"/>
+            </a:pPr>
+            <a:r>
+              <a:rPr lang="zh-CN" altLang="en-US" dirty="0" smtClean="0"/>
+              <a:t>使用后置引用的算术扩展（通常配合</a:t>
+            </a:r>
+            <a:r>
+              <a:rPr lang="en-US" altLang="zh-CN" dirty="0" err="1" smtClean="0"/>
+              <a:t>expr</a:t>
+            </a:r>
+            <a:r>
+              <a:rPr lang="zh-CN" altLang="en-US" dirty="0" smtClean="0"/>
+              <a:t>一起使用）</a:t>
+            </a:r>
+            <a:endParaRPr lang="en-US" altLang="zh-CN" dirty="0" smtClean="0"/>
+          </a:p>
+          <a:p>
+            <a:pPr marL="0" indent="0">
+              <a:buNone/>
+            </a:pPr>
+            <a:r>
+              <a:rPr lang="en-US" altLang="zh-CN" dirty="0"/>
+              <a:t>z=`</a:t>
+            </a:r>
+            <a:r>
+              <a:rPr lang="en-US" altLang="zh-CN" dirty="0" err="1"/>
+              <a:t>expr</a:t>
+            </a:r>
+            <a:r>
+              <a:rPr lang="en-US" altLang="zh-CN" dirty="0"/>
+              <a:t> $z + 3`          # The '</a:t>
+            </a:r>
+            <a:r>
+              <a:rPr lang="en-US" altLang="zh-CN" dirty="0" err="1"/>
+              <a:t>expr</a:t>
+            </a:r>
+            <a:r>
+              <a:rPr lang="en-US" altLang="zh-CN" dirty="0"/>
+              <a:t>' command performs the expansion</a:t>
+            </a:r>
+            <a:r>
+              <a:rPr lang="en-US" altLang="zh-CN" dirty="0" smtClean="0"/>
+              <a:t>.</a:t>
+            </a:r>
+          </a:p>
+          <a:p>
+            <a:pPr>
+              <a:buFont typeface="Wingdings" panose="05000000000000000000" pitchFamily="2" charset="2"/>
+              <a:buChar char="Ø"/>
+            </a:pPr>
+            <a:r>
+              <a:rPr lang="zh-CN" altLang="en-US" dirty="0" smtClean="0"/>
+              <a:t>使用双圆括号和</a:t>
+            </a:r>
+            <a:r>
+              <a:rPr lang="en-US" altLang="zh-CN" dirty="0" smtClean="0"/>
+              <a:t>let</a:t>
+            </a:r>
+            <a:r>
+              <a:rPr lang="zh-CN" altLang="en-US" dirty="0" smtClean="0"/>
+              <a:t>命令的算术扩展</a:t>
+            </a:r>
+            <a:endParaRPr lang="en-US" altLang="zh-CN" dirty="0" smtClean="0"/>
+          </a:p>
+          <a:p>
+            <a:pPr marL="0" indent="0">
+              <a:buNone/>
+            </a:pPr>
+            <a:r>
+              <a:rPr lang="en-US" altLang="zh-CN" dirty="0" smtClean="0"/>
+              <a:t>e.g. arith-expansion.sh</a:t>
+            </a:r>
+          </a:p>
+          <a:p>
+            <a:pPr marL="0" indent="0">
+              <a:buNone/>
+            </a:pPr>
+            <a:endParaRPr lang="en-US" altLang="zh-CN" dirty="0" smtClean="0"/>
+          </a:p>
+        </p:txBody>
+      </p:sp>
+    </p:spTree>
+    <p:extLst>
+      <p:ext uri="{BB962C8B-B14F-4D97-AF65-F5344CB8AC3E}">
+        <p14:creationId xmlns:p14="http://schemas.microsoft.com/office/powerpoint/2010/main" val="839708891"/>
+      </p:ext>
+    </p:extLst>
+  </p:cSld>
+  <p:clrMapOvr>
+    <a:masterClrMapping/>
+  </p:clrMapOvr>
+  <p:timing>
+    <p:tnLst>
+      <p:par>
+        <p:cTn id="1" dur="indefinite" restart="never" nodeType="tmRoot"/>
+      </p:par>
+    </p:tnLst>
+  </p:timing>
+</p:sld>
+</file>
+
+<file path=ppt/slides/slide44.xml><?xml version="1.0" encoding="utf-8"?>
+<p:sld xmlns:a="http://schemas.openxmlformats.org/drawingml/2006/main" xmlns:r="http://schemas.openxmlformats.org/officeDocument/2006/relationships" xmlns:p="http://schemas.openxmlformats.org/presentationml/2006/main">
+  <p:cSld>
+    <p:spTree>
+      <p:nvGrpSpPr>
+        <p:cNvPr id="1" name=""/>
+        <p:cNvGrpSpPr/>
+        <p:nvPr/>
+      </p:nvGrpSpPr>
+      <p:grpSpPr>
+        <a:xfrm>
+          <a:off x="0" y="0"/>
+          <a:ext cx="0" cy="0"/>
+          <a:chOff x="0" y="0"/>
+          <a:chExt cx="0" cy="0"/>
+        </a:xfrm>
+      </p:grpSpPr>
+      <p:sp>
+        <p:nvSpPr>
+          <p:cNvPr id="2" name="标题 1"/>
+          <p:cNvSpPr>
+            <a:spLocks noGrp="1"/>
+          </p:cNvSpPr>
+          <p:nvPr>
+            <p:ph type="title"/>
+          </p:nvPr>
+        </p:nvSpPr>
+        <p:spPr/>
+        <p:txBody>
+          <a:bodyPr/>
+          <a:lstStyle/>
+          <a:p>
+            <a:r>
+              <a:rPr lang="zh-CN" altLang="en-US" dirty="0"/>
+              <a:t>操作符及相关主题</a:t>
+            </a:r>
+            <a:endParaRPr lang="en-US" dirty="0"/>
+          </a:p>
+        </p:txBody>
+      </p:sp>
+      <p:sp>
+        <p:nvSpPr>
+          <p:cNvPr id="3" name="内容占位符 2"/>
+          <p:cNvSpPr>
+            <a:spLocks noGrp="1"/>
+          </p:cNvSpPr>
+          <p:nvPr>
+            <p:ph idx="1"/>
+          </p:nvPr>
+        </p:nvSpPr>
+        <p:spPr/>
+        <p:txBody>
+          <a:bodyPr/>
+          <a:lstStyle/>
+          <a:p>
+            <a:r>
+              <a:rPr lang="zh-CN" altLang="en-US" dirty="0" smtClean="0"/>
+              <a:t>双圆括号结构</a:t>
+            </a:r>
+            <a:endParaRPr lang="en-US" altLang="zh-CN" dirty="0" smtClean="0"/>
+          </a:p>
+          <a:p>
+            <a:pPr marL="0" indent="0">
+              <a:buNone/>
+            </a:pPr>
+            <a:r>
+              <a:rPr lang="zh-CN" altLang="en-US" dirty="0"/>
+              <a:t>与</a:t>
+            </a:r>
+            <a:r>
+              <a:rPr lang="en-US" altLang="zh-CN" dirty="0"/>
+              <a:t>let</a:t>
+            </a:r>
+            <a:r>
+              <a:rPr lang="zh-CN" altLang="en-US" dirty="0" smtClean="0"/>
+              <a:t>命令类似</a:t>
+            </a:r>
+            <a:r>
+              <a:rPr lang="zh-CN" altLang="en-US" dirty="0"/>
+              <a:t>，</a:t>
+            </a:r>
+            <a:r>
+              <a:rPr lang="en-US" altLang="zh-CN" dirty="0" smtClean="0"/>
+              <a:t>(( ... ))</a:t>
+            </a:r>
+            <a:r>
+              <a:rPr lang="zh-CN" altLang="en-US" dirty="0"/>
+              <a:t>结构允许算术扩展</a:t>
+            </a:r>
+            <a:r>
+              <a:rPr lang="zh-CN" altLang="en-US" dirty="0" smtClean="0"/>
+              <a:t>和</a:t>
+            </a:r>
+            <a:r>
+              <a:rPr lang="zh-CN" altLang="en-US" dirty="0"/>
+              <a:t>运算</a:t>
+            </a:r>
+            <a:r>
+              <a:rPr lang="zh-CN" altLang="en-US" dirty="0" smtClean="0"/>
+              <a:t>。举</a:t>
+            </a:r>
+            <a:r>
+              <a:rPr lang="zh-CN" altLang="en-US" dirty="0"/>
+              <a:t>个简单的</a:t>
+            </a:r>
+            <a:r>
+              <a:rPr lang="zh-CN" altLang="en-US" dirty="0" smtClean="0"/>
+              <a:t>例子</a:t>
+            </a:r>
+            <a:r>
+              <a:rPr lang="zh-CN" altLang="en-US" dirty="0"/>
+              <a:t>，</a:t>
+            </a:r>
+            <a:r>
+              <a:rPr lang="en-US" altLang="zh-CN" dirty="0" smtClean="0"/>
+              <a:t>a</a:t>
+            </a:r>
+            <a:r>
+              <a:rPr lang="en-US" altLang="zh-CN" dirty="0"/>
+              <a:t>=$(( 5 + 3 </a:t>
+            </a:r>
+            <a:r>
+              <a:rPr lang="en-US" altLang="zh-CN" dirty="0" smtClean="0"/>
+              <a:t>))</a:t>
+            </a:r>
+            <a:r>
+              <a:rPr lang="zh-CN" altLang="en-US" dirty="0"/>
+              <a:t> </a:t>
+            </a:r>
+            <a:r>
+              <a:rPr lang="zh-CN" altLang="en-US" dirty="0" smtClean="0"/>
+              <a:t>将</a:t>
+            </a:r>
+            <a:r>
+              <a:rPr lang="zh-CN" altLang="en-US" dirty="0"/>
+              <a:t>把</a:t>
+            </a:r>
+            <a:r>
+              <a:rPr lang="zh-CN" altLang="en-US" dirty="0" smtClean="0"/>
+              <a:t>变量</a:t>
+            </a:r>
+            <a:r>
+              <a:rPr lang="en-US" altLang="zh-CN" dirty="0" smtClean="0"/>
+              <a:t>“a”</a:t>
+            </a:r>
+            <a:r>
+              <a:rPr lang="zh-CN" altLang="en-US" dirty="0" smtClean="0"/>
+              <a:t>设为</a:t>
+            </a:r>
+            <a:r>
+              <a:rPr lang="en-US" altLang="zh-CN" dirty="0" smtClean="0"/>
+              <a:t>“5 </a:t>
+            </a:r>
+            <a:r>
+              <a:rPr lang="en-US" altLang="zh-CN" dirty="0"/>
+              <a:t>+ </a:t>
+            </a:r>
+            <a:r>
+              <a:rPr lang="en-US" altLang="zh-CN" dirty="0" smtClean="0"/>
+              <a:t>3”</a:t>
+            </a:r>
+            <a:r>
+              <a:rPr lang="zh-CN" altLang="en-US" dirty="0" smtClean="0"/>
+              <a:t>，或者</a:t>
+            </a:r>
+            <a:r>
+              <a:rPr lang="en-US" altLang="zh-CN" dirty="0" smtClean="0"/>
+              <a:t>8</a:t>
+            </a:r>
+            <a:r>
+              <a:rPr lang="zh-CN" altLang="en-US" dirty="0"/>
+              <a:t>。</a:t>
+            </a:r>
+            <a:r>
+              <a:rPr lang="zh-CN" altLang="en-US" dirty="0" smtClean="0"/>
+              <a:t>然而</a:t>
+            </a:r>
+            <a:r>
+              <a:rPr lang="zh-CN" altLang="en-US" dirty="0"/>
+              <a:t>，</a:t>
+            </a:r>
+            <a:r>
+              <a:rPr lang="zh-CN" altLang="en-US" dirty="0" smtClean="0"/>
+              <a:t>双</a:t>
+            </a:r>
+            <a:r>
+              <a:rPr lang="zh-CN" altLang="en-US" dirty="0"/>
+              <a:t>圆括号结构也被认为是在</a:t>
+            </a:r>
+            <a:r>
+              <a:rPr lang="en-US" altLang="zh-CN" dirty="0"/>
+              <a:t>Bash</a:t>
+            </a:r>
+            <a:r>
+              <a:rPr lang="zh-CN" altLang="en-US" dirty="0"/>
+              <a:t>中使用</a:t>
+            </a:r>
+            <a:r>
+              <a:rPr lang="en-US" altLang="zh-CN" dirty="0"/>
+              <a:t>C</a:t>
+            </a:r>
+            <a:r>
+              <a:rPr lang="zh-CN" altLang="en-US" dirty="0"/>
+              <a:t>语言风格变量操作的一</a:t>
+            </a:r>
+            <a:r>
+              <a:rPr lang="zh-CN" altLang="en-US" dirty="0" smtClean="0"/>
+              <a:t>种机制，例如</a:t>
+            </a:r>
+            <a:r>
+              <a:rPr lang="en-US" altLang="zh-CN" dirty="0" smtClean="0"/>
+              <a:t>(( </a:t>
+            </a:r>
+            <a:r>
+              <a:rPr lang="en-US" altLang="zh-CN" dirty="0" err="1" smtClean="0"/>
+              <a:t>var</a:t>
+            </a:r>
+            <a:r>
+              <a:rPr lang="en-US" altLang="zh-CN" dirty="0" smtClean="0"/>
+              <a:t>++ ))</a:t>
+            </a:r>
+            <a:r>
+              <a:rPr lang="zh-CN" altLang="en-US" dirty="0" smtClean="0"/>
+              <a:t>。</a:t>
+            </a:r>
+            <a:endParaRPr lang="en-US" altLang="zh-CN" dirty="0" smtClean="0"/>
+          </a:p>
+          <a:p>
+            <a:pPr marL="0" indent="0">
+              <a:buNone/>
+            </a:pPr>
+            <a:r>
+              <a:rPr lang="en-US" dirty="0" smtClean="0"/>
+              <a:t>e.g. c-vars.sh</a:t>
+            </a:r>
+            <a:endParaRPr lang="en-US" dirty="0"/>
+          </a:p>
+        </p:txBody>
+      </p:sp>
+    </p:spTree>
+    <p:extLst>
+      <p:ext uri="{BB962C8B-B14F-4D97-AF65-F5344CB8AC3E}">
+        <p14:creationId xmlns:p14="http://schemas.microsoft.com/office/powerpoint/2010/main" val="3183991708"/>
+      </p:ext>
+    </p:extLst>
+  </p:cSld>
+  <p:clrMapOvr>
+    <a:masterClrMapping/>
+  </p:clrMapOvr>
+  <p:timing>
+    <p:tnLst>
+      <p:par>
+        <p:cTn id="1" dur="indefinite" restart="never" nodeType="tmRoot"/>
+      </p:par>
+    </p:tnLst>
+  </p:timing>
+</p:sld>
+</file>
+
+<file path=ppt/slides/slide45.xml><?xml version="1.0" encoding="utf-8"?>
+<p:sld xmlns:a="http://schemas.openxmlformats.org/drawingml/2006/main" xmlns:r="http://schemas.openxmlformats.org/officeDocument/2006/relationships" xmlns:p="http://schemas.openxmlformats.org/presentationml/2006/main">
+  <p:cSld>
+    <p:spTree>
+      <p:nvGrpSpPr>
+        <p:cNvPr id="1" name=""/>
+        <p:cNvGrpSpPr/>
+        <p:nvPr/>
+      </p:nvGrpSpPr>
+      <p:grpSpPr>
+        <a:xfrm>
+          <a:off x="0" y="0"/>
+          <a:ext cx="0" cy="0"/>
+          <a:chOff x="0" y="0"/>
+          <a:chExt cx="0" cy="0"/>
+        </a:xfrm>
+      </p:grpSpPr>
+      <p:sp>
+        <p:nvSpPr>
+          <p:cNvPr id="2" name="标题 1"/>
+          <p:cNvSpPr>
+            <a:spLocks noGrp="1"/>
+          </p:cNvSpPr>
+          <p:nvPr>
+            <p:ph type="title"/>
+          </p:nvPr>
+        </p:nvSpPr>
+        <p:spPr/>
+        <p:txBody>
+          <a:bodyPr/>
+          <a:lstStyle/>
+          <a:p>
+            <a:r>
+              <a:rPr lang="zh-CN" altLang="en-US" dirty="0" smtClean="0"/>
+              <a:t>条件</a:t>
+            </a:r>
+            <a:r>
+              <a:rPr lang="zh-CN" altLang="en-US" dirty="0" smtClean="0"/>
+              <a:t>测试表达式</a:t>
+            </a:r>
+            <a:endParaRPr lang="en-US" dirty="0"/>
+          </a:p>
+        </p:txBody>
+      </p:sp>
+      <p:sp>
+        <p:nvSpPr>
+          <p:cNvPr id="3" name="内容占位符 2"/>
+          <p:cNvSpPr>
+            <a:spLocks noGrp="1"/>
+          </p:cNvSpPr>
+          <p:nvPr>
+            <p:ph idx="1"/>
+          </p:nvPr>
+        </p:nvSpPr>
+        <p:spPr/>
+        <p:txBody>
+          <a:bodyPr>
+            <a:normAutofit lnSpcReduction="10000"/>
+          </a:bodyPr>
+          <a:lstStyle/>
+          <a:p>
+            <a:pPr marL="0" indent="0">
+              <a:buNone/>
+            </a:pPr>
+            <a:r>
+              <a:rPr lang="zh-CN" altLang="en-US" dirty="0"/>
+              <a:t>每个完整并且合理的程序语言都具有条件判断的功能，并且可以根据条件测试的结果做下一步的处理。</a:t>
+            </a:r>
+            <a:r>
+              <a:rPr lang="en-US" altLang="zh-CN" dirty="0"/>
+              <a:t>Bash</a:t>
+            </a:r>
+            <a:r>
+              <a:rPr lang="zh-CN" altLang="en-US" dirty="0"/>
+              <a:t>有</a:t>
+            </a:r>
+            <a:r>
+              <a:rPr lang="en-US" altLang="zh-CN" dirty="0"/>
+              <a:t>test</a:t>
+            </a:r>
+            <a:r>
+              <a:rPr lang="zh-CN" altLang="en-US" dirty="0"/>
+              <a:t>命令，各种中括号和圆括号操作，还有</a:t>
+            </a:r>
+            <a:r>
+              <a:rPr lang="en-US" altLang="zh-CN" dirty="0"/>
+              <a:t>if/then</a:t>
+            </a:r>
+            <a:r>
+              <a:rPr lang="zh-CN" altLang="en-US" dirty="0"/>
+              <a:t>结构</a:t>
+            </a:r>
+            <a:r>
+              <a:rPr lang="zh-CN" altLang="en-US" dirty="0" smtClean="0"/>
+              <a:t>。</a:t>
+            </a:r>
+            <a:endParaRPr lang="en-US" altLang="zh-CN" dirty="0" smtClean="0"/>
+          </a:p>
+          <a:p>
+            <a:r>
+              <a:rPr lang="zh-CN" altLang="en-US" dirty="0" smtClean="0"/>
+              <a:t>条件</a:t>
+            </a:r>
+            <a:r>
+              <a:rPr lang="zh-CN" altLang="en-US" dirty="0" smtClean="0"/>
+              <a:t>测试</a:t>
+            </a:r>
+            <a:r>
+              <a:rPr lang="zh-CN" altLang="en-US" dirty="0" smtClean="0"/>
+              <a:t>结构</a:t>
+            </a:r>
+            <a:endParaRPr lang="en-US" altLang="zh-CN" dirty="0" smtClean="0"/>
+          </a:p>
+          <a:p>
+            <a:pPr>
+              <a:buFont typeface="Wingdings" panose="05000000000000000000" pitchFamily="2" charset="2"/>
+              <a:buChar char="Ø"/>
+            </a:pPr>
+            <a:r>
+              <a:rPr lang="en-US" altLang="zh-CN" dirty="0" smtClean="0"/>
+              <a:t>if/then </a:t>
+            </a:r>
+            <a:r>
+              <a:rPr lang="zh-CN" altLang="en-US" dirty="0" smtClean="0"/>
+              <a:t>结构</a:t>
+            </a:r>
+            <a:r>
+              <a:rPr lang="zh-CN" altLang="en-US" dirty="0"/>
+              <a:t>用来判断命令列表的退出状态码是否为</a:t>
+            </a:r>
+            <a:r>
+              <a:rPr lang="en-US" altLang="zh-CN" dirty="0" smtClean="0"/>
+              <a:t>0</a:t>
+            </a:r>
+            <a:r>
+              <a:rPr lang="zh-CN" altLang="en-US" dirty="0" smtClean="0"/>
+              <a:t>（</a:t>
+            </a:r>
+            <a:r>
+              <a:rPr lang="en-US" altLang="zh-CN" dirty="0"/>
+              <a:t>UNIX</a:t>
+            </a:r>
+            <a:r>
+              <a:rPr lang="zh-CN" altLang="en-US" dirty="0" smtClean="0"/>
+              <a:t>惯例</a:t>
+            </a:r>
+            <a:r>
+              <a:rPr lang="zh-CN" altLang="en-US" dirty="0"/>
+              <a:t>，</a:t>
+            </a:r>
+            <a:r>
+              <a:rPr lang="en-US" altLang="zh-CN" dirty="0" smtClean="0"/>
+              <a:t>0</a:t>
+            </a:r>
+            <a:r>
+              <a:rPr lang="zh-CN" altLang="en-US" dirty="0" smtClean="0"/>
+              <a:t>表示“成功”），如果是，则执行</a:t>
+            </a:r>
+            <a:r>
+              <a:rPr lang="zh-CN" altLang="en-US" dirty="0"/>
+              <a:t>接下来的一个或多个</a:t>
+            </a:r>
+            <a:r>
+              <a:rPr lang="zh-CN" altLang="en-US" dirty="0" smtClean="0"/>
+              <a:t>命令。</a:t>
+            </a:r>
+            <a:r>
+              <a:rPr lang="en-US" altLang="zh-CN" dirty="0" smtClean="0"/>
+              <a:t>e.g. if-then.sh</a:t>
+            </a:r>
+            <a:endParaRPr lang="en-US" altLang="zh-CN" dirty="0"/>
+          </a:p>
+          <a:p>
+            <a:pPr>
+              <a:buFont typeface="Wingdings" panose="05000000000000000000" pitchFamily="2" charset="2"/>
+              <a:buChar char="Ø"/>
+            </a:pPr>
+            <a:r>
+              <a:rPr lang="en-US" altLang="zh-CN" dirty="0" smtClean="0"/>
+              <a:t> [ </a:t>
+            </a:r>
+            <a:r>
+              <a:rPr lang="zh-CN" altLang="en-US" dirty="0" smtClean="0"/>
+              <a:t>左中括号命令将它的参数视作比较表达式或文件测试，并根据比较的结果返回一个退出状态（</a:t>
+            </a:r>
+            <a:r>
+              <a:rPr lang="en-US" altLang="zh-CN" dirty="0" smtClean="0"/>
+              <a:t>0</a:t>
+            </a:r>
+            <a:r>
+              <a:rPr lang="zh-CN" altLang="en-US" dirty="0" smtClean="0"/>
+              <a:t>表示真，</a:t>
+            </a:r>
+            <a:r>
+              <a:rPr lang="en-US" altLang="zh-CN" dirty="0" smtClean="0"/>
+              <a:t>1</a:t>
+            </a:r>
+            <a:r>
+              <a:rPr lang="zh-CN" altLang="en-US" dirty="0" smtClean="0"/>
+              <a:t>表示假）。</a:t>
+            </a:r>
+            <a:r>
+              <a:rPr lang="en-US" altLang="zh-CN" dirty="0" smtClean="0"/>
+              <a:t>[ </a:t>
+            </a:r>
+            <a:r>
+              <a:rPr lang="zh-CN" altLang="en-US" dirty="0" smtClean="0"/>
+              <a:t>是</a:t>
+            </a:r>
+            <a:r>
+              <a:rPr lang="en-US" altLang="zh-CN" dirty="0" smtClean="0"/>
+              <a:t>test</a:t>
+            </a:r>
+            <a:r>
+              <a:rPr lang="zh-CN" altLang="en-US" dirty="0" smtClean="0"/>
+              <a:t>命令的缩写，基于效率考虑，这也是一个內建命令。</a:t>
+            </a:r>
+            <a:r>
+              <a:rPr lang="en-US" altLang="zh-CN" dirty="0" smtClean="0"/>
+              <a:t>e.g. what-is-truth.sh</a:t>
+            </a:r>
+          </a:p>
+          <a:p>
+            <a:pPr marL="0" indent="0">
+              <a:buNone/>
+            </a:pPr>
+            <a:r>
+              <a:rPr lang="en-US" altLang="zh-CN" dirty="0"/>
+              <a:t>if test condition-true</a:t>
+            </a:r>
+            <a:r>
+              <a:rPr lang="zh-CN" altLang="en-US" dirty="0"/>
+              <a:t>结构与</a:t>
+            </a:r>
+            <a:r>
+              <a:rPr lang="en-US" altLang="zh-CN" dirty="0"/>
+              <a:t>if [ condition-true ]</a:t>
+            </a:r>
+            <a:r>
+              <a:rPr lang="zh-CN" altLang="en-US" dirty="0"/>
+              <a:t>完全相同，左中括号</a:t>
+            </a:r>
+            <a:r>
+              <a:rPr lang="en-US" altLang="zh-CN" dirty="0"/>
+              <a:t> [ </a:t>
+            </a:r>
+            <a:r>
+              <a:rPr lang="zh-CN" altLang="en-US" dirty="0"/>
+              <a:t>是调用</a:t>
+            </a:r>
+            <a:r>
+              <a:rPr lang="en-US" altLang="zh-CN" dirty="0"/>
+              <a:t>test</a:t>
+            </a:r>
+            <a:r>
+              <a:rPr lang="zh-CN" altLang="en-US" dirty="0"/>
+              <a:t>（內建）命令的标识，右中括号 </a:t>
+            </a:r>
+            <a:r>
+              <a:rPr lang="en-US" altLang="zh-CN" dirty="0"/>
+              <a:t>] </a:t>
+            </a:r>
+            <a:r>
+              <a:rPr lang="zh-CN" altLang="en-US" dirty="0"/>
+              <a:t>关闭条件判断</a:t>
+            </a:r>
+            <a:r>
+              <a:rPr lang="zh-CN" altLang="en-US" dirty="0" smtClean="0"/>
+              <a:t>。</a:t>
+            </a:r>
+            <a:endParaRPr lang="en-US" altLang="zh-CN" dirty="0" smtClean="0"/>
+          </a:p>
+          <a:p>
+            <a:pPr marL="0" indent="0">
+              <a:buNone/>
+            </a:pPr>
+            <a:r>
+              <a:rPr lang="en-US" altLang="zh-CN" dirty="0"/>
+              <a:t>else if </a:t>
+            </a:r>
+            <a:r>
+              <a:rPr lang="zh-CN" altLang="en-US" dirty="0"/>
+              <a:t>和 </a:t>
+            </a:r>
+            <a:r>
+              <a:rPr lang="en-US" altLang="zh-CN" dirty="0" err="1"/>
+              <a:t>elif</a:t>
+            </a:r>
+            <a:r>
+              <a:rPr lang="zh-CN" altLang="en-US" dirty="0"/>
+              <a:t>：</a:t>
+            </a:r>
+            <a:r>
+              <a:rPr lang="en-US" altLang="zh-CN" dirty="0" err="1"/>
+              <a:t>elif</a:t>
+            </a:r>
+            <a:r>
+              <a:rPr lang="en-US" altLang="zh-CN" dirty="0"/>
+              <a:t> </a:t>
+            </a:r>
+            <a:r>
+              <a:rPr lang="zh-CN" altLang="en-US" dirty="0"/>
+              <a:t>是</a:t>
+            </a:r>
+            <a:r>
+              <a:rPr lang="en-US" altLang="zh-CN" dirty="0"/>
+              <a:t>else if</a:t>
+            </a:r>
+            <a:r>
+              <a:rPr lang="zh-CN" altLang="en-US" dirty="0"/>
+              <a:t>的缩写，作用是在外部的判断结构中嵌入一个内部的</a:t>
+            </a:r>
+            <a:r>
+              <a:rPr lang="en-US" altLang="zh-CN" dirty="0"/>
+              <a:t>if/then</a:t>
+            </a:r>
+            <a:r>
+              <a:rPr lang="zh-CN" altLang="en-US" dirty="0"/>
+              <a:t>结构。</a:t>
+            </a:r>
+            <a:r>
+              <a:rPr lang="en-US" altLang="zh-CN" dirty="0"/>
+              <a:t>e.g. </a:t>
+            </a:r>
+            <a:r>
+              <a:rPr lang="en-US" altLang="zh-CN" dirty="0" smtClean="0"/>
+              <a:t>elif.sh</a:t>
+            </a:r>
+          </a:p>
+          <a:p>
+            <a:pPr marL="0" indent="0">
+              <a:buNone/>
+            </a:pPr>
+            <a:r>
+              <a:rPr lang="zh-CN" altLang="en-US" dirty="0" smtClean="0"/>
+              <a:t>使用</a:t>
+            </a:r>
+            <a:r>
+              <a:rPr lang="en-US" altLang="zh-CN" dirty="0" smtClean="0"/>
+              <a:t>if/then</a:t>
+            </a:r>
+            <a:r>
+              <a:rPr lang="zh-CN" altLang="en-US" dirty="0" smtClean="0"/>
+              <a:t>结构的条件测试语句可以嵌套，</a:t>
+            </a:r>
+            <a:r>
+              <a:rPr lang="en-US" altLang="zh-CN" dirty="0" smtClean="0"/>
+              <a:t>e.g. net-if-then.sh</a:t>
+            </a:r>
+          </a:p>
+        </p:txBody>
+      </p:sp>
+    </p:spTree>
+    <p:extLst>
+      <p:ext uri="{BB962C8B-B14F-4D97-AF65-F5344CB8AC3E}">
+        <p14:creationId xmlns:p14="http://schemas.microsoft.com/office/powerpoint/2010/main" val="2582406162"/>
+      </p:ext>
+    </p:extLst>
+  </p:cSld>
+  <p:clrMapOvr>
+    <a:masterClrMapping/>
+  </p:clrMapOvr>
+  <p:timing>
+    <p:tnLst>
+      <p:par>
+        <p:cTn id="1" dur="indefinite" restart="never" nodeType="tmRoot"/>
+      </p:par>
+    </p:tnLst>
+  </p:timing>
+</p:sld>
+</file>
+
+<file path=ppt/slides/slide46.xml><?xml version="1.0" encoding="utf-8"?>
+<p:sld xmlns:a="http://schemas.openxmlformats.org/drawingml/2006/main" xmlns:r="http://schemas.openxmlformats.org/officeDocument/2006/relationships" xmlns:p="http://schemas.openxmlformats.org/presentationml/2006/main">
+  <p:cSld>
+    <p:spTree>
+      <p:nvGrpSpPr>
+        <p:cNvPr id="1" name=""/>
+        <p:cNvGrpSpPr/>
+        <p:nvPr/>
+      </p:nvGrpSpPr>
+      <p:grpSpPr>
+        <a:xfrm>
+          <a:off x="0" y="0"/>
+          <a:ext cx="0" cy="0"/>
+          <a:chOff x="0" y="0"/>
+          <a:chExt cx="0" cy="0"/>
+        </a:xfrm>
+      </p:grpSpPr>
+      <p:sp>
+        <p:nvSpPr>
+          <p:cNvPr id="2" name="标题 1"/>
+          <p:cNvSpPr>
+            <a:spLocks noGrp="1"/>
+          </p:cNvSpPr>
+          <p:nvPr>
+            <p:ph type="title"/>
+          </p:nvPr>
+        </p:nvSpPr>
+        <p:spPr/>
+        <p:txBody>
+          <a:bodyPr/>
+          <a:lstStyle/>
+          <a:p>
+            <a:r>
+              <a:rPr lang="zh-CN" altLang="en-US" dirty="0" smtClean="0"/>
+              <a:t>条件</a:t>
+            </a:r>
+            <a:r>
+              <a:rPr lang="zh-CN" altLang="en-US" dirty="0" smtClean="0"/>
+              <a:t>测试表达式</a:t>
+            </a:r>
+            <a:endParaRPr lang="en-US" dirty="0"/>
+          </a:p>
+        </p:txBody>
+      </p:sp>
+      <p:sp>
+        <p:nvSpPr>
+          <p:cNvPr id="3" name="内容占位符 2"/>
+          <p:cNvSpPr>
+            <a:spLocks noGrp="1"/>
+          </p:cNvSpPr>
+          <p:nvPr>
+            <p:ph idx="1"/>
+          </p:nvPr>
+        </p:nvSpPr>
+        <p:spPr/>
+        <p:txBody>
+          <a:bodyPr>
+            <a:normAutofit lnSpcReduction="10000"/>
+          </a:bodyPr>
+          <a:lstStyle/>
+          <a:p>
+            <a:r>
+              <a:rPr lang="zh-CN" altLang="en-US" dirty="0" smtClean="0"/>
+              <a:t>条件测试结构（续）</a:t>
+            </a:r>
+            <a:endParaRPr lang="en-US" altLang="zh-CN" dirty="0" smtClean="0"/>
+          </a:p>
+          <a:p>
+            <a:pPr marL="0" indent="0">
+              <a:buNone/>
+            </a:pPr>
+            <a:r>
+              <a:rPr lang="zh-CN" altLang="en-US" dirty="0"/>
+              <a:t>当</a:t>
+            </a:r>
+            <a:r>
+              <a:rPr lang="en-US" altLang="zh-CN" dirty="0"/>
+              <a:t>if</a:t>
+            </a:r>
+            <a:r>
+              <a:rPr lang="zh-CN" altLang="en-US" dirty="0"/>
+              <a:t>和</a:t>
+            </a:r>
+            <a:r>
+              <a:rPr lang="en-US" altLang="zh-CN" dirty="0"/>
+              <a:t>then</a:t>
+            </a:r>
+            <a:r>
+              <a:rPr lang="zh-CN" altLang="en-US" dirty="0"/>
+              <a:t>在条件测试的同一行上，则必须使用分号来结束</a:t>
+            </a:r>
+            <a:r>
+              <a:rPr lang="en-US" altLang="zh-CN" dirty="0"/>
+              <a:t>if</a:t>
+            </a:r>
+            <a:r>
+              <a:rPr lang="zh-CN" altLang="en-US" dirty="0"/>
+              <a:t>表达式。</a:t>
+            </a:r>
+            <a:r>
+              <a:rPr lang="en-US" altLang="zh-CN" dirty="0"/>
+              <a:t>if</a:t>
+            </a:r>
+            <a:r>
+              <a:rPr lang="zh-CN" altLang="en-US" dirty="0"/>
+              <a:t>和</a:t>
+            </a:r>
+            <a:r>
+              <a:rPr lang="en-US" altLang="zh-CN" dirty="0"/>
+              <a:t>then</a:t>
+            </a:r>
+            <a:r>
+              <a:rPr lang="zh-CN" altLang="en-US" dirty="0"/>
+              <a:t>都是关键字，关键字（或者命令）作为表达式的开头，并且在同一行上再写一个新的表达式，则必须使用分号来结束上一句表达式。</a:t>
+            </a:r>
+            <a:endParaRPr lang="en-US" altLang="zh-CN" dirty="0"/>
+          </a:p>
+          <a:p>
+            <a:pPr marL="0" indent="0">
+              <a:buNone/>
+            </a:pPr>
+            <a:r>
+              <a:rPr lang="en-US" altLang="zh-CN" dirty="0"/>
+              <a:t>if [ -x "$filename" ]; then</a:t>
+            </a:r>
+          </a:p>
+          <a:p>
+            <a:pPr marL="0" indent="0">
+              <a:buNone/>
+            </a:pPr>
+            <a:r>
+              <a:rPr lang="en-US" altLang="zh-CN" dirty="0" smtClean="0"/>
+              <a:t>if</a:t>
+            </a:r>
+            <a:r>
+              <a:rPr lang="zh-CN" altLang="en-US" dirty="0"/>
+              <a:t>命令能够测试任何命令，并不仅仅是中括号中的条件。</a:t>
+            </a:r>
+            <a:r>
+              <a:rPr lang="en-US" altLang="zh-CN" dirty="0"/>
+              <a:t>e.g. if-test.sh</a:t>
+            </a:r>
+          </a:p>
+          <a:p>
+            <a:pPr marL="0" indent="0">
+              <a:buNone/>
+            </a:pPr>
+            <a:r>
+              <a:rPr lang="zh-CN" altLang="en-US" dirty="0" smtClean="0"/>
+              <a:t>在</a:t>
+            </a:r>
+            <a:r>
+              <a:rPr lang="en-US" altLang="zh-CN" dirty="0"/>
+              <a:t>if</a:t>
+            </a:r>
+            <a:r>
+              <a:rPr lang="zh-CN" altLang="en-US" dirty="0"/>
+              <a:t>后面也不一定非得是</a:t>
+            </a:r>
+            <a:r>
+              <a:rPr lang="en-US" altLang="zh-CN" dirty="0"/>
+              <a:t>test</a:t>
+            </a:r>
+            <a:r>
+              <a:rPr lang="zh-CN" altLang="en-US" dirty="0"/>
+              <a:t>命令或者是用于条件判断的中括号结构</a:t>
+            </a:r>
+            <a:r>
+              <a:rPr lang="en-US" altLang="zh-CN" dirty="0"/>
+              <a:t>( [ ] </a:t>
+            </a:r>
+            <a:r>
+              <a:rPr lang="zh-CN" altLang="en-US" dirty="0"/>
+              <a:t>或 </a:t>
+            </a:r>
+            <a:r>
+              <a:rPr lang="en-US" altLang="zh-CN" dirty="0"/>
+              <a:t>[[ ]] )</a:t>
+            </a:r>
+            <a:r>
+              <a:rPr lang="zh-CN" altLang="en-US" dirty="0"/>
+              <a:t>。</a:t>
+            </a:r>
+            <a:r>
+              <a:rPr lang="en-US" altLang="zh-CN" dirty="0"/>
+              <a:t>e.g. if-test2.sh</a:t>
+            </a:r>
+          </a:p>
+          <a:p>
+            <a:pPr marL="0" indent="0">
+              <a:buNone/>
+            </a:pPr>
+            <a:r>
+              <a:rPr lang="zh-CN" altLang="en-US" dirty="0"/>
+              <a:t>与此相似，在中括号中的条件判断也不一定非得要</a:t>
+            </a:r>
+            <a:r>
+              <a:rPr lang="en-US" altLang="zh-CN" dirty="0"/>
+              <a:t>if</a:t>
+            </a:r>
+            <a:r>
+              <a:rPr lang="zh-CN" altLang="en-US" dirty="0"/>
+              <a:t>不可，也可以使用列表结构。</a:t>
+            </a:r>
+            <a:r>
+              <a:rPr lang="en-US" altLang="zh-CN" dirty="0"/>
+              <a:t>e.g. </a:t>
+            </a:r>
+            <a:r>
+              <a:rPr lang="en-US" altLang="zh-CN" dirty="0" smtClean="0"/>
+              <a:t>cmdlist.sh</a:t>
+            </a:r>
+            <a:endParaRPr lang="en-US" altLang="zh-CN" dirty="0"/>
+          </a:p>
+          <a:p>
+            <a:pPr marL="0" indent="0">
+              <a:buNone/>
+            </a:pPr>
+            <a:r>
+              <a:rPr lang="en-US" altLang="zh-CN" dirty="0"/>
+              <a:t>(( … ))</a:t>
+            </a:r>
+            <a:r>
+              <a:rPr lang="zh-CN" altLang="en-US" dirty="0"/>
+              <a:t>和</a:t>
+            </a:r>
+            <a:r>
+              <a:rPr lang="en-US" altLang="zh-CN" dirty="0"/>
+              <a:t>let …</a:t>
+            </a:r>
+            <a:r>
+              <a:rPr lang="zh-CN" altLang="en-US" dirty="0"/>
+              <a:t>结构也能够返回退出状态码，当所计算的算术表达式的结果为非零值时，返回退出状态码</a:t>
+            </a:r>
+            <a:r>
+              <a:rPr lang="en-US" altLang="zh-CN" dirty="0"/>
+              <a:t>0</a:t>
+            </a:r>
+            <a:r>
+              <a:rPr lang="zh-CN" altLang="en-US" dirty="0"/>
+              <a:t>，否则返回退出状态码</a:t>
+            </a:r>
+            <a:r>
+              <a:rPr lang="en-US" altLang="zh-CN" dirty="0"/>
+              <a:t>1</a:t>
+            </a:r>
+            <a:r>
+              <a:rPr lang="zh-CN" altLang="en-US" dirty="0"/>
+              <a:t>。因此，这些算术扩展结构也可用来做算术比较操作。</a:t>
+            </a:r>
+            <a:r>
+              <a:rPr lang="en-US" altLang="zh-CN" dirty="0"/>
+              <a:t>e.g. arith-test1.sh  arith-test2.sh</a:t>
+            </a:r>
+          </a:p>
+          <a:p>
+            <a:pPr marL="0" indent="0">
+              <a:buNone/>
+            </a:pPr>
+            <a:endParaRPr lang="en-US" dirty="0"/>
+          </a:p>
+        </p:txBody>
+      </p:sp>
+    </p:spTree>
+    <p:extLst>
+      <p:ext uri="{BB962C8B-B14F-4D97-AF65-F5344CB8AC3E}">
+        <p14:creationId xmlns:p14="http://schemas.microsoft.com/office/powerpoint/2010/main" val="2996728938"/>
+      </p:ext>
+    </p:extLst>
+  </p:cSld>
+  <p:clrMapOvr>
+    <a:masterClrMapping/>
+  </p:clrMapOvr>
+  <p:timing>
+    <p:tnLst>
+      <p:par>
+        <p:cTn id="1" dur="indefinite" restart="never" nodeType="tmRoot"/>
+      </p:par>
+    </p:tnLst>
+  </p:timing>
+</p:sld>
+</file>
+
+<file path=ppt/slides/slide47.xml><?xml version="1.0" encoding="utf-8"?>
+<p:sld xmlns:a="http://schemas.openxmlformats.org/drawingml/2006/main" xmlns:r="http://schemas.openxmlformats.org/officeDocument/2006/relationships" xmlns:p="http://schemas.openxmlformats.org/presentationml/2006/main">
+  <p:cSld>
+    <p:spTree>
+      <p:nvGrpSpPr>
+        <p:cNvPr id="1" name=""/>
+        <p:cNvGrpSpPr/>
+        <p:nvPr/>
+      </p:nvGrpSpPr>
+      <p:grpSpPr>
+        <a:xfrm>
+          <a:off x="0" y="0"/>
+          <a:ext cx="0" cy="0"/>
+          <a:chOff x="0" y="0"/>
+          <a:chExt cx="0" cy="0"/>
+        </a:xfrm>
+      </p:grpSpPr>
+      <p:sp>
+        <p:nvSpPr>
+          <p:cNvPr id="2" name="标题 1"/>
+          <p:cNvSpPr>
+            <a:spLocks noGrp="1"/>
+          </p:cNvSpPr>
+          <p:nvPr>
+            <p:ph type="title"/>
+          </p:nvPr>
+        </p:nvSpPr>
+        <p:spPr/>
+        <p:txBody>
+          <a:bodyPr/>
+          <a:lstStyle/>
+          <a:p>
+            <a:r>
+              <a:rPr lang="zh-CN" altLang="en-US" dirty="0" smtClean="0"/>
+              <a:t>条件</a:t>
+            </a:r>
+            <a:r>
+              <a:rPr lang="zh-CN" altLang="en-US" dirty="0" smtClean="0"/>
+              <a:t>测试表达式</a:t>
+            </a:r>
+            <a:endParaRPr lang="en-US" dirty="0"/>
+          </a:p>
+        </p:txBody>
+      </p:sp>
+      <p:sp>
+        <p:nvSpPr>
+          <p:cNvPr id="3" name="内容占位符 2"/>
+          <p:cNvSpPr>
+            <a:spLocks noGrp="1"/>
+          </p:cNvSpPr>
+          <p:nvPr>
+            <p:ph idx="1"/>
+          </p:nvPr>
+        </p:nvSpPr>
+        <p:spPr/>
+        <p:txBody>
+          <a:bodyPr>
+            <a:normAutofit/>
+          </a:bodyPr>
+          <a:lstStyle/>
+          <a:p>
+            <a:r>
+              <a:rPr lang="en-US" dirty="0"/>
+              <a:t>[[ … </a:t>
+            </a:r>
+            <a:r>
+              <a:rPr lang="en-US" dirty="0" smtClean="0"/>
+              <a:t>]] </a:t>
+            </a:r>
+            <a:r>
+              <a:rPr lang="zh-CN" altLang="en-US" dirty="0" smtClean="0"/>
+              <a:t>扩展结构</a:t>
+            </a:r>
+            <a:endParaRPr lang="en-US" dirty="0" smtClean="0"/>
+          </a:p>
+          <a:p>
+            <a:pPr marL="0" indent="0">
+              <a:buNone/>
+            </a:pPr>
+            <a:r>
+              <a:rPr lang="en-US" dirty="0" smtClean="0"/>
+              <a:t>[[ </a:t>
+            </a:r>
+            <a:r>
+              <a:rPr lang="en-US" dirty="0"/>
+              <a:t>… ]] </a:t>
+            </a:r>
+            <a:r>
+              <a:rPr lang="zh-CN" altLang="en-US" dirty="0" smtClean="0"/>
+              <a:t>使用</a:t>
+            </a:r>
+            <a:r>
+              <a:rPr lang="zh-CN" altLang="en-US" dirty="0"/>
+              <a:t>一种其他语言程序员更熟悉的方式进行比较操作。注：</a:t>
+            </a:r>
+            <a:r>
+              <a:rPr lang="en-US" altLang="zh-CN" dirty="0"/>
+              <a:t>[[</a:t>
+            </a:r>
+            <a:r>
+              <a:rPr lang="zh-CN" altLang="en-US" dirty="0"/>
+              <a:t> 是一个关键字，而不是一个命令。</a:t>
+            </a:r>
+            <a:r>
+              <a:rPr lang="en-US" altLang="zh-CN" dirty="0"/>
+              <a:t>Bash</a:t>
+            </a:r>
+            <a:r>
+              <a:rPr lang="zh-CN" altLang="en-US" dirty="0"/>
+              <a:t>将 </a:t>
+            </a:r>
+            <a:r>
+              <a:rPr lang="en-US" altLang="zh-CN" dirty="0"/>
+              <a:t>[[ $a –</a:t>
+            </a:r>
+            <a:r>
+              <a:rPr lang="en-US" altLang="zh-CN" dirty="0" err="1"/>
+              <a:t>lt</a:t>
+            </a:r>
+            <a:r>
+              <a:rPr lang="en-US" altLang="zh-CN" dirty="0"/>
+              <a:t> $b ]] </a:t>
+            </a:r>
+            <a:r>
+              <a:rPr lang="zh-CN" altLang="en-US" dirty="0"/>
+              <a:t>视为一个返回退出状态的单一元素。</a:t>
+            </a:r>
+            <a:endParaRPr lang="en-US" altLang="zh-CN" dirty="0"/>
+          </a:p>
+          <a:p>
+            <a:pPr marL="0" indent="0">
+              <a:buNone/>
+            </a:pPr>
+            <a:r>
+              <a:rPr lang="en-US" dirty="0" smtClean="0"/>
+              <a:t>[[ ]] </a:t>
+            </a:r>
+            <a:r>
+              <a:rPr lang="zh-CN" altLang="en-US" dirty="0" smtClean="0"/>
+              <a:t>结构比 </a:t>
+            </a:r>
+            <a:r>
+              <a:rPr lang="en-US" altLang="zh-CN" dirty="0" smtClean="0"/>
+              <a:t>[ ] </a:t>
+            </a:r>
+            <a:r>
+              <a:rPr lang="zh-CN" altLang="en-US" dirty="0" smtClean="0"/>
+              <a:t>结构更加通用，这是一个扩展的</a:t>
+            </a:r>
+            <a:r>
+              <a:rPr lang="en-US" altLang="zh-CN" dirty="0" smtClean="0"/>
+              <a:t>test</a:t>
+            </a:r>
+            <a:r>
+              <a:rPr lang="zh-CN" altLang="en-US" dirty="0" smtClean="0"/>
+              <a:t>命令。</a:t>
+            </a:r>
+            <a:endParaRPr lang="en-US" altLang="zh-CN" dirty="0" smtClean="0"/>
+          </a:p>
+          <a:p>
+            <a:pPr marL="0" indent="0">
+              <a:buNone/>
+            </a:pPr>
+            <a:r>
+              <a:rPr lang="zh-CN" altLang="en-US" dirty="0"/>
+              <a:t>使用</a:t>
+            </a:r>
+            <a:r>
+              <a:rPr lang="en-US" altLang="zh-CN" dirty="0"/>
+              <a:t>[[ ... ]]</a:t>
+            </a:r>
+            <a:r>
+              <a:rPr lang="zh-CN" altLang="en-US" dirty="0"/>
+              <a:t>条件判断</a:t>
+            </a:r>
+            <a:r>
+              <a:rPr lang="zh-CN" altLang="en-US" dirty="0" smtClean="0"/>
+              <a:t>结构</a:t>
+            </a:r>
+            <a:r>
+              <a:rPr lang="zh-CN" altLang="en-US" dirty="0"/>
+              <a:t>，</a:t>
+            </a:r>
+            <a:r>
+              <a:rPr lang="zh-CN" altLang="en-US" dirty="0" smtClean="0"/>
+              <a:t>而</a:t>
+            </a:r>
+            <a:r>
+              <a:rPr lang="zh-CN" altLang="en-US" dirty="0"/>
+              <a:t>不是</a:t>
+            </a:r>
+            <a:r>
+              <a:rPr lang="en-US" altLang="zh-CN" dirty="0"/>
+              <a:t>[ ... </a:t>
+            </a:r>
+            <a:r>
+              <a:rPr lang="en-US" altLang="zh-CN" dirty="0" smtClean="0"/>
+              <a:t>]</a:t>
+            </a:r>
+            <a:r>
+              <a:rPr lang="zh-CN" altLang="en-US" dirty="0" smtClean="0"/>
+              <a:t>，能够</a:t>
+            </a:r>
+            <a:r>
+              <a:rPr lang="zh-CN" altLang="en-US" dirty="0"/>
+              <a:t>防止脚本中的许多逻辑</a:t>
+            </a:r>
+            <a:r>
+              <a:rPr lang="zh-CN" altLang="en-US" dirty="0" smtClean="0"/>
+              <a:t>错误</a:t>
+            </a:r>
+            <a:r>
+              <a:rPr lang="zh-CN" altLang="en-US" dirty="0"/>
+              <a:t>。</a:t>
+            </a:r>
+            <a:r>
+              <a:rPr lang="zh-CN" altLang="en-US" dirty="0" smtClean="0"/>
+              <a:t>比如</a:t>
+            </a:r>
+            <a:r>
+              <a:rPr lang="zh-CN" altLang="en-US" dirty="0"/>
+              <a:t>，</a:t>
+            </a:r>
+            <a:r>
+              <a:rPr lang="en-US" altLang="zh-CN" dirty="0" smtClean="0"/>
+              <a:t>&amp;&amp;</a:t>
+            </a:r>
+            <a:r>
+              <a:rPr lang="zh-CN" altLang="en-US" dirty="0" smtClean="0"/>
+              <a:t>、</a:t>
+            </a:r>
+            <a:r>
+              <a:rPr lang="en-US" altLang="zh-CN" dirty="0" smtClean="0"/>
+              <a:t>||</a:t>
+            </a:r>
+            <a:r>
+              <a:rPr lang="zh-CN" altLang="en-US" dirty="0" smtClean="0"/>
+              <a:t>、</a:t>
+            </a:r>
+            <a:r>
+              <a:rPr lang="en-US" altLang="zh-CN" dirty="0" smtClean="0"/>
+              <a:t>&lt; </a:t>
+            </a:r>
+            <a:r>
+              <a:rPr lang="zh-CN" altLang="en-US" dirty="0" smtClean="0"/>
+              <a:t>和 </a:t>
+            </a:r>
+            <a:r>
+              <a:rPr lang="en-US" altLang="zh-CN" dirty="0" smtClean="0"/>
+              <a:t>&gt; </a:t>
+            </a:r>
+            <a:r>
+              <a:rPr lang="zh-CN" altLang="en-US" dirty="0"/>
+              <a:t>操作符能够</a:t>
+            </a:r>
+            <a:r>
+              <a:rPr lang="zh-CN" altLang="en-US" dirty="0" smtClean="0"/>
+              <a:t>正常</a:t>
+            </a:r>
+            <a:r>
+              <a:rPr lang="zh-CN" altLang="en-US" dirty="0"/>
+              <a:t>工作</a:t>
+            </a:r>
+            <a:r>
+              <a:rPr lang="zh-CN" altLang="en-US" dirty="0" smtClean="0"/>
+              <a:t>于</a:t>
+            </a:r>
+            <a:r>
+              <a:rPr lang="en-US" altLang="zh-CN" dirty="0"/>
+              <a:t>[[ ]]</a:t>
+            </a:r>
+            <a:r>
+              <a:rPr lang="zh-CN" altLang="en-US" dirty="0"/>
+              <a:t>条件判断结构</a:t>
+            </a:r>
+            <a:r>
+              <a:rPr lang="zh-CN" altLang="en-US" dirty="0" smtClean="0"/>
+              <a:t>中</a:t>
+            </a:r>
+            <a:r>
+              <a:rPr lang="zh-CN" altLang="en-US" dirty="0"/>
+              <a:t>，</a:t>
+            </a:r>
+            <a:r>
+              <a:rPr lang="zh-CN" altLang="en-US" dirty="0" smtClean="0"/>
+              <a:t>但是在</a:t>
+            </a:r>
+            <a:r>
+              <a:rPr lang="en-US" altLang="zh-CN" dirty="0"/>
+              <a:t>[ ]</a:t>
+            </a:r>
+            <a:r>
+              <a:rPr lang="zh-CN" altLang="en-US" dirty="0"/>
+              <a:t>结构</a:t>
+            </a:r>
+            <a:r>
+              <a:rPr lang="zh-CN" altLang="en-US" dirty="0" smtClean="0"/>
+              <a:t>中</a:t>
+            </a:r>
+            <a:r>
+              <a:rPr lang="zh-CN" altLang="en-US" dirty="0"/>
+              <a:t>则</a:t>
+            </a:r>
+            <a:r>
+              <a:rPr lang="zh-CN" altLang="en-US" dirty="0" smtClean="0"/>
+              <a:t>会</a:t>
+            </a:r>
+            <a:r>
+              <a:rPr lang="zh-CN" altLang="en-US" dirty="0"/>
+              <a:t>报</a:t>
+            </a:r>
+            <a:r>
+              <a:rPr lang="zh-CN" altLang="en-US" dirty="0" smtClean="0"/>
+              <a:t>错</a:t>
+            </a:r>
+            <a:r>
+              <a:rPr lang="zh-CN" altLang="en-US" dirty="0" smtClean="0"/>
+              <a:t>。</a:t>
+            </a:r>
+            <a:endParaRPr lang="en-US" altLang="zh-CN" dirty="0" smtClean="0"/>
+          </a:p>
+          <a:p>
+            <a:pPr marL="0" indent="0">
+              <a:buNone/>
+            </a:pPr>
+            <a:r>
+              <a:rPr lang="zh-CN" altLang="en-US" dirty="0" smtClean="0"/>
+              <a:t>在</a:t>
+            </a:r>
+            <a:r>
+              <a:rPr lang="en-US" altLang="zh-CN" dirty="0" smtClean="0"/>
+              <a:t>[[ … ]]</a:t>
+            </a:r>
+            <a:r>
+              <a:rPr lang="zh-CN" altLang="en-US" dirty="0" smtClean="0"/>
+              <a:t>结构中，自动计算</a:t>
+            </a:r>
+            <a:r>
+              <a:rPr lang="en-US" altLang="zh-CN" dirty="0" smtClean="0"/>
+              <a:t>8</a:t>
+            </a:r>
+            <a:r>
+              <a:rPr lang="zh-CN" altLang="en-US" dirty="0"/>
+              <a:t>进</a:t>
+            </a:r>
+            <a:r>
+              <a:rPr lang="zh-CN" altLang="en-US" dirty="0" smtClean="0"/>
+              <a:t>制或十六进制常量。</a:t>
+            </a:r>
+            <a:r>
+              <a:rPr lang="en-US" altLang="zh-CN" dirty="0" smtClean="0"/>
+              <a:t>e.g. </a:t>
+            </a:r>
+            <a:r>
+              <a:rPr lang="en-US" altLang="zh-CN" dirty="0" smtClean="0"/>
+              <a:t>dblbrackets.sh</a:t>
+            </a:r>
+          </a:p>
+          <a:p>
+            <a:pPr marL="0" indent="0">
+              <a:buNone/>
+            </a:pPr>
+            <a:r>
+              <a:rPr lang="en-US" altLang="zh-CN" dirty="0" smtClean="0"/>
+              <a:t>Bash</a:t>
+            </a:r>
+            <a:r>
+              <a:rPr lang="zh-CN" altLang="en-US" dirty="0" smtClean="0"/>
+              <a:t>內建命令与关键字的区别：</a:t>
+            </a:r>
+            <a:endParaRPr lang="en-US" altLang="zh-CN" dirty="0" smtClean="0"/>
+          </a:p>
+          <a:p>
+            <a:pPr marL="0" indent="0">
+              <a:buNone/>
+            </a:pPr>
+            <a:r>
+              <a:rPr lang="zh-CN" altLang="en-US" dirty="0" smtClean="0"/>
+              <a:t>关键字用来构建</a:t>
+            </a:r>
+            <a:r>
+              <a:rPr lang="en-US" altLang="zh-CN" dirty="0" smtClean="0"/>
+              <a:t>shell</a:t>
+            </a:r>
+            <a:r>
+              <a:rPr lang="zh-CN" altLang="en-US" dirty="0" smtClean="0"/>
+              <a:t>语法结构，比如，</a:t>
+            </a:r>
+            <a:r>
+              <a:rPr lang="en-US" altLang="zh-CN" dirty="0" smtClean="0"/>
+              <a:t>”for”</a:t>
+            </a:r>
+            <a:r>
+              <a:rPr lang="zh-CN" altLang="en-US" dirty="0" smtClean="0"/>
+              <a:t>、</a:t>
+            </a:r>
+            <a:r>
+              <a:rPr lang="en-US" altLang="zh-CN" dirty="0" smtClean="0"/>
+              <a:t>”while”</a:t>
+            </a:r>
+            <a:r>
+              <a:rPr lang="zh-CN" altLang="en-US" dirty="0" smtClean="0"/>
+              <a:t>、</a:t>
+            </a:r>
+            <a:r>
+              <a:rPr lang="en-US" altLang="zh-CN" dirty="0" smtClean="0"/>
+              <a:t>”do”</a:t>
+            </a:r>
+            <a:r>
+              <a:rPr lang="zh-CN" altLang="en-US" dirty="0" smtClean="0"/>
+              <a:t>、</a:t>
+            </a:r>
+            <a:r>
+              <a:rPr lang="en-US" altLang="zh-CN" dirty="0" smtClean="0"/>
+              <a:t>”!”</a:t>
+            </a:r>
+            <a:r>
+              <a:rPr lang="zh-CN" altLang="en-US" dirty="0" smtClean="0"/>
+              <a:t>等等，与內建命令类似的是，关键字也是</a:t>
+            </a:r>
+            <a:r>
+              <a:rPr lang="en-US" altLang="zh-CN" dirty="0" smtClean="0"/>
+              <a:t>Bash</a:t>
+            </a:r>
+            <a:r>
+              <a:rPr lang="zh-CN" altLang="en-US" dirty="0" smtClean="0"/>
+              <a:t>的核心部分，但是与內建命令不同的是，关键字本身并不是一个命令，而是一个比较大的命令结构的一部分。与外部命令类似，</a:t>
+            </a:r>
+            <a:r>
+              <a:rPr lang="en-US" altLang="zh-CN" dirty="0" smtClean="0"/>
+              <a:t>Bash</a:t>
+            </a:r>
+            <a:r>
+              <a:rPr lang="zh-CN" altLang="en-US" dirty="0" smtClean="0"/>
+              <a:t>內建命令带有可选的命令参数；与外部命令不同的是，</a:t>
+            </a:r>
+            <a:r>
+              <a:rPr lang="en-US" altLang="zh-CN" dirty="0" smtClean="0"/>
+              <a:t>Bash</a:t>
+            </a:r>
+            <a:r>
+              <a:rPr lang="zh-CN" altLang="en-US" dirty="0" smtClean="0"/>
+              <a:t>执行內建命令不需要</a:t>
+            </a:r>
+            <a:r>
+              <a:rPr lang="en-US" altLang="zh-CN" dirty="0" smtClean="0"/>
+              <a:t>fork</a:t>
+            </a:r>
+            <a:r>
+              <a:rPr lang="zh-CN" altLang="en-US" dirty="0" smtClean="0"/>
+              <a:t>子进程。</a:t>
+            </a:r>
+            <a:endParaRPr lang="en-US" dirty="0"/>
+          </a:p>
+        </p:txBody>
+      </p:sp>
+    </p:spTree>
+    <p:extLst>
+      <p:ext uri="{BB962C8B-B14F-4D97-AF65-F5344CB8AC3E}">
+        <p14:creationId xmlns:p14="http://schemas.microsoft.com/office/powerpoint/2010/main" val="2640348816"/>
+      </p:ext>
+    </p:extLst>
+  </p:cSld>
+  <p:clrMapOvr>
+    <a:masterClrMapping/>
+  </p:clrMapOvr>
+  <p:timing>
+    <p:tnLst>
+      <p:par>
+        <p:cTn id="1" dur="indefinite" restart="never" nodeType="tmRoot"/>
+      </p:par>
+    </p:tnLst>
+  </p:timing>
+</p:sld>
+</file>
+
+<file path=ppt/slides/slide48.xml><?xml version="1.0" encoding="utf-8"?>
+<p:sld xmlns:a="http://schemas.openxmlformats.org/drawingml/2006/main" xmlns:r="http://schemas.openxmlformats.org/officeDocument/2006/relationships" xmlns:p="http://schemas.openxmlformats.org/presentationml/2006/main">
+  <p:cSld>
+    <p:spTree>
+      <p:nvGrpSpPr>
+        <p:cNvPr id="1" name=""/>
+        <p:cNvGrpSpPr/>
+        <p:nvPr/>
+      </p:nvGrpSpPr>
+      <p:grpSpPr>
+        <a:xfrm>
+          <a:off x="0" y="0"/>
+          <a:ext cx="0" cy="0"/>
+          <a:chOff x="0" y="0"/>
+          <a:chExt cx="0" cy="0"/>
+        </a:xfrm>
+      </p:grpSpPr>
+      <p:sp>
+        <p:nvSpPr>
+          <p:cNvPr id="2" name="标题 1"/>
+          <p:cNvSpPr>
+            <a:spLocks noGrp="1"/>
+          </p:cNvSpPr>
+          <p:nvPr>
+            <p:ph type="title"/>
+          </p:nvPr>
+        </p:nvSpPr>
+        <p:spPr/>
+        <p:txBody>
+          <a:bodyPr/>
+          <a:lstStyle/>
+          <a:p>
+            <a:r>
+              <a:rPr lang="zh-CN" altLang="en-US" dirty="0" smtClean="0"/>
+              <a:t>条件测试表达式</a:t>
+            </a:r>
+            <a:endParaRPr lang="en-US" dirty="0"/>
+          </a:p>
+        </p:txBody>
+      </p:sp>
+      <p:sp>
+        <p:nvSpPr>
+          <p:cNvPr id="3" name="内容占位符 2"/>
+          <p:cNvSpPr>
+            <a:spLocks noGrp="1"/>
+          </p:cNvSpPr>
+          <p:nvPr>
+            <p:ph idx="1"/>
+          </p:nvPr>
+        </p:nvSpPr>
+        <p:spPr/>
+        <p:txBody>
+          <a:bodyPr>
+            <a:normAutofit fontScale="92500" lnSpcReduction="20000"/>
+          </a:bodyPr>
+          <a:lstStyle/>
+          <a:p>
+            <a:r>
+              <a:rPr lang="zh-CN" altLang="en-US" dirty="0"/>
+              <a:t>命令</a:t>
+            </a:r>
+            <a:r>
+              <a:rPr lang="zh-CN" altLang="en-US" dirty="0" smtClean="0"/>
+              <a:t>列表结构</a:t>
+            </a:r>
+            <a:endParaRPr lang="en-US" altLang="zh-CN" dirty="0" smtClean="0"/>
+          </a:p>
+          <a:p>
+            <a:pPr marL="0" indent="0">
+              <a:buNone/>
+            </a:pPr>
+            <a:r>
+              <a:rPr lang="zh-CN" altLang="en-US" dirty="0" smtClean="0"/>
+              <a:t>“</a:t>
+            </a:r>
+            <a:r>
+              <a:rPr lang="zh-CN" altLang="en-US" dirty="0"/>
+              <a:t>与列表</a:t>
+            </a:r>
+            <a:r>
+              <a:rPr lang="zh-CN" altLang="en-US" dirty="0" smtClean="0"/>
+              <a:t>” 和“或列表”</a:t>
+            </a:r>
+            <a:r>
+              <a:rPr lang="en-US" altLang="zh-CN" dirty="0" smtClean="0"/>
+              <a:t> </a:t>
+            </a:r>
+            <a:r>
+              <a:rPr lang="zh-CN" altLang="en-US" dirty="0" smtClean="0"/>
+              <a:t>结构</a:t>
+            </a:r>
+            <a:r>
+              <a:rPr lang="zh-CN" altLang="en-US" dirty="0"/>
+              <a:t>能够提供一种</a:t>
+            </a:r>
+            <a:r>
+              <a:rPr lang="zh-CN" altLang="en-US" dirty="0" smtClean="0"/>
+              <a:t>手段</a:t>
+            </a:r>
+            <a:r>
+              <a:rPr lang="zh-CN" altLang="en-US" dirty="0"/>
+              <a:t>，</a:t>
+            </a:r>
+            <a:r>
+              <a:rPr lang="zh-CN" altLang="en-US" dirty="0" smtClean="0"/>
+              <a:t>这种</a:t>
+            </a:r>
+            <a:r>
+              <a:rPr lang="zh-CN" altLang="en-US" dirty="0"/>
+              <a:t>手段能够用来处理一串连续的</a:t>
+            </a:r>
+            <a:r>
+              <a:rPr lang="zh-CN" altLang="en-US" dirty="0" smtClean="0"/>
+              <a:t>命令</a:t>
+            </a:r>
+            <a:r>
+              <a:rPr lang="zh-CN" altLang="en-US" dirty="0"/>
+              <a:t>。</a:t>
+            </a:r>
+            <a:r>
+              <a:rPr lang="zh-CN" altLang="en-US" dirty="0" smtClean="0"/>
+              <a:t>这样</a:t>
+            </a:r>
+            <a:r>
+              <a:rPr lang="zh-CN" altLang="en-US" dirty="0"/>
+              <a:t>就可以有效的替换掉嵌套的</a:t>
+            </a:r>
+            <a:r>
+              <a:rPr lang="en-US" altLang="zh-CN" dirty="0"/>
+              <a:t>if/then</a:t>
+            </a:r>
+            <a:r>
+              <a:rPr lang="zh-CN" altLang="en-US" dirty="0" smtClean="0"/>
+              <a:t>结构</a:t>
+            </a:r>
+            <a:r>
+              <a:rPr lang="zh-CN" altLang="en-US" dirty="0"/>
+              <a:t>，</a:t>
+            </a:r>
+            <a:r>
+              <a:rPr lang="zh-CN" altLang="en-US" dirty="0" smtClean="0"/>
+              <a:t>甚至</a:t>
+            </a:r>
+            <a:r>
+              <a:rPr lang="zh-CN" altLang="en-US" dirty="0"/>
+              <a:t>能够替换掉</a:t>
+            </a:r>
+            <a:r>
+              <a:rPr lang="en-US" altLang="zh-CN" dirty="0"/>
+              <a:t>case</a:t>
+            </a:r>
+            <a:r>
+              <a:rPr lang="zh-CN" altLang="en-US" dirty="0" smtClean="0"/>
+              <a:t>语句。</a:t>
+            </a:r>
+            <a:endParaRPr lang="en-US" altLang="zh-CN" dirty="0" smtClean="0"/>
+          </a:p>
+          <a:p>
+            <a:pPr>
+              <a:buFont typeface="Wingdings" panose="05000000000000000000" pitchFamily="2" charset="2"/>
+              <a:buChar char="Ø"/>
+            </a:pPr>
+            <a:r>
+              <a:rPr lang="zh-CN" altLang="en-US" dirty="0" smtClean="0"/>
+              <a:t>与列表</a:t>
+            </a:r>
+            <a:endParaRPr lang="en-US" altLang="zh-CN" dirty="0" smtClean="0"/>
+          </a:p>
+          <a:p>
+            <a:pPr marL="0" indent="0">
+              <a:buNone/>
+            </a:pPr>
+            <a:r>
+              <a:rPr lang="en-US" dirty="0"/>
+              <a:t>command-1 &amp;&amp; command-2 &amp;&amp; command-3 &amp;&amp; ... </a:t>
+            </a:r>
+            <a:r>
+              <a:rPr lang="en-US" dirty="0" smtClean="0"/>
+              <a:t>command-n</a:t>
+            </a:r>
+          </a:p>
+          <a:p>
+            <a:pPr marL="0" indent="0">
+              <a:buNone/>
+            </a:pPr>
+            <a:r>
+              <a:rPr lang="zh-CN" altLang="en-US" dirty="0"/>
+              <a:t>如果每个命令执行后都返回</a:t>
+            </a:r>
+            <a:r>
+              <a:rPr lang="en-US" altLang="zh-CN" dirty="0"/>
+              <a:t>true(0</a:t>
+            </a:r>
+            <a:r>
+              <a:rPr lang="en-US" altLang="zh-CN" dirty="0" smtClean="0"/>
+              <a:t>)</a:t>
+            </a:r>
+            <a:r>
+              <a:rPr lang="zh-CN" altLang="en-US" dirty="0" smtClean="0"/>
+              <a:t>，命令</a:t>
+            </a:r>
+            <a:r>
+              <a:rPr lang="zh-CN" altLang="en-US" dirty="0"/>
+              <a:t>将会依次执行</a:t>
+            </a:r>
+            <a:r>
+              <a:rPr lang="zh-CN" altLang="en-US" dirty="0" smtClean="0"/>
+              <a:t>下去</a:t>
+            </a:r>
+            <a:r>
+              <a:rPr lang="zh-CN" altLang="en-US" dirty="0"/>
+              <a:t>。</a:t>
+            </a:r>
+            <a:r>
+              <a:rPr lang="zh-CN" altLang="en-US" dirty="0" smtClean="0"/>
+              <a:t>如果</a:t>
+            </a:r>
+            <a:r>
+              <a:rPr lang="zh-CN" altLang="en-US" dirty="0"/>
+              <a:t>其中的某个命令返回</a:t>
+            </a:r>
+            <a:r>
+              <a:rPr lang="en-US" altLang="zh-CN" dirty="0"/>
+              <a:t>false(</a:t>
+            </a:r>
+            <a:r>
+              <a:rPr lang="zh-CN" altLang="en-US" dirty="0"/>
+              <a:t>非零值</a:t>
+            </a:r>
+            <a:r>
+              <a:rPr lang="en-US" altLang="zh-CN" dirty="0"/>
+              <a:t>)</a:t>
+            </a:r>
+            <a:r>
+              <a:rPr lang="zh-CN" altLang="en-US" dirty="0" smtClean="0"/>
+              <a:t>的话，这个</a:t>
+            </a:r>
+            <a:r>
+              <a:rPr lang="zh-CN" altLang="en-US" dirty="0"/>
+              <a:t>命令链就会被</a:t>
+            </a:r>
+            <a:r>
+              <a:rPr lang="zh-CN" altLang="en-US" dirty="0" smtClean="0"/>
+              <a:t>打断，</a:t>
+            </a:r>
+            <a:r>
+              <a:rPr lang="zh-CN" altLang="en-US" dirty="0"/>
+              <a:t>也即</a:t>
+            </a:r>
+            <a:r>
+              <a:rPr lang="zh-CN" altLang="en-US" dirty="0" smtClean="0"/>
+              <a:t>是</a:t>
+            </a:r>
+            <a:r>
+              <a:rPr lang="zh-CN" altLang="en-US" dirty="0"/>
+              <a:t>结束</a:t>
+            </a:r>
+            <a:r>
+              <a:rPr lang="zh-CN" altLang="en-US" dirty="0" smtClean="0"/>
+              <a:t>执行（</a:t>
+            </a:r>
+            <a:r>
+              <a:rPr lang="zh-CN" altLang="en-US" dirty="0"/>
+              <a:t>第一个返回</a:t>
+            </a:r>
+            <a:r>
+              <a:rPr lang="en-US" altLang="zh-CN" dirty="0"/>
+              <a:t>false</a:t>
+            </a:r>
+            <a:r>
+              <a:rPr lang="zh-CN" altLang="en-US" dirty="0"/>
+              <a:t>的命令，就是最后一个执行的命令，其后的命令都不会执行</a:t>
+            </a:r>
+            <a:r>
+              <a:rPr lang="zh-CN" altLang="en-US" dirty="0" smtClean="0"/>
+              <a:t>）。</a:t>
+            </a:r>
+            <a:endParaRPr lang="en-US" altLang="zh-CN" dirty="0" smtClean="0"/>
+          </a:p>
+          <a:p>
+            <a:pPr>
+              <a:buFont typeface="Wingdings" panose="05000000000000000000" pitchFamily="2" charset="2"/>
+              <a:buChar char="Ø"/>
+            </a:pPr>
+            <a:r>
+              <a:rPr lang="zh-CN" altLang="en-US" dirty="0" smtClean="0"/>
+              <a:t>或列表</a:t>
+            </a:r>
+            <a:endParaRPr lang="en-US" altLang="zh-CN" dirty="0" smtClean="0"/>
+          </a:p>
+          <a:p>
+            <a:pPr marL="0" indent="0">
+              <a:buNone/>
+            </a:pPr>
+            <a:r>
+              <a:rPr lang="en-US" dirty="0"/>
+              <a:t>command-1 || command-2 || command-3 || ... </a:t>
+            </a:r>
+            <a:r>
+              <a:rPr lang="en-US" dirty="0" smtClean="0"/>
+              <a:t>command-n</a:t>
+            </a:r>
+          </a:p>
+          <a:p>
+            <a:pPr marL="0" indent="0">
+              <a:buNone/>
+            </a:pPr>
+            <a:r>
+              <a:rPr lang="zh-CN" altLang="en-US" dirty="0"/>
+              <a:t>如果每个命令都返回</a:t>
+            </a:r>
+            <a:r>
+              <a:rPr lang="en-US" altLang="zh-CN" dirty="0" smtClean="0"/>
+              <a:t>false</a:t>
+            </a:r>
+            <a:r>
+              <a:rPr lang="zh-CN" altLang="en-US" dirty="0" smtClean="0"/>
+              <a:t>，命令将会依次执行下去</a:t>
+            </a:r>
+            <a:r>
+              <a:rPr lang="zh-CN" altLang="en-US" dirty="0"/>
+              <a:t>。</a:t>
+            </a:r>
+            <a:r>
+              <a:rPr lang="zh-CN" altLang="en-US" dirty="0" smtClean="0"/>
+              <a:t>一旦有命令</a:t>
+            </a:r>
+            <a:r>
+              <a:rPr lang="zh-CN" altLang="en-US" dirty="0"/>
+              <a:t>返回</a:t>
+            </a:r>
+            <a:r>
+              <a:rPr lang="en-US" altLang="zh-CN" dirty="0" smtClean="0"/>
+              <a:t>true</a:t>
+            </a:r>
+            <a:r>
+              <a:rPr lang="zh-CN" altLang="en-US" dirty="0"/>
+              <a:t>，</a:t>
+            </a:r>
+            <a:r>
+              <a:rPr lang="zh-CN" altLang="en-US" dirty="0" smtClean="0"/>
+              <a:t>命令</a:t>
+            </a:r>
+            <a:r>
+              <a:rPr lang="zh-CN" altLang="en-US" dirty="0"/>
+              <a:t>链就会被</a:t>
+            </a:r>
+            <a:r>
+              <a:rPr lang="zh-CN" altLang="en-US" dirty="0" smtClean="0"/>
+              <a:t>打断。</a:t>
+            </a:r>
+            <a:r>
+              <a:rPr lang="zh-CN" altLang="en-US" dirty="0"/>
+              <a:t>也即</a:t>
+            </a:r>
+            <a:r>
+              <a:rPr lang="zh-CN" altLang="en-US" dirty="0" smtClean="0"/>
+              <a:t>是</a:t>
+            </a:r>
+            <a:r>
+              <a:rPr lang="zh-CN" altLang="en-US" dirty="0"/>
+              <a:t>结束</a:t>
+            </a:r>
+            <a:r>
+              <a:rPr lang="zh-CN" altLang="en-US" dirty="0" smtClean="0"/>
+              <a:t>执行（</a:t>
+            </a:r>
+            <a:r>
+              <a:rPr lang="zh-CN" altLang="en-US" dirty="0"/>
+              <a:t>第一个返回</a:t>
+            </a:r>
+            <a:r>
+              <a:rPr lang="en-US" altLang="zh-CN" dirty="0"/>
+              <a:t>true</a:t>
+            </a:r>
+            <a:r>
+              <a:rPr lang="zh-CN" altLang="en-US" dirty="0"/>
+              <a:t>的命令将会是最后一个执行的命令</a:t>
+            </a:r>
+            <a:r>
+              <a:rPr lang="zh-CN" altLang="en-US" dirty="0" smtClean="0"/>
+              <a:t>）。显然，这和“与列表”完全相反。</a:t>
+            </a:r>
+            <a:endParaRPr lang="en-US" altLang="zh-CN" dirty="0" smtClean="0"/>
+          </a:p>
+          <a:p>
+            <a:pPr marL="0" indent="0">
+              <a:buNone/>
+            </a:pPr>
+            <a:r>
+              <a:rPr lang="en-US" dirty="0" smtClean="0"/>
+              <a:t>e.g. cmdlist.sh</a:t>
+            </a:r>
+            <a:endParaRPr lang="en-US" dirty="0"/>
+          </a:p>
+        </p:txBody>
+      </p:sp>
+    </p:spTree>
+    <p:extLst>
+      <p:ext uri="{BB962C8B-B14F-4D97-AF65-F5344CB8AC3E}">
+        <p14:creationId xmlns:p14="http://schemas.microsoft.com/office/powerpoint/2010/main" val="1716628153"/>
+      </p:ext>
+    </p:extLst>
+  </p:cSld>
+  <p:clrMapOvr>
+    <a:masterClrMapping/>
+  </p:clrMapOvr>
+  <p:timing>
+    <p:tnLst>
+      <p:par>
+        <p:cTn id="1" dur="indefinite" restart="never" nodeType="tmRoot"/>
+      </p:par>
+    </p:tnLst>
+  </p:timing>
+</p:sld>
+</file>
+
+<file path=ppt/slides/slide49.xml><?xml version="1.0" encoding="utf-8"?>
+<p:sld xmlns:a="http://schemas.openxmlformats.org/drawingml/2006/main" xmlns:r="http://schemas.openxmlformats.org/officeDocument/2006/relationships" xmlns:p="http://schemas.openxmlformats.org/presentationml/2006/main">
+  <p:cSld>
+    <p:spTree>
+      <p:nvGrpSpPr>
+        <p:cNvPr id="1" name=""/>
+        <p:cNvGrpSpPr/>
+        <p:nvPr/>
+      </p:nvGrpSpPr>
+      <p:grpSpPr>
+        <a:xfrm>
+          <a:off x="0" y="0"/>
+          <a:ext cx="0" cy="0"/>
+          <a:chOff x="0" y="0"/>
+          <a:chExt cx="0" cy="0"/>
+        </a:xfrm>
+      </p:grpSpPr>
+      <p:sp>
+        <p:nvSpPr>
+          <p:cNvPr id="2" name="标题 1"/>
+          <p:cNvSpPr>
+            <a:spLocks noGrp="1"/>
+          </p:cNvSpPr>
+          <p:nvPr>
+            <p:ph type="title"/>
+          </p:nvPr>
+        </p:nvSpPr>
+        <p:spPr/>
+        <p:txBody>
+          <a:bodyPr/>
+          <a:lstStyle/>
+          <a:p>
+            <a:r>
+              <a:rPr lang="zh-CN" altLang="en-US" dirty="0" smtClean="0"/>
+              <a:t>循环与分支表达式</a:t>
+            </a:r>
+            <a:endParaRPr lang="en-US" dirty="0"/>
+          </a:p>
+        </p:txBody>
+      </p:sp>
+      <p:sp>
+        <p:nvSpPr>
+          <p:cNvPr id="3" name="内容占位符 2"/>
+          <p:cNvSpPr>
+            <a:spLocks noGrp="1"/>
+          </p:cNvSpPr>
+          <p:nvPr>
+            <p:ph idx="1"/>
+          </p:nvPr>
+        </p:nvSpPr>
+        <p:spPr/>
+        <p:txBody>
+          <a:bodyPr/>
+          <a:lstStyle/>
+          <a:p>
+            <a:pPr marL="0" indent="0">
+              <a:buNone/>
+            </a:pPr>
+            <a:r>
+              <a:rPr lang="zh-CN" altLang="en-US" dirty="0"/>
+              <a:t>对代码块的操作是构造和组织</a:t>
+            </a:r>
+            <a:r>
+              <a:rPr lang="en-US" altLang="zh-CN" dirty="0"/>
+              <a:t>shell</a:t>
+            </a:r>
+            <a:r>
+              <a:rPr lang="zh-CN" altLang="en-US" dirty="0"/>
+              <a:t>脚本的</a:t>
+            </a:r>
+            <a:r>
+              <a:rPr lang="zh-CN" altLang="en-US" dirty="0" smtClean="0"/>
+              <a:t>关键</a:t>
+            </a:r>
+            <a:r>
+              <a:rPr lang="zh-CN" altLang="en-US" dirty="0"/>
+              <a:t>，</a:t>
+            </a:r>
+            <a:r>
+              <a:rPr lang="zh-CN" altLang="en-US" dirty="0" smtClean="0"/>
+              <a:t>循环</a:t>
+            </a:r>
+            <a:r>
+              <a:rPr lang="zh-CN" altLang="en-US" dirty="0"/>
+              <a:t>和分支结构为脚本编程提供了操作代码块的</a:t>
+            </a:r>
+            <a:r>
+              <a:rPr lang="zh-CN" altLang="en-US" dirty="0" smtClean="0"/>
+              <a:t>工具。</a:t>
+            </a:r>
+            <a:endParaRPr lang="en-US" dirty="0"/>
+          </a:p>
+          <a:p>
+            <a:r>
+              <a:rPr lang="zh-CN" altLang="en-US" dirty="0" smtClean="0"/>
+              <a:t>循环</a:t>
+            </a:r>
+            <a:endParaRPr lang="en-US" altLang="zh-CN" dirty="0" smtClean="0"/>
+          </a:p>
+          <a:p>
+            <a:pPr marL="0" indent="0">
+              <a:buNone/>
+            </a:pPr>
+            <a:r>
+              <a:rPr lang="zh-CN" altLang="en-US" dirty="0" smtClean="0"/>
+              <a:t>循环是一个只要循环控制条件为真就一直迭代（重复）一些命令的代码块。</a:t>
+            </a:r>
+            <a:endParaRPr lang="en-US" altLang="zh-CN" dirty="0" smtClean="0"/>
+          </a:p>
+          <a:p>
+            <a:pPr>
+              <a:buFont typeface="Wingdings" panose="05000000000000000000" pitchFamily="2" charset="2"/>
+              <a:buChar char="Ø"/>
+            </a:pPr>
+            <a:r>
+              <a:rPr lang="en-US" dirty="0" smtClean="0"/>
+              <a:t>for</a:t>
+            </a:r>
+            <a:r>
+              <a:rPr lang="zh-CN" altLang="en-US" dirty="0" smtClean="0"/>
+              <a:t>循环</a:t>
+            </a:r>
+            <a:endParaRPr lang="en-US" altLang="zh-CN" dirty="0" smtClean="0"/>
+          </a:p>
+          <a:p>
+            <a:pPr marL="0" indent="0">
+              <a:buNone/>
+            </a:pPr>
+            <a:r>
+              <a:rPr lang="en-US" dirty="0"/>
+              <a:t>for </a:t>
+            </a:r>
+            <a:r>
+              <a:rPr lang="en-US" dirty="0" err="1"/>
+              <a:t>arg</a:t>
+            </a:r>
+            <a:r>
+              <a:rPr lang="en-US" dirty="0"/>
+              <a:t> in [list</a:t>
+            </a:r>
+            <a:r>
+              <a:rPr lang="en-US" dirty="0" smtClean="0"/>
+              <a:t>]</a:t>
+            </a:r>
+          </a:p>
+          <a:p>
+            <a:pPr marL="0" indent="0">
+              <a:buNone/>
+            </a:pPr>
+            <a:r>
+              <a:rPr lang="en-US" dirty="0"/>
+              <a:t>	</a:t>
+            </a:r>
+            <a:r>
+              <a:rPr lang="zh-CN" altLang="en-US" dirty="0" smtClean="0"/>
+              <a:t>这是一个基本的循环结构，与</a:t>
+            </a:r>
+            <a:r>
+              <a:rPr lang="en-US" altLang="zh-CN" dirty="0" smtClean="0"/>
+              <a:t>C</a:t>
+            </a:r>
+            <a:r>
+              <a:rPr lang="zh-CN" altLang="en-US" dirty="0" smtClean="0"/>
+              <a:t>语言中的循环结构有很大的不同。</a:t>
+            </a:r>
+            <a:endParaRPr lang="en-US" altLang="zh-CN" dirty="0" smtClean="0"/>
+          </a:p>
+          <a:p>
+            <a:pPr marL="0" indent="0">
+              <a:buNone/>
+            </a:pPr>
+            <a:r>
+              <a:rPr lang="en-US" dirty="0"/>
+              <a:t>	for </a:t>
+            </a:r>
+            <a:r>
+              <a:rPr lang="en-US" dirty="0" err="1"/>
+              <a:t>arg</a:t>
+            </a:r>
+            <a:r>
+              <a:rPr lang="en-US" dirty="0"/>
+              <a:t> in [list]</a:t>
+            </a:r>
+          </a:p>
+          <a:p>
+            <a:pPr marL="0" indent="0">
+              <a:buNone/>
+            </a:pPr>
+            <a:r>
+              <a:rPr lang="en-US" dirty="0" smtClean="0"/>
+              <a:t>	do </a:t>
+            </a:r>
+            <a:endParaRPr lang="en-US" dirty="0"/>
+          </a:p>
+          <a:p>
+            <a:pPr marL="0" indent="0">
+              <a:buNone/>
+            </a:pPr>
+            <a:r>
+              <a:rPr lang="en-US" dirty="0"/>
+              <a:t> </a:t>
+            </a:r>
+            <a:r>
+              <a:rPr lang="en-US" dirty="0" smtClean="0"/>
+              <a:t>		command(s</a:t>
+            </a:r>
+            <a:r>
+              <a:rPr lang="en-US" dirty="0"/>
+              <a:t>)... </a:t>
+            </a:r>
+          </a:p>
+          <a:p>
+            <a:pPr marL="0" indent="0">
+              <a:buNone/>
+            </a:pPr>
+            <a:r>
+              <a:rPr lang="en-US" smtClean="0"/>
+              <a:t>	done</a:t>
+            </a:r>
+          </a:p>
+          <a:p>
+            <a:pPr marL="0" indent="0">
+              <a:buNone/>
+            </a:pPr>
+            <a:endParaRPr lang="en-US" dirty="0"/>
+          </a:p>
+        </p:txBody>
+      </p:sp>
+    </p:spTree>
+    <p:extLst>
+      <p:ext uri="{BB962C8B-B14F-4D97-AF65-F5344CB8AC3E}">
+        <p14:creationId xmlns:p14="http://schemas.microsoft.com/office/powerpoint/2010/main" val="232427816"/>
+      </p:ext>
+    </p:extLst>
+  </p:cSld>
+  <p:clrMapOvr>
+    <a:masterClrMapping/>
+  </p:clrMapOvr>
+  <p:timing>
+    <p:tnLst>
+      <p:par>
+        <p:cTn id="1" dur="indefinite" restart="never" nodeType="tmRoot"/>
+      </p:par>
+    </p:tnLst>
+  </p:timing>
+</p:sld>
+</file>
+
 <file path=ppt/slides/slide5.xml><?xml version="1.0" encoding="utf-8"?>
 <p:sld xmlns:a="http://schemas.openxmlformats.org/drawingml/2006/main" xmlns:r="http://schemas.openxmlformats.org/officeDocument/2006/relationships" xmlns:p="http://schemas.openxmlformats.org/presentationml/2006/main">
   <p:cSld>
@@ -14281,6 +19857,332 @@
     <p:extLst>
       <p:ext uri="{BB962C8B-B14F-4D97-AF65-F5344CB8AC3E}">
         <p14:creationId xmlns:p14="http://schemas.microsoft.com/office/powerpoint/2010/main" val="4136059313"/>
+      </p:ext>
+    </p:extLst>
+  </p:cSld>
+  <p:clrMapOvr>
+    <a:masterClrMapping/>
+  </p:clrMapOvr>
+  <p:timing>
+    <p:tnLst>
+      <p:par>
+        <p:cTn id="1" dur="indefinite" restart="never" nodeType="tmRoot"/>
+      </p:par>
+    </p:tnLst>
+  </p:timing>
+</p:sld>
+</file>
+
+<file path=ppt/slides/slide50.xml><?xml version="1.0" encoding="utf-8"?>
+<p:sld xmlns:a="http://schemas.openxmlformats.org/drawingml/2006/main" xmlns:r="http://schemas.openxmlformats.org/officeDocument/2006/relationships" xmlns:p="http://schemas.openxmlformats.org/presentationml/2006/main">
+  <p:cSld>
+    <p:spTree>
+      <p:nvGrpSpPr>
+        <p:cNvPr id="1" name=""/>
+        <p:cNvGrpSpPr/>
+        <p:nvPr/>
+      </p:nvGrpSpPr>
+      <p:grpSpPr>
+        <a:xfrm>
+          <a:off x="0" y="0"/>
+          <a:ext cx="0" cy="0"/>
+          <a:chOff x="0" y="0"/>
+          <a:chExt cx="0" cy="0"/>
+        </a:xfrm>
+      </p:grpSpPr>
+      <p:sp>
+        <p:nvSpPr>
+          <p:cNvPr id="2" name="标题 1"/>
+          <p:cNvSpPr>
+            <a:spLocks noGrp="1"/>
+          </p:cNvSpPr>
+          <p:nvPr>
+            <p:ph type="title"/>
+          </p:nvPr>
+        </p:nvSpPr>
+        <p:spPr/>
+        <p:txBody>
+          <a:bodyPr/>
+          <a:lstStyle/>
+          <a:p>
+            <a:r>
+              <a:rPr lang="zh-CN" altLang="en-US" dirty="0" smtClean="0"/>
+              <a:t>实用工具</a:t>
+            </a:r>
+            <a:endParaRPr lang="zh-CN" altLang="en-US" dirty="0"/>
+          </a:p>
+        </p:txBody>
+      </p:sp>
+      <p:sp>
+        <p:nvSpPr>
+          <p:cNvPr id="3" name="内容占位符 2"/>
+          <p:cNvSpPr>
+            <a:spLocks noGrp="1"/>
+          </p:cNvSpPr>
+          <p:nvPr>
+            <p:ph idx="1"/>
+          </p:nvPr>
+        </p:nvSpPr>
+        <p:spPr/>
+        <p:txBody>
+          <a:bodyPr/>
+          <a:lstStyle/>
+          <a:p>
+            <a:r>
+              <a:rPr lang="en-US" altLang="zh-CN" dirty="0" smtClean="0"/>
+              <a:t>cut </a:t>
+            </a:r>
+            <a:r>
+              <a:rPr lang="zh-CN" altLang="en-US" dirty="0" smtClean="0"/>
+              <a:t>的用法</a:t>
+            </a:r>
+            <a:endParaRPr lang="en-US" altLang="zh-CN" dirty="0"/>
+          </a:p>
+          <a:p>
+            <a:r>
+              <a:rPr lang="en-US" altLang="zh-CN" dirty="0" smtClean="0"/>
+              <a:t>grep </a:t>
+            </a:r>
+            <a:r>
+              <a:rPr lang="zh-CN" altLang="en-US" dirty="0" smtClean="0"/>
+              <a:t>的用法</a:t>
+            </a:r>
+            <a:endParaRPr lang="en-US" altLang="zh-CN" dirty="0" smtClean="0"/>
+          </a:p>
+          <a:p>
+            <a:r>
+              <a:rPr lang="en-US" altLang="zh-CN" dirty="0" smtClean="0"/>
+              <a:t>sed </a:t>
+            </a:r>
+            <a:r>
+              <a:rPr lang="zh-CN" altLang="en-US" dirty="0" smtClean="0"/>
+              <a:t>的用法</a:t>
+            </a:r>
+            <a:endParaRPr lang="en-US" altLang="zh-CN" dirty="0" smtClean="0"/>
+          </a:p>
+          <a:p>
+            <a:r>
+              <a:rPr lang="en-US" altLang="zh-CN" dirty="0" smtClean="0"/>
+              <a:t>awk </a:t>
+            </a:r>
+            <a:r>
+              <a:rPr lang="zh-CN" altLang="en-US" dirty="0" smtClean="0"/>
+              <a:t>的用法</a:t>
+            </a:r>
+            <a:endParaRPr lang="en-US" altLang="zh-CN" dirty="0" smtClean="0"/>
+          </a:p>
+          <a:p>
+            <a:endParaRPr lang="zh-CN" altLang="en-US" dirty="0"/>
+          </a:p>
+        </p:txBody>
+      </p:sp>
+    </p:spTree>
+    <p:extLst>
+      <p:ext uri="{BB962C8B-B14F-4D97-AF65-F5344CB8AC3E}">
+        <p14:creationId xmlns:p14="http://schemas.microsoft.com/office/powerpoint/2010/main" val="2492421797"/>
+      </p:ext>
+    </p:extLst>
+  </p:cSld>
+  <p:clrMapOvr>
+    <a:masterClrMapping/>
+  </p:clrMapOvr>
+  <p:timing>
+    <p:tnLst>
+      <p:par>
+        <p:cTn id="1" dur="indefinite" restart="never" nodeType="tmRoot"/>
+      </p:par>
+    </p:tnLst>
+  </p:timing>
+</p:sld>
+</file>
+
+<file path=ppt/slides/slide51.xml><?xml version="1.0" encoding="utf-8"?>
+<p:sld xmlns:a="http://schemas.openxmlformats.org/drawingml/2006/main" xmlns:r="http://schemas.openxmlformats.org/officeDocument/2006/relationships" xmlns:p="http://schemas.openxmlformats.org/presentationml/2006/main">
+  <p:cSld>
+    <p:spTree>
+      <p:nvGrpSpPr>
+        <p:cNvPr id="1" name=""/>
+        <p:cNvGrpSpPr/>
+        <p:nvPr/>
+      </p:nvGrpSpPr>
+      <p:grpSpPr>
+        <a:xfrm>
+          <a:off x="0" y="0"/>
+          <a:ext cx="0" cy="0"/>
+          <a:chOff x="0" y="0"/>
+          <a:chExt cx="0" cy="0"/>
+        </a:xfrm>
+      </p:grpSpPr>
+      <p:sp>
+        <p:nvSpPr>
+          <p:cNvPr id="2" name="标题 1"/>
+          <p:cNvSpPr>
+            <a:spLocks noGrp="1"/>
+          </p:cNvSpPr>
+          <p:nvPr>
+            <p:ph type="title"/>
+          </p:nvPr>
+        </p:nvSpPr>
+        <p:spPr/>
+        <p:txBody>
+          <a:bodyPr/>
+          <a:lstStyle/>
+          <a:p>
+            <a:r>
+              <a:rPr lang="zh-CN" altLang="en-US" dirty="0"/>
+              <a:t>参考</a:t>
+            </a:r>
+          </a:p>
+        </p:txBody>
+      </p:sp>
+      <p:sp>
+        <p:nvSpPr>
+          <p:cNvPr id="3" name="内容占位符 2"/>
+          <p:cNvSpPr>
+            <a:spLocks noGrp="1"/>
+          </p:cNvSpPr>
+          <p:nvPr>
+            <p:ph idx="1"/>
+          </p:nvPr>
+        </p:nvSpPr>
+        <p:spPr/>
+        <p:txBody>
+          <a:bodyPr>
+            <a:normAutofit/>
+          </a:bodyPr>
+          <a:lstStyle/>
+          <a:p>
+            <a:r>
+              <a:rPr lang="en-US" altLang="zh-CN" dirty="0" smtClean="0"/>
+              <a:t>Advanced </a:t>
+            </a:r>
+            <a:r>
+              <a:rPr lang="en-US" altLang="zh-CN" dirty="0"/>
+              <a:t>Bash-Scripting Guide</a:t>
+            </a:r>
+            <a:r>
+              <a:rPr lang="zh-CN" altLang="en-US" dirty="0" smtClean="0"/>
+              <a:t>：</a:t>
+            </a:r>
+            <a:endParaRPr lang="en-US" altLang="zh-CN" dirty="0" smtClean="0"/>
+          </a:p>
+          <a:p>
+            <a:pPr marL="0" indent="0">
+              <a:buNone/>
+            </a:pPr>
+            <a:r>
+              <a:rPr lang="en-US" altLang="zh-CN" dirty="0" smtClean="0">
+                <a:hlinkClick r:id="rId2"/>
+              </a:rPr>
+              <a:t>http://www.tldp.org/LDP/abs/html/abs-guide.html</a:t>
+            </a:r>
+            <a:endParaRPr lang="en-US" altLang="zh-CN" dirty="0"/>
+          </a:p>
+          <a:p>
+            <a:r>
+              <a:rPr lang="en-US" altLang="zh-CN" dirty="0" smtClean="0"/>
+              <a:t>sed </a:t>
+            </a:r>
+            <a:r>
+              <a:rPr lang="en-US" altLang="zh-CN" dirty="0"/>
+              <a:t>&amp; awk </a:t>
+            </a:r>
+            <a:r>
+              <a:rPr lang="zh-CN" altLang="en-US" dirty="0" smtClean="0"/>
+              <a:t>概述</a:t>
+            </a:r>
+            <a:endParaRPr lang="en-US" altLang="zh-CN" dirty="0" smtClean="0"/>
+          </a:p>
+          <a:p>
+            <a:pPr marL="0" indent="0">
+              <a:buNone/>
+            </a:pPr>
+            <a:r>
+              <a:rPr lang="en-US" altLang="zh-CN" dirty="0" smtClean="0">
+                <a:hlinkClick r:id="rId3"/>
+              </a:rPr>
+              <a:t>http://jarson.in/sed-awk-overview/</a:t>
+            </a:r>
+            <a:endParaRPr lang="en-US" altLang="zh-CN" dirty="0" smtClean="0"/>
+          </a:p>
+          <a:p>
+            <a:r>
+              <a:rPr lang="en-US" altLang="zh-CN" dirty="0" smtClean="0"/>
+              <a:t>sed </a:t>
+            </a:r>
+            <a:r>
+              <a:rPr lang="zh-CN" altLang="en-US" dirty="0"/>
+              <a:t>学习</a:t>
+            </a:r>
+            <a:r>
+              <a:rPr lang="zh-CN" altLang="en-US" dirty="0" smtClean="0"/>
+              <a:t>手册</a:t>
+            </a:r>
+            <a:endParaRPr lang="en-US" altLang="zh-CN" dirty="0" smtClean="0"/>
+          </a:p>
+          <a:p>
+            <a:pPr marL="0" indent="0">
+              <a:buNone/>
+            </a:pPr>
+            <a:r>
+              <a:rPr lang="en-US" altLang="zh-CN" dirty="0" smtClean="0">
+                <a:hlinkClick r:id="rId4"/>
+              </a:rPr>
+              <a:t>http://jarson.in/sed-manual/</a:t>
+            </a:r>
+            <a:endParaRPr lang="en-US" altLang="zh-CN" dirty="0" smtClean="0"/>
+          </a:p>
+          <a:p>
+            <a:r>
+              <a:rPr lang="en-US" altLang="zh-CN" dirty="0" smtClean="0"/>
+              <a:t>sed </a:t>
+            </a:r>
+            <a:r>
+              <a:rPr lang="zh-CN" altLang="en-US" dirty="0"/>
+              <a:t>函数</a:t>
+            </a:r>
+            <a:r>
+              <a:rPr lang="zh-CN" altLang="en-US" dirty="0" smtClean="0"/>
+              <a:t>参数</a:t>
+            </a:r>
+            <a:endParaRPr lang="en-US" altLang="zh-CN" dirty="0" smtClean="0"/>
+          </a:p>
+          <a:p>
+            <a:pPr marL="0" indent="0">
+              <a:buNone/>
+            </a:pPr>
+            <a:r>
+              <a:rPr lang="en-US" altLang="zh-CN" dirty="0" smtClean="0">
+                <a:hlinkClick r:id="rId5"/>
+              </a:rPr>
+              <a:t>http://jarson.in/sed-functions/</a:t>
+            </a:r>
+            <a:endParaRPr lang="en-US" altLang="zh-CN" dirty="0"/>
+          </a:p>
+          <a:p>
+            <a:r>
+              <a:rPr lang="en-US" altLang="zh-CN" dirty="0" smtClean="0"/>
+              <a:t>awk</a:t>
+            </a:r>
+          </a:p>
+          <a:p>
+            <a:pPr marL="0" indent="0">
+              <a:buNone/>
+            </a:pPr>
+            <a:r>
+              <a:rPr lang="en-US" altLang="zh-CN" dirty="0" smtClean="0">
+                <a:hlinkClick r:id="rId6"/>
+              </a:rPr>
+              <a:t>http://www.aslibra.com/doc/awk.htm</a:t>
+            </a:r>
+            <a:endParaRPr lang="zh-CN" altLang="en-US" dirty="0"/>
+          </a:p>
+        </p:txBody>
+      </p:sp>
+    </p:spTree>
+    <p:extLst>
+      <p:ext uri="{BB962C8B-B14F-4D97-AF65-F5344CB8AC3E}">
+        <p14:creationId xmlns:p14="http://schemas.microsoft.com/office/powerpoint/2010/main" val="893627498"/>
       </p:ext>
     </p:extLst>
   </p:cSld>
@@ -14575,7 +20477,7 @@
           <a:p>
             <a:r>
               <a:rPr lang="zh-CN" altLang="en-US" dirty="0" smtClean="0"/>
-              <a:t>可执行的</a:t>
+              <a:t>可执行</a:t>
             </a:r>
             <a:r>
               <a:rPr lang="en-US" altLang="zh-CN" dirty="0" smtClean="0"/>
@@ -14746,7 +20648,7 @@
         <p:spPr/>
         <p:txBody>
           <a:bodyPr>
-            <a:normAutofit fontScale="92500" lnSpcReduction="20000"/>
+            <a:normAutofit lnSpcReduction="10000"/>
           </a:bodyPr>
           <a:lstStyle/>
           <a:p>
@@ -14970,7 +20872,7 @@
         <p:spPr/>
         <p:txBody>
           <a:bodyPr>
-            <a:normAutofit fontScale="92500" lnSpcReduction="10000"/>
+            <a:normAutofit/>
           </a:bodyPr>
           <a:lstStyle/>
           <a:p>

--- a/Bash-scripting-guid.pptx
+++ b/Bash-scripting-guid.pptx
@@ -53,9 +53,23 @@
     <p:sldId id="304" r:id="rId47"/>
     <p:sldId id="302" r:id="rId48"/>
     <p:sldId id="305" r:id="rId49"/>
-    <p:sldId id="311" r:id="rId50"/>
-    <p:sldId id="267" r:id="rId51"/>
-    <p:sldId id="270" r:id="rId52"/>
+    <p:sldId id="321" r:id="rId50"/>
+    <p:sldId id="322" r:id="rId51"/>
+    <p:sldId id="312" r:id="rId52"/>
+    <p:sldId id="311" r:id="rId53"/>
+    <p:sldId id="313" r:id="rId54"/>
+    <p:sldId id="314" r:id="rId55"/>
+    <p:sldId id="315" r:id="rId56"/>
+    <p:sldId id="316" r:id="rId57"/>
+    <p:sldId id="317" r:id="rId58"/>
+    <p:sldId id="318" r:id="rId59"/>
+    <p:sldId id="319" r:id="rId60"/>
+    <p:sldId id="320" r:id="rId61"/>
+    <p:sldId id="324" r:id="rId62"/>
+    <p:sldId id="325" r:id="rId63"/>
+    <p:sldId id="323" r:id="rId64"/>
+    <p:sldId id="267" r:id="rId65"/>
+    <p:sldId id="270" r:id="rId66"/>
   </p:sldIdLst>
   <p:sldSz cx="12192000" cy="6858000"/>
   <p:notesSz cx="6858000" cy="9144000"/>
@@ -351,7 +365,7 @@
             <a:fld id="{B61BEF0D-F0BB-DE4B-95CE-6DB70DBA9567}" type="datetimeFigureOut">
               <a:rPr lang="en-US" dirty="0"/>
               <a:pPr/>
-              <a:t>8/7/2016</a:t>
+              <a:t>8/8/2016</a:t>
             </a:fld>
             <a:endParaRPr lang="en-US" dirty="0"/>
           </a:p>
@@ -686,7 +700,7 @@
             <a:fld id="{B61BEF0D-F0BB-DE4B-95CE-6DB70DBA9567}" type="datetimeFigureOut">
               <a:rPr lang="en-US" dirty="0"/>
               <a:pPr/>
-              <a:t>8/7/2016</a:t>
+              <a:t>8/8/2016</a:t>
             </a:fld>
             <a:endParaRPr lang="en-US" dirty="0"/>
           </a:p>
@@ -1084,7 +1098,7 @@
             <a:fld id="{B61BEF0D-F0BB-DE4B-95CE-6DB70DBA9567}" type="datetimeFigureOut">
               <a:rPr lang="en-US" dirty="0"/>
               <a:pPr/>
-              <a:t>8/7/2016</a:t>
+              <a:t>8/8/2016</a:t>
             </a:fld>
             <a:endParaRPr lang="en-US" dirty="0"/>
           </a:p>
@@ -1417,7 +1431,7 @@
             <a:fld id="{B61BEF0D-F0BB-DE4B-95CE-6DB70DBA9567}" type="datetimeFigureOut">
               <a:rPr lang="en-US" dirty="0"/>
               <a:pPr/>
-              <a:t>8/7/2016</a:t>
+              <a:t>8/8/2016</a:t>
             </a:fld>
             <a:endParaRPr lang="en-US" dirty="0"/>
           </a:p>
@@ -1734,7 +1748,7 @@
             <a:fld id="{B61BEF0D-F0BB-DE4B-95CE-6DB70DBA9567}" type="datetimeFigureOut">
               <a:rPr lang="en-US" dirty="0"/>
               <a:pPr/>
-              <a:t>8/7/2016</a:t>
+              <a:t>8/8/2016</a:t>
             </a:fld>
             <a:endParaRPr lang="en-US" dirty="0"/>
           </a:p>
@@ -2127,7 +2141,7 @@
             <a:fld id="{B61BEF0D-F0BB-DE4B-95CE-6DB70DBA9567}" type="datetimeFigureOut">
               <a:rPr lang="en-US" dirty="0"/>
               <a:pPr/>
-              <a:t>8/7/2016</a:t>
+              <a:t>8/8/2016</a:t>
             </a:fld>
             <a:endParaRPr lang="en-US" dirty="0"/>
           </a:p>
@@ -2381,7 +2395,7 @@
             <a:fld id="{B61BEF0D-F0BB-DE4B-95CE-6DB70DBA9567}" type="datetimeFigureOut">
               <a:rPr lang="en-US" dirty="0"/>
               <a:pPr/>
-              <a:t>8/7/2016</a:t>
+              <a:t>8/8/2016</a:t>
             </a:fld>
             <a:endParaRPr lang="en-US" dirty="0"/>
           </a:p>
@@ -2640,7 +2654,7 @@
             <a:fld id="{B61BEF0D-F0BB-DE4B-95CE-6DB70DBA9567}" type="datetimeFigureOut">
               <a:rPr lang="en-US" dirty="0"/>
               <a:pPr/>
-              <a:t>8/7/2016</a:t>
+              <a:t>8/8/2016</a:t>
             </a:fld>
             <a:endParaRPr lang="en-US" dirty="0"/>
           </a:p>
@@ -2899,7 +2913,7 @@
             <a:fld id="{B61BEF0D-F0BB-DE4B-95CE-6DB70DBA9567}" type="datetimeFigureOut">
               <a:rPr lang="en-US" dirty="0"/>
               <a:pPr/>
-              <a:t>8/7/2016</a:t>
+              <a:t>8/8/2016</a:t>
             </a:fld>
             <a:endParaRPr lang="en-US" dirty="0"/>
           </a:p>
@@ -3225,7 +3239,7 @@
             <a:fld id="{B61BEF0D-F0BB-DE4B-95CE-6DB70DBA9567}" type="datetimeFigureOut">
               <a:rPr lang="en-US" dirty="0"/>
               <a:pPr/>
-              <a:t>8/7/2016</a:t>
+              <a:t>8/8/2016</a:t>
             </a:fld>
             <a:endParaRPr lang="en-US" dirty="0"/>
           </a:p>
@@ -3545,7 +3559,7 @@
             <a:fld id="{B61BEF0D-F0BB-DE4B-95CE-6DB70DBA9567}" type="datetimeFigureOut">
               <a:rPr lang="en-US" dirty="0"/>
               <a:pPr/>
-              <a:t>8/7/2016</a:t>
+              <a:t>8/8/2016</a:t>
             </a:fld>
             <a:endParaRPr lang="en-US" dirty="0"/>
           </a:p>
@@ -3999,7 +4013,7 @@
             <a:fld id="{B61BEF0D-F0BB-DE4B-95CE-6DB70DBA9567}" type="datetimeFigureOut">
               <a:rPr lang="en-US" dirty="0"/>
               <a:pPr/>
-              <a:t>8/7/2016</a:t>
+              <a:t>8/8/2016</a:t>
             </a:fld>
             <a:endParaRPr lang="en-US" dirty="0"/>
           </a:p>
@@ -4201,7 +4215,7 @@
             <a:fld id="{B61BEF0D-F0BB-DE4B-95CE-6DB70DBA9567}" type="datetimeFigureOut">
               <a:rPr lang="en-US" dirty="0"/>
               <a:pPr/>
-              <a:t>8/7/2016</a:t>
+              <a:t>8/8/2016</a:t>
             </a:fld>
             <a:endParaRPr lang="en-US" dirty="0"/>
           </a:p>
@@ -4375,7 +4389,7 @@
             <a:fld id="{B61BEF0D-F0BB-DE4B-95CE-6DB70DBA9567}" type="datetimeFigureOut">
               <a:rPr lang="en-US" dirty="0"/>
               <a:pPr/>
-              <a:t>8/7/2016</a:t>
+              <a:t>8/8/2016</a:t>
             </a:fld>
             <a:endParaRPr lang="en-US" dirty="0"/>
           </a:p>
@@ -4705,7 +4719,7 @@
             <a:fld id="{B61BEF0D-F0BB-DE4B-95CE-6DB70DBA9567}" type="datetimeFigureOut">
               <a:rPr lang="en-US" dirty="0"/>
               <a:pPr/>
-              <a:t>8/7/2016</a:t>
+              <a:t>8/8/2016</a:t>
             </a:fld>
             <a:endParaRPr lang="en-US" dirty="0"/>
           </a:p>
@@ -5047,7 +5061,7 @@
             <a:fld id="{B61BEF0D-F0BB-DE4B-95CE-6DB70DBA9567}" type="datetimeFigureOut">
               <a:rPr lang="en-US" dirty="0"/>
               <a:pPr/>
-              <a:t>8/7/2016</a:t>
+              <a:t>8/8/2016</a:t>
             </a:fld>
             <a:endParaRPr lang="en-US" dirty="0"/>
           </a:p>
@@ -7098,7 +7112,7 @@
             <a:fld id="{B61BEF0D-F0BB-DE4B-95CE-6DB70DBA9567}" type="datetimeFigureOut">
               <a:rPr lang="en-US" dirty="0"/>
               <a:pPr/>
-              <a:t>8/7/2016</a:t>
+              <a:t>8/8/2016</a:t>
             </a:fld>
             <a:endParaRPr lang="en-US" dirty="0"/>
           </a:p>
@@ -9728,6 +9742,13 @@
   <p:clrMapOvr>
     <a:masterClrMapping/>
   </p:clrMapOvr>
+  <p:timing>
+    <p:tnLst>
+      <p:par>
+        <p:cTn id="1" dur="indefinite" restart="never" nodeType="tmRoot"/>
+      </p:par>
+    </p:tnLst>
+  </p:timing>
 </p:sld>
 </file>
 
@@ -9997,6 +10018,13 @@
   <p:clrMapOvr>
     <a:masterClrMapping/>
   </p:clrMapOvr>
+  <p:timing>
+    <p:tnLst>
+      <p:par>
+        <p:cTn id="1" dur="indefinite" restart="never" nodeType="tmRoot"/>
+      </p:par>
+    </p:tnLst>
+  </p:timing>
 </p:sld>
 </file>
 
@@ -10337,6 +10365,13 @@
   <p:clrMapOvr>
     <a:masterClrMapping/>
   </p:clrMapOvr>
+  <p:timing>
+    <p:tnLst>
+      <p:par>
+        <p:cTn id="1" dur="indefinite" restart="never" nodeType="tmRoot"/>
+      </p:par>
+    </p:tnLst>
+  </p:timing>
 </p:sld>
 </file>
 
@@ -10494,6 +10529,13 @@
   <p:clrMapOvr>
     <a:masterClrMapping/>
   </p:clrMapOvr>
+  <p:timing>
+    <p:tnLst>
+      <p:par>
+        <p:cTn id="1" dur="indefinite" restart="never" nodeType="tmRoot"/>
+      </p:par>
+    </p:tnLst>
+  </p:timing>
 </p:sld>
 </file>
 
@@ -10815,6 +10857,13 @@
   <p:clrMapOvr>
     <a:masterClrMapping/>
   </p:clrMapOvr>
+  <p:timing>
+    <p:tnLst>
+      <p:par>
+        <p:cTn id="1" dur="indefinite" restart="never" nodeType="tmRoot"/>
+      </p:par>
+    </p:tnLst>
+  </p:timing>
 </p:sld>
 </file>
 
@@ -11260,6 +11309,13 @@
   <p:clrMapOvr>
     <a:masterClrMapping/>
   </p:clrMapOvr>
+  <p:timing>
+    <p:tnLst>
+      <p:par>
+        <p:cTn id="1" dur="indefinite" restart="never" nodeType="tmRoot"/>
+      </p:par>
+    </p:tnLst>
+  </p:timing>
 </p:sld>
 </file>
 
@@ -11316,7 +11372,7 @@
         <p:spPr/>
         <p:txBody>
           <a:bodyPr>
-            <a:normAutofit/>
+            <a:normAutofit lnSpcReduction="10000"/>
           </a:bodyPr>
           <a:lstStyle/>
           <a:p>
@@ -11487,6 +11543,58 @@
               <a:rPr lang="en-US" altLang="zh-CN" dirty="0" smtClean="0"/>
               <a:t>shift.sh</a:t>
             </a:r>
+          </a:p>
+          <a:p>
+            <a:pPr marL="0" indent="0">
+              <a:buNone/>
+            </a:pPr>
+            <a:r>
+              <a:rPr lang="zh-CN" altLang="en-US" dirty="0" smtClean="0"/>
+              <a:t>可以给</a:t>
+            </a:r>
+            <a:r>
+              <a:rPr lang="en-US" altLang="zh-CN" dirty="0" err="1" smtClean="0"/>
+              <a:t>shitf</a:t>
+            </a:r>
+            <a:r>
+              <a:rPr lang="zh-CN" altLang="en-US" dirty="0" smtClean="0"/>
+              <a:t>命令指定一个参数，表明要移动多少个位置参数。</a:t>
+            </a:r>
+            <a:r>
+              <a:rPr lang="en-US" altLang="zh-CN" dirty="0" smtClean="0"/>
+              <a:t>e.g. shift-past.sh</a:t>
+            </a:r>
+            <a:endParaRPr lang="en-US" altLang="zh-CN" dirty="0" smtClean="0"/>
+          </a:p>
+          <a:p>
+            <a:pPr marL="0" indent="0">
+              <a:buNone/>
+            </a:pPr>
+            <a:r>
+              <a:rPr lang="zh-CN" altLang="en-US" dirty="0"/>
+              <a:t>在将参数</a:t>
+            </a:r>
+            <a:r>
+              <a:rPr lang="zh-CN" altLang="en-US" dirty="0" smtClean="0"/>
+              <a:t>传递给函数的时候</a:t>
+            </a:r>
+            <a:r>
+              <a:rPr lang="zh-CN" altLang="en-US" dirty="0"/>
+              <a:t>，</a:t>
+            </a:r>
+            <a:r>
+              <a:rPr lang="en-US" altLang="zh-CN" dirty="0" smtClean="0"/>
+              <a:t>shift</a:t>
+            </a:r>
+            <a:r>
+              <a:rPr lang="zh-CN" altLang="en-US" dirty="0"/>
+              <a:t>命令的工作方式也</a:t>
+            </a:r>
+            <a:r>
+              <a:rPr lang="zh-CN" altLang="en-US" dirty="0" smtClean="0"/>
+              <a:t>差不多。</a:t>
+            </a:r>
+            <a:endParaRPr lang="en-US" altLang="zh-CN" dirty="0" smtClean="0"/>
           </a:p>
           <a:p>
             <a:pPr>
@@ -13488,7 +13596,22 @@
           <a:p>
             <a:r>
               <a:rPr lang="zh-CN" altLang="en-US" dirty="0" smtClean="0"/>
-              <a:t>语句和表达式</a:t>
+              <a:t>语句和</a:t>
+            </a:r>
+            <a:r>
+              <a:rPr lang="zh-CN" altLang="en-US" dirty="0" smtClean="0"/>
+              <a:t>表达式</a:t>
+            </a:r>
+            <a:endParaRPr lang="en-US" altLang="zh-CN" dirty="0" smtClean="0"/>
+          </a:p>
+          <a:p>
+            <a:r>
+              <a:rPr lang="zh-CN" altLang="en-US" dirty="0"/>
+              <a:t>内</a:t>
+            </a:r>
+            <a:r>
+              <a:rPr lang="zh-CN" altLang="en-US" dirty="0" smtClean="0"/>
+              <a:t>建命令</a:t>
             </a:r>
             <a:endParaRPr lang="en-US" altLang="zh-CN" dirty="0" smtClean="0"/>
           </a:p>
@@ -15717,6 +15840,13 @@
   <p:clrMapOvr>
     <a:masterClrMapping/>
   </p:clrMapOvr>
+  <p:timing>
+    <p:tnLst>
+      <p:par>
+        <p:cTn id="1" dur="indefinite" restart="never" nodeType="tmRoot"/>
+      </p:par>
+    </p:tnLst>
+  </p:timing>
 </p:sld>
 </file>
 
@@ -15990,6 +16120,13 @@
   <p:clrMapOvr>
     <a:masterClrMapping/>
   </p:clrMapOvr>
+  <p:timing>
+    <p:tnLst>
+      <p:par>
+        <p:cTn id="1" dur="indefinite" restart="never" nodeType="tmRoot"/>
+      </p:par>
+    </p:tnLst>
+  </p:timing>
 </p:sld>
 </file>
 
@@ -16306,6 +16443,13 @@
   <p:clrMapOvr>
     <a:masterClrMapping/>
   </p:clrMapOvr>
+  <p:timing>
+    <p:tnLst>
+      <p:par>
+        <p:cTn id="1" dur="indefinite" restart="never" nodeType="tmRoot"/>
+      </p:par>
+    </p:tnLst>
+  </p:timing>
 </p:sld>
 </file>
 
@@ -17971,11 +18115,7 @@
           <a:p>
             <a:r>
               <a:rPr lang="zh-CN" altLang="en-US" dirty="0" smtClean="0"/>
-              <a:t>条件</a:t>
-            </a:r>
-            <a:r>
-              <a:rPr lang="zh-CN" altLang="en-US" dirty="0" smtClean="0"/>
-              <a:t>测试表达式</a:t>
+              <a:t>条件测试表达式</a:t>
             </a:r>
             <a:endParaRPr lang="en-US" dirty="0"/>
           </a:p>
@@ -18038,15 +18178,7 @@
           <a:p>
             <a:r>
               <a:rPr lang="zh-CN" altLang="en-US" dirty="0" smtClean="0"/>
-              <a:t>条件</a:t>
-            </a:r>
-            <a:r>
-              <a:rPr lang="zh-CN" altLang="en-US" dirty="0" smtClean="0"/>
-              <a:t>测试</a:t>
-            </a:r>
-            <a:r>
-              <a:rPr lang="zh-CN" altLang="en-US" dirty="0" smtClean="0"/>
-              <a:t>结构</a:t>
+              <a:t>条件测试结构</a:t>
             </a:r>
             <a:endParaRPr lang="en-US" altLang="zh-CN" dirty="0" smtClean="0"/>
           </a:p>
@@ -18343,11 +18475,7 @@
           <a:p>
             <a:r>
               <a:rPr lang="zh-CN" altLang="en-US" dirty="0" smtClean="0"/>
-              <a:t>条件</a:t>
-            </a:r>
-            <a:r>
-              <a:rPr lang="zh-CN" altLang="en-US" dirty="0" smtClean="0"/>
-              <a:t>测试表达式</a:t>
+              <a:t>条件测试表达式</a:t>
             </a:r>
             <a:endParaRPr lang="en-US" dirty="0"/>
           </a:p>
@@ -18626,11 +18754,7 @@
           <a:p>
             <a:r>
               <a:rPr lang="zh-CN" altLang="en-US" dirty="0" smtClean="0"/>
-              <a:t>条件</a:t>
-            </a:r>
-            <a:r>
-              <a:rPr lang="zh-CN" altLang="en-US" dirty="0" smtClean="0"/>
-              <a:t>测试表达式</a:t>
+              <a:t>条件测试表达式</a:t>
             </a:r>
             <a:endParaRPr lang="en-US" dirty="0"/>
           </a:p>
@@ -18905,11 +19029,7 @@
             </a:r>
             <a:r>
               <a:rPr lang="zh-CN" altLang="en-US" dirty="0" smtClean="0"/>
-              <a:t>错</a:t>
-            </a:r>
-            <a:r>
-              <a:rPr lang="zh-CN" altLang="en-US" dirty="0" smtClean="0"/>
-              <a:t>。</a:t>
+              <a:t>错。</a:t>
             </a:r>
             <a:endParaRPr lang="en-US" altLang="zh-CN" dirty="0" smtClean="0"/>
           </a:p>
@@ -18943,11 +19063,7 @@
             </a:r>
             <a:r>
               <a:rPr lang="en-US" altLang="zh-CN" dirty="0" smtClean="0"/>
-              <a:t>e.g. </a:t>
-            </a:r>
-            <a:r>
-              <a:rPr lang="en-US" altLang="zh-CN" dirty="0" smtClean="0"/>
-              <a:t>dblbrackets.sh</a:t>
+              <a:t>e.g. dblbrackets.sh</a:t>
             </a:r>
           </a:p>
           <a:p>
@@ -19519,217 +19635,51 @@
           <a:p>
             <a:r>
               <a:rPr lang="zh-CN" altLang="en-US" dirty="0" smtClean="0"/>
-              <a:t>循环与分支表达式</a:t>
-            </a:r>
-            <a:endParaRPr lang="en-US" dirty="0"/>
+              <a:t>条件测试表达式</a:t>
+            </a:r>
+            <a:endParaRPr lang="zh-CN" altLang="en-US" dirty="0"/>
           </a:p>
         </p:txBody>
       </p:sp>
-      <p:sp>
-        <p:nvSpPr>
-          <p:cNvPr id="3" name="内容占位符 2"/>
-          <p:cNvSpPr>
-            <a:spLocks noGrp="1"/>
-          </p:cNvSpPr>
+      <p:pic>
+        <p:nvPicPr>
+          <p:cNvPr id="4" name="内容占位符 3"/>
+          <p:cNvPicPr>
+            <a:picLocks noGrp="1" noChangeAspect="1"/>
+          </p:cNvPicPr>
           <p:nvPr>
             <p:ph idx="1"/>
           </p:nvPr>
-        </p:nvSpPr>
-        <p:spPr/>
-        <p:txBody>
-          <a:bodyPr/>
-          <a:lstStyle/>
-          <a:p>
-            <a:pPr marL="0" indent="0">
-              <a:buNone/>
-            </a:pPr>
-            <a:r>
-              <a:rPr lang="zh-CN" altLang="en-US" dirty="0"/>
-              <a:t>对代码块的操作是构造和组织</a:t>
-            </a:r>
-            <a:r>
-              <a:rPr lang="en-US" altLang="zh-CN" dirty="0"/>
-              <a:t>shell</a:t>
-            </a:r>
-            <a:r>
-              <a:rPr lang="zh-CN" altLang="en-US" dirty="0"/>
-              <a:t>脚本的</a:t>
-            </a:r>
-            <a:r>
-              <a:rPr lang="zh-CN" altLang="en-US" dirty="0" smtClean="0"/>
-              <a:t>关键</a:t>
-            </a:r>
-            <a:r>
-              <a:rPr lang="zh-CN" altLang="en-US" dirty="0"/>
-              <a:t>，</a:t>
-            </a:r>
-            <a:r>
-              <a:rPr lang="zh-CN" altLang="en-US" dirty="0" smtClean="0"/>
-              <a:t>循环</a:t>
-            </a:r>
-            <a:r>
-              <a:rPr lang="zh-CN" altLang="en-US" dirty="0"/>
-              <a:t>和分支结构为脚本编程提供了操作代码块的</a:t>
-            </a:r>
-            <a:r>
-              <a:rPr lang="zh-CN" altLang="en-US" dirty="0" smtClean="0"/>
-              <a:t>工具。</a:t>
-            </a:r>
-            <a:endParaRPr lang="en-US" dirty="0"/>
-          </a:p>
-          <a:p>
-            <a:r>
-              <a:rPr lang="zh-CN" altLang="en-US" dirty="0" smtClean="0"/>
-              <a:t>循环</a:t>
-            </a:r>
-            <a:endParaRPr lang="en-US" altLang="zh-CN" dirty="0" smtClean="0"/>
-          </a:p>
-          <a:p>
-            <a:pPr marL="0" indent="0">
-              <a:buNone/>
-            </a:pPr>
-            <a:r>
-              <a:rPr lang="zh-CN" altLang="en-US" dirty="0" smtClean="0"/>
-              <a:t>循环是一个只要循环控制条件为真就一直迭代（重复）一些命令的代码块。</a:t>
-            </a:r>
-            <a:endParaRPr lang="en-US" altLang="zh-CN" dirty="0" smtClean="0"/>
-          </a:p>
-          <a:p>
-            <a:pPr>
-              <a:buFont typeface="Wingdings" panose="05000000000000000000" pitchFamily="2" charset="2"/>
-              <a:buChar char="Ø"/>
-            </a:pPr>
-            <a:r>
-              <a:rPr lang="en-US" dirty="0" smtClean="0"/>
-              <a:t>for</a:t>
-            </a:r>
-            <a:r>
-              <a:rPr lang="zh-CN" altLang="en-US" dirty="0" smtClean="0"/>
-              <a:t>循环</a:t>
-            </a:r>
-            <a:endParaRPr lang="en-US" altLang="zh-CN" dirty="0" smtClean="0"/>
-          </a:p>
-          <a:p>
-            <a:pPr marL="0" indent="0">
-              <a:buNone/>
-            </a:pPr>
-            <a:r>
-              <a:rPr lang="en-US" dirty="0"/>
-              <a:t>for </a:t>
-            </a:r>
-            <a:r>
-              <a:rPr lang="en-US" dirty="0" err="1"/>
-              <a:t>arg</a:t>
-            </a:r>
-            <a:r>
-              <a:rPr lang="en-US" dirty="0"/>
-              <a:t> in [list</a:t>
-            </a:r>
-            <a:r>
-              <a:rPr lang="en-US" dirty="0" smtClean="0"/>
-              <a:t>]</a:t>
-            </a:r>
-          </a:p>
-          <a:p>
-            <a:pPr marL="0" indent="0">
-              <a:buNone/>
-            </a:pPr>
-            <a:r>
-              <a:rPr lang="en-US" dirty="0"/>
-              <a:t>	</a:t>
-            </a:r>
-            <a:r>
-              <a:rPr lang="zh-CN" altLang="en-US" dirty="0" smtClean="0"/>
-              <a:t>这是一个基本的循环结构，与</a:t>
-            </a:r>
-            <a:r>
-              <a:rPr lang="en-US" altLang="zh-CN" dirty="0" smtClean="0"/>
-              <a:t>C</a:t>
-            </a:r>
-            <a:r>
-              <a:rPr lang="zh-CN" altLang="en-US" dirty="0" smtClean="0"/>
-              <a:t>语言中的循环结构有很大的不同。</a:t>
-            </a:r>
-            <a:endParaRPr lang="en-US" altLang="zh-CN" dirty="0" smtClean="0"/>
-          </a:p>
-          <a:p>
-            <a:pPr marL="0" indent="0">
-              <a:buNone/>
-            </a:pPr>
-            <a:r>
-              <a:rPr lang="en-US" dirty="0"/>
-              <a:t>	for </a:t>
-            </a:r>
-            <a:r>
-              <a:rPr lang="en-US" dirty="0" err="1"/>
-              <a:t>arg</a:t>
-            </a:r>
-            <a:r>
-              <a:rPr lang="en-US" dirty="0"/>
-              <a:t> in [list]</a:t>
-            </a:r>
-          </a:p>
-          <a:p>
-            <a:pPr marL="0" indent="0">
-              <a:buNone/>
-            </a:pPr>
-            <a:r>
-              <a:rPr lang="en-US" dirty="0" smtClean="0"/>
-              <a:t>	do </a:t>
-            </a:r>
-            <a:endParaRPr lang="en-US" dirty="0"/>
-          </a:p>
-          <a:p>
-            <a:pPr marL="0" indent="0">
-              <a:buNone/>
-            </a:pPr>
-            <a:r>
-              <a:rPr lang="en-US" dirty="0"/>
-              <a:t> </a:t>
-            </a:r>
-            <a:r>
-              <a:rPr lang="en-US" dirty="0" smtClean="0"/>
-              <a:t>		command(s</a:t>
-            </a:r>
-            <a:r>
-              <a:rPr lang="en-US" dirty="0"/>
-              <a:t>)... </a:t>
-            </a:r>
-          </a:p>
-          <a:p>
-            <a:pPr marL="0" indent="0">
-              <a:buNone/>
-            </a:pPr>
-            <a:r>
-              <a:rPr lang="en-US" smtClean="0"/>
-              <a:t>	done</a:t>
-            </a:r>
-          </a:p>
-          <a:p>
-            <a:pPr marL="0" indent="0">
-              <a:buNone/>
-            </a:pPr>
-            <a:endParaRPr lang="en-US" dirty="0"/>
-          </a:p>
-        </p:txBody>
-      </p:sp>
+        </p:nvPicPr>
+        <p:blipFill>
+          <a:blip r:embed="rId2">
+            <a:extLst>
+              <a:ext uri="{28A0092B-C50C-407E-A947-70E740481C1C}">
+                <a14:useLocalDpi xmlns:a14="http://schemas.microsoft.com/office/drawing/2010/main" val="0"/>
+              </a:ext>
+            </a:extLst>
+          </a:blip>
+          <a:stretch>
+            <a:fillRect/>
+          </a:stretch>
+        </p:blipFill>
+        <p:spPr>
+          <a:xfrm>
+            <a:off x="3119483" y="1651000"/>
+            <a:ext cx="7854859" cy="4260850"/>
+          </a:xfrm>
+        </p:spPr>
+      </p:pic>
     </p:spTree>
     <p:extLst>
       <p:ext uri="{BB962C8B-B14F-4D97-AF65-F5344CB8AC3E}">
-        <p14:creationId xmlns:p14="http://schemas.microsoft.com/office/powerpoint/2010/main" val="232427816"/>
+        <p14:creationId xmlns:p14="http://schemas.microsoft.com/office/powerpoint/2010/main" val="740701836"/>
       </p:ext>
     </p:extLst>
   </p:cSld>
   <p:clrMapOvr>
     <a:masterClrMapping/>
   </p:clrMapOvr>
-  <p:timing>
-    <p:tnLst>
-      <p:par>
-        <p:cTn id="1" dur="indefinite" restart="never" nodeType="tmRoot"/>
-      </p:par>
-    </p:tnLst>
-  </p:timing>
 </p:sld>
 </file>
 
@@ -19906,93 +19856,51 @@
           <a:lstStyle/>
           <a:p>
             <a:r>
-              <a:rPr lang="zh-CN" altLang="en-US" dirty="0" smtClean="0"/>
-              <a:t>实用工具</a:t>
-            </a:r>
-            <a:endParaRPr lang="zh-CN" altLang="en-US" dirty="0"/>
+              <a:rPr lang="zh-CN" altLang="en-US" dirty="0"/>
+              <a:t>条件测试表达式</a:t>
+            </a:r>
           </a:p>
         </p:txBody>
       </p:sp>
-      <p:sp>
-        <p:nvSpPr>
-          <p:cNvPr id="3" name="内容占位符 2"/>
-          <p:cNvSpPr>
-            <a:spLocks noGrp="1"/>
-          </p:cNvSpPr>
+      <p:pic>
+        <p:nvPicPr>
+          <p:cNvPr id="4" name="内容占位符 3"/>
+          <p:cNvPicPr>
+            <a:picLocks noGrp="1" noChangeAspect="1"/>
+          </p:cNvPicPr>
           <p:nvPr>
             <p:ph idx="1"/>
           </p:nvPr>
-        </p:nvSpPr>
-        <p:spPr/>
-        <p:txBody>
-          <a:bodyPr/>
-          <a:lstStyle/>
-          <a:p>
-            <a:r>
-              <a:rPr lang="en-US" altLang="zh-CN" dirty="0" smtClean="0"/>
-              <a:t>cut </a:t>
-            </a:r>
-            <a:r>
-              <a:rPr lang="zh-CN" altLang="en-US" dirty="0" smtClean="0"/>
-              <a:t>的用法</a:t>
-            </a:r>
-            <a:endParaRPr lang="en-US" altLang="zh-CN" dirty="0"/>
-          </a:p>
-          <a:p>
-            <a:r>
-              <a:rPr lang="en-US" altLang="zh-CN" dirty="0" smtClean="0"/>
-              <a:t>grep </a:t>
-            </a:r>
-            <a:r>
-              <a:rPr lang="zh-CN" altLang="en-US" dirty="0" smtClean="0"/>
-              <a:t>的用法</a:t>
-            </a:r>
-            <a:endParaRPr lang="en-US" altLang="zh-CN" dirty="0" smtClean="0"/>
-          </a:p>
-          <a:p>
-            <a:r>
-              <a:rPr lang="en-US" altLang="zh-CN" dirty="0" smtClean="0"/>
-              <a:t>sed </a:t>
-            </a:r>
-            <a:r>
-              <a:rPr lang="zh-CN" altLang="en-US" dirty="0" smtClean="0"/>
-              <a:t>的用法</a:t>
-            </a:r>
-            <a:endParaRPr lang="en-US" altLang="zh-CN" dirty="0" smtClean="0"/>
-          </a:p>
-          <a:p>
-            <a:r>
-              <a:rPr lang="en-US" altLang="zh-CN" dirty="0" smtClean="0"/>
-              <a:t>awk </a:t>
-            </a:r>
-            <a:r>
-              <a:rPr lang="zh-CN" altLang="en-US" dirty="0" smtClean="0"/>
-              <a:t>的用法</a:t>
-            </a:r>
-            <a:endParaRPr lang="en-US" altLang="zh-CN" dirty="0" smtClean="0"/>
-          </a:p>
-          <a:p>
-            <a:endParaRPr lang="zh-CN" altLang="en-US" dirty="0"/>
-          </a:p>
-        </p:txBody>
-      </p:sp>
+        </p:nvPicPr>
+        <p:blipFill>
+          <a:blip r:embed="rId2">
+            <a:extLst>
+              <a:ext uri="{28A0092B-C50C-407E-A947-70E740481C1C}">
+                <a14:useLocalDpi xmlns:a14="http://schemas.microsoft.com/office/drawing/2010/main" val="0"/>
+              </a:ext>
+            </a:extLst>
+          </a:blip>
+          <a:stretch>
+            <a:fillRect/>
+          </a:stretch>
+        </p:blipFill>
+        <p:spPr>
+          <a:xfrm>
+            <a:off x="3514027" y="1651000"/>
+            <a:ext cx="7065771" cy="4260850"/>
+          </a:xfrm>
+        </p:spPr>
+      </p:pic>
     </p:spTree>
     <p:extLst>
       <p:ext uri="{BB962C8B-B14F-4D97-AF65-F5344CB8AC3E}">
-        <p14:creationId xmlns:p14="http://schemas.microsoft.com/office/powerpoint/2010/main" val="2492421797"/>
+        <p14:creationId xmlns:p14="http://schemas.microsoft.com/office/powerpoint/2010/main" val="1594783850"/>
       </p:ext>
     </p:extLst>
   </p:cSld>
   <p:clrMapOvr>
     <a:masterClrMapping/>
   </p:clrMapOvr>
-  <p:timing>
-    <p:tnLst>
-      <p:par>
-        <p:cTn id="1" dur="indefinite" restart="never" nodeType="tmRoot"/>
-      </p:par>
-    </p:tnLst>
-  </p:timing>
 </p:sld>
 </file>
 
@@ -20030,8 +19938,306 @@
           <a:p>
             <a:r>
               <a:rPr lang="zh-CN" altLang="en-US" dirty="0"/>
-              <a:t>参考</a:t>
-            </a:r>
+              <a:t>循环与分支表达式</a:t>
+            </a:r>
+          </a:p>
+        </p:txBody>
+      </p:sp>
+      <p:sp>
+        <p:nvSpPr>
+          <p:cNvPr id="3" name="内容占位符 2"/>
+          <p:cNvSpPr>
+            <a:spLocks noGrp="1"/>
+          </p:cNvSpPr>
+          <p:nvPr>
+            <p:ph idx="1"/>
+          </p:nvPr>
+        </p:nvSpPr>
+        <p:spPr/>
+        <p:txBody>
+          <a:bodyPr>
+            <a:normAutofit fontScale="92500" lnSpcReduction="20000"/>
+          </a:bodyPr>
+          <a:lstStyle/>
+          <a:p>
+            <a:pPr marL="0" indent="0">
+              <a:buNone/>
+            </a:pPr>
+            <a:r>
+              <a:rPr lang="zh-CN" altLang="en-US" dirty="0"/>
+              <a:t>对代码块的操作是构造和组织</a:t>
+            </a:r>
+            <a:r>
+              <a:rPr lang="en-US" altLang="zh-CN" dirty="0"/>
+              <a:t>shell</a:t>
+            </a:r>
+            <a:r>
+              <a:rPr lang="zh-CN" altLang="en-US" dirty="0"/>
+              <a:t>脚本的关键，循环和分支结构为脚本编程提供了操作代码块的工具</a:t>
+            </a:r>
+            <a:r>
+              <a:rPr lang="zh-CN" altLang="en-US" dirty="0" smtClean="0"/>
+              <a:t>。</a:t>
+            </a:r>
+            <a:endParaRPr lang="en-US" altLang="zh-CN" dirty="0" smtClean="0"/>
+          </a:p>
+          <a:p>
+            <a:r>
+              <a:rPr lang="zh-CN" altLang="en-US" dirty="0" smtClean="0"/>
+              <a:t>循环</a:t>
+            </a:r>
+            <a:endParaRPr lang="en-US" altLang="zh-CN" dirty="0" smtClean="0"/>
+          </a:p>
+          <a:p>
+            <a:pPr marL="0" indent="0">
+              <a:buNone/>
+            </a:pPr>
+            <a:r>
+              <a:rPr lang="zh-CN" altLang="en-US" dirty="0" smtClean="0"/>
+              <a:t>只要循环控制条件为</a:t>
+            </a:r>
+            <a:r>
+              <a:rPr lang="en-US" altLang="zh-CN" dirty="0" smtClean="0"/>
+              <a:t>true</a:t>
+            </a:r>
+            <a:r>
+              <a:rPr lang="zh-CN" altLang="en-US" dirty="0" smtClean="0"/>
+              <a:t>（真），迭代（重复 ）命令列表的代码块。</a:t>
+            </a:r>
+            <a:endParaRPr lang="en-US" altLang="zh-CN" dirty="0" smtClean="0"/>
+          </a:p>
+          <a:p>
+            <a:pPr>
+              <a:buFont typeface="Wingdings" panose="05000000000000000000" pitchFamily="2" charset="2"/>
+              <a:buChar char="Ø"/>
+            </a:pPr>
+            <a:r>
+              <a:rPr lang="en-US" altLang="zh-CN" dirty="0" smtClean="0"/>
+              <a:t>for </a:t>
+            </a:r>
+            <a:r>
+              <a:rPr lang="zh-CN" altLang="en-US" dirty="0" smtClean="0"/>
+              <a:t>循环</a:t>
+            </a:r>
+            <a:endParaRPr lang="en-US" altLang="zh-CN" dirty="0" smtClean="0"/>
+          </a:p>
+          <a:p>
+            <a:pPr>
+              <a:buFont typeface="Wingdings" panose="05000000000000000000" pitchFamily="2" charset="2"/>
+              <a:buChar char="Ø"/>
+            </a:pPr>
+            <a:r>
+              <a:rPr lang="en-US" altLang="zh-CN" dirty="0" smtClean="0"/>
+              <a:t>while </a:t>
+            </a:r>
+            <a:r>
+              <a:rPr lang="zh-CN" altLang="en-US" dirty="0" smtClean="0"/>
+              <a:t>循环</a:t>
+            </a:r>
+            <a:endParaRPr lang="en-US" altLang="zh-CN" dirty="0" smtClean="0"/>
+          </a:p>
+          <a:p>
+            <a:pPr>
+              <a:buFont typeface="Wingdings" panose="05000000000000000000" pitchFamily="2" charset="2"/>
+              <a:buChar char="Ø"/>
+            </a:pPr>
+            <a:r>
+              <a:rPr lang="en-US" altLang="zh-CN" dirty="0" smtClean="0"/>
+              <a:t>until </a:t>
+            </a:r>
+            <a:r>
+              <a:rPr lang="zh-CN" altLang="en-US" dirty="0" smtClean="0"/>
+              <a:t>循环</a:t>
+            </a:r>
+            <a:endParaRPr lang="en-US" altLang="zh-CN" dirty="0" smtClean="0"/>
+          </a:p>
+          <a:p>
+            <a:pPr>
+              <a:buFont typeface="Wingdings" panose="05000000000000000000" pitchFamily="2" charset="2"/>
+              <a:buChar char="Ø"/>
+            </a:pPr>
+            <a:r>
+              <a:rPr lang="zh-CN" altLang="en-US" dirty="0" smtClean="0"/>
+              <a:t>嵌套循环与循环控制</a:t>
+            </a:r>
+            <a:endParaRPr lang="en-US" altLang="zh-CN" dirty="0"/>
+          </a:p>
+          <a:p>
+            <a:r>
+              <a:rPr lang="zh-CN" altLang="en-US" dirty="0" smtClean="0"/>
+              <a:t>测试与分支</a:t>
+            </a:r>
+            <a:endParaRPr lang="en-US" altLang="zh-CN" dirty="0" smtClean="0"/>
+          </a:p>
+          <a:p>
+            <a:pPr marL="0" indent="0">
+              <a:buNone/>
+            </a:pPr>
+            <a:r>
+              <a:rPr lang="en-US" altLang="zh-CN" dirty="0"/>
+              <a:t>case</a:t>
+            </a:r>
+            <a:r>
+              <a:rPr lang="zh-CN" altLang="en-US" dirty="0"/>
+              <a:t>和</a:t>
+            </a:r>
+            <a:r>
+              <a:rPr lang="en-US" altLang="zh-CN" dirty="0"/>
+              <a:t>select</a:t>
+            </a:r>
+            <a:r>
+              <a:rPr lang="zh-CN" altLang="en-US" dirty="0"/>
+              <a:t>结构在技术上说并不是</a:t>
+            </a:r>
+            <a:r>
+              <a:rPr lang="zh-CN" altLang="en-US" dirty="0" smtClean="0"/>
+              <a:t>循环</a:t>
+            </a:r>
+            <a:r>
+              <a:rPr lang="zh-CN" altLang="en-US" dirty="0"/>
+              <a:t>，</a:t>
+            </a:r>
+            <a:r>
+              <a:rPr lang="zh-CN" altLang="en-US" dirty="0" smtClean="0"/>
+              <a:t>因为</a:t>
+            </a:r>
+            <a:r>
+              <a:rPr lang="zh-CN" altLang="en-US" dirty="0"/>
+              <a:t>它们并不对可执行代码块进行</a:t>
+            </a:r>
+            <a:r>
+              <a:rPr lang="zh-CN" altLang="en-US" dirty="0" smtClean="0"/>
+              <a:t>迭代</a:t>
+            </a:r>
+            <a:r>
+              <a:rPr lang="zh-CN" altLang="en-US" dirty="0"/>
+              <a:t>。</a:t>
+            </a:r>
+            <a:r>
+              <a:rPr lang="zh-CN" altLang="en-US" dirty="0" smtClean="0"/>
+              <a:t>但是</a:t>
+            </a:r>
+            <a:r>
+              <a:rPr lang="zh-CN" altLang="en-US" dirty="0"/>
+              <a:t>和循环相似的</a:t>
+            </a:r>
+            <a:r>
+              <a:rPr lang="zh-CN" altLang="en-US" dirty="0" smtClean="0"/>
+              <a:t>是</a:t>
+            </a:r>
+            <a:r>
+              <a:rPr lang="zh-CN" altLang="en-US" dirty="0"/>
+              <a:t>，</a:t>
+            </a:r>
+            <a:r>
+              <a:rPr lang="zh-CN" altLang="en-US" dirty="0" smtClean="0"/>
+              <a:t>它们</a:t>
+            </a:r>
+            <a:r>
+              <a:rPr lang="zh-CN" altLang="en-US" dirty="0"/>
+              <a:t>也依靠在代码块顶部或底部的条件判断来决定程序的</a:t>
+            </a:r>
+            <a:r>
+              <a:rPr lang="zh-CN" altLang="en-US" dirty="0" smtClean="0"/>
+              <a:t>分支。</a:t>
+            </a:r>
+            <a:endParaRPr lang="en-US" altLang="zh-CN" dirty="0" smtClean="0"/>
+          </a:p>
+          <a:p>
+            <a:pPr>
+              <a:buFont typeface="Wingdings" panose="05000000000000000000" pitchFamily="2" charset="2"/>
+              <a:buChar char="Ø"/>
+            </a:pPr>
+            <a:r>
+              <a:rPr lang="en-US" altLang="zh-CN" dirty="0" smtClean="0"/>
+              <a:t>case </a:t>
+            </a:r>
+            <a:r>
+              <a:rPr lang="zh-CN" altLang="en-US" dirty="0" smtClean="0"/>
+              <a:t>语句</a:t>
+            </a:r>
+            <a:endParaRPr lang="en-US" altLang="zh-CN" dirty="0" smtClean="0"/>
+          </a:p>
+          <a:p>
+            <a:pPr>
+              <a:buFont typeface="Wingdings" panose="05000000000000000000" pitchFamily="2" charset="2"/>
+              <a:buChar char="Ø"/>
+            </a:pPr>
+            <a:r>
+              <a:rPr lang="en-US" altLang="zh-CN" dirty="0" smtClean="0"/>
+              <a:t>select </a:t>
+            </a:r>
+            <a:r>
+              <a:rPr lang="zh-CN" altLang="en-US" dirty="0" smtClean="0"/>
+              <a:t>语句</a:t>
+            </a:r>
+            <a:endParaRPr lang="en-US" altLang="zh-CN" dirty="0"/>
+          </a:p>
+          <a:p>
+            <a:endParaRPr lang="en-US" altLang="zh-CN" dirty="0" smtClean="0"/>
+          </a:p>
+          <a:p>
+            <a:endParaRPr lang="en-US" altLang="zh-CN" dirty="0" smtClean="0"/>
+          </a:p>
+          <a:p>
+            <a:endParaRPr lang="zh-CN" altLang="en-US" dirty="0"/>
+          </a:p>
+        </p:txBody>
+      </p:sp>
+    </p:spTree>
+    <p:extLst>
+      <p:ext uri="{BB962C8B-B14F-4D97-AF65-F5344CB8AC3E}">
+        <p14:creationId xmlns:p14="http://schemas.microsoft.com/office/powerpoint/2010/main" val="3170182233"/>
+      </p:ext>
+    </p:extLst>
+  </p:cSld>
+  <p:clrMapOvr>
+    <a:masterClrMapping/>
+  </p:clrMapOvr>
+</p:sld>
+</file>
+
+<file path=ppt/slides/slide52.xml><?xml version="1.0" encoding="utf-8"?>
+<p:sld xmlns:a="http://schemas.openxmlformats.org/drawingml/2006/main" xmlns:r="http://schemas.openxmlformats.org/officeDocument/2006/relationships" xmlns:p="http://schemas.openxmlformats.org/presentationml/2006/main">
+  <p:cSld>
+    <p:spTree>
+      <p:nvGrpSpPr>
+        <p:cNvPr id="1" name=""/>
+        <p:cNvGrpSpPr/>
+        <p:nvPr/>
+      </p:nvGrpSpPr>
+      <p:grpSpPr>
+        <a:xfrm>
+          <a:off x="0" y="0"/>
+          <a:ext cx="0" cy="0"/>
+          <a:chOff x="0" y="0"/>
+          <a:chExt cx="0" cy="0"/>
+        </a:xfrm>
+      </p:grpSpPr>
+      <p:sp>
+        <p:nvSpPr>
+          <p:cNvPr id="2" name="标题 1"/>
+          <p:cNvSpPr>
+            <a:spLocks noGrp="1"/>
+          </p:cNvSpPr>
+          <p:nvPr>
+            <p:ph type="title"/>
+          </p:nvPr>
+        </p:nvSpPr>
+        <p:spPr/>
+        <p:txBody>
+          <a:bodyPr/>
+          <a:lstStyle/>
+          <a:p>
+            <a:r>
+              <a:rPr lang="en-US" altLang="zh-CN" dirty="0" smtClean="0"/>
+              <a:t>for </a:t>
+            </a:r>
+            <a:r>
+              <a:rPr lang="zh-CN" altLang="en-US" dirty="0" smtClean="0"/>
+              <a:t>循环</a:t>
+            </a:r>
+            <a:endParaRPr lang="en-US" dirty="0"/>
           </a:p>
         </p:txBody>
       </p:sp>
@@ -20052,17 +20258,45 @@
           </a:bodyPr>
           <a:lstStyle/>
           <a:p>
-            <a:r>
-              <a:rPr lang="en-US" altLang="zh-CN" dirty="0" smtClean="0"/>
-              <a:t>Advanced </a:t>
-            </a:r>
-            <a:r>
-              <a:rPr lang="en-US" altLang="zh-CN" dirty="0"/>
-              <a:t>Bash-Scripting Guide</a:t>
-            </a:r>
-            <a:r>
-              <a:rPr lang="zh-CN" altLang="en-US" dirty="0" smtClean="0"/>
-              <a:t>：</a:t>
+            <a:pPr marL="0" indent="0">
+              <a:buNone/>
+            </a:pPr>
+            <a:r>
+              <a:rPr lang="en-US" dirty="0" smtClean="0"/>
+              <a:t>for </a:t>
+            </a:r>
+            <a:r>
+              <a:rPr lang="en-US" dirty="0" err="1"/>
+              <a:t>arg</a:t>
+            </a:r>
+            <a:r>
+              <a:rPr lang="en-US" dirty="0"/>
+              <a:t> in [list</a:t>
+            </a:r>
+            <a:r>
+              <a:rPr lang="en-US" dirty="0" smtClean="0"/>
+              <a:t>]</a:t>
+            </a:r>
+          </a:p>
+          <a:p>
+            <a:pPr marL="0" indent="0">
+              <a:buNone/>
+            </a:pPr>
+            <a:r>
+              <a:rPr lang="zh-CN" altLang="en-US" dirty="0" smtClean="0"/>
+              <a:t>这</a:t>
+            </a:r>
+            <a:r>
+              <a:rPr lang="zh-CN" altLang="en-US" dirty="0" smtClean="0"/>
+              <a:t>是一个基本的循环结构，与</a:t>
+            </a:r>
+            <a:r>
+              <a:rPr lang="en-US" altLang="zh-CN" dirty="0" smtClean="0"/>
+              <a:t>C</a:t>
+            </a:r>
+            <a:r>
+              <a:rPr lang="zh-CN" altLang="en-US" dirty="0" smtClean="0"/>
+              <a:t>语言中的循环结构有很大的不同。</a:t>
             </a:r>
             <a:endParaRPr lang="en-US" altLang="zh-CN" dirty="0" smtClean="0"/>
           </a:p>
@@ -20071,25 +20305,134 @@
               <a:buNone/>
             </a:pPr>
             <a:r>
-              <a:rPr lang="en-US" altLang="zh-CN" dirty="0" smtClean="0">
-                <a:hlinkClick r:id="rId2"/>
-              </a:rPr>
-              <a:t>http://www.tldp.org/LDP/abs/html/abs-guide.html</a:t>
-            </a:r>
-            <a:endParaRPr lang="en-US" altLang="zh-CN" dirty="0"/>
-          </a:p>
-          <a:p>
-            <a:r>
-              <a:rPr lang="en-US" altLang="zh-CN" dirty="0" smtClean="0"/>
-              <a:t>sed </a:t>
-            </a:r>
-            <a:r>
-              <a:rPr lang="en-US" altLang="zh-CN" dirty="0"/>
-              <a:t>&amp; awk </a:t>
-            </a:r>
-            <a:r>
-              <a:rPr lang="zh-CN" altLang="en-US" dirty="0" smtClean="0"/>
-              <a:t>概述</a:t>
+              <a:rPr lang="en-US" dirty="0" smtClean="0"/>
+              <a:t>for </a:t>
+            </a:r>
+            <a:r>
+              <a:rPr lang="en-US" dirty="0" err="1"/>
+              <a:t>arg</a:t>
+            </a:r>
+            <a:r>
+              <a:rPr lang="en-US" dirty="0"/>
+              <a:t> in [list]</a:t>
+            </a:r>
+          </a:p>
+          <a:p>
+            <a:pPr marL="0" indent="0">
+              <a:buNone/>
+            </a:pPr>
+            <a:r>
+              <a:rPr lang="en-US" dirty="0" smtClean="0"/>
+              <a:t>do </a:t>
+            </a:r>
+            <a:endParaRPr lang="en-US" dirty="0"/>
+          </a:p>
+          <a:p>
+            <a:pPr marL="0" indent="0">
+              <a:buNone/>
+            </a:pPr>
+            <a:r>
+              <a:rPr lang="en-US" dirty="0"/>
+              <a:t> </a:t>
+            </a:r>
+            <a:r>
+              <a:rPr lang="en-US" dirty="0" smtClean="0"/>
+              <a:t>	</a:t>
+            </a:r>
+            <a:r>
+              <a:rPr lang="en-US" dirty="0" smtClean="0"/>
+              <a:t>command(s</a:t>
+            </a:r>
+            <a:r>
+              <a:rPr lang="en-US" dirty="0"/>
+              <a:t>)... </a:t>
+            </a:r>
+          </a:p>
+          <a:p>
+            <a:pPr marL="0" indent="0">
+              <a:buNone/>
+            </a:pPr>
+            <a:r>
+              <a:rPr lang="en-US" dirty="0" smtClean="0"/>
+              <a:t>done</a:t>
+            </a:r>
+          </a:p>
+          <a:p>
+            <a:pPr marL="0" indent="0">
+              <a:buNone/>
+            </a:pPr>
+            <a:r>
+              <a:rPr lang="zh-CN" altLang="en-US" dirty="0" smtClean="0"/>
+              <a:t>在循环的每次执行中，</a:t>
+            </a:r>
+            <a:r>
+              <a:rPr lang="en-US" altLang="zh-CN" dirty="0" err="1" smtClean="0"/>
+              <a:t>arg</a:t>
+            </a:r>
+            <a:r>
+              <a:rPr lang="zh-CN" altLang="en-US" dirty="0" smtClean="0"/>
+              <a:t>将顺序的访问</a:t>
+            </a:r>
+            <a:r>
+              <a:rPr lang="en-US" altLang="zh-CN" dirty="0" smtClean="0"/>
+              <a:t>list</a:t>
+            </a:r>
+            <a:r>
+              <a:rPr lang="zh-CN" altLang="en-US" dirty="0" smtClean="0"/>
+              <a:t>中列出的变量。</a:t>
+            </a:r>
+            <a:r>
+              <a:rPr lang="en-US" altLang="zh-CN" dirty="0" smtClean="0"/>
+              <a:t>e.g. for-loop.sh</a:t>
+            </a:r>
+          </a:p>
+          <a:p>
+            <a:pPr marL="0" indent="0">
+              <a:buNone/>
+            </a:pPr>
+            <a:r>
+              <a:rPr lang="en-US" dirty="0" smtClean="0"/>
+              <a:t>list </a:t>
+            </a:r>
+            <a:r>
+              <a:rPr lang="zh-CN" altLang="en-US" dirty="0" smtClean="0"/>
+              <a:t>中的参数允许包含通配符</a:t>
+            </a:r>
+            <a:r>
+              <a:rPr lang="zh-CN" altLang="en-US" dirty="0" smtClean="0"/>
+              <a:t>。如果</a:t>
+            </a:r>
+            <a:r>
+              <a:rPr lang="en-US" altLang="zh-CN" dirty="0" smtClean="0"/>
+              <a:t>do</a:t>
+            </a:r>
+            <a:r>
+              <a:rPr lang="zh-CN" altLang="en-US" dirty="0" smtClean="0"/>
+              <a:t>和</a:t>
+            </a:r>
+            <a:r>
+              <a:rPr lang="en-US" altLang="zh-CN" dirty="0" smtClean="0"/>
+              <a:t>for</a:t>
+            </a:r>
+            <a:r>
+              <a:rPr lang="zh-CN" altLang="en-US" dirty="0" smtClean="0"/>
+              <a:t>在同一行，则需要在</a:t>
+            </a:r>
+            <a:r>
+              <a:rPr lang="en-US" altLang="zh-CN" dirty="0" smtClean="0"/>
+              <a:t>list</a:t>
+            </a:r>
+            <a:r>
+              <a:rPr lang="zh-CN" altLang="en-US" dirty="0" smtClean="0"/>
+              <a:t>后面添加一个</a:t>
+            </a:r>
+            <a:r>
+              <a:rPr lang="en-US" altLang="zh-CN" dirty="0" smtClean="0"/>
+              <a:t>;</a:t>
+            </a:r>
+            <a:r>
+              <a:rPr lang="zh-CN" altLang="en-US" dirty="0" smtClean="0"/>
+              <a:t>号</a:t>
             </a:r>
             <a:endParaRPr lang="en-US" altLang="zh-CN" dirty="0" smtClean="0"/>
           </a:p>
@@ -20098,91 +20441,25 @@
               <a:buNone/>
             </a:pPr>
             <a:r>
-              <a:rPr lang="en-US" altLang="zh-CN" dirty="0" smtClean="0">
-                <a:hlinkClick r:id="rId3"/>
-              </a:rPr>
-              <a:t>http://jarson.in/sed-awk-overview/</a:t>
-            </a:r>
-            <a:endParaRPr lang="en-US" altLang="zh-CN" dirty="0" smtClean="0"/>
-          </a:p>
-          <a:p>
-            <a:r>
-              <a:rPr lang="en-US" altLang="zh-CN" dirty="0" smtClean="0"/>
-              <a:t>sed </a:t>
-            </a:r>
-            <a:r>
-              <a:rPr lang="zh-CN" altLang="en-US" dirty="0"/>
-              <a:t>学习</a:t>
-            </a:r>
-            <a:r>
-              <a:rPr lang="zh-CN" altLang="en-US" dirty="0" smtClean="0"/>
-              <a:t>手册</a:t>
-            </a:r>
-            <a:endParaRPr lang="en-US" altLang="zh-CN" dirty="0" smtClean="0"/>
-          </a:p>
-          <a:p>
-            <a:pPr marL="0" indent="0">
-              <a:buNone/>
-            </a:pPr>
-            <a:r>
-              <a:rPr lang="en-US" altLang="zh-CN" dirty="0" smtClean="0">
-                <a:hlinkClick r:id="rId4"/>
-              </a:rPr>
-              <a:t>http://jarson.in/sed-manual/</a:t>
-            </a:r>
-            <a:endParaRPr lang="en-US" altLang="zh-CN" dirty="0" smtClean="0"/>
-          </a:p>
-          <a:p>
-            <a:r>
-              <a:rPr lang="en-US" altLang="zh-CN" dirty="0" smtClean="0"/>
-              <a:t>sed </a:t>
-            </a:r>
-            <a:r>
-              <a:rPr lang="zh-CN" altLang="en-US" dirty="0"/>
-              <a:t>函数</a:t>
-            </a:r>
-            <a:r>
-              <a:rPr lang="zh-CN" altLang="en-US" dirty="0" smtClean="0"/>
-              <a:t>参数</a:t>
-            </a:r>
-            <a:endParaRPr lang="en-US" altLang="zh-CN" dirty="0" smtClean="0"/>
-          </a:p>
-          <a:p>
-            <a:pPr marL="0" indent="0">
-              <a:buNone/>
-            </a:pPr>
-            <a:r>
-              <a:rPr lang="en-US" altLang="zh-CN" dirty="0" smtClean="0">
-                <a:hlinkClick r:id="rId5"/>
-              </a:rPr>
-              <a:t>http://jarson.in/sed-functions/</a:t>
-            </a:r>
-            <a:endParaRPr lang="en-US" altLang="zh-CN" dirty="0"/>
-          </a:p>
-          <a:p>
-            <a:r>
-              <a:rPr lang="en-US" altLang="zh-CN" dirty="0" smtClean="0"/>
-              <a:t>awk</a:t>
-            </a:r>
-          </a:p>
-          <a:p>
-            <a:pPr marL="0" indent="0">
-              <a:buNone/>
-            </a:pPr>
-            <a:r>
-              <a:rPr lang="en-US" altLang="zh-CN" dirty="0" smtClean="0">
-                <a:hlinkClick r:id="rId6"/>
-              </a:rPr>
-              <a:t>http://www.aslibra.com/doc/awk.htm</a:t>
-            </a:r>
-            <a:endParaRPr lang="zh-CN" altLang="en-US" dirty="0"/>
+              <a:rPr lang="en-US" dirty="0" smtClean="0"/>
+              <a:t>for </a:t>
+            </a:r>
+            <a:r>
+              <a:rPr lang="en-US" dirty="0" err="1" smtClean="0"/>
+              <a:t>arg</a:t>
+            </a:r>
+            <a:r>
+              <a:rPr lang="en-US" dirty="0" smtClean="0"/>
+              <a:t> in [list] ; do</a:t>
+            </a:r>
+            <a:endParaRPr lang="en-US" dirty="0" smtClean="0"/>
           </a:p>
         </p:txBody>
       </p:sp>
     </p:spTree>
     <p:extLst>
       <p:ext uri="{BB962C8B-B14F-4D97-AF65-F5344CB8AC3E}">
-        <p14:creationId xmlns:p14="http://schemas.microsoft.com/office/powerpoint/2010/main" val="893627498"/>
+        <p14:creationId xmlns:p14="http://schemas.microsoft.com/office/powerpoint/2010/main" val="232427816"/>
       </p:ext>
     </p:extLst>
   </p:cSld>
@@ -20196,6 +20473,1956 @@
       </p:par>
     </p:tnLst>
   </p:timing>
+</p:sld>
+</file>
+
+<file path=ppt/slides/slide53.xml><?xml version="1.0" encoding="utf-8"?>
+<p:sld xmlns:a="http://schemas.openxmlformats.org/drawingml/2006/main" xmlns:r="http://schemas.openxmlformats.org/officeDocument/2006/relationships" xmlns:p="http://schemas.openxmlformats.org/presentationml/2006/main">
+  <p:cSld>
+    <p:spTree>
+      <p:nvGrpSpPr>
+        <p:cNvPr id="1" name=""/>
+        <p:cNvGrpSpPr/>
+        <p:nvPr/>
+      </p:nvGrpSpPr>
+      <p:grpSpPr>
+        <a:xfrm>
+          <a:off x="0" y="0"/>
+          <a:ext cx="0" cy="0"/>
+          <a:chOff x="0" y="0"/>
+          <a:chExt cx="0" cy="0"/>
+        </a:xfrm>
+      </p:grpSpPr>
+      <p:sp>
+        <p:nvSpPr>
+          <p:cNvPr id="2" name="标题 1"/>
+          <p:cNvSpPr>
+            <a:spLocks noGrp="1"/>
+          </p:cNvSpPr>
+          <p:nvPr>
+            <p:ph type="title"/>
+          </p:nvPr>
+        </p:nvSpPr>
+        <p:spPr/>
+        <p:txBody>
+          <a:bodyPr/>
+          <a:lstStyle/>
+          <a:p>
+            <a:r>
+              <a:rPr lang="en-US" altLang="zh-CN" dirty="0" smtClean="0"/>
+              <a:t>for </a:t>
+            </a:r>
+            <a:r>
+              <a:rPr lang="zh-CN" altLang="en-US" dirty="0" smtClean="0"/>
+              <a:t>循环</a:t>
+            </a:r>
+            <a:endParaRPr lang="zh-CN" altLang="en-US" dirty="0"/>
+          </a:p>
+        </p:txBody>
+      </p:sp>
+      <p:sp>
+        <p:nvSpPr>
+          <p:cNvPr id="3" name="内容占位符 2"/>
+          <p:cNvSpPr>
+            <a:spLocks noGrp="1"/>
+          </p:cNvSpPr>
+          <p:nvPr>
+            <p:ph idx="1"/>
+          </p:nvPr>
+        </p:nvSpPr>
+        <p:spPr/>
+        <p:txBody>
+          <a:bodyPr/>
+          <a:lstStyle/>
+          <a:p>
+            <a:r>
+              <a:rPr lang="zh-CN" altLang="en-US" dirty="0" smtClean="0"/>
+              <a:t>简单的</a:t>
+            </a:r>
+            <a:r>
+              <a:rPr lang="en-US" altLang="zh-CN" dirty="0" smtClean="0"/>
+              <a:t>for</a:t>
+            </a:r>
+            <a:r>
+              <a:rPr lang="zh-CN" altLang="en-US" dirty="0" smtClean="0"/>
+              <a:t>循环。</a:t>
+            </a:r>
+            <a:r>
+              <a:rPr lang="en-US" altLang="zh-CN" dirty="0" smtClean="0"/>
+              <a:t>e.g</a:t>
+            </a:r>
+            <a:r>
+              <a:rPr lang="en-US" altLang="zh-CN" dirty="0"/>
+              <a:t>. </a:t>
+            </a:r>
+            <a:r>
+              <a:rPr lang="en-US" altLang="zh-CN" dirty="0" smtClean="0"/>
+              <a:t>simple-for-loop.sh</a:t>
+            </a:r>
+          </a:p>
+          <a:p>
+            <a:r>
+              <a:rPr lang="en-US" altLang="zh-CN" dirty="0" smtClean="0"/>
+              <a:t>for</a:t>
+            </a:r>
+            <a:r>
+              <a:rPr lang="zh-CN" altLang="en-US" dirty="0" smtClean="0"/>
+              <a:t>循环中的</a:t>
+            </a:r>
+            <a:r>
+              <a:rPr lang="en-US" altLang="zh-CN" dirty="0" smtClean="0"/>
+              <a:t>[list]</a:t>
+            </a:r>
+            <a:r>
+              <a:rPr lang="zh-CN" altLang="en-US" dirty="0" smtClean="0"/>
+              <a:t>可以被参数化</a:t>
+            </a:r>
+            <a:r>
+              <a:rPr lang="zh-CN" altLang="en-US" dirty="0"/>
+              <a:t>。</a:t>
+            </a:r>
+            <a:r>
+              <a:rPr lang="en-US" altLang="zh-CN" dirty="0" smtClean="0"/>
+              <a:t>e.g. fileinfo.sh</a:t>
+            </a:r>
+          </a:p>
+          <a:p>
+            <a:r>
+              <a:rPr lang="zh-CN" altLang="en-US" dirty="0" smtClean="0"/>
+              <a:t>如果</a:t>
+            </a:r>
+            <a:r>
+              <a:rPr lang="en-US" altLang="zh-CN" dirty="0" smtClean="0"/>
+              <a:t>for</a:t>
+            </a:r>
+            <a:r>
+              <a:rPr lang="zh-CN" altLang="en-US" dirty="0" smtClean="0"/>
+              <a:t>循环中的</a:t>
+            </a:r>
+            <a:r>
+              <a:rPr lang="en-US" altLang="zh-CN" dirty="0" smtClean="0"/>
+              <a:t>[list]</a:t>
+            </a:r>
+            <a:r>
+              <a:rPr lang="zh-CN" altLang="en-US" dirty="0" smtClean="0"/>
+              <a:t>包含通配符（</a:t>
+            </a:r>
+            <a:r>
+              <a:rPr lang="en-US" altLang="zh-CN" dirty="0" smtClean="0"/>
+              <a:t>*</a:t>
+            </a:r>
+            <a:r>
+              <a:rPr lang="zh-CN" altLang="en-US" dirty="0" smtClean="0"/>
+              <a:t>或</a:t>
+            </a:r>
+            <a:r>
+              <a:rPr lang="en-US" altLang="zh-CN" dirty="0" smtClean="0"/>
+              <a:t>?</a:t>
+            </a:r>
+            <a:r>
+              <a:rPr lang="zh-CN" altLang="en-US" dirty="0" smtClean="0"/>
+              <a:t>），则使用文件名扩展进行通配（</a:t>
+            </a:r>
+            <a:r>
+              <a:rPr lang="en-US" altLang="zh-CN" dirty="0" err="1" smtClean="0"/>
+              <a:t>globbing</a:t>
+            </a:r>
+            <a:r>
+              <a:rPr lang="zh-CN" altLang="en-US" dirty="0" smtClean="0"/>
+              <a:t>）。</a:t>
+            </a:r>
+            <a:r>
+              <a:rPr lang="en-US" altLang="zh-CN" dirty="0" smtClean="0"/>
+              <a:t>e.g. glob-for-loop.sh</a:t>
+            </a:r>
+          </a:p>
+          <a:p>
+            <a:r>
+              <a:rPr lang="zh-CN" altLang="en-US" dirty="0" smtClean="0"/>
+              <a:t>如果省略了</a:t>
+            </a:r>
+            <a:r>
+              <a:rPr lang="en-US" altLang="zh-CN" dirty="0" smtClean="0"/>
+              <a:t>for</a:t>
+            </a:r>
+            <a:r>
+              <a:rPr lang="zh-CN" altLang="en-US" dirty="0" smtClean="0"/>
+              <a:t>循环中的 </a:t>
+            </a:r>
+            <a:r>
+              <a:rPr lang="en-US" altLang="zh-CN" dirty="0" smtClean="0"/>
+              <a:t>in [list] </a:t>
+            </a:r>
+            <a:r>
+              <a:rPr lang="zh-CN" altLang="en-US" dirty="0" smtClean="0"/>
+              <a:t>部分，循环将操作</a:t>
+            </a:r>
+            <a:r>
+              <a:rPr lang="en-US" altLang="zh-CN" dirty="0" smtClean="0"/>
+              <a:t>$@ —— </a:t>
+            </a:r>
+            <a:r>
+              <a:rPr lang="zh-CN" altLang="en-US" dirty="0" smtClean="0"/>
+              <a:t>从命令行传递给脚本的位置参数。</a:t>
+            </a:r>
+            <a:r>
+              <a:rPr lang="en-US" altLang="zh-CN" dirty="0" smtClean="0"/>
+              <a:t>e.g. param-for-loop.sh</a:t>
+            </a:r>
+          </a:p>
+          <a:p>
+            <a:r>
+              <a:rPr lang="en-US" altLang="zh-CN" dirty="0" smtClean="0"/>
+              <a:t>for</a:t>
+            </a:r>
+            <a:r>
+              <a:rPr lang="zh-CN" altLang="en-US" dirty="0" smtClean="0"/>
+              <a:t>循环中的</a:t>
+            </a:r>
+            <a:r>
+              <a:rPr lang="en-US" altLang="zh-CN" dirty="0" smtClean="0"/>
+              <a:t>[list]</a:t>
+            </a:r>
+            <a:r>
+              <a:rPr lang="zh-CN" altLang="en-US" dirty="0" smtClean="0"/>
+              <a:t>可由命令替换产生。</a:t>
+            </a:r>
+            <a:r>
+              <a:rPr lang="en-US" altLang="zh-CN" dirty="0" smtClean="0"/>
+              <a:t>e.g. userlist.sh</a:t>
+            </a:r>
+          </a:p>
+          <a:p>
+            <a:r>
+              <a:rPr lang="en-US" altLang="zh-CN" dirty="0" smtClean="0"/>
+              <a:t>C</a:t>
+            </a:r>
+            <a:r>
+              <a:rPr lang="zh-CN" altLang="en-US" dirty="0" smtClean="0"/>
+              <a:t>风格的</a:t>
+            </a:r>
+            <a:r>
+              <a:rPr lang="en-US" altLang="zh-CN" dirty="0" smtClean="0"/>
+              <a:t>for</a:t>
+            </a:r>
+            <a:r>
+              <a:rPr lang="zh-CN" altLang="en-US" dirty="0" smtClean="0"/>
+              <a:t>循环（需要双圆括号结构支持）。</a:t>
+            </a:r>
+            <a:r>
+              <a:rPr lang="en-US" altLang="zh-CN" dirty="0" smtClean="0"/>
+              <a:t>e.g. c-for-loop.sh</a:t>
+            </a:r>
+          </a:p>
+        </p:txBody>
+      </p:sp>
+    </p:spTree>
+    <p:extLst>
+      <p:ext uri="{BB962C8B-B14F-4D97-AF65-F5344CB8AC3E}">
+        <p14:creationId xmlns:p14="http://schemas.microsoft.com/office/powerpoint/2010/main" val="970450889"/>
+      </p:ext>
+    </p:extLst>
+  </p:cSld>
+  <p:clrMapOvr>
+    <a:masterClrMapping/>
+  </p:clrMapOvr>
+</p:sld>
+</file>
+
+<file path=ppt/slides/slide54.xml><?xml version="1.0" encoding="utf-8"?>
+<p:sld xmlns:a="http://schemas.openxmlformats.org/drawingml/2006/main" xmlns:r="http://schemas.openxmlformats.org/officeDocument/2006/relationships" xmlns:p="http://schemas.openxmlformats.org/presentationml/2006/main">
+  <p:cSld>
+    <p:spTree>
+      <p:nvGrpSpPr>
+        <p:cNvPr id="1" name=""/>
+        <p:cNvGrpSpPr/>
+        <p:nvPr/>
+      </p:nvGrpSpPr>
+      <p:grpSpPr>
+        <a:xfrm>
+          <a:off x="0" y="0"/>
+          <a:ext cx="0" cy="0"/>
+          <a:chOff x="0" y="0"/>
+          <a:chExt cx="0" cy="0"/>
+        </a:xfrm>
+      </p:grpSpPr>
+      <p:sp>
+        <p:nvSpPr>
+          <p:cNvPr id="2" name="标题 1"/>
+          <p:cNvSpPr>
+            <a:spLocks noGrp="1"/>
+          </p:cNvSpPr>
+          <p:nvPr>
+            <p:ph type="title"/>
+          </p:nvPr>
+        </p:nvSpPr>
+        <p:spPr/>
+        <p:txBody>
+          <a:bodyPr/>
+          <a:lstStyle/>
+          <a:p>
+            <a:r>
+              <a:rPr lang="en-US" altLang="zh-CN" dirty="0" smtClean="0"/>
+              <a:t>while</a:t>
+            </a:r>
+            <a:r>
+              <a:rPr lang="zh-CN" altLang="en-US" dirty="0" smtClean="0"/>
+              <a:t>循环</a:t>
+            </a:r>
+            <a:endParaRPr lang="zh-CN" altLang="en-US" dirty="0"/>
+          </a:p>
+        </p:txBody>
+      </p:sp>
+      <p:sp>
+        <p:nvSpPr>
+          <p:cNvPr id="3" name="内容占位符 2"/>
+          <p:cNvSpPr>
+            <a:spLocks noGrp="1"/>
+          </p:cNvSpPr>
+          <p:nvPr>
+            <p:ph idx="1"/>
+          </p:nvPr>
+        </p:nvSpPr>
+        <p:spPr/>
+        <p:txBody>
+          <a:bodyPr>
+            <a:normAutofit fontScale="92500" lnSpcReduction="20000"/>
+          </a:bodyPr>
+          <a:lstStyle/>
+          <a:p>
+            <a:pPr marL="0" indent="0">
+              <a:buNone/>
+            </a:pPr>
+            <a:r>
+              <a:rPr lang="zh-CN" altLang="en-US" dirty="0"/>
+              <a:t>这种结构在循环的开头判断条件是否</a:t>
+            </a:r>
+            <a:r>
+              <a:rPr lang="zh-CN" altLang="en-US" dirty="0" smtClean="0"/>
+              <a:t>满足</a:t>
+            </a:r>
+            <a:r>
+              <a:rPr lang="zh-CN" altLang="en-US" dirty="0"/>
+              <a:t>，</a:t>
+            </a:r>
+            <a:r>
+              <a:rPr lang="zh-CN" altLang="en-US" dirty="0" smtClean="0"/>
+              <a:t>如果</a:t>
+            </a:r>
+            <a:r>
+              <a:rPr lang="zh-CN" altLang="en-US" dirty="0"/>
+              <a:t>条件一直</a:t>
+            </a:r>
+            <a:r>
+              <a:rPr lang="zh-CN" altLang="en-US" dirty="0" smtClean="0"/>
+              <a:t>满足（</a:t>
+            </a:r>
+            <a:r>
+              <a:rPr lang="zh-CN" altLang="en-US" dirty="0"/>
+              <a:t>返回</a:t>
+            </a:r>
+            <a:r>
+              <a:rPr lang="en-US" altLang="zh-CN" dirty="0"/>
+              <a:t>0</a:t>
+            </a:r>
+            <a:r>
+              <a:rPr lang="zh-CN" altLang="en-US" dirty="0"/>
+              <a:t>作为退出状态码</a:t>
+            </a:r>
+            <a:r>
+              <a:rPr lang="zh-CN" altLang="en-US" dirty="0" smtClean="0"/>
+              <a:t>），</a:t>
+            </a:r>
+            <a:r>
+              <a:rPr lang="zh-CN" altLang="en-US" dirty="0"/>
+              <a:t>则</a:t>
+            </a:r>
+            <a:r>
+              <a:rPr lang="zh-CN" altLang="en-US" dirty="0" smtClean="0"/>
+              <a:t>一直</a:t>
+            </a:r>
+            <a:r>
+              <a:rPr lang="zh-CN" altLang="en-US" dirty="0"/>
+              <a:t>循环下去 。</a:t>
+            </a:r>
+            <a:r>
+              <a:rPr lang="en-US" altLang="zh-CN" dirty="0" smtClean="0"/>
+              <a:t> </a:t>
+            </a:r>
+            <a:r>
+              <a:rPr lang="zh-CN" altLang="en-US" dirty="0"/>
+              <a:t>与</a:t>
+            </a:r>
+            <a:r>
+              <a:rPr lang="en-US" altLang="zh-CN" dirty="0"/>
+              <a:t>for</a:t>
+            </a:r>
+            <a:r>
+              <a:rPr lang="zh-CN" altLang="en-US" dirty="0"/>
+              <a:t>循环的区别</a:t>
+            </a:r>
+            <a:r>
+              <a:rPr lang="zh-CN" altLang="en-US" dirty="0" smtClean="0"/>
+              <a:t>是</a:t>
+            </a:r>
+            <a:r>
+              <a:rPr lang="zh-CN" altLang="en-US" dirty="0"/>
+              <a:t>，</a:t>
+            </a:r>
+            <a:r>
+              <a:rPr lang="en-US" altLang="zh-CN" dirty="0" smtClean="0"/>
+              <a:t>while</a:t>
+            </a:r>
+            <a:r>
+              <a:rPr lang="zh-CN" altLang="en-US" dirty="0"/>
+              <a:t>循环更适合在循环次数未知的情况</a:t>
+            </a:r>
+            <a:r>
+              <a:rPr lang="zh-CN" altLang="en-US" dirty="0" smtClean="0"/>
+              <a:t>下使用。</a:t>
+            </a:r>
+            <a:endParaRPr lang="en-US" altLang="zh-CN" dirty="0" smtClean="0"/>
+          </a:p>
+          <a:p>
+            <a:pPr marL="0" indent="0">
+              <a:buNone/>
+            </a:pPr>
+            <a:r>
+              <a:rPr lang="en-US" altLang="zh-CN" dirty="0"/>
+              <a:t>while [ condition ]</a:t>
+            </a:r>
+          </a:p>
+          <a:p>
+            <a:pPr marL="0" indent="0">
+              <a:buNone/>
+            </a:pPr>
+            <a:r>
+              <a:rPr lang="en-US" altLang="zh-CN" dirty="0" smtClean="0"/>
+              <a:t>do </a:t>
+            </a:r>
+            <a:endParaRPr lang="en-US" altLang="zh-CN" dirty="0"/>
+          </a:p>
+          <a:p>
+            <a:pPr marL="0" indent="0">
+              <a:buNone/>
+            </a:pPr>
+            <a:r>
+              <a:rPr lang="en-US" altLang="zh-CN" dirty="0"/>
+              <a:t> </a:t>
+            </a:r>
+            <a:r>
+              <a:rPr lang="en-US" altLang="zh-CN" dirty="0" smtClean="0"/>
+              <a:t>	command(s</a:t>
+            </a:r>
+            <a:r>
+              <a:rPr lang="en-US" altLang="zh-CN" dirty="0"/>
+              <a:t>)... </a:t>
+            </a:r>
+          </a:p>
+          <a:p>
+            <a:pPr marL="0" indent="0">
+              <a:buNone/>
+            </a:pPr>
+            <a:r>
+              <a:rPr lang="en-US" altLang="zh-CN" dirty="0" smtClean="0"/>
+              <a:t>done</a:t>
+            </a:r>
+          </a:p>
+          <a:p>
+            <a:pPr marL="0" indent="0">
+              <a:buNone/>
+            </a:pPr>
+            <a:r>
+              <a:rPr lang="en-US" altLang="zh-CN" dirty="0" smtClean="0"/>
+              <a:t>while</a:t>
+            </a:r>
+            <a:r>
+              <a:rPr lang="zh-CN" altLang="en-US" dirty="0" smtClean="0"/>
+              <a:t>循环中的中括号结构与</a:t>
+            </a:r>
+            <a:r>
+              <a:rPr lang="en-US" altLang="zh-CN" dirty="0" smtClean="0"/>
+              <a:t>if/then</a:t>
+            </a:r>
+            <a:r>
+              <a:rPr lang="zh-CN" altLang="en-US" dirty="0" smtClean="0"/>
+              <a:t>测试结构的中括号一样，实际上，</a:t>
+            </a:r>
+            <a:r>
+              <a:rPr lang="en-US" altLang="zh-CN" dirty="0" smtClean="0"/>
+              <a:t>while</a:t>
+            </a:r>
+            <a:r>
+              <a:rPr lang="zh-CN" altLang="en-US" dirty="0" smtClean="0"/>
+              <a:t>循环还可以使用更加灵活的双中括号结构（</a:t>
+            </a:r>
+            <a:r>
+              <a:rPr lang="en-US" altLang="zh-CN" dirty="0" smtClean="0"/>
+              <a:t>while [[ condition ]]</a:t>
+            </a:r>
+            <a:r>
+              <a:rPr lang="zh-CN" altLang="en-US" dirty="0" smtClean="0"/>
+              <a:t>）。</a:t>
+            </a:r>
+            <a:endParaRPr lang="en-US" altLang="zh-CN" dirty="0" smtClean="0"/>
+          </a:p>
+          <a:p>
+            <a:pPr marL="0" indent="0">
+              <a:buNone/>
+            </a:pPr>
+            <a:r>
+              <a:rPr lang="zh-CN" altLang="en-US" dirty="0" smtClean="0"/>
+              <a:t>与</a:t>
+            </a:r>
+            <a:r>
+              <a:rPr lang="en-US" altLang="zh-CN" dirty="0" smtClean="0"/>
+              <a:t>for</a:t>
+            </a:r>
+            <a:r>
+              <a:rPr lang="zh-CN" altLang="en-US" dirty="0" smtClean="0"/>
+              <a:t>循环一样，如果把</a:t>
+            </a:r>
+            <a:r>
+              <a:rPr lang="en-US" altLang="zh-CN" dirty="0" smtClean="0"/>
+              <a:t>do</a:t>
+            </a:r>
+            <a:r>
+              <a:rPr lang="zh-CN" altLang="en-US" dirty="0" smtClean="0"/>
+              <a:t>和条件测试语句放置同一行，则需要</a:t>
+            </a:r>
+            <a:r>
+              <a:rPr lang="en-US" altLang="zh-CN" dirty="0" smtClean="0"/>
+              <a:t>;</a:t>
+            </a:r>
+            <a:r>
+              <a:rPr lang="zh-CN" altLang="en-US" dirty="0" smtClean="0"/>
+              <a:t>号隔开：</a:t>
+            </a:r>
+            <a:endParaRPr lang="en-US" altLang="zh-CN" dirty="0" smtClean="0"/>
+          </a:p>
+          <a:p>
+            <a:pPr marL="0" indent="0">
+              <a:buNone/>
+            </a:pPr>
+            <a:r>
+              <a:rPr lang="en-US" altLang="zh-CN" dirty="0"/>
+              <a:t>while [ condition ] ; </a:t>
+            </a:r>
+            <a:r>
+              <a:rPr lang="en-US" altLang="zh-CN" dirty="0" smtClean="0"/>
+              <a:t>do</a:t>
+            </a:r>
+          </a:p>
+          <a:p>
+            <a:pPr marL="0" indent="0">
+              <a:buNone/>
+            </a:pPr>
+            <a:r>
+              <a:rPr lang="zh-CN" altLang="en-US" dirty="0" smtClean="0"/>
+              <a:t>注：</a:t>
+            </a:r>
+            <a:r>
+              <a:rPr lang="en-US" altLang="zh-CN" dirty="0" smtClean="0"/>
+              <a:t>while</a:t>
+            </a:r>
+            <a:r>
+              <a:rPr lang="zh-CN" altLang="en-US" dirty="0" smtClean="0"/>
+              <a:t>循环中的测试中括号并非必需的。</a:t>
+            </a:r>
+            <a:endParaRPr lang="en-US" altLang="zh-CN" dirty="0" smtClean="0"/>
+          </a:p>
+          <a:p>
+            <a:r>
+              <a:rPr lang="zh-CN" altLang="en-US" dirty="0"/>
+              <a:t>简单的</a:t>
+            </a:r>
+            <a:r>
+              <a:rPr lang="en-US" altLang="zh-CN" dirty="0"/>
+              <a:t>while</a:t>
+            </a:r>
+            <a:r>
+              <a:rPr lang="zh-CN" altLang="en-US" dirty="0"/>
+              <a:t>循环。</a:t>
+            </a:r>
+            <a:r>
+              <a:rPr lang="en-US" altLang="zh-CN" dirty="0"/>
+              <a:t>e.g. </a:t>
+            </a:r>
+            <a:r>
+              <a:rPr lang="en-US" altLang="zh-CN" dirty="0" smtClean="0"/>
+              <a:t>simple-while-loop.sh, simple-while-loop2.sh</a:t>
+            </a:r>
+            <a:endParaRPr lang="en-US" altLang="zh-CN" dirty="0"/>
+          </a:p>
+          <a:p>
+            <a:r>
+              <a:rPr lang="en-US" altLang="zh-CN" dirty="0"/>
+              <a:t>C</a:t>
+            </a:r>
+            <a:r>
+              <a:rPr lang="zh-CN" altLang="en-US" dirty="0"/>
+              <a:t>风格的</a:t>
+            </a:r>
+            <a:r>
+              <a:rPr lang="en-US" altLang="zh-CN" dirty="0"/>
+              <a:t>while</a:t>
+            </a:r>
+            <a:r>
+              <a:rPr lang="zh-CN" altLang="en-US" dirty="0"/>
+              <a:t>循环。</a:t>
+            </a:r>
+            <a:r>
+              <a:rPr lang="en-US" altLang="zh-CN" dirty="0"/>
+              <a:t>e.g. </a:t>
+            </a:r>
+            <a:r>
+              <a:rPr lang="en-US" altLang="zh-CN" dirty="0" smtClean="0"/>
+              <a:t>c-while-loop.sh</a:t>
+            </a:r>
+            <a:endParaRPr lang="zh-CN" altLang="en-US" dirty="0"/>
+          </a:p>
+        </p:txBody>
+      </p:sp>
+    </p:spTree>
+    <p:extLst>
+      <p:ext uri="{BB962C8B-B14F-4D97-AF65-F5344CB8AC3E}">
+        <p14:creationId xmlns:p14="http://schemas.microsoft.com/office/powerpoint/2010/main" val="3046448879"/>
+      </p:ext>
+    </p:extLst>
+  </p:cSld>
+  <p:clrMapOvr>
+    <a:masterClrMapping/>
+  </p:clrMapOvr>
+</p:sld>
+</file>
+
+<file path=ppt/slides/slide55.xml><?xml version="1.0" encoding="utf-8"?>
+<p:sld xmlns:a="http://schemas.openxmlformats.org/drawingml/2006/main" xmlns:r="http://schemas.openxmlformats.org/officeDocument/2006/relationships" xmlns:p="http://schemas.openxmlformats.org/presentationml/2006/main">
+  <p:cSld>
+    <p:spTree>
+      <p:nvGrpSpPr>
+        <p:cNvPr id="1" name=""/>
+        <p:cNvGrpSpPr/>
+        <p:nvPr/>
+      </p:nvGrpSpPr>
+      <p:grpSpPr>
+        <a:xfrm>
+          <a:off x="0" y="0"/>
+          <a:ext cx="0" cy="0"/>
+          <a:chOff x="0" y="0"/>
+          <a:chExt cx="0" cy="0"/>
+        </a:xfrm>
+      </p:grpSpPr>
+      <p:sp>
+        <p:nvSpPr>
+          <p:cNvPr id="2" name="标题 1"/>
+          <p:cNvSpPr>
+            <a:spLocks noGrp="1"/>
+          </p:cNvSpPr>
+          <p:nvPr>
+            <p:ph type="title"/>
+          </p:nvPr>
+        </p:nvSpPr>
+        <p:spPr/>
+        <p:txBody>
+          <a:bodyPr/>
+          <a:lstStyle/>
+          <a:p>
+            <a:r>
+              <a:rPr lang="en-US" altLang="zh-CN" dirty="0" smtClean="0"/>
+              <a:t>until</a:t>
+            </a:r>
+            <a:r>
+              <a:rPr lang="zh-CN" altLang="en-US" dirty="0" smtClean="0"/>
+              <a:t>循环</a:t>
+            </a:r>
+            <a:endParaRPr lang="zh-CN" altLang="en-US" dirty="0"/>
+          </a:p>
+        </p:txBody>
+      </p:sp>
+      <p:sp>
+        <p:nvSpPr>
+          <p:cNvPr id="3" name="内容占位符 2"/>
+          <p:cNvSpPr>
+            <a:spLocks noGrp="1"/>
+          </p:cNvSpPr>
+          <p:nvPr>
+            <p:ph idx="1"/>
+          </p:nvPr>
+        </p:nvSpPr>
+        <p:spPr/>
+        <p:txBody>
+          <a:bodyPr/>
+          <a:lstStyle/>
+          <a:p>
+            <a:pPr marL="0" indent="0">
+              <a:buNone/>
+            </a:pPr>
+            <a:r>
+              <a:rPr lang="zh-CN" altLang="en-US" dirty="0"/>
+              <a:t>这个结构在循环的顶部判断</a:t>
+            </a:r>
+            <a:r>
+              <a:rPr lang="zh-CN" altLang="en-US" dirty="0" smtClean="0"/>
+              <a:t>条件，如果</a:t>
+            </a:r>
+            <a:r>
+              <a:rPr lang="zh-CN" altLang="en-US" dirty="0"/>
+              <a:t>条件一直为</a:t>
+            </a:r>
+            <a:r>
+              <a:rPr lang="en-US" altLang="zh-CN" dirty="0" smtClean="0"/>
+              <a:t>false</a:t>
+            </a:r>
+            <a:r>
+              <a:rPr lang="zh-CN" altLang="en-US" dirty="0"/>
+              <a:t>（与</a:t>
+            </a:r>
+            <a:r>
+              <a:rPr lang="en-US" altLang="zh-CN" dirty="0"/>
+              <a:t>while</a:t>
+            </a:r>
+            <a:r>
+              <a:rPr lang="zh-CN" altLang="en-US" dirty="0"/>
+              <a:t>循环相反）</a:t>
+            </a:r>
+            <a:r>
+              <a:rPr lang="zh-CN" altLang="en-US" dirty="0" smtClean="0"/>
+              <a:t>，</a:t>
+            </a:r>
+            <a:r>
+              <a:rPr lang="zh-CN" altLang="en-US" dirty="0"/>
+              <a:t>则</a:t>
+            </a:r>
+            <a:r>
+              <a:rPr lang="zh-CN" altLang="en-US" dirty="0" smtClean="0"/>
+              <a:t>一直</a:t>
+            </a:r>
+            <a:r>
+              <a:rPr lang="zh-CN" altLang="en-US" dirty="0"/>
+              <a:t>循环</a:t>
+            </a:r>
+            <a:r>
+              <a:rPr lang="zh-CN" altLang="en-US" dirty="0" smtClean="0"/>
+              <a:t>下去。</a:t>
+            </a:r>
+            <a:endParaRPr lang="en-US" altLang="zh-CN" dirty="0" smtClean="0"/>
+          </a:p>
+          <a:p>
+            <a:pPr marL="0" indent="0">
+              <a:buNone/>
+            </a:pPr>
+            <a:r>
+              <a:rPr lang="en-US" altLang="zh-CN" dirty="0"/>
+              <a:t>until [ condition-is-true ]</a:t>
+            </a:r>
+          </a:p>
+          <a:p>
+            <a:pPr marL="0" indent="0">
+              <a:buNone/>
+            </a:pPr>
+            <a:r>
+              <a:rPr lang="en-US" altLang="zh-CN" dirty="0"/>
+              <a:t>do </a:t>
+            </a:r>
+          </a:p>
+          <a:p>
+            <a:pPr marL="0" indent="0">
+              <a:buNone/>
+            </a:pPr>
+            <a:r>
+              <a:rPr lang="en-US" altLang="zh-CN" dirty="0" smtClean="0"/>
+              <a:t>	command(s</a:t>
+            </a:r>
+            <a:r>
+              <a:rPr lang="en-US" altLang="zh-CN" dirty="0"/>
+              <a:t>)... </a:t>
+            </a:r>
+          </a:p>
+          <a:p>
+            <a:pPr marL="0" indent="0">
+              <a:buNone/>
+            </a:pPr>
+            <a:r>
+              <a:rPr lang="en-US" altLang="zh-CN" dirty="0" smtClean="0"/>
+              <a:t>done</a:t>
+            </a:r>
+          </a:p>
+          <a:p>
+            <a:pPr marL="0" indent="0">
+              <a:buNone/>
+            </a:pPr>
+            <a:r>
+              <a:rPr lang="zh-CN" altLang="en-US" dirty="0" smtClean="0"/>
+              <a:t>注：</a:t>
+            </a:r>
+            <a:r>
+              <a:rPr lang="en-US" altLang="zh-CN" dirty="0" smtClean="0"/>
+              <a:t>until</a:t>
+            </a:r>
+            <a:r>
+              <a:rPr lang="zh-CN" altLang="en-US" dirty="0"/>
+              <a:t>循环的条件判断在循环的</a:t>
+            </a:r>
+            <a:r>
+              <a:rPr lang="zh-CN" altLang="en-US" dirty="0" smtClean="0"/>
+              <a:t>顶部</a:t>
+            </a:r>
+            <a:r>
+              <a:rPr lang="zh-CN" altLang="en-US" dirty="0"/>
+              <a:t>，</a:t>
+            </a:r>
+            <a:r>
+              <a:rPr lang="zh-CN" altLang="en-US" dirty="0" smtClean="0"/>
+              <a:t>这</a:t>
+            </a:r>
+            <a:r>
+              <a:rPr lang="zh-CN" altLang="en-US" dirty="0"/>
+              <a:t>与某些编程语言是不同</a:t>
+            </a:r>
+            <a:r>
+              <a:rPr lang="zh-CN" altLang="en-US" dirty="0" smtClean="0"/>
+              <a:t>的。</a:t>
+            </a:r>
+            <a:endParaRPr lang="en-US" altLang="zh-CN" dirty="0" smtClean="0"/>
+          </a:p>
+          <a:p>
+            <a:pPr marL="0" indent="0">
+              <a:buNone/>
+            </a:pPr>
+            <a:r>
+              <a:rPr lang="zh-CN" altLang="en-US" dirty="0"/>
+              <a:t>与</a:t>
+            </a:r>
+            <a:r>
+              <a:rPr lang="en-US" altLang="zh-CN" dirty="0"/>
+              <a:t>for</a:t>
+            </a:r>
+            <a:r>
+              <a:rPr lang="zh-CN" altLang="en-US" dirty="0"/>
+              <a:t>循环一样，如果把</a:t>
+            </a:r>
+            <a:r>
+              <a:rPr lang="en-US" altLang="zh-CN" dirty="0"/>
+              <a:t>do</a:t>
+            </a:r>
+            <a:r>
+              <a:rPr lang="zh-CN" altLang="en-US" dirty="0"/>
+              <a:t>和条件测试语句放置同一行，则需要</a:t>
+            </a:r>
+            <a:r>
+              <a:rPr lang="en-US" altLang="zh-CN" dirty="0"/>
+              <a:t>;</a:t>
+            </a:r>
+            <a:r>
+              <a:rPr lang="zh-CN" altLang="en-US" dirty="0"/>
+              <a:t>号隔开：</a:t>
+            </a:r>
+            <a:endParaRPr lang="en-US" altLang="zh-CN" dirty="0"/>
+          </a:p>
+          <a:p>
+            <a:pPr marL="0" indent="0">
+              <a:buNone/>
+            </a:pPr>
+            <a:r>
+              <a:rPr lang="en-US" altLang="zh-CN" dirty="0"/>
+              <a:t>until [ </a:t>
+            </a:r>
+            <a:r>
+              <a:rPr lang="en-US" altLang="zh-CN" dirty="0" smtClean="0"/>
+              <a:t>condition-is-true </a:t>
+            </a:r>
+            <a:r>
+              <a:rPr lang="en-US" altLang="zh-CN" dirty="0"/>
+              <a:t>] ; </a:t>
+            </a:r>
+            <a:r>
+              <a:rPr lang="en-US" altLang="zh-CN" dirty="0" smtClean="0"/>
+              <a:t>do</a:t>
+            </a:r>
+          </a:p>
+          <a:p>
+            <a:pPr marL="0" indent="0">
+              <a:buNone/>
+            </a:pPr>
+            <a:r>
+              <a:rPr lang="en-US" altLang="zh-CN" dirty="0" smtClean="0"/>
+              <a:t>e.g. until-loop.sh</a:t>
+            </a:r>
+            <a:endParaRPr lang="zh-CN" altLang="en-US" dirty="0"/>
+          </a:p>
+        </p:txBody>
+      </p:sp>
+    </p:spTree>
+    <p:extLst>
+      <p:ext uri="{BB962C8B-B14F-4D97-AF65-F5344CB8AC3E}">
+        <p14:creationId xmlns:p14="http://schemas.microsoft.com/office/powerpoint/2010/main" val="2188594870"/>
+      </p:ext>
+    </p:extLst>
+  </p:cSld>
+  <p:clrMapOvr>
+    <a:masterClrMapping/>
+  </p:clrMapOvr>
+</p:sld>
+</file>
+
+<file path=ppt/slides/slide56.xml><?xml version="1.0" encoding="utf-8"?>
+<p:sld xmlns:a="http://schemas.openxmlformats.org/drawingml/2006/main" xmlns:r="http://schemas.openxmlformats.org/officeDocument/2006/relationships" xmlns:p="http://schemas.openxmlformats.org/presentationml/2006/main">
+  <p:cSld>
+    <p:spTree>
+      <p:nvGrpSpPr>
+        <p:cNvPr id="1" name=""/>
+        <p:cNvGrpSpPr/>
+        <p:nvPr/>
+      </p:nvGrpSpPr>
+      <p:grpSpPr>
+        <a:xfrm>
+          <a:off x="0" y="0"/>
+          <a:ext cx="0" cy="0"/>
+          <a:chOff x="0" y="0"/>
+          <a:chExt cx="0" cy="0"/>
+        </a:xfrm>
+      </p:grpSpPr>
+      <p:sp>
+        <p:nvSpPr>
+          <p:cNvPr id="2" name="标题 1"/>
+          <p:cNvSpPr>
+            <a:spLocks noGrp="1"/>
+          </p:cNvSpPr>
+          <p:nvPr>
+            <p:ph type="title"/>
+          </p:nvPr>
+        </p:nvSpPr>
+        <p:spPr/>
+        <p:txBody>
+          <a:bodyPr/>
+          <a:lstStyle/>
+          <a:p>
+            <a:r>
+              <a:rPr lang="zh-CN" altLang="en-US" dirty="0" smtClean="0"/>
+              <a:t>嵌套循环与循环控制</a:t>
+            </a:r>
+            <a:endParaRPr lang="zh-CN" altLang="en-US" dirty="0"/>
+          </a:p>
+        </p:txBody>
+      </p:sp>
+      <p:sp>
+        <p:nvSpPr>
+          <p:cNvPr id="3" name="内容占位符 2"/>
+          <p:cNvSpPr>
+            <a:spLocks noGrp="1"/>
+          </p:cNvSpPr>
+          <p:nvPr>
+            <p:ph idx="1"/>
+          </p:nvPr>
+        </p:nvSpPr>
+        <p:spPr/>
+        <p:txBody>
+          <a:bodyPr>
+            <a:normAutofit/>
+          </a:bodyPr>
+          <a:lstStyle/>
+          <a:p>
+            <a:r>
+              <a:rPr lang="zh-CN" altLang="en-US" dirty="0" smtClean="0"/>
+              <a:t>嵌套循环</a:t>
+            </a:r>
+            <a:endParaRPr lang="en-US" altLang="zh-CN" dirty="0" smtClean="0"/>
+          </a:p>
+          <a:p>
+            <a:pPr marL="0" indent="0">
+              <a:buNone/>
+            </a:pPr>
+            <a:r>
+              <a:rPr lang="zh-CN" altLang="en-US" dirty="0"/>
+              <a:t>嵌套循环就是在一个循环中还有一个</a:t>
+            </a:r>
+            <a:r>
+              <a:rPr lang="zh-CN" altLang="en-US" dirty="0" smtClean="0"/>
+              <a:t>循环</a:t>
+            </a:r>
+            <a:r>
+              <a:rPr lang="zh-CN" altLang="en-US" dirty="0"/>
+              <a:t>，</a:t>
+            </a:r>
+            <a:r>
+              <a:rPr lang="zh-CN" altLang="en-US" dirty="0" smtClean="0"/>
+              <a:t>内部</a:t>
+            </a:r>
+            <a:r>
+              <a:rPr lang="zh-CN" altLang="en-US" dirty="0"/>
+              <a:t>循环在外部循环体</a:t>
+            </a:r>
+            <a:r>
+              <a:rPr lang="zh-CN" altLang="en-US" dirty="0" smtClean="0"/>
+              <a:t>中。外部</a:t>
+            </a:r>
+            <a:r>
+              <a:rPr lang="zh-CN" altLang="en-US" dirty="0"/>
+              <a:t>循环的每次执行</a:t>
+            </a:r>
+            <a:r>
+              <a:rPr lang="zh-CN" altLang="en-US" dirty="0" smtClean="0"/>
+              <a:t>过程都会</a:t>
+            </a:r>
+            <a:r>
+              <a:rPr lang="zh-CN" altLang="en-US" dirty="0"/>
+              <a:t>触发内部</a:t>
+            </a:r>
+            <a:r>
+              <a:rPr lang="zh-CN" altLang="en-US" dirty="0" smtClean="0"/>
+              <a:t>循环</a:t>
+            </a:r>
+            <a:r>
+              <a:rPr lang="zh-CN" altLang="en-US" dirty="0"/>
+              <a:t>，</a:t>
+            </a:r>
+            <a:r>
+              <a:rPr lang="zh-CN" altLang="en-US" dirty="0" smtClean="0"/>
+              <a:t>直到外部循环</a:t>
+            </a:r>
+            <a:r>
+              <a:rPr lang="zh-CN" altLang="en-US" dirty="0"/>
+              <a:t>执行</a:t>
+            </a:r>
+            <a:r>
+              <a:rPr lang="zh-CN" altLang="en-US" dirty="0" smtClean="0"/>
+              <a:t>结束</a:t>
+            </a:r>
+            <a:r>
+              <a:rPr lang="zh-CN" altLang="en-US" dirty="0"/>
+              <a:t>。</a:t>
+            </a:r>
+            <a:r>
+              <a:rPr lang="zh-CN" altLang="en-US" dirty="0" smtClean="0"/>
+              <a:t>外部</a:t>
+            </a:r>
+            <a:r>
+              <a:rPr lang="zh-CN" altLang="en-US" dirty="0"/>
+              <a:t>循环执行了多少</a:t>
+            </a:r>
+            <a:r>
+              <a:rPr lang="zh-CN" altLang="en-US" dirty="0" smtClean="0"/>
+              <a:t>次</a:t>
+            </a:r>
+            <a:r>
+              <a:rPr lang="zh-CN" altLang="en-US" dirty="0"/>
+              <a:t>，</a:t>
+            </a:r>
+            <a:r>
+              <a:rPr lang="zh-CN" altLang="en-US" dirty="0" smtClean="0"/>
+              <a:t>内部</a:t>
+            </a:r>
+            <a:r>
+              <a:rPr lang="zh-CN" altLang="en-US" dirty="0"/>
+              <a:t>循环就完成多少</a:t>
+            </a:r>
+            <a:r>
+              <a:rPr lang="zh-CN" altLang="en-US" dirty="0" smtClean="0"/>
+              <a:t>次</a:t>
+            </a:r>
+            <a:r>
+              <a:rPr lang="zh-CN" altLang="en-US" dirty="0"/>
+              <a:t>。</a:t>
+            </a:r>
+            <a:r>
+              <a:rPr lang="zh-CN" altLang="en-US" dirty="0" smtClean="0"/>
+              <a:t>当然</a:t>
+            </a:r>
+            <a:r>
+              <a:rPr lang="zh-CN" altLang="en-US" dirty="0"/>
+              <a:t>，</a:t>
+            </a:r>
+            <a:r>
+              <a:rPr lang="zh-CN" altLang="en-US" dirty="0" smtClean="0"/>
+              <a:t>无论</a:t>
+            </a:r>
+            <a:r>
+              <a:rPr lang="zh-CN" altLang="en-US" dirty="0"/>
+              <a:t>是内部循环还是外部循环的</a:t>
+            </a:r>
+            <a:r>
+              <a:rPr lang="en-US" altLang="zh-CN" dirty="0"/>
+              <a:t>break</a:t>
+            </a:r>
+            <a:r>
+              <a:rPr lang="zh-CN" altLang="en-US" dirty="0"/>
+              <a:t>语句都会打断处理</a:t>
+            </a:r>
+            <a:r>
+              <a:rPr lang="zh-CN" altLang="en-US" dirty="0" smtClean="0"/>
+              <a:t>过程。</a:t>
+            </a:r>
+            <a:endParaRPr lang="en-US" altLang="zh-CN" dirty="0" smtClean="0"/>
+          </a:p>
+          <a:p>
+            <a:pPr marL="0" indent="0">
+              <a:buNone/>
+            </a:pPr>
+            <a:r>
+              <a:rPr lang="en-US" altLang="zh-CN" dirty="0" smtClean="0"/>
+              <a:t>e.g. nested-loop.sh</a:t>
+            </a:r>
+          </a:p>
+        </p:txBody>
+      </p:sp>
+    </p:spTree>
+    <p:extLst>
+      <p:ext uri="{BB962C8B-B14F-4D97-AF65-F5344CB8AC3E}">
+        <p14:creationId xmlns:p14="http://schemas.microsoft.com/office/powerpoint/2010/main" val="2003718951"/>
+      </p:ext>
+    </p:extLst>
+  </p:cSld>
+  <p:clrMapOvr>
+    <a:masterClrMapping/>
+  </p:clrMapOvr>
+</p:sld>
+</file>
+
+<file path=ppt/slides/slide57.xml><?xml version="1.0" encoding="utf-8"?>
+<p:sld xmlns:a="http://schemas.openxmlformats.org/drawingml/2006/main" xmlns:r="http://schemas.openxmlformats.org/officeDocument/2006/relationships" xmlns:p="http://schemas.openxmlformats.org/presentationml/2006/main">
+  <p:cSld>
+    <p:spTree>
+      <p:nvGrpSpPr>
+        <p:cNvPr id="1" name=""/>
+        <p:cNvGrpSpPr/>
+        <p:nvPr/>
+      </p:nvGrpSpPr>
+      <p:grpSpPr>
+        <a:xfrm>
+          <a:off x="0" y="0"/>
+          <a:ext cx="0" cy="0"/>
+          <a:chOff x="0" y="0"/>
+          <a:chExt cx="0" cy="0"/>
+        </a:xfrm>
+      </p:grpSpPr>
+      <p:sp>
+        <p:nvSpPr>
+          <p:cNvPr id="2" name="标题 1"/>
+          <p:cNvSpPr>
+            <a:spLocks noGrp="1"/>
+          </p:cNvSpPr>
+          <p:nvPr>
+            <p:ph type="title"/>
+          </p:nvPr>
+        </p:nvSpPr>
+        <p:spPr/>
+        <p:txBody>
+          <a:bodyPr/>
+          <a:lstStyle/>
+          <a:p>
+            <a:r>
+              <a:rPr lang="zh-CN" altLang="en-US" dirty="0"/>
+              <a:t>嵌套循环与循环控制</a:t>
+            </a:r>
+          </a:p>
+        </p:txBody>
+      </p:sp>
+      <p:sp>
+        <p:nvSpPr>
+          <p:cNvPr id="3" name="内容占位符 2"/>
+          <p:cNvSpPr>
+            <a:spLocks noGrp="1"/>
+          </p:cNvSpPr>
+          <p:nvPr>
+            <p:ph idx="1"/>
+          </p:nvPr>
+        </p:nvSpPr>
+        <p:spPr/>
+        <p:txBody>
+          <a:bodyPr/>
+          <a:lstStyle/>
+          <a:p>
+            <a:r>
+              <a:rPr lang="zh-CN" altLang="en-US" dirty="0"/>
+              <a:t>循环控制</a:t>
+            </a:r>
+            <a:endParaRPr lang="en-US" altLang="zh-CN" dirty="0"/>
+          </a:p>
+          <a:p>
+            <a:pPr marL="0" indent="0">
+              <a:buNone/>
+            </a:pPr>
+            <a:r>
+              <a:rPr lang="en-US" altLang="zh-CN" dirty="0"/>
+              <a:t>break</a:t>
+            </a:r>
+            <a:r>
+              <a:rPr lang="zh-CN" altLang="en-US" dirty="0"/>
+              <a:t>和</a:t>
+            </a:r>
+            <a:r>
+              <a:rPr lang="en-US" altLang="zh-CN" dirty="0"/>
+              <a:t>continue</a:t>
+            </a:r>
+            <a:r>
+              <a:rPr lang="zh-CN" altLang="en-US" dirty="0"/>
+              <a:t>这两个循环控制命令 </a:t>
+            </a:r>
+            <a:r>
+              <a:rPr lang="en-US" altLang="zh-CN" dirty="0"/>
+              <a:t>[1] </a:t>
+            </a:r>
+            <a:r>
+              <a:rPr lang="zh-CN" altLang="en-US" dirty="0"/>
+              <a:t>与其他语言的类似语句的行为是相同的。</a:t>
+            </a:r>
+            <a:r>
+              <a:rPr lang="en-US" altLang="zh-CN" dirty="0"/>
+              <a:t>break</a:t>
+            </a:r>
+            <a:r>
+              <a:rPr lang="zh-CN" altLang="en-US" dirty="0"/>
+              <a:t>命令终止循环（跳出循环），而</a:t>
+            </a:r>
+            <a:r>
+              <a:rPr lang="en-US" altLang="zh-CN" dirty="0"/>
+              <a:t>continue</a:t>
+            </a:r>
+            <a:r>
+              <a:rPr lang="zh-CN" altLang="en-US" dirty="0"/>
+              <a:t>命令跳到循环的下一次迭代，</a:t>
+            </a:r>
+            <a:r>
+              <a:rPr lang="zh-CN" altLang="en-US" dirty="0" smtClean="0"/>
+              <a:t>忽略</a:t>
+            </a:r>
+            <a:r>
+              <a:rPr lang="zh-CN" altLang="en-US" dirty="0"/>
+              <a:t>当前</a:t>
+            </a:r>
+            <a:r>
+              <a:rPr lang="zh-CN" altLang="en-US" dirty="0" smtClean="0"/>
+              <a:t>迭代</a:t>
+            </a:r>
+            <a:r>
+              <a:rPr lang="zh-CN" altLang="en-US" dirty="0"/>
+              <a:t>剩余的代码</a:t>
+            </a:r>
+            <a:r>
+              <a:rPr lang="zh-CN" altLang="en-US" dirty="0" smtClean="0"/>
+              <a:t>。</a:t>
+            </a:r>
+            <a:r>
+              <a:rPr lang="en-US" altLang="zh-CN" dirty="0" smtClean="0"/>
+              <a:t>e.g</a:t>
+            </a:r>
+            <a:r>
+              <a:rPr lang="en-US" altLang="zh-CN" dirty="0"/>
+              <a:t>. loop-control.sh</a:t>
+            </a:r>
+          </a:p>
+          <a:p>
+            <a:pPr marL="0" indent="0">
+              <a:buNone/>
+            </a:pPr>
+            <a:r>
+              <a:rPr lang="en-US" altLang="zh-CN" dirty="0"/>
+              <a:t>[1] </a:t>
+            </a:r>
+            <a:r>
+              <a:rPr lang="zh-CN" altLang="en-US" dirty="0"/>
+              <a:t>这两个命令是</a:t>
+            </a:r>
+            <a:r>
+              <a:rPr lang="en-US" altLang="zh-CN" dirty="0"/>
+              <a:t>shell</a:t>
+            </a:r>
+            <a:r>
+              <a:rPr lang="zh-CN" altLang="en-US" dirty="0"/>
+              <a:t>的内建命令，而不象其他的循环命令那样，比如</a:t>
+            </a:r>
+            <a:r>
+              <a:rPr lang="en-US" altLang="zh-CN" dirty="0"/>
+              <a:t>while</a:t>
+            </a:r>
+            <a:r>
+              <a:rPr lang="zh-CN" altLang="en-US" dirty="0"/>
+              <a:t>和</a:t>
+            </a:r>
+            <a:r>
+              <a:rPr lang="en-US" altLang="zh-CN" dirty="0"/>
+              <a:t>case</a:t>
+            </a:r>
+            <a:r>
+              <a:rPr lang="zh-CN" altLang="en-US" dirty="0"/>
+              <a:t>，是关键字</a:t>
+            </a:r>
+            <a:r>
+              <a:rPr lang="zh-CN" altLang="en-US" dirty="0" smtClean="0"/>
+              <a:t>。</a:t>
+            </a:r>
+            <a:endParaRPr lang="en-US" altLang="zh-CN" dirty="0" smtClean="0"/>
+          </a:p>
+          <a:p>
+            <a:pPr marL="0" indent="0">
+              <a:buNone/>
+            </a:pPr>
+            <a:r>
+              <a:rPr lang="en-US" altLang="zh-CN" dirty="0"/>
+              <a:t>break</a:t>
+            </a:r>
+            <a:r>
+              <a:rPr lang="zh-CN" altLang="en-US" dirty="0"/>
+              <a:t>命令可以带一个</a:t>
+            </a:r>
+            <a:r>
+              <a:rPr lang="zh-CN" altLang="en-US" dirty="0" smtClean="0"/>
+              <a:t>参数</a:t>
+            </a:r>
+            <a:r>
+              <a:rPr lang="zh-CN" altLang="en-US" dirty="0"/>
+              <a:t>。</a:t>
+            </a:r>
+            <a:r>
+              <a:rPr lang="zh-CN" altLang="en-US" dirty="0" smtClean="0"/>
+              <a:t>一</a:t>
+            </a:r>
+            <a:r>
+              <a:rPr lang="zh-CN" altLang="en-US" dirty="0"/>
+              <a:t>个不带参数的</a:t>
+            </a:r>
+            <a:r>
+              <a:rPr lang="en-US" altLang="zh-CN" dirty="0"/>
+              <a:t>break</a:t>
+            </a:r>
+            <a:r>
+              <a:rPr lang="zh-CN" altLang="en-US" dirty="0"/>
+              <a:t>命令</a:t>
+            </a:r>
+            <a:r>
+              <a:rPr lang="zh-CN" altLang="en-US" dirty="0" smtClean="0"/>
+              <a:t>只退出</a:t>
+            </a:r>
+            <a:r>
+              <a:rPr lang="zh-CN" altLang="en-US" dirty="0"/>
+              <a:t>最</a:t>
+            </a:r>
+            <a:r>
+              <a:rPr lang="zh-CN" altLang="en-US" dirty="0" smtClean="0"/>
+              <a:t>内层循环</a:t>
+            </a:r>
+            <a:r>
+              <a:rPr lang="zh-CN" altLang="en-US" dirty="0"/>
+              <a:t>，</a:t>
+            </a:r>
+            <a:r>
+              <a:rPr lang="zh-CN" altLang="en-US" dirty="0" smtClean="0"/>
+              <a:t>而</a:t>
+            </a:r>
+            <a:r>
+              <a:rPr lang="en-US" altLang="zh-CN" dirty="0"/>
+              <a:t>break N</a:t>
+            </a:r>
+            <a:r>
+              <a:rPr lang="zh-CN" altLang="en-US" dirty="0"/>
+              <a:t>可以退出</a:t>
+            </a:r>
+            <a:r>
+              <a:rPr lang="en-US" altLang="zh-CN" dirty="0"/>
+              <a:t>N</a:t>
+            </a:r>
+            <a:r>
+              <a:rPr lang="zh-CN" altLang="en-US" dirty="0"/>
+              <a:t>层</a:t>
+            </a:r>
+            <a:r>
+              <a:rPr lang="zh-CN" altLang="en-US" dirty="0" smtClean="0"/>
+              <a:t>循环。</a:t>
+            </a:r>
+            <a:r>
+              <a:rPr lang="en-US" altLang="zh-CN" dirty="0" smtClean="0"/>
+              <a:t>e.g. break-levels.sh</a:t>
+            </a:r>
+          </a:p>
+          <a:p>
+            <a:pPr marL="0" indent="0">
+              <a:buNone/>
+            </a:pPr>
+            <a:r>
+              <a:rPr lang="en-US" altLang="zh-CN" dirty="0"/>
+              <a:t>continue</a:t>
+            </a:r>
+            <a:r>
+              <a:rPr lang="zh-CN" altLang="en-US" dirty="0"/>
+              <a:t>命令也可以象</a:t>
+            </a:r>
+            <a:r>
+              <a:rPr lang="en-US" altLang="zh-CN" dirty="0"/>
+              <a:t>break</a:t>
+            </a:r>
+            <a:r>
+              <a:rPr lang="zh-CN" altLang="en-US" dirty="0"/>
+              <a:t>命令一样带一个</a:t>
+            </a:r>
+            <a:r>
+              <a:rPr lang="zh-CN" altLang="en-US" dirty="0" smtClean="0"/>
+              <a:t>参数。一</a:t>
+            </a:r>
+            <a:r>
+              <a:rPr lang="zh-CN" altLang="en-US" dirty="0"/>
+              <a:t>个不带参数的</a:t>
+            </a:r>
+            <a:r>
+              <a:rPr lang="en-US" altLang="zh-CN" dirty="0"/>
+              <a:t>continue</a:t>
+            </a:r>
+            <a:r>
+              <a:rPr lang="zh-CN" altLang="en-US" dirty="0"/>
+              <a:t>命令</a:t>
+            </a:r>
+            <a:r>
+              <a:rPr lang="zh-CN" altLang="en-US" dirty="0" smtClean="0"/>
+              <a:t>只忽略所在层循环当前迭代剩余的代码，并开始下一次迭代，</a:t>
+            </a:r>
+            <a:r>
+              <a:rPr lang="en-US" altLang="zh-CN" dirty="0" smtClean="0"/>
+              <a:t> </a:t>
+            </a:r>
+            <a:r>
+              <a:rPr lang="zh-CN" altLang="en-US" dirty="0"/>
+              <a:t>而</a:t>
+            </a:r>
+            <a:r>
+              <a:rPr lang="en-US" altLang="zh-CN" dirty="0"/>
+              <a:t>continue </a:t>
+            </a:r>
+            <a:r>
+              <a:rPr lang="en-US" altLang="zh-CN" dirty="0" smtClean="0"/>
+              <a:t>N</a:t>
+            </a:r>
+            <a:r>
+              <a:rPr lang="zh-CN" altLang="en-US" dirty="0" smtClean="0"/>
+              <a:t>终止所在层循环剩余的迭代，并开始其上第</a:t>
+            </a:r>
+            <a:r>
+              <a:rPr lang="en-US" altLang="zh-CN" dirty="0" smtClean="0"/>
+              <a:t>N</a:t>
+            </a:r>
+            <a:r>
+              <a:rPr lang="zh-CN" altLang="en-US" dirty="0" smtClean="0"/>
+              <a:t>层循环的下一次迭代。</a:t>
+            </a:r>
+            <a:r>
+              <a:rPr lang="en-US" altLang="zh-CN" dirty="0" smtClean="0"/>
+              <a:t>e.g. continue-levels.sh</a:t>
+            </a:r>
+            <a:endParaRPr lang="zh-CN" altLang="en-US" dirty="0"/>
+          </a:p>
+          <a:p>
+            <a:endParaRPr lang="zh-CN" altLang="en-US" dirty="0"/>
+          </a:p>
+        </p:txBody>
+      </p:sp>
+    </p:spTree>
+    <p:extLst>
+      <p:ext uri="{BB962C8B-B14F-4D97-AF65-F5344CB8AC3E}">
+        <p14:creationId xmlns:p14="http://schemas.microsoft.com/office/powerpoint/2010/main" val="828505919"/>
+      </p:ext>
+    </p:extLst>
+  </p:cSld>
+  <p:clrMapOvr>
+    <a:masterClrMapping/>
+  </p:clrMapOvr>
+</p:sld>
+</file>
+
+<file path=ppt/slides/slide58.xml><?xml version="1.0" encoding="utf-8"?>
+<p:sld xmlns:a="http://schemas.openxmlformats.org/drawingml/2006/main" xmlns:r="http://schemas.openxmlformats.org/officeDocument/2006/relationships" xmlns:p="http://schemas.openxmlformats.org/presentationml/2006/main">
+  <p:cSld>
+    <p:spTree>
+      <p:nvGrpSpPr>
+        <p:cNvPr id="1" name=""/>
+        <p:cNvGrpSpPr/>
+        <p:nvPr/>
+      </p:nvGrpSpPr>
+      <p:grpSpPr>
+        <a:xfrm>
+          <a:off x="0" y="0"/>
+          <a:ext cx="0" cy="0"/>
+          <a:chOff x="0" y="0"/>
+          <a:chExt cx="0" cy="0"/>
+        </a:xfrm>
+      </p:grpSpPr>
+      <p:sp>
+        <p:nvSpPr>
+          <p:cNvPr id="2" name="标题 1"/>
+          <p:cNvSpPr>
+            <a:spLocks noGrp="1"/>
+          </p:cNvSpPr>
+          <p:nvPr>
+            <p:ph type="title"/>
+          </p:nvPr>
+        </p:nvSpPr>
+        <p:spPr/>
+        <p:txBody>
+          <a:bodyPr/>
+          <a:lstStyle/>
+          <a:p>
+            <a:r>
+              <a:rPr lang="en-US" altLang="zh-CN" dirty="0" smtClean="0"/>
+              <a:t>case</a:t>
+            </a:r>
+            <a:r>
+              <a:rPr lang="zh-CN" altLang="en-US" dirty="0" smtClean="0"/>
+              <a:t>语句</a:t>
+            </a:r>
+            <a:endParaRPr lang="zh-CN" altLang="en-US" dirty="0"/>
+          </a:p>
+        </p:txBody>
+      </p:sp>
+      <p:sp>
+        <p:nvSpPr>
+          <p:cNvPr id="3" name="内容占位符 2"/>
+          <p:cNvSpPr>
+            <a:spLocks noGrp="1"/>
+          </p:cNvSpPr>
+          <p:nvPr>
+            <p:ph idx="1"/>
+          </p:nvPr>
+        </p:nvSpPr>
+        <p:spPr/>
+        <p:txBody>
+          <a:bodyPr>
+            <a:normAutofit fontScale="92500" lnSpcReduction="10000"/>
+          </a:bodyPr>
+          <a:lstStyle/>
+          <a:p>
+            <a:pPr marL="0" indent="0">
+              <a:buNone/>
+            </a:pPr>
+            <a:r>
+              <a:rPr lang="zh-CN" altLang="en-US" dirty="0" smtClean="0"/>
+              <a:t>在代码块中控制程序流（分支）</a:t>
+            </a:r>
+            <a:endParaRPr lang="en-US" altLang="zh-CN" dirty="0" smtClean="0"/>
+          </a:p>
+          <a:p>
+            <a:pPr marL="0" indent="0">
+              <a:buNone/>
+            </a:pPr>
+            <a:r>
+              <a:rPr lang="en-US" altLang="zh-CN" dirty="0"/>
+              <a:t>case (in) / </a:t>
+            </a:r>
+            <a:r>
+              <a:rPr lang="en-US" altLang="zh-CN" dirty="0" err="1" smtClean="0"/>
+              <a:t>esac</a:t>
+            </a:r>
+            <a:endParaRPr lang="en-US" altLang="zh-CN" dirty="0" smtClean="0"/>
+          </a:p>
+          <a:p>
+            <a:pPr marL="0" indent="0">
+              <a:buNone/>
+            </a:pPr>
+            <a:r>
+              <a:rPr lang="en-US" altLang="zh-CN" dirty="0"/>
+              <a:t>	</a:t>
+            </a:r>
+            <a:r>
+              <a:rPr lang="zh-CN" altLang="en-US" dirty="0"/>
+              <a:t>在</a:t>
+            </a:r>
+            <a:r>
+              <a:rPr lang="en-US" altLang="zh-CN" dirty="0"/>
+              <a:t>shell</a:t>
+            </a:r>
+            <a:r>
+              <a:rPr lang="zh-CN" altLang="en-US" dirty="0"/>
+              <a:t>中的</a:t>
+            </a:r>
+            <a:r>
+              <a:rPr lang="en-US" altLang="zh-CN" dirty="0"/>
+              <a:t>case</a:t>
+            </a:r>
+            <a:r>
+              <a:rPr lang="zh-CN" altLang="en-US" dirty="0"/>
+              <a:t>结构与</a:t>
+            </a:r>
+            <a:r>
+              <a:rPr lang="en-US" altLang="zh-CN" dirty="0"/>
+              <a:t>C/C++</a:t>
+            </a:r>
+            <a:r>
+              <a:rPr lang="zh-CN" altLang="en-US" dirty="0"/>
+              <a:t>中的</a:t>
+            </a:r>
+            <a:r>
+              <a:rPr lang="en-US" altLang="zh-CN" dirty="0"/>
+              <a:t>switch</a:t>
+            </a:r>
+            <a:r>
+              <a:rPr lang="zh-CN" altLang="en-US" dirty="0" smtClean="0"/>
+              <a:t>结构类似，它</a:t>
+            </a:r>
+            <a:r>
+              <a:rPr lang="zh-CN" altLang="en-US" dirty="0"/>
+              <a:t>允许通过判断来</a:t>
+            </a:r>
+            <a:r>
+              <a:rPr lang="zh-CN" altLang="en-US" dirty="0" smtClean="0"/>
+              <a:t>选择多个代码</a:t>
+            </a:r>
+            <a:r>
+              <a:rPr lang="zh-CN" altLang="en-US" dirty="0"/>
+              <a:t>块</a:t>
+            </a:r>
+            <a:r>
+              <a:rPr lang="zh-CN" altLang="en-US" dirty="0" smtClean="0"/>
+              <a:t>中的一个。它相当于多</a:t>
+            </a:r>
+            <a:r>
+              <a:rPr lang="zh-CN" altLang="en-US" dirty="0"/>
+              <a:t>个</a:t>
+            </a:r>
+            <a:r>
+              <a:rPr lang="en-US" altLang="zh-CN" dirty="0"/>
+              <a:t>if/then/else</a:t>
+            </a:r>
+            <a:r>
+              <a:rPr lang="zh-CN" altLang="en-US" dirty="0" smtClean="0"/>
+              <a:t>语句的简化结构，是一个创建菜单的合适工具。</a:t>
+            </a:r>
+            <a:endParaRPr lang="en-US" altLang="zh-CN" dirty="0" smtClean="0"/>
+          </a:p>
+          <a:p>
+            <a:pPr marL="0" indent="0">
+              <a:buNone/>
+            </a:pPr>
+            <a:r>
+              <a:rPr lang="en-US" altLang="zh-CN" dirty="0"/>
+              <a:t>case "$variable" in </a:t>
+            </a:r>
+          </a:p>
+          <a:p>
+            <a:pPr marL="0" indent="0">
+              <a:buNone/>
+            </a:pPr>
+            <a:r>
+              <a:rPr lang="en-US" altLang="zh-CN" dirty="0"/>
+              <a:t> "$condition1" ) </a:t>
+            </a:r>
+          </a:p>
+          <a:p>
+            <a:pPr marL="0" indent="0">
+              <a:buNone/>
+            </a:pPr>
+            <a:r>
+              <a:rPr lang="en-US" altLang="zh-CN" dirty="0"/>
+              <a:t> command... </a:t>
+            </a:r>
+          </a:p>
+          <a:p>
+            <a:pPr marL="0" indent="0">
+              <a:buNone/>
+            </a:pPr>
+            <a:r>
+              <a:rPr lang="en-US" altLang="zh-CN" dirty="0"/>
+              <a:t> ;; </a:t>
+            </a:r>
+          </a:p>
+          <a:p>
+            <a:pPr marL="0" indent="0">
+              <a:buNone/>
+            </a:pPr>
+            <a:r>
+              <a:rPr lang="en-US" altLang="zh-CN" dirty="0"/>
+              <a:t> "$condition2" ) </a:t>
+            </a:r>
+          </a:p>
+          <a:p>
+            <a:pPr marL="0" indent="0">
+              <a:buNone/>
+            </a:pPr>
+            <a:r>
+              <a:rPr lang="en-US" altLang="zh-CN" dirty="0"/>
+              <a:t> command... </a:t>
+            </a:r>
+          </a:p>
+          <a:p>
+            <a:pPr marL="0" indent="0">
+              <a:buNone/>
+            </a:pPr>
+            <a:r>
+              <a:rPr lang="en-US" altLang="zh-CN" dirty="0"/>
+              <a:t> ;; </a:t>
+            </a:r>
+          </a:p>
+          <a:p>
+            <a:pPr marL="0" indent="0">
+              <a:buNone/>
+            </a:pPr>
+            <a:r>
+              <a:rPr lang="en-US" altLang="zh-CN" dirty="0" err="1"/>
+              <a:t>esac</a:t>
+            </a:r>
+            <a:endParaRPr lang="zh-CN" altLang="en-US" dirty="0"/>
+          </a:p>
+        </p:txBody>
+      </p:sp>
+    </p:spTree>
+    <p:extLst>
+      <p:ext uri="{BB962C8B-B14F-4D97-AF65-F5344CB8AC3E}">
+        <p14:creationId xmlns:p14="http://schemas.microsoft.com/office/powerpoint/2010/main" val="2901709496"/>
+      </p:ext>
+    </p:extLst>
+  </p:cSld>
+  <p:clrMapOvr>
+    <a:masterClrMapping/>
+  </p:clrMapOvr>
+</p:sld>
+</file>
+
+<file path=ppt/slides/slide59.xml><?xml version="1.0" encoding="utf-8"?>
+<p:sld xmlns:a="http://schemas.openxmlformats.org/drawingml/2006/main" xmlns:r="http://schemas.openxmlformats.org/officeDocument/2006/relationships" xmlns:p="http://schemas.openxmlformats.org/presentationml/2006/main">
+  <p:cSld>
+    <p:spTree>
+      <p:nvGrpSpPr>
+        <p:cNvPr id="1" name=""/>
+        <p:cNvGrpSpPr/>
+        <p:nvPr/>
+      </p:nvGrpSpPr>
+      <p:grpSpPr>
+        <a:xfrm>
+          <a:off x="0" y="0"/>
+          <a:ext cx="0" cy="0"/>
+          <a:chOff x="0" y="0"/>
+          <a:chExt cx="0" cy="0"/>
+        </a:xfrm>
+      </p:grpSpPr>
+      <p:sp>
+        <p:nvSpPr>
+          <p:cNvPr id="2" name="标题 1"/>
+          <p:cNvSpPr>
+            <a:spLocks noGrp="1"/>
+          </p:cNvSpPr>
+          <p:nvPr>
+            <p:ph type="title"/>
+          </p:nvPr>
+        </p:nvSpPr>
+        <p:spPr/>
+        <p:txBody>
+          <a:bodyPr/>
+          <a:lstStyle/>
+          <a:p>
+            <a:r>
+              <a:rPr lang="en-US" altLang="zh-CN" dirty="0"/>
+              <a:t>case</a:t>
+            </a:r>
+            <a:r>
+              <a:rPr lang="zh-CN" altLang="en-US" dirty="0"/>
+              <a:t>语句</a:t>
+            </a:r>
+          </a:p>
+        </p:txBody>
+      </p:sp>
+      <p:sp>
+        <p:nvSpPr>
+          <p:cNvPr id="3" name="内容占位符 2"/>
+          <p:cNvSpPr>
+            <a:spLocks noGrp="1"/>
+          </p:cNvSpPr>
+          <p:nvPr>
+            <p:ph idx="1"/>
+          </p:nvPr>
+        </p:nvSpPr>
+        <p:spPr/>
+        <p:txBody>
+          <a:bodyPr/>
+          <a:lstStyle/>
+          <a:p>
+            <a:r>
+              <a:rPr lang="zh-CN" altLang="en-US" dirty="0"/>
+              <a:t>对</a:t>
+            </a:r>
+            <a:r>
+              <a:rPr lang="zh-CN" altLang="en-US" dirty="0" smtClean="0"/>
+              <a:t>变量引用（</a:t>
+            </a:r>
+            <a:r>
+              <a:rPr lang="en-US" altLang="zh-CN" dirty="0" smtClean="0"/>
+              <a:t>quoting</a:t>
+            </a:r>
+            <a:r>
+              <a:rPr lang="zh-CN" altLang="en-US" dirty="0" smtClean="0"/>
+              <a:t>）并不是强制的，因为</a:t>
+            </a:r>
+            <a:r>
+              <a:rPr lang="zh-CN" altLang="en-US" dirty="0"/>
+              <a:t>不会发生单词</a:t>
+            </a:r>
+            <a:r>
+              <a:rPr lang="zh-CN" altLang="en-US" dirty="0" smtClean="0"/>
+              <a:t>分割。</a:t>
+            </a:r>
+            <a:endParaRPr lang="en-US" altLang="zh-CN" dirty="0" smtClean="0"/>
+          </a:p>
+          <a:p>
+            <a:r>
+              <a:rPr lang="zh-CN" altLang="en-US" dirty="0"/>
+              <a:t>每句测试</a:t>
+            </a:r>
+            <a:r>
+              <a:rPr lang="zh-CN" altLang="en-US" dirty="0" smtClean="0"/>
+              <a:t>行</a:t>
+            </a:r>
+            <a:r>
+              <a:rPr lang="zh-CN" altLang="en-US" dirty="0"/>
+              <a:t>，</a:t>
+            </a:r>
+            <a:r>
+              <a:rPr lang="zh-CN" altLang="en-US" dirty="0" smtClean="0"/>
+              <a:t>都</a:t>
+            </a:r>
+            <a:r>
+              <a:rPr lang="zh-CN" altLang="en-US" dirty="0"/>
+              <a:t>以右小括号</a:t>
+            </a:r>
+            <a:r>
+              <a:rPr lang="en-US" altLang="zh-CN" dirty="0"/>
+              <a:t>)</a:t>
+            </a:r>
+            <a:r>
+              <a:rPr lang="zh-CN" altLang="en-US" dirty="0"/>
+              <a:t>来</a:t>
+            </a:r>
+            <a:r>
+              <a:rPr lang="zh-CN" altLang="en-US" dirty="0" smtClean="0"/>
+              <a:t>结尾。</a:t>
+            </a:r>
+            <a:endParaRPr lang="en-US" altLang="zh-CN" dirty="0" smtClean="0"/>
+          </a:p>
+          <a:p>
+            <a:r>
+              <a:rPr lang="zh-CN" altLang="en-US" dirty="0"/>
+              <a:t>每个条件判断语句块都以一对分号结尾 </a:t>
+            </a:r>
+            <a:r>
+              <a:rPr lang="en-US" altLang="zh-CN" dirty="0" smtClean="0"/>
+              <a:t>;;</a:t>
+            </a:r>
+            <a:r>
+              <a:rPr lang="zh-CN" altLang="en-US" dirty="0" smtClean="0"/>
+              <a:t>。</a:t>
+            </a:r>
+            <a:endParaRPr lang="en-US" altLang="zh-CN" dirty="0" smtClean="0"/>
+          </a:p>
+          <a:p>
+            <a:r>
+              <a:rPr lang="en-US" altLang="zh-CN" dirty="0"/>
+              <a:t>case</a:t>
+            </a:r>
+            <a:r>
+              <a:rPr lang="zh-CN" altLang="en-US" dirty="0"/>
+              <a:t>块以</a:t>
+            </a:r>
+            <a:r>
+              <a:rPr lang="en-US" altLang="zh-CN" dirty="0" err="1"/>
+              <a:t>esac</a:t>
+            </a:r>
+            <a:r>
+              <a:rPr lang="en-US" altLang="zh-CN" dirty="0"/>
+              <a:t> </a:t>
+            </a:r>
+            <a:r>
+              <a:rPr lang="zh-CN" altLang="en-US" dirty="0" smtClean="0"/>
+              <a:t>（</a:t>
+            </a:r>
+            <a:r>
+              <a:rPr lang="en-US" altLang="zh-CN" dirty="0"/>
+              <a:t>case</a:t>
+            </a:r>
+            <a:r>
+              <a:rPr lang="zh-CN" altLang="en-US" dirty="0"/>
+              <a:t>的反向拼写</a:t>
+            </a:r>
+            <a:r>
+              <a:rPr lang="zh-CN" altLang="en-US" dirty="0" smtClean="0"/>
+              <a:t>）结尾。</a:t>
+            </a:r>
+            <a:endParaRPr lang="en-US" altLang="zh-CN" dirty="0" smtClean="0"/>
+          </a:p>
+          <a:p>
+            <a:pPr marL="0" indent="0">
+              <a:buNone/>
+            </a:pPr>
+            <a:r>
+              <a:rPr lang="zh-CN" altLang="en-US" dirty="0" smtClean="0"/>
+              <a:t>使用</a:t>
+            </a:r>
+            <a:r>
+              <a:rPr lang="en-US" altLang="zh-CN" dirty="0" smtClean="0"/>
+              <a:t>case</a:t>
+            </a:r>
+            <a:r>
+              <a:rPr lang="zh-CN" altLang="en-US" dirty="0" smtClean="0"/>
+              <a:t>语句：</a:t>
+            </a:r>
+            <a:endParaRPr lang="en-US" altLang="zh-CN" dirty="0" smtClean="0"/>
+          </a:p>
+          <a:p>
+            <a:pPr>
+              <a:buFont typeface="Wingdings" panose="05000000000000000000" pitchFamily="2" charset="2"/>
+              <a:buChar char="Ø"/>
+            </a:pPr>
+            <a:r>
+              <a:rPr lang="zh-CN" altLang="en-US" dirty="0" smtClean="0"/>
+              <a:t>创建菜单。</a:t>
+            </a:r>
+            <a:r>
+              <a:rPr lang="en-US" altLang="zh-CN" dirty="0" smtClean="0"/>
+              <a:t>e.g. addr-book.sh</a:t>
+            </a:r>
+          </a:p>
+          <a:p>
+            <a:pPr>
+              <a:buFont typeface="Wingdings" panose="05000000000000000000" pitchFamily="2" charset="2"/>
+              <a:buChar char="Ø"/>
+            </a:pPr>
+            <a:r>
+              <a:rPr lang="zh-CN" altLang="en-US" dirty="0" smtClean="0"/>
+              <a:t>处理命令行参数。</a:t>
+            </a:r>
+            <a:r>
+              <a:rPr lang="en-US" altLang="zh-CN" dirty="0" smtClean="0"/>
+              <a:t>e.g. cmdline-param.sh</a:t>
+            </a:r>
+          </a:p>
+          <a:p>
+            <a:pPr>
+              <a:buFont typeface="Wingdings" panose="05000000000000000000" pitchFamily="2" charset="2"/>
+              <a:buChar char="Ø"/>
+            </a:pPr>
+            <a:r>
+              <a:rPr lang="zh-CN" altLang="en-US" dirty="0" smtClean="0"/>
+              <a:t>使用命令替换产生</a:t>
+            </a:r>
+            <a:r>
+              <a:rPr lang="en-US" altLang="zh-CN" dirty="0" smtClean="0"/>
+              <a:t>case</a:t>
+            </a:r>
+            <a:r>
+              <a:rPr lang="zh-CN" altLang="en-US" dirty="0" smtClean="0"/>
+              <a:t>变量。</a:t>
+            </a:r>
+            <a:r>
+              <a:rPr lang="en-US" altLang="zh-CN" dirty="0" smtClean="0"/>
+              <a:t>e.g. case-cmd.sh</a:t>
+            </a:r>
+            <a:endParaRPr lang="zh-CN" altLang="en-US" dirty="0"/>
+          </a:p>
+        </p:txBody>
+      </p:sp>
+    </p:spTree>
+    <p:extLst>
+      <p:ext uri="{BB962C8B-B14F-4D97-AF65-F5344CB8AC3E}">
+        <p14:creationId xmlns:p14="http://schemas.microsoft.com/office/powerpoint/2010/main" val="2223913449"/>
+      </p:ext>
+    </p:extLst>
+  </p:cSld>
+  <p:clrMapOvr>
+    <a:masterClrMapping/>
+  </p:clrMapOvr>
 </p:sld>
 </file>
 
@@ -20362,6 +22589,1283 @@
     <p:extLst>
       <p:ext uri="{BB962C8B-B14F-4D97-AF65-F5344CB8AC3E}">
         <p14:creationId xmlns:p14="http://schemas.microsoft.com/office/powerpoint/2010/main" val="1531037949"/>
+      </p:ext>
+    </p:extLst>
+  </p:cSld>
+  <p:clrMapOvr>
+    <a:masterClrMapping/>
+  </p:clrMapOvr>
+  <p:timing>
+    <p:tnLst>
+      <p:par>
+        <p:cTn id="1" dur="indefinite" restart="never" nodeType="tmRoot"/>
+      </p:par>
+    </p:tnLst>
+  </p:timing>
+</p:sld>
+</file>
+
+<file path=ppt/slides/slide60.xml><?xml version="1.0" encoding="utf-8"?>
+<p:sld xmlns:a="http://schemas.openxmlformats.org/drawingml/2006/main" xmlns:r="http://schemas.openxmlformats.org/officeDocument/2006/relationships" xmlns:p="http://schemas.openxmlformats.org/presentationml/2006/main">
+  <p:cSld>
+    <p:spTree>
+      <p:nvGrpSpPr>
+        <p:cNvPr id="1" name=""/>
+        <p:cNvGrpSpPr/>
+        <p:nvPr/>
+      </p:nvGrpSpPr>
+      <p:grpSpPr>
+        <a:xfrm>
+          <a:off x="0" y="0"/>
+          <a:ext cx="0" cy="0"/>
+          <a:chOff x="0" y="0"/>
+          <a:chExt cx="0" cy="0"/>
+        </a:xfrm>
+      </p:grpSpPr>
+      <p:sp>
+        <p:nvSpPr>
+          <p:cNvPr id="2" name="标题 1"/>
+          <p:cNvSpPr>
+            <a:spLocks noGrp="1"/>
+          </p:cNvSpPr>
+          <p:nvPr>
+            <p:ph type="title"/>
+          </p:nvPr>
+        </p:nvSpPr>
+        <p:spPr/>
+        <p:txBody>
+          <a:bodyPr/>
+          <a:lstStyle/>
+          <a:p>
+            <a:r>
+              <a:rPr lang="en-US" altLang="zh-CN" dirty="0" smtClean="0"/>
+              <a:t>select</a:t>
+            </a:r>
+            <a:r>
+              <a:rPr lang="zh-CN" altLang="en-US" dirty="0" smtClean="0"/>
+              <a:t>语句</a:t>
+            </a:r>
+            <a:endParaRPr lang="zh-CN" altLang="en-US" dirty="0"/>
+          </a:p>
+        </p:txBody>
+      </p:sp>
+      <p:sp>
+        <p:nvSpPr>
+          <p:cNvPr id="3" name="内容占位符 2"/>
+          <p:cNvSpPr>
+            <a:spLocks noGrp="1"/>
+          </p:cNvSpPr>
+          <p:nvPr>
+            <p:ph idx="1"/>
+          </p:nvPr>
+        </p:nvSpPr>
+        <p:spPr/>
+        <p:txBody>
+          <a:bodyPr/>
+          <a:lstStyle/>
+          <a:p>
+            <a:pPr marL="0" indent="0">
+              <a:buNone/>
+            </a:pPr>
+            <a:r>
+              <a:rPr lang="en-US" altLang="zh-CN" dirty="0" smtClean="0"/>
+              <a:t>select</a:t>
+            </a:r>
+            <a:r>
+              <a:rPr lang="zh-CN" altLang="en-US" dirty="0" smtClean="0"/>
+              <a:t>结构是建立菜单的另一种工具。</a:t>
+            </a:r>
+            <a:endParaRPr lang="en-US" altLang="zh-CN" dirty="0" smtClean="0"/>
+          </a:p>
+          <a:p>
+            <a:pPr marL="0" indent="0">
+              <a:buNone/>
+            </a:pPr>
+            <a:r>
+              <a:rPr lang="en-US" altLang="zh-CN" dirty="0"/>
+              <a:t>select variable [in list]</a:t>
+            </a:r>
+          </a:p>
+          <a:p>
+            <a:pPr marL="0" indent="0">
+              <a:buNone/>
+            </a:pPr>
+            <a:r>
+              <a:rPr lang="en-US" altLang="zh-CN" dirty="0"/>
+              <a:t>do </a:t>
+            </a:r>
+          </a:p>
+          <a:p>
+            <a:pPr marL="0" indent="0">
+              <a:buNone/>
+            </a:pPr>
+            <a:r>
+              <a:rPr lang="en-US" altLang="zh-CN" dirty="0" smtClean="0"/>
+              <a:t>	command</a:t>
+            </a:r>
+            <a:r>
+              <a:rPr lang="en-US" altLang="zh-CN" dirty="0"/>
+              <a:t>... </a:t>
+            </a:r>
+          </a:p>
+          <a:p>
+            <a:pPr marL="0" indent="0">
+              <a:buNone/>
+            </a:pPr>
+            <a:r>
+              <a:rPr lang="en-US" altLang="zh-CN" dirty="0" smtClean="0"/>
+              <a:t>	break </a:t>
+            </a:r>
+            <a:endParaRPr lang="en-US" altLang="zh-CN" dirty="0"/>
+          </a:p>
+          <a:p>
+            <a:pPr marL="0" indent="0">
+              <a:buNone/>
+            </a:pPr>
+            <a:r>
+              <a:rPr lang="en-US" altLang="zh-CN" dirty="0" smtClean="0"/>
+              <a:t>done</a:t>
+            </a:r>
+          </a:p>
+          <a:p>
+            <a:pPr marL="0" indent="0">
+              <a:buNone/>
+            </a:pPr>
+            <a:r>
+              <a:rPr lang="zh-CN" altLang="en-US" dirty="0" smtClean="0"/>
+              <a:t>这提示用户选择</a:t>
+            </a:r>
+            <a:r>
+              <a:rPr lang="en-US" altLang="zh-CN" dirty="0" smtClean="0"/>
+              <a:t>variable</a:t>
+            </a:r>
+            <a:r>
+              <a:rPr lang="zh-CN" altLang="en-US" dirty="0" smtClean="0"/>
+              <a:t>列表中的一个选项，注：</a:t>
+            </a:r>
+            <a:r>
+              <a:rPr lang="en-US" altLang="zh-CN" dirty="0" smtClean="0"/>
+              <a:t>select</a:t>
+            </a:r>
+            <a:r>
+              <a:rPr lang="zh-CN" altLang="en-US" dirty="0" smtClean="0"/>
+              <a:t>使用</a:t>
+            </a:r>
+            <a:r>
+              <a:rPr lang="en-US" altLang="zh-CN" dirty="0" smtClean="0"/>
+              <a:t>$PS3</a:t>
+            </a:r>
+            <a:r>
+              <a:rPr lang="zh-CN" altLang="en-US" dirty="0" smtClean="0"/>
+              <a:t>提示符，默认为（</a:t>
+            </a:r>
+            <a:r>
+              <a:rPr lang="en-US" altLang="zh-CN" dirty="0" smtClean="0"/>
+              <a:t>#?</a:t>
+            </a:r>
+            <a:r>
+              <a:rPr lang="zh-CN" altLang="en-US" dirty="0" smtClean="0"/>
+              <a:t>），当然，这可以修改。</a:t>
+            </a:r>
+            <a:r>
+              <a:rPr lang="en-US" altLang="zh-CN" dirty="0" smtClean="0"/>
+              <a:t>e.g. select.sh</a:t>
+            </a:r>
+          </a:p>
+          <a:p>
+            <a:pPr marL="0" indent="0">
+              <a:buNone/>
+            </a:pPr>
+            <a:r>
+              <a:rPr lang="zh-CN" altLang="en-US" dirty="0" smtClean="0"/>
+              <a:t>如果省略了</a:t>
+            </a:r>
+            <a:r>
+              <a:rPr lang="en-US" altLang="zh-CN" dirty="0" smtClean="0"/>
+              <a:t>in list</a:t>
+            </a:r>
+            <a:r>
+              <a:rPr lang="zh-CN" altLang="en-US" dirty="0" smtClean="0"/>
+              <a:t>列表，</a:t>
+            </a:r>
+            <a:r>
+              <a:rPr lang="en-US" altLang="zh-CN" dirty="0" smtClean="0"/>
+              <a:t>select</a:t>
+            </a:r>
+            <a:r>
+              <a:rPr lang="zh-CN" altLang="en-US" dirty="0" smtClean="0"/>
+              <a:t>将使用传递给包含有</a:t>
+            </a:r>
+            <a:r>
+              <a:rPr lang="en-US" altLang="zh-CN" dirty="0" smtClean="0"/>
+              <a:t>select</a:t>
+            </a:r>
+            <a:r>
+              <a:rPr lang="zh-CN" altLang="en-US" dirty="0" smtClean="0"/>
+              <a:t>结构的脚本或函数的命令行参数列表（</a:t>
+            </a:r>
+            <a:r>
+              <a:rPr lang="en-US" altLang="zh-CN" dirty="0" smtClean="0"/>
+              <a:t>$@</a:t>
+            </a:r>
+            <a:r>
+              <a:rPr lang="zh-CN" altLang="en-US" dirty="0" smtClean="0"/>
+              <a:t>）。</a:t>
+            </a:r>
+            <a:endParaRPr lang="en-US" altLang="zh-CN" dirty="0" smtClean="0"/>
+          </a:p>
+          <a:p>
+            <a:pPr marL="0" indent="0">
+              <a:buNone/>
+            </a:pPr>
+            <a:r>
+              <a:rPr lang="en-US" altLang="zh-CN" dirty="0" smtClean="0"/>
+              <a:t>e.g. select-1.sh</a:t>
+            </a:r>
+          </a:p>
+        </p:txBody>
+      </p:sp>
+    </p:spTree>
+    <p:extLst>
+      <p:ext uri="{BB962C8B-B14F-4D97-AF65-F5344CB8AC3E}">
+        <p14:creationId xmlns:p14="http://schemas.microsoft.com/office/powerpoint/2010/main" val="153384496"/>
+      </p:ext>
+    </p:extLst>
+  </p:cSld>
+  <p:clrMapOvr>
+    <a:masterClrMapping/>
+  </p:clrMapOvr>
+</p:sld>
+</file>
+
+<file path=ppt/slides/slide61.xml><?xml version="1.0" encoding="utf-8"?>
+<p:sld xmlns:a="http://schemas.openxmlformats.org/drawingml/2006/main" xmlns:r="http://schemas.openxmlformats.org/officeDocument/2006/relationships" xmlns:p="http://schemas.openxmlformats.org/presentationml/2006/main">
+  <p:cSld>
+    <p:spTree>
+      <p:nvGrpSpPr>
+        <p:cNvPr id="1" name=""/>
+        <p:cNvGrpSpPr/>
+        <p:nvPr/>
+      </p:nvGrpSpPr>
+      <p:grpSpPr>
+        <a:xfrm>
+          <a:off x="0" y="0"/>
+          <a:ext cx="0" cy="0"/>
+          <a:chOff x="0" y="0"/>
+          <a:chExt cx="0" cy="0"/>
+        </a:xfrm>
+      </p:grpSpPr>
+      <p:sp>
+        <p:nvSpPr>
+          <p:cNvPr id="2" name="标题 1"/>
+          <p:cNvSpPr>
+            <a:spLocks noGrp="1"/>
+          </p:cNvSpPr>
+          <p:nvPr>
+            <p:ph type="title"/>
+          </p:nvPr>
+        </p:nvSpPr>
+        <p:spPr/>
+        <p:txBody>
+          <a:bodyPr/>
+          <a:lstStyle/>
+          <a:p>
+            <a:r>
+              <a:rPr lang="zh-CN" altLang="en-US" dirty="0" smtClean="0"/>
+              <a:t>内建命令</a:t>
+            </a:r>
+            <a:endParaRPr lang="zh-CN" altLang="en-US" dirty="0"/>
+          </a:p>
+        </p:txBody>
+      </p:sp>
+      <p:sp>
+        <p:nvSpPr>
+          <p:cNvPr id="3" name="内容占位符 2"/>
+          <p:cNvSpPr>
+            <a:spLocks noGrp="1"/>
+          </p:cNvSpPr>
+          <p:nvPr>
+            <p:ph idx="1"/>
+          </p:nvPr>
+        </p:nvSpPr>
+        <p:spPr/>
+        <p:txBody>
+          <a:bodyPr/>
+          <a:lstStyle/>
+          <a:p>
+            <a:pPr marL="0" indent="0">
+              <a:buNone/>
+            </a:pPr>
+            <a:r>
+              <a:rPr lang="zh-CN" altLang="en-US" dirty="0"/>
+              <a:t>内建命令指的就是包含在</a:t>
+            </a:r>
+            <a:r>
+              <a:rPr lang="en-US" altLang="zh-CN" dirty="0"/>
+              <a:t>Bash</a:t>
+            </a:r>
+            <a:r>
+              <a:rPr lang="zh-CN" altLang="en-US" dirty="0"/>
+              <a:t>工具包中的</a:t>
+            </a:r>
+            <a:r>
+              <a:rPr lang="zh-CN" altLang="en-US" dirty="0" smtClean="0"/>
+              <a:t>命令</a:t>
+            </a:r>
+            <a:r>
+              <a:rPr lang="zh-CN" altLang="en-US" dirty="0"/>
+              <a:t>，</a:t>
+            </a:r>
+            <a:r>
+              <a:rPr lang="zh-CN" altLang="en-US" dirty="0" smtClean="0"/>
+              <a:t>从</a:t>
+            </a:r>
+            <a:r>
+              <a:rPr lang="zh-CN" altLang="en-US" dirty="0"/>
+              <a:t>字面意思上看就是</a:t>
+            </a:r>
+            <a:r>
+              <a:rPr lang="en-US" altLang="zh-CN" dirty="0"/>
+              <a:t>built </a:t>
+            </a:r>
+            <a:r>
+              <a:rPr lang="en-US" altLang="zh-CN" dirty="0" smtClean="0"/>
+              <a:t>in</a:t>
+            </a:r>
+            <a:r>
+              <a:rPr lang="zh-CN" altLang="en-US" dirty="0"/>
+              <a:t>。</a:t>
+            </a:r>
+            <a:r>
+              <a:rPr lang="zh-CN" altLang="en-US" dirty="0" smtClean="0"/>
+              <a:t>这</a:t>
+            </a:r>
+            <a:r>
+              <a:rPr lang="zh-CN" altLang="en-US" dirty="0"/>
+              <a:t>主要是考虑到执行效率的问题 </a:t>
+            </a:r>
+            <a:r>
+              <a:rPr lang="en-US" altLang="zh-CN" dirty="0" smtClean="0"/>
+              <a:t>-- </a:t>
+            </a:r>
+            <a:r>
+              <a:rPr lang="zh-CN" altLang="en-US" dirty="0" smtClean="0"/>
+              <a:t>内</a:t>
+            </a:r>
+            <a:r>
+              <a:rPr lang="zh-CN" altLang="en-US" dirty="0"/>
+              <a:t>建命令将比外部命令执行的更</a:t>
+            </a:r>
+            <a:r>
+              <a:rPr lang="zh-CN" altLang="en-US" dirty="0" smtClean="0"/>
+              <a:t>快</a:t>
+            </a:r>
+            <a:r>
+              <a:rPr lang="zh-CN" altLang="en-US" dirty="0"/>
+              <a:t>，</a:t>
+            </a:r>
+            <a:r>
+              <a:rPr lang="zh-CN" altLang="en-US" dirty="0" smtClean="0"/>
+              <a:t>一部分</a:t>
+            </a:r>
+            <a:r>
+              <a:rPr lang="zh-CN" altLang="en-US" dirty="0"/>
+              <a:t>原因是因为外部命令通常都需要</a:t>
+            </a:r>
+            <a:r>
+              <a:rPr lang="en-US" altLang="zh-CN" dirty="0"/>
+              <a:t>fork</a:t>
+            </a:r>
+            <a:r>
+              <a:rPr lang="zh-CN" altLang="en-US" dirty="0"/>
+              <a:t>出一个单独的进程来执行 </a:t>
+            </a:r>
+            <a:r>
+              <a:rPr lang="en-US" altLang="zh-CN" dirty="0"/>
+              <a:t>-- </a:t>
+            </a:r>
+            <a:r>
+              <a:rPr lang="zh-CN" altLang="en-US" dirty="0"/>
+              <a:t>另一部分原因是特定的内建命令需要直接访问</a:t>
+            </a:r>
+            <a:r>
+              <a:rPr lang="en-US" altLang="zh-CN" dirty="0"/>
+              <a:t>shell</a:t>
+            </a:r>
+            <a:r>
+              <a:rPr lang="zh-CN" altLang="en-US" dirty="0"/>
+              <a:t>的内核</a:t>
+            </a:r>
+            <a:r>
+              <a:rPr lang="zh-CN" altLang="en-US" dirty="0" smtClean="0"/>
+              <a:t>部分。</a:t>
+            </a:r>
+            <a:endParaRPr lang="en-US" altLang="zh-CN" dirty="0" smtClean="0"/>
+          </a:p>
+          <a:p>
+            <a:r>
+              <a:rPr lang="en-US" altLang="zh-CN" dirty="0" smtClean="0"/>
+              <a:t>I/O</a:t>
+            </a:r>
+            <a:r>
+              <a:rPr lang="zh-CN" altLang="en-US" dirty="0" smtClean="0"/>
+              <a:t>命令</a:t>
+            </a:r>
+            <a:endParaRPr lang="en-US" altLang="zh-CN" dirty="0" smtClean="0"/>
+          </a:p>
+          <a:p>
+            <a:r>
+              <a:rPr lang="zh-CN" altLang="en-US" dirty="0" smtClean="0"/>
+              <a:t>文件系统命令</a:t>
+            </a:r>
+            <a:endParaRPr lang="en-US" altLang="zh-CN" dirty="0" smtClean="0"/>
+          </a:p>
+          <a:p>
+            <a:r>
+              <a:rPr lang="zh-CN" altLang="en-US" dirty="0" smtClean="0"/>
+              <a:t>变量操作命令</a:t>
+            </a:r>
+            <a:endParaRPr lang="zh-CN" altLang="en-US" dirty="0"/>
+          </a:p>
+        </p:txBody>
+      </p:sp>
+    </p:spTree>
+    <p:extLst>
+      <p:ext uri="{BB962C8B-B14F-4D97-AF65-F5344CB8AC3E}">
+        <p14:creationId xmlns:p14="http://schemas.microsoft.com/office/powerpoint/2010/main" val="2339314732"/>
+      </p:ext>
+    </p:extLst>
+  </p:cSld>
+  <p:clrMapOvr>
+    <a:masterClrMapping/>
+  </p:clrMapOvr>
+</p:sld>
+</file>
+
+<file path=ppt/slides/slide62.xml><?xml version="1.0" encoding="utf-8"?>
+<p:sld xmlns:a="http://schemas.openxmlformats.org/drawingml/2006/main" xmlns:r="http://schemas.openxmlformats.org/officeDocument/2006/relationships" xmlns:p="http://schemas.openxmlformats.org/presentationml/2006/main">
+  <p:cSld>
+    <p:spTree>
+      <p:nvGrpSpPr>
+        <p:cNvPr id="1" name=""/>
+        <p:cNvGrpSpPr/>
+        <p:nvPr/>
+      </p:nvGrpSpPr>
+      <p:grpSpPr>
+        <a:xfrm>
+          <a:off x="0" y="0"/>
+          <a:ext cx="0" cy="0"/>
+          <a:chOff x="0" y="0"/>
+          <a:chExt cx="0" cy="0"/>
+        </a:xfrm>
+      </p:grpSpPr>
+      <p:sp>
+        <p:nvSpPr>
+          <p:cNvPr id="2" name="标题 1"/>
+          <p:cNvSpPr>
+            <a:spLocks noGrp="1"/>
+          </p:cNvSpPr>
+          <p:nvPr>
+            <p:ph type="title"/>
+          </p:nvPr>
+        </p:nvSpPr>
+        <p:spPr/>
+        <p:txBody>
+          <a:bodyPr/>
+          <a:lstStyle/>
+          <a:p>
+            <a:r>
+              <a:rPr lang="en-US" altLang="zh-CN" dirty="0" smtClean="0"/>
+              <a:t>I/O</a:t>
+            </a:r>
+            <a:r>
+              <a:rPr lang="zh-CN" altLang="en-US" dirty="0" smtClean="0"/>
+              <a:t>命令</a:t>
+            </a:r>
+            <a:endParaRPr lang="zh-CN" altLang="en-US" dirty="0"/>
+          </a:p>
+        </p:txBody>
+      </p:sp>
+      <p:sp>
+        <p:nvSpPr>
+          <p:cNvPr id="3" name="内容占位符 2"/>
+          <p:cNvSpPr>
+            <a:spLocks noGrp="1"/>
+          </p:cNvSpPr>
+          <p:nvPr>
+            <p:ph idx="1"/>
+          </p:nvPr>
+        </p:nvSpPr>
+        <p:spPr/>
+        <p:txBody>
+          <a:bodyPr/>
+          <a:lstStyle/>
+          <a:p>
+            <a:r>
+              <a:rPr lang="en-US" altLang="zh-CN" dirty="0" smtClean="0"/>
+              <a:t>echo </a:t>
+            </a:r>
+            <a:r>
+              <a:rPr lang="zh-CN" altLang="en-US" dirty="0" smtClean="0"/>
+              <a:t>打印</a:t>
+            </a:r>
+            <a:r>
+              <a:rPr lang="en-US" altLang="zh-CN" dirty="0"/>
+              <a:t>(</a:t>
+            </a:r>
+            <a:r>
+              <a:rPr lang="zh-CN" altLang="en-US" dirty="0"/>
+              <a:t>到 </a:t>
+            </a:r>
+            <a:r>
+              <a:rPr lang="en-US" altLang="zh-CN" dirty="0" err="1"/>
+              <a:t>stdout</a:t>
+            </a:r>
+            <a:r>
+              <a:rPr lang="en-US" altLang="zh-CN" dirty="0"/>
+              <a:t>)</a:t>
+            </a:r>
+            <a:r>
+              <a:rPr lang="zh-CN" altLang="en-US" dirty="0"/>
+              <a:t>一个表达式或者</a:t>
+            </a:r>
+            <a:r>
+              <a:rPr lang="zh-CN" altLang="en-US" dirty="0" smtClean="0"/>
+              <a:t>变量。</a:t>
+            </a:r>
+            <a:endParaRPr lang="en-US" altLang="zh-CN" dirty="0" smtClean="0"/>
+          </a:p>
+          <a:p>
+            <a:pPr marL="0" indent="0">
+              <a:buNone/>
+            </a:pPr>
+            <a:r>
+              <a:rPr lang="en-US" altLang="zh-CN" dirty="0"/>
+              <a:t>echo</a:t>
+            </a:r>
+            <a:r>
+              <a:rPr lang="zh-CN" altLang="en-US" dirty="0"/>
+              <a:t>命令</a:t>
+            </a:r>
+            <a:r>
+              <a:rPr lang="zh-CN" altLang="en-US" dirty="0" smtClean="0"/>
+              <a:t>需要 </a:t>
+            </a:r>
+            <a:r>
+              <a:rPr lang="en-US" altLang="zh-CN" dirty="0" smtClean="0"/>
+              <a:t>-e </a:t>
+            </a:r>
+            <a:r>
+              <a:rPr lang="zh-CN" altLang="en-US" dirty="0" smtClean="0"/>
+              <a:t>参数</a:t>
+            </a:r>
+            <a:r>
+              <a:rPr lang="zh-CN" altLang="en-US" dirty="0"/>
+              <a:t>来打印</a:t>
+            </a:r>
+            <a:r>
+              <a:rPr lang="zh-CN" altLang="en-US" dirty="0" smtClean="0"/>
+              <a:t>转义字符。</a:t>
+            </a:r>
+            <a:endParaRPr lang="en-US" altLang="zh-CN" dirty="0" smtClean="0"/>
+          </a:p>
+          <a:p>
+            <a:pPr marL="0" indent="0">
+              <a:buNone/>
+            </a:pPr>
+            <a:r>
+              <a:rPr lang="zh-CN" altLang="en-US" dirty="0"/>
+              <a:t>通常情况</a:t>
+            </a:r>
+            <a:r>
+              <a:rPr lang="zh-CN" altLang="en-US" dirty="0" smtClean="0"/>
+              <a:t>下</a:t>
+            </a:r>
+            <a:r>
+              <a:rPr lang="zh-CN" altLang="en-US" dirty="0"/>
+              <a:t>，</a:t>
+            </a:r>
+            <a:r>
+              <a:rPr lang="zh-CN" altLang="en-US" dirty="0" smtClean="0"/>
+              <a:t>每个</a:t>
+            </a:r>
+            <a:r>
+              <a:rPr lang="en-US" altLang="zh-CN" dirty="0"/>
+              <a:t>echo</a:t>
+            </a:r>
+            <a:r>
+              <a:rPr lang="zh-CN" altLang="en-US" dirty="0"/>
+              <a:t>命令都会在终端</a:t>
+            </a:r>
+            <a:r>
+              <a:rPr lang="zh-CN" altLang="en-US" dirty="0" smtClean="0"/>
+              <a:t>上打印一个新行</a:t>
+            </a:r>
+            <a:r>
+              <a:rPr lang="zh-CN" altLang="en-US" dirty="0"/>
+              <a:t>，</a:t>
+            </a:r>
+            <a:r>
+              <a:rPr lang="zh-CN" altLang="en-US" dirty="0" smtClean="0"/>
+              <a:t>但是 </a:t>
+            </a:r>
+            <a:r>
+              <a:rPr lang="en-US" altLang="zh-CN" dirty="0" smtClean="0"/>
+              <a:t>-n </a:t>
+            </a:r>
+            <a:r>
+              <a:rPr lang="zh-CN" altLang="en-US" dirty="0" smtClean="0"/>
+              <a:t>参数</a:t>
+            </a:r>
+            <a:r>
+              <a:rPr lang="zh-CN" altLang="en-US" dirty="0"/>
+              <a:t>会</a:t>
+            </a:r>
+            <a:r>
+              <a:rPr lang="zh-CN" altLang="en-US" dirty="0" smtClean="0"/>
+              <a:t>阻止</a:t>
+            </a:r>
+            <a:r>
+              <a:rPr lang="zh-CN" altLang="en-US" dirty="0"/>
+              <a:t>这</a:t>
+            </a:r>
+            <a:r>
+              <a:rPr lang="zh-CN" altLang="en-US" dirty="0" smtClean="0"/>
+              <a:t>一行为。</a:t>
+            </a:r>
+            <a:endParaRPr lang="en-US" altLang="zh-CN" dirty="0" smtClean="0"/>
+          </a:p>
+          <a:p>
+            <a:pPr marL="0" indent="0">
+              <a:buNone/>
+            </a:pPr>
+            <a:r>
+              <a:rPr lang="zh-CN" altLang="en-US" dirty="0" smtClean="0"/>
+              <a:t>可以将</a:t>
+            </a:r>
+            <a:r>
+              <a:rPr lang="en-US" altLang="zh-CN" dirty="0" smtClean="0"/>
+              <a:t>echo</a:t>
+            </a:r>
+            <a:r>
+              <a:rPr lang="zh-CN" altLang="en-US" dirty="0" smtClean="0"/>
+              <a:t>命令的输出通过</a:t>
+            </a:r>
+            <a:r>
+              <a:rPr lang="zh-CN" altLang="en-US" dirty="0"/>
+              <a:t>管道传递到一系列命令中</a:t>
+            </a:r>
+            <a:r>
+              <a:rPr lang="zh-CN" altLang="en-US" dirty="0" smtClean="0"/>
+              <a:t>去。</a:t>
+            </a:r>
+            <a:endParaRPr lang="en-US" altLang="zh-CN" dirty="0" smtClean="0"/>
+          </a:p>
+          <a:p>
+            <a:pPr marL="0" indent="0">
+              <a:buNone/>
+            </a:pPr>
+            <a:r>
+              <a:rPr lang="en-US" altLang="zh-CN" dirty="0"/>
+              <a:t>echo `command</a:t>
+            </a:r>
+            <a:r>
+              <a:rPr lang="en-US" altLang="zh-CN" dirty="0" smtClean="0"/>
+              <a:t>` </a:t>
+            </a:r>
+            <a:r>
+              <a:rPr lang="zh-CN" altLang="en-US" dirty="0" smtClean="0"/>
+              <a:t>将删除</a:t>
+            </a:r>
+            <a:r>
+              <a:rPr lang="en-US" altLang="zh-CN" dirty="0" smtClean="0"/>
+              <a:t>command</a:t>
+            </a:r>
+            <a:r>
+              <a:rPr lang="zh-CN" altLang="en-US" dirty="0"/>
+              <a:t>所产生</a:t>
+            </a:r>
+            <a:r>
+              <a:rPr lang="zh-CN" altLang="en-US" dirty="0" smtClean="0"/>
+              <a:t>的输出中所有的换行符。（注：使用</a:t>
+            </a:r>
+            <a:r>
+              <a:rPr lang="en-US" altLang="zh-CN" dirty="0" smtClean="0"/>
+              <a:t>”</a:t>
+            </a:r>
+            <a:r>
+              <a:rPr lang="zh-CN" altLang="en-US" dirty="0" smtClean="0"/>
+              <a:t>号将</a:t>
+            </a:r>
+            <a:r>
+              <a:rPr lang="en-US" altLang="zh-CN" dirty="0"/>
+              <a:t>`</a:t>
+            </a:r>
+            <a:r>
+              <a:rPr lang="en-US" altLang="zh-CN" dirty="0" smtClean="0"/>
+              <a:t>command`</a:t>
+            </a:r>
+            <a:r>
+              <a:rPr lang="zh-CN" altLang="en-US" dirty="0" smtClean="0"/>
+              <a:t>的输出引用起来，可保留输出中的换行符）</a:t>
+            </a:r>
+            <a:endParaRPr lang="en-US" altLang="zh-CN" dirty="0" smtClean="0"/>
+          </a:p>
+          <a:p>
+            <a:pPr marL="0" indent="0">
+              <a:buNone/>
+            </a:pPr>
+            <a:r>
+              <a:rPr lang="en-US" altLang="zh-CN" dirty="0" smtClean="0"/>
+              <a:t>e.g. echo.sh</a:t>
+            </a:r>
+          </a:p>
+          <a:p>
+            <a:r>
+              <a:rPr lang="en-US" altLang="zh-CN" dirty="0" err="1" smtClean="0"/>
+              <a:t>printf</a:t>
+            </a:r>
+            <a:r>
+              <a:rPr lang="en-US" altLang="zh-CN" dirty="0" smtClean="0"/>
+              <a:t> </a:t>
+            </a:r>
+            <a:r>
+              <a:rPr lang="zh-CN" altLang="en-US" dirty="0" smtClean="0"/>
+              <a:t>格式化输出，</a:t>
+            </a:r>
+            <a:r>
+              <a:rPr lang="en-US" altLang="zh-CN" dirty="0" smtClean="0"/>
+              <a:t>echo</a:t>
+            </a:r>
+            <a:r>
+              <a:rPr lang="zh-CN" altLang="en-US" dirty="0"/>
+              <a:t>命令的增强版。它是</a:t>
+            </a:r>
+            <a:r>
+              <a:rPr lang="en-US" altLang="zh-CN" dirty="0"/>
+              <a:t>C</a:t>
+            </a:r>
+            <a:r>
+              <a:rPr lang="zh-CN" altLang="en-US" dirty="0"/>
+              <a:t>语言</a:t>
+            </a:r>
+            <a:r>
+              <a:rPr lang="en-US" altLang="zh-CN" dirty="0" err="1"/>
+              <a:t>printf</a:t>
+            </a:r>
+            <a:r>
+              <a:rPr lang="en-US" altLang="zh-CN" dirty="0"/>
+              <a:t>()</a:t>
+            </a:r>
+            <a:r>
+              <a:rPr lang="zh-CN" altLang="en-US" dirty="0"/>
+              <a:t>库函数的一个有限的</a:t>
+            </a:r>
+            <a:r>
+              <a:rPr lang="zh-CN" altLang="en-US" dirty="0" smtClean="0"/>
+              <a:t>变形</a:t>
+            </a:r>
+            <a:r>
+              <a:rPr lang="zh-CN" altLang="en-US" dirty="0"/>
+              <a:t>，</a:t>
+            </a:r>
+            <a:r>
+              <a:rPr lang="zh-CN" altLang="en-US" dirty="0" smtClean="0"/>
+              <a:t>并且</a:t>
+            </a:r>
+            <a:r>
+              <a:rPr lang="zh-CN" altLang="en-US" dirty="0"/>
+              <a:t>在语法上有些</a:t>
+            </a:r>
+            <a:r>
+              <a:rPr lang="zh-CN" altLang="en-US" dirty="0" smtClean="0"/>
+              <a:t>不同。</a:t>
+            </a:r>
+            <a:endParaRPr lang="en-US" altLang="zh-CN" dirty="0" smtClean="0"/>
+          </a:p>
+          <a:p>
+            <a:pPr marL="0" indent="0">
+              <a:buNone/>
+            </a:pPr>
+            <a:r>
+              <a:rPr lang="en-US" altLang="zh-CN" dirty="0" err="1"/>
+              <a:t>printf</a:t>
+            </a:r>
+            <a:r>
+              <a:rPr lang="en-US" altLang="zh-CN" dirty="0"/>
+              <a:t> format-string... </a:t>
+            </a:r>
+            <a:r>
+              <a:rPr lang="en-US" altLang="zh-CN" dirty="0" smtClean="0"/>
+              <a:t> parameter...</a:t>
+            </a:r>
+          </a:p>
+          <a:p>
+            <a:pPr marL="0" indent="0">
+              <a:buNone/>
+            </a:pPr>
+            <a:r>
+              <a:rPr lang="en-US" altLang="zh-CN" dirty="0" smtClean="0"/>
+              <a:t>e.g. printf.sh</a:t>
+            </a:r>
+            <a:endParaRPr lang="zh-CN" altLang="en-US" dirty="0"/>
+          </a:p>
+        </p:txBody>
+      </p:sp>
+    </p:spTree>
+    <p:extLst>
+      <p:ext uri="{BB962C8B-B14F-4D97-AF65-F5344CB8AC3E}">
+        <p14:creationId xmlns:p14="http://schemas.microsoft.com/office/powerpoint/2010/main" val="598291777"/>
+      </p:ext>
+    </p:extLst>
+  </p:cSld>
+  <p:clrMapOvr>
+    <a:masterClrMapping/>
+  </p:clrMapOvr>
+</p:sld>
+</file>
+
+<file path=ppt/slides/slide63.xml><?xml version="1.0" encoding="utf-8"?>
+<p:sld xmlns:a="http://schemas.openxmlformats.org/drawingml/2006/main" xmlns:r="http://schemas.openxmlformats.org/officeDocument/2006/relationships" xmlns:p="http://schemas.openxmlformats.org/presentationml/2006/main">
+  <p:cSld>
+    <p:spTree>
+      <p:nvGrpSpPr>
+        <p:cNvPr id="1" name=""/>
+        <p:cNvGrpSpPr/>
+        <p:nvPr/>
+      </p:nvGrpSpPr>
+      <p:grpSpPr>
+        <a:xfrm>
+          <a:off x="0" y="0"/>
+          <a:ext cx="0" cy="0"/>
+          <a:chOff x="0" y="0"/>
+          <a:chExt cx="0" cy="0"/>
+        </a:xfrm>
+      </p:grpSpPr>
+      <p:sp>
+        <p:nvSpPr>
+          <p:cNvPr id="2" name="标题 1"/>
+          <p:cNvSpPr>
+            <a:spLocks noGrp="1"/>
+          </p:cNvSpPr>
+          <p:nvPr>
+            <p:ph type="title"/>
+          </p:nvPr>
+        </p:nvSpPr>
+        <p:spPr/>
+        <p:txBody>
+          <a:bodyPr/>
+          <a:lstStyle/>
+          <a:p>
+            <a:r>
+              <a:rPr lang="zh-CN" altLang="en-US" dirty="0" smtClean="0"/>
+              <a:t>高级主题</a:t>
+            </a:r>
+            <a:endParaRPr lang="zh-CN" altLang="en-US" dirty="0"/>
+          </a:p>
+        </p:txBody>
+      </p:sp>
+      <p:sp>
+        <p:nvSpPr>
+          <p:cNvPr id="3" name="内容占位符 2"/>
+          <p:cNvSpPr>
+            <a:spLocks noGrp="1"/>
+          </p:cNvSpPr>
+          <p:nvPr>
+            <p:ph idx="1"/>
+          </p:nvPr>
+        </p:nvSpPr>
+        <p:spPr/>
+        <p:txBody>
+          <a:bodyPr/>
+          <a:lstStyle/>
+          <a:p>
+            <a:r>
+              <a:rPr lang="zh-CN" altLang="en-US" dirty="0" smtClean="0"/>
+              <a:t>数组</a:t>
+            </a:r>
+            <a:endParaRPr lang="en-US" altLang="zh-CN" dirty="0" smtClean="0"/>
+          </a:p>
+          <a:p>
+            <a:r>
+              <a:rPr lang="en-US" altLang="zh-CN" dirty="0" smtClean="0"/>
+              <a:t>I/O</a:t>
+            </a:r>
+            <a:r>
+              <a:rPr lang="zh-CN" altLang="en-US" dirty="0" smtClean="0"/>
+              <a:t>重定向</a:t>
+            </a:r>
+            <a:endParaRPr lang="en-US" altLang="zh-CN" dirty="0" smtClean="0"/>
+          </a:p>
+          <a:p>
+            <a:r>
+              <a:rPr lang="zh-CN" altLang="en-US" dirty="0" smtClean="0"/>
+              <a:t>间接引用</a:t>
+            </a:r>
+            <a:endParaRPr lang="en-US" altLang="zh-CN" dirty="0" smtClean="0"/>
+          </a:p>
+          <a:p>
+            <a:r>
+              <a:rPr lang="zh-CN" altLang="en-US" dirty="0" smtClean="0"/>
+              <a:t>函数</a:t>
+            </a:r>
+            <a:endParaRPr lang="en-US" altLang="zh-CN" dirty="0" smtClean="0"/>
+          </a:p>
+          <a:p>
+            <a:r>
+              <a:rPr lang="zh-CN" altLang="en-US" dirty="0" smtClean="0"/>
+              <a:t>子</a:t>
+            </a:r>
+            <a:r>
+              <a:rPr lang="en-US" altLang="zh-CN" dirty="0" smtClean="0"/>
+              <a:t>shell</a:t>
+            </a:r>
+          </a:p>
+          <a:p>
+            <a:r>
+              <a:rPr lang="en-US" altLang="zh-CN" dirty="0"/>
+              <a:t>Here </a:t>
+            </a:r>
+            <a:r>
+              <a:rPr lang="en-US" altLang="zh-CN" dirty="0" smtClean="0"/>
+              <a:t>Documents</a:t>
+            </a:r>
+          </a:p>
+          <a:p>
+            <a:r>
+              <a:rPr lang="zh-CN" altLang="en-US" dirty="0" smtClean="0"/>
+              <a:t>正则表达式</a:t>
+            </a:r>
+            <a:endParaRPr lang="en-US" altLang="zh-CN" dirty="0" smtClean="0"/>
+          </a:p>
+          <a:p>
+            <a:endParaRPr lang="zh-CN" altLang="en-US" dirty="0"/>
+          </a:p>
+        </p:txBody>
+      </p:sp>
+    </p:spTree>
+    <p:extLst>
+      <p:ext uri="{BB962C8B-B14F-4D97-AF65-F5344CB8AC3E}">
+        <p14:creationId xmlns:p14="http://schemas.microsoft.com/office/powerpoint/2010/main" val="236508047"/>
+      </p:ext>
+    </p:extLst>
+  </p:cSld>
+  <p:clrMapOvr>
+    <a:masterClrMapping/>
+  </p:clrMapOvr>
+</p:sld>
+</file>
+
+<file path=ppt/slides/slide64.xml><?xml version="1.0" encoding="utf-8"?>
+<p:sld xmlns:a="http://schemas.openxmlformats.org/drawingml/2006/main" xmlns:r="http://schemas.openxmlformats.org/officeDocument/2006/relationships" xmlns:p="http://schemas.openxmlformats.org/presentationml/2006/main">
+  <p:cSld>
+    <p:spTree>
+      <p:nvGrpSpPr>
+        <p:cNvPr id="1" name=""/>
+        <p:cNvGrpSpPr/>
+        <p:nvPr/>
+      </p:nvGrpSpPr>
+      <p:grpSpPr>
+        <a:xfrm>
+          <a:off x="0" y="0"/>
+          <a:ext cx="0" cy="0"/>
+          <a:chOff x="0" y="0"/>
+          <a:chExt cx="0" cy="0"/>
+        </a:xfrm>
+      </p:grpSpPr>
+      <p:sp>
+        <p:nvSpPr>
+          <p:cNvPr id="2" name="标题 1"/>
+          <p:cNvSpPr>
+            <a:spLocks noGrp="1"/>
+          </p:cNvSpPr>
+          <p:nvPr>
+            <p:ph type="title"/>
+          </p:nvPr>
+        </p:nvSpPr>
+        <p:spPr/>
+        <p:txBody>
+          <a:bodyPr/>
+          <a:lstStyle/>
+          <a:p>
+            <a:r>
+              <a:rPr lang="zh-CN" altLang="en-US" dirty="0" smtClean="0"/>
+              <a:t>实用工具</a:t>
+            </a:r>
+            <a:endParaRPr lang="zh-CN" altLang="en-US" dirty="0"/>
+          </a:p>
+        </p:txBody>
+      </p:sp>
+      <p:sp>
+        <p:nvSpPr>
+          <p:cNvPr id="3" name="内容占位符 2"/>
+          <p:cNvSpPr>
+            <a:spLocks noGrp="1"/>
+          </p:cNvSpPr>
+          <p:nvPr>
+            <p:ph idx="1"/>
+          </p:nvPr>
+        </p:nvSpPr>
+        <p:spPr/>
+        <p:txBody>
+          <a:bodyPr/>
+          <a:lstStyle/>
+          <a:p>
+            <a:r>
+              <a:rPr lang="en-US" altLang="zh-CN" dirty="0" smtClean="0"/>
+              <a:t>cut </a:t>
+            </a:r>
+            <a:r>
+              <a:rPr lang="zh-CN" altLang="en-US" dirty="0" smtClean="0"/>
+              <a:t>的用法</a:t>
+            </a:r>
+            <a:endParaRPr lang="en-US" altLang="zh-CN" dirty="0"/>
+          </a:p>
+          <a:p>
+            <a:r>
+              <a:rPr lang="en-US" altLang="zh-CN" dirty="0" smtClean="0"/>
+              <a:t>grep </a:t>
+            </a:r>
+            <a:r>
+              <a:rPr lang="zh-CN" altLang="en-US" dirty="0" smtClean="0"/>
+              <a:t>的用法</a:t>
+            </a:r>
+            <a:endParaRPr lang="en-US" altLang="zh-CN" dirty="0" smtClean="0"/>
+          </a:p>
+          <a:p>
+            <a:r>
+              <a:rPr lang="en-US" altLang="zh-CN" dirty="0" smtClean="0"/>
+              <a:t>sed </a:t>
+            </a:r>
+            <a:r>
+              <a:rPr lang="zh-CN" altLang="en-US" dirty="0" smtClean="0"/>
+              <a:t>的用法</a:t>
+            </a:r>
+            <a:endParaRPr lang="en-US" altLang="zh-CN" dirty="0" smtClean="0"/>
+          </a:p>
+          <a:p>
+            <a:r>
+              <a:rPr lang="en-US" altLang="zh-CN" dirty="0" smtClean="0"/>
+              <a:t>awk </a:t>
+            </a:r>
+            <a:r>
+              <a:rPr lang="zh-CN" altLang="en-US" dirty="0" smtClean="0"/>
+              <a:t>的用法</a:t>
+            </a:r>
+            <a:endParaRPr lang="en-US" altLang="zh-CN" dirty="0" smtClean="0"/>
+          </a:p>
+          <a:p>
+            <a:endParaRPr lang="zh-CN" altLang="en-US" dirty="0"/>
+          </a:p>
+        </p:txBody>
+      </p:sp>
+    </p:spTree>
+    <p:extLst>
+      <p:ext uri="{BB962C8B-B14F-4D97-AF65-F5344CB8AC3E}">
+        <p14:creationId xmlns:p14="http://schemas.microsoft.com/office/powerpoint/2010/main" val="2492421797"/>
+      </p:ext>
+    </p:extLst>
+  </p:cSld>
+  <p:clrMapOvr>
+    <a:masterClrMapping/>
+  </p:clrMapOvr>
+  <p:timing>
+    <p:tnLst>
+      <p:par>
+        <p:cTn id="1" dur="indefinite" restart="never" nodeType="tmRoot"/>
+      </p:par>
+    </p:tnLst>
+  </p:timing>
+</p:sld>
+</file>
+
+<file path=ppt/slides/slide65.xml><?xml version="1.0" encoding="utf-8"?>
+<p:sld xmlns:a="http://schemas.openxmlformats.org/drawingml/2006/main" xmlns:r="http://schemas.openxmlformats.org/officeDocument/2006/relationships" xmlns:p="http://schemas.openxmlformats.org/presentationml/2006/main">
+  <p:cSld>
+    <p:spTree>
+      <p:nvGrpSpPr>
+        <p:cNvPr id="1" name=""/>
+        <p:cNvGrpSpPr/>
+        <p:nvPr/>
+      </p:nvGrpSpPr>
+      <p:grpSpPr>
+        <a:xfrm>
+          <a:off x="0" y="0"/>
+          <a:ext cx="0" cy="0"/>
+          <a:chOff x="0" y="0"/>
+          <a:chExt cx="0" cy="0"/>
+        </a:xfrm>
+      </p:grpSpPr>
+      <p:sp>
+        <p:nvSpPr>
+          <p:cNvPr id="2" name="标题 1"/>
+          <p:cNvSpPr>
+            <a:spLocks noGrp="1"/>
+          </p:cNvSpPr>
+          <p:nvPr>
+            <p:ph type="title"/>
+          </p:nvPr>
+        </p:nvSpPr>
+        <p:spPr/>
+        <p:txBody>
+          <a:bodyPr/>
+          <a:lstStyle/>
+          <a:p>
+            <a:r>
+              <a:rPr lang="zh-CN" altLang="en-US" dirty="0"/>
+              <a:t>参考</a:t>
+            </a:r>
+          </a:p>
+        </p:txBody>
+      </p:sp>
+      <p:sp>
+        <p:nvSpPr>
+          <p:cNvPr id="3" name="内容占位符 2"/>
+          <p:cNvSpPr>
+            <a:spLocks noGrp="1"/>
+          </p:cNvSpPr>
+          <p:nvPr>
+            <p:ph idx="1"/>
+          </p:nvPr>
+        </p:nvSpPr>
+        <p:spPr/>
+        <p:txBody>
+          <a:bodyPr>
+            <a:normAutofit/>
+          </a:bodyPr>
+          <a:lstStyle/>
+          <a:p>
+            <a:r>
+              <a:rPr lang="en-US" altLang="zh-CN" dirty="0" smtClean="0"/>
+              <a:t>Advanced </a:t>
+            </a:r>
+            <a:r>
+              <a:rPr lang="en-US" altLang="zh-CN" dirty="0"/>
+              <a:t>Bash-Scripting Guide</a:t>
+            </a:r>
+            <a:r>
+              <a:rPr lang="zh-CN" altLang="en-US" dirty="0" smtClean="0"/>
+              <a:t>：</a:t>
+            </a:r>
+            <a:endParaRPr lang="en-US" altLang="zh-CN" dirty="0" smtClean="0"/>
+          </a:p>
+          <a:p>
+            <a:pPr marL="0" indent="0">
+              <a:buNone/>
+            </a:pPr>
+            <a:r>
+              <a:rPr lang="en-US" altLang="zh-CN" dirty="0" smtClean="0">
+                <a:hlinkClick r:id="rId2"/>
+              </a:rPr>
+              <a:t>http://www.tldp.org/LDP/abs/html/abs-guide.html</a:t>
+            </a:r>
+            <a:endParaRPr lang="en-US" altLang="zh-CN" dirty="0"/>
+          </a:p>
+          <a:p>
+            <a:r>
+              <a:rPr lang="en-US" altLang="zh-CN" dirty="0" smtClean="0"/>
+              <a:t>sed </a:t>
+            </a:r>
+            <a:r>
+              <a:rPr lang="en-US" altLang="zh-CN" dirty="0"/>
+              <a:t>&amp; awk </a:t>
+            </a:r>
+            <a:r>
+              <a:rPr lang="zh-CN" altLang="en-US" dirty="0" smtClean="0"/>
+              <a:t>概述</a:t>
+            </a:r>
+            <a:endParaRPr lang="en-US" altLang="zh-CN" dirty="0" smtClean="0"/>
+          </a:p>
+          <a:p>
+            <a:pPr marL="0" indent="0">
+              <a:buNone/>
+            </a:pPr>
+            <a:r>
+              <a:rPr lang="en-US" altLang="zh-CN" dirty="0" smtClean="0">
+                <a:hlinkClick r:id="rId3"/>
+              </a:rPr>
+              <a:t>http://jarson.in/sed-awk-overview/</a:t>
+            </a:r>
+            <a:endParaRPr lang="en-US" altLang="zh-CN" dirty="0" smtClean="0"/>
+          </a:p>
+          <a:p>
+            <a:r>
+              <a:rPr lang="en-US" altLang="zh-CN" dirty="0" smtClean="0"/>
+              <a:t>sed </a:t>
+            </a:r>
+            <a:r>
+              <a:rPr lang="zh-CN" altLang="en-US" dirty="0"/>
+              <a:t>学习</a:t>
+            </a:r>
+            <a:r>
+              <a:rPr lang="zh-CN" altLang="en-US" dirty="0" smtClean="0"/>
+              <a:t>手册</a:t>
+            </a:r>
+            <a:endParaRPr lang="en-US" altLang="zh-CN" dirty="0" smtClean="0"/>
+          </a:p>
+          <a:p>
+            <a:pPr marL="0" indent="0">
+              <a:buNone/>
+            </a:pPr>
+            <a:r>
+              <a:rPr lang="en-US" altLang="zh-CN" dirty="0" smtClean="0">
+                <a:hlinkClick r:id="rId4"/>
+              </a:rPr>
+              <a:t>http://jarson.in/sed-manual/</a:t>
+            </a:r>
+            <a:endParaRPr lang="en-US" altLang="zh-CN" dirty="0" smtClean="0"/>
+          </a:p>
+          <a:p>
+            <a:r>
+              <a:rPr lang="en-US" altLang="zh-CN" dirty="0" smtClean="0"/>
+              <a:t>sed </a:t>
+            </a:r>
+            <a:r>
+              <a:rPr lang="zh-CN" altLang="en-US" dirty="0"/>
+              <a:t>函数</a:t>
+            </a:r>
+            <a:r>
+              <a:rPr lang="zh-CN" altLang="en-US" dirty="0" smtClean="0"/>
+              <a:t>参数</a:t>
+            </a:r>
+            <a:endParaRPr lang="en-US" altLang="zh-CN" dirty="0" smtClean="0"/>
+          </a:p>
+          <a:p>
+            <a:pPr marL="0" indent="0">
+              <a:buNone/>
+            </a:pPr>
+            <a:r>
+              <a:rPr lang="en-US" altLang="zh-CN" dirty="0" smtClean="0">
+                <a:hlinkClick r:id="rId5"/>
+              </a:rPr>
+              <a:t>http://jarson.in/sed-functions/</a:t>
+            </a:r>
+            <a:endParaRPr lang="en-US" altLang="zh-CN" dirty="0"/>
+          </a:p>
+          <a:p>
+            <a:r>
+              <a:rPr lang="en-US" altLang="zh-CN" dirty="0" smtClean="0"/>
+              <a:t>awk</a:t>
+            </a:r>
+          </a:p>
+          <a:p>
+            <a:pPr marL="0" indent="0">
+              <a:buNone/>
+            </a:pPr>
+            <a:r>
+              <a:rPr lang="en-US" altLang="zh-CN" dirty="0" smtClean="0">
+                <a:hlinkClick r:id="rId6"/>
+              </a:rPr>
+              <a:t>http://www.aslibra.com/doc/awk.htm</a:t>
+            </a:r>
+            <a:endParaRPr lang="zh-CN" altLang="en-US" dirty="0"/>
+          </a:p>
+        </p:txBody>
+      </p:sp>
+    </p:spTree>
+    <p:extLst>
+      <p:ext uri="{BB962C8B-B14F-4D97-AF65-F5344CB8AC3E}">
+        <p14:creationId xmlns:p14="http://schemas.microsoft.com/office/powerpoint/2010/main" val="893627498"/>
       </p:ext>
     </p:extLst>
   </p:cSld>

--- a/Bash-scripting-guid.pptx
+++ b/Bash-scripting-guid.pptx
@@ -67,9 +67,12 @@
     <p:sldId id="320" r:id="rId61"/>
     <p:sldId id="324" r:id="rId62"/>
     <p:sldId id="325" r:id="rId63"/>
-    <p:sldId id="323" r:id="rId64"/>
-    <p:sldId id="267" r:id="rId65"/>
-    <p:sldId id="270" r:id="rId66"/>
+    <p:sldId id="326" r:id="rId64"/>
+    <p:sldId id="327" r:id="rId65"/>
+    <p:sldId id="328" r:id="rId66"/>
+    <p:sldId id="323" r:id="rId67"/>
+    <p:sldId id="267" r:id="rId68"/>
+    <p:sldId id="270" r:id="rId69"/>
   </p:sldIdLst>
   <p:sldSz cx="12192000" cy="6858000"/>
   <p:notesSz cx="6858000" cy="9144000"/>
@@ -11564,7 +11567,6 @@
               <a:rPr lang="en-US" altLang="zh-CN" dirty="0" smtClean="0"/>
               <a:t>e.g. shift-past.sh</a:t>
             </a:r>
-            <a:endParaRPr lang="en-US" altLang="zh-CN" dirty="0" smtClean="0"/>
           </a:p>
           <a:p>
             <a:pPr marL="0" indent="0">
@@ -13596,11 +13598,7 @@
           <a:p>
             <a:r>
               <a:rPr lang="zh-CN" altLang="en-US" dirty="0" smtClean="0"/>
-              <a:t>语句和</a:t>
-            </a:r>
-            <a:r>
-              <a:rPr lang="zh-CN" altLang="en-US" dirty="0" smtClean="0"/>
-              <a:t>表达式</a:t>
+              <a:t>语句和表达式</a:t>
             </a:r>
             <a:endParaRPr lang="en-US" altLang="zh-CN" dirty="0" smtClean="0"/>
           </a:p>
@@ -20284,11 +20282,7 @@
             </a:pPr>
             <a:r>
               <a:rPr lang="zh-CN" altLang="en-US" dirty="0" smtClean="0"/>
-              <a:t>这</a:t>
-            </a:r>
-            <a:r>
-              <a:rPr lang="zh-CN" altLang="en-US" dirty="0" smtClean="0"/>
-              <a:t>是一个基本的循环结构，与</a:t>
+              <a:t>这是一个基本的循环结构，与</a:t>
             </a:r>
             <a:r>
               <a:rPr lang="en-US" altLang="zh-CN" dirty="0" smtClean="0"/>
@@ -20337,11 +20331,7 @@
             </a:r>
             <a:r>
               <a:rPr lang="en-US" dirty="0" smtClean="0"/>
-              <a:t>	</a:t>
-            </a:r>
-            <a:r>
-              <a:rPr lang="en-US" dirty="0" smtClean="0"/>
-              <a:t>command(s</a:t>
+              <a:t>	command(s</a:t>
             </a:r>
             <a:r>
               <a:rPr lang="en-US" dirty="0"/>
@@ -20396,11 +20386,7 @@
             </a:r>
             <a:r>
               <a:rPr lang="zh-CN" altLang="en-US" dirty="0" smtClean="0"/>
-              <a:t>中的参数允许包含通配符</a:t>
-            </a:r>
-            <a:r>
-              <a:rPr lang="zh-CN" altLang="en-US" dirty="0" smtClean="0"/>
-              <a:t>。如果</a:t>
+              <a:t>中的参数允许包含通配符。如果</a:t>
             </a:r>
             <a:r>
               <a:rPr lang="en-US" altLang="zh-CN" dirty="0" smtClean="0"/>
@@ -20452,7 +20438,6 @@
               <a:rPr lang="en-US" dirty="0" smtClean="0"/>
               <a:t> in [list] ; do</a:t>
             </a:r>
-            <a:endParaRPr lang="en-US" dirty="0" smtClean="0"/>
           </a:p>
         </p:txBody>
       </p:sp>
@@ -23023,7 +23008,25 @@
           <a:p>
             <a:r>
               <a:rPr lang="zh-CN" altLang="en-US" dirty="0" smtClean="0"/>
-              <a:t>变量操作命令</a:t>
+              <a:t>变量操作</a:t>
+            </a:r>
+            <a:r>
+              <a:rPr lang="zh-CN" altLang="en-US" dirty="0" smtClean="0"/>
+              <a:t>命令</a:t>
+            </a:r>
+            <a:endParaRPr lang="en-US" altLang="zh-CN" dirty="0" smtClean="0"/>
+          </a:p>
+          <a:p>
+            <a:r>
+              <a:rPr lang="zh-CN" altLang="en-US" dirty="0" smtClean="0"/>
+              <a:t>脚本行为命令</a:t>
+            </a:r>
+            <a:endParaRPr lang="en-US" altLang="zh-CN" dirty="0" smtClean="0"/>
+          </a:p>
+          <a:p>
+            <a:r>
+              <a:rPr lang="zh-CN" altLang="en-US" dirty="0" smtClean="0"/>
+              <a:t>其他命令</a:t>
             </a:r>
             <a:endParaRPr lang="zh-CN" altLang="en-US" dirty="0"/>
           </a:p>
@@ -23458,10 +23461,14 @@
           <a:lstStyle/>
           <a:p>
             <a:r>
-              <a:rPr lang="zh-CN" altLang="en-US" dirty="0" smtClean="0"/>
-              <a:t>高级主题</a:t>
-            </a:r>
-            <a:endParaRPr lang="zh-CN" altLang="en-US" dirty="0"/>
+              <a:rPr lang="en-US" dirty="0" smtClean="0"/>
+              <a:t>I/O</a:t>
+            </a:r>
+            <a:r>
+              <a:rPr lang="zh-CN" altLang="en-US" dirty="0" smtClean="0"/>
+              <a:t>命令</a:t>
+            </a:r>
+            <a:endParaRPr lang="en-US" dirty="0"/>
           </a:p>
         </p:txBody>
       </p:sp>
@@ -23481,72 +23488,300 @@
           <a:lstStyle/>
           <a:p>
             <a:r>
-              <a:rPr lang="zh-CN" altLang="en-US" dirty="0" smtClean="0"/>
-              <a:t>数组</a:t>
+              <a:rPr lang="en-US" dirty="0" smtClean="0"/>
+              <a:t>read </a:t>
+            </a:r>
+            <a:r>
+              <a:rPr lang="zh-CN" altLang="en-US" dirty="0" smtClean="0"/>
+              <a:t>从标准输入中读取一个变量的值，也就是，以交互方式从键盘读取输入。使用 </a:t>
+            </a:r>
+            <a:r>
+              <a:rPr lang="en-US" altLang="zh-CN" dirty="0" smtClean="0"/>
+              <a:t>-a </a:t>
+            </a:r>
+            <a:r>
+              <a:rPr lang="zh-CN" altLang="en-US" dirty="0" smtClean="0"/>
+              <a:t>参数可以读取数组变量。</a:t>
             </a:r>
             <a:endParaRPr lang="en-US" altLang="zh-CN" dirty="0" smtClean="0"/>
           </a:p>
           <a:p>
-            <a:r>
-              <a:rPr lang="en-US" altLang="zh-CN" dirty="0" smtClean="0"/>
-              <a:t>I/O</a:t>
-            </a:r>
-            <a:r>
-              <a:rPr lang="zh-CN" altLang="en-US" dirty="0" smtClean="0"/>
-              <a:t>重定向</a:t>
-            </a:r>
-            <a:endParaRPr lang="en-US" altLang="zh-CN" dirty="0" smtClean="0"/>
-          </a:p>
-          <a:p>
-            <a:r>
-              <a:rPr lang="zh-CN" altLang="en-US" dirty="0" smtClean="0"/>
-              <a:t>间接引用</a:t>
-            </a:r>
-            <a:endParaRPr lang="en-US" altLang="zh-CN" dirty="0" smtClean="0"/>
-          </a:p>
-          <a:p>
-            <a:r>
-              <a:rPr lang="zh-CN" altLang="en-US" dirty="0" smtClean="0"/>
-              <a:t>函数</a:t>
-            </a:r>
-            <a:endParaRPr lang="en-US" altLang="zh-CN" dirty="0" smtClean="0"/>
-          </a:p>
-          <a:p>
-            <a:r>
-              <a:rPr lang="zh-CN" altLang="en-US" dirty="0" smtClean="0"/>
-              <a:t>子</a:t>
-            </a:r>
-            <a:r>
-              <a:rPr lang="en-US" altLang="zh-CN" dirty="0" smtClean="0"/>
-              <a:t>shell</a:t>
-            </a:r>
-          </a:p>
-          <a:p>
-            <a:r>
-              <a:rPr lang="en-US" altLang="zh-CN" dirty="0"/>
-              <a:t>Here </a:t>
-            </a:r>
-            <a:r>
-              <a:rPr lang="en-US" altLang="zh-CN" dirty="0" smtClean="0"/>
-              <a:t>Documents</a:t>
-            </a:r>
-          </a:p>
-          <a:p>
-            <a:r>
-              <a:rPr lang="zh-CN" altLang="en-US" dirty="0" smtClean="0"/>
-              <a:t>正则表达式</a:t>
-            </a:r>
-            <a:endParaRPr lang="en-US" altLang="zh-CN" dirty="0" smtClean="0"/>
-          </a:p>
-          <a:p>
-            <a:endParaRPr lang="zh-CN" altLang="en-US" dirty="0"/>
+            <a:pPr>
+              <a:buFont typeface="Wingdings" panose="05000000000000000000" pitchFamily="2" charset="2"/>
+              <a:buChar char="Ø"/>
+            </a:pPr>
+            <a:r>
+              <a:rPr lang="zh-CN" altLang="en-US" dirty="0" smtClean="0"/>
+              <a:t>使用</a:t>
+            </a:r>
+            <a:r>
+              <a:rPr lang="en-US" altLang="zh-CN" dirty="0" smtClean="0"/>
+              <a:t>read</a:t>
+            </a:r>
+            <a:r>
+              <a:rPr lang="zh-CN" altLang="en-US" dirty="0" smtClean="0"/>
+              <a:t>为变量赋值。</a:t>
+            </a:r>
+            <a:r>
+              <a:rPr lang="en-US" altLang="zh-CN" dirty="0" smtClean="0"/>
+              <a:t>e.g</a:t>
+            </a:r>
+            <a:r>
+              <a:rPr lang="en-US" altLang="zh-CN" dirty="0"/>
+              <a:t>. </a:t>
+            </a:r>
+            <a:r>
+              <a:rPr lang="en-US" altLang="zh-CN" dirty="0" smtClean="0"/>
+              <a:t>var_assign_by_read.sh</a:t>
+            </a:r>
+          </a:p>
+          <a:p>
+            <a:pPr>
+              <a:buFont typeface="Wingdings" panose="05000000000000000000" pitchFamily="2" charset="2"/>
+              <a:buChar char="Ø"/>
+            </a:pPr>
+            <a:r>
+              <a:rPr lang="zh-CN" altLang="en-US" dirty="0" smtClean="0"/>
+              <a:t>不</a:t>
+            </a:r>
+            <a:r>
+              <a:rPr lang="zh-CN" altLang="en-US" dirty="0"/>
+              <a:t>带变量参数的</a:t>
+            </a:r>
+            <a:r>
+              <a:rPr lang="en-US" altLang="zh-CN" dirty="0"/>
+              <a:t>read</a:t>
+            </a:r>
+            <a:r>
+              <a:rPr lang="zh-CN" altLang="en-US" dirty="0" smtClean="0"/>
+              <a:t>命令</a:t>
+            </a:r>
+            <a:r>
+              <a:rPr lang="zh-CN" altLang="en-US" dirty="0"/>
+              <a:t>，</a:t>
+            </a:r>
+            <a:r>
+              <a:rPr lang="zh-CN" altLang="en-US" dirty="0" smtClean="0"/>
+              <a:t>将输入赋值给专用</a:t>
+            </a:r>
+            <a:r>
+              <a:rPr lang="zh-CN" altLang="en-US" dirty="0"/>
+              <a:t>变量</a:t>
+            </a:r>
+            <a:r>
+              <a:rPr lang="en-US" altLang="zh-CN" dirty="0"/>
+              <a:t>$</a:t>
+            </a:r>
+            <a:r>
+              <a:rPr lang="en-US" altLang="zh-CN" dirty="0" smtClean="0"/>
+              <a:t>REPLY</a:t>
+            </a:r>
+            <a:r>
+              <a:rPr lang="zh-CN" altLang="en-US" dirty="0" smtClean="0"/>
+              <a:t>。</a:t>
+            </a:r>
+            <a:r>
+              <a:rPr lang="en-US" altLang="zh-CN" dirty="0" smtClean="0"/>
+              <a:t>e.g. reply.sh</a:t>
+            </a:r>
+          </a:p>
+          <a:p>
+            <a:pPr>
+              <a:buFont typeface="Wingdings" panose="05000000000000000000" pitchFamily="2" charset="2"/>
+              <a:buChar char="Ø"/>
+            </a:pPr>
+            <a:r>
+              <a:rPr lang="zh-CN" altLang="en-US" dirty="0" smtClean="0"/>
+              <a:t>打印输入提示符，在</a:t>
+            </a:r>
+            <a:r>
+              <a:rPr lang="zh-CN" altLang="en-US" dirty="0"/>
+              <a:t>不输入</a:t>
+            </a:r>
+            <a:r>
+              <a:rPr lang="en-US" altLang="zh-CN" dirty="0"/>
+              <a:t>ENTER</a:t>
+            </a:r>
+            <a:r>
+              <a:rPr lang="zh-CN" altLang="en-US" dirty="0"/>
+              <a:t>的情况</a:t>
+            </a:r>
+            <a:r>
+              <a:rPr lang="zh-CN" altLang="en-US" dirty="0" smtClean="0"/>
+              <a:t>下读取按键内容。</a:t>
+            </a:r>
+            <a:r>
+              <a:rPr lang="en-US" altLang="zh-CN" dirty="0" smtClean="0"/>
+              <a:t>e.g. read-ops.sh</a:t>
+            </a:r>
+          </a:p>
+          <a:p>
+            <a:pPr>
+              <a:buFont typeface="Wingdings" panose="05000000000000000000" pitchFamily="2" charset="2"/>
+              <a:buChar char="Ø"/>
+            </a:pPr>
+            <a:r>
+              <a:rPr lang="zh-CN" altLang="en-US" dirty="0" smtClean="0"/>
+              <a:t>对于</a:t>
+            </a:r>
+            <a:r>
+              <a:rPr lang="en-US" altLang="zh-CN" dirty="0" smtClean="0"/>
+              <a:t>read</a:t>
+            </a:r>
+            <a:r>
+              <a:rPr lang="zh-CN" altLang="en-US" dirty="0"/>
+              <a:t>命令</a:t>
+            </a:r>
+            <a:r>
+              <a:rPr lang="zh-CN" altLang="en-US" dirty="0" smtClean="0"/>
+              <a:t>来说，</a:t>
+            </a:r>
+            <a:r>
+              <a:rPr lang="en-US" altLang="zh-CN" dirty="0" smtClean="0"/>
+              <a:t>-</a:t>
+            </a:r>
+            <a:r>
+              <a:rPr lang="en-US" altLang="zh-CN" dirty="0"/>
+              <a:t>n</a:t>
+            </a:r>
+            <a:r>
+              <a:rPr lang="zh-CN" altLang="en-US" dirty="0"/>
+              <a:t>选项不会检测</a:t>
+            </a:r>
+            <a:r>
+              <a:rPr lang="en-US" altLang="zh-CN" dirty="0" smtClean="0"/>
+              <a:t>ENTER</a:t>
+            </a:r>
+            <a:r>
+              <a:rPr lang="zh-CN" altLang="en-US" dirty="0" smtClean="0"/>
+              <a:t>（</a:t>
+            </a:r>
+            <a:r>
+              <a:rPr lang="zh-CN" altLang="en-US" dirty="0"/>
+              <a:t>换行</a:t>
+            </a:r>
+            <a:r>
+              <a:rPr lang="zh-CN" altLang="en-US" dirty="0" smtClean="0"/>
+              <a:t>）键。</a:t>
+            </a:r>
+            <a:r>
+              <a:rPr lang="en-US" altLang="zh-CN" dirty="0" smtClean="0"/>
+              <a:t>e.g. read-ops.sh</a:t>
+            </a:r>
+          </a:p>
+          <a:p>
+            <a:pPr>
+              <a:buFont typeface="Wingdings" panose="05000000000000000000" pitchFamily="2" charset="2"/>
+              <a:buChar char="Ø"/>
+            </a:pPr>
+            <a:r>
+              <a:rPr lang="en-US" altLang="zh-CN" dirty="0"/>
+              <a:t>read</a:t>
+            </a:r>
+            <a:r>
+              <a:rPr lang="zh-CN" altLang="en-US" dirty="0"/>
+              <a:t>命令也可以从</a:t>
+            </a:r>
+            <a:r>
+              <a:rPr lang="zh-CN" altLang="en-US" dirty="0" smtClean="0"/>
+              <a:t>重定向到标准输入的</a:t>
+            </a:r>
+            <a:r>
+              <a:rPr lang="zh-CN" altLang="en-US" dirty="0"/>
+              <a:t>文件</a:t>
+            </a:r>
+            <a:r>
+              <a:rPr lang="zh-CN" altLang="en-US" dirty="0" smtClean="0"/>
+              <a:t>中“读取”变量</a:t>
+            </a:r>
+            <a:r>
+              <a:rPr lang="zh-CN" altLang="en-US" dirty="0"/>
+              <a:t>的</a:t>
+            </a:r>
+            <a:r>
+              <a:rPr lang="zh-CN" altLang="en-US" dirty="0" smtClean="0"/>
+              <a:t>值</a:t>
+            </a:r>
+            <a:r>
+              <a:rPr lang="zh-CN" altLang="en-US" dirty="0"/>
+              <a:t>。</a:t>
+            </a:r>
+            <a:r>
+              <a:rPr lang="zh-CN" altLang="en-US" dirty="0" smtClean="0"/>
+              <a:t>如果</a:t>
+            </a:r>
+            <a:r>
+              <a:rPr lang="zh-CN" altLang="en-US" dirty="0"/>
+              <a:t>文件中的内容超过</a:t>
+            </a:r>
+            <a:r>
+              <a:rPr lang="zh-CN" altLang="en-US" dirty="0" smtClean="0"/>
+              <a:t>一行，</a:t>
+            </a:r>
+            <a:r>
+              <a:rPr lang="zh-CN" altLang="en-US" dirty="0"/>
+              <a:t>则</a:t>
+            </a:r>
+            <a:r>
+              <a:rPr lang="zh-CN" altLang="en-US" dirty="0" smtClean="0"/>
+              <a:t>只有</a:t>
+            </a:r>
+            <a:r>
+              <a:rPr lang="zh-CN" altLang="en-US" dirty="0"/>
+              <a:t>第</a:t>
+            </a:r>
+            <a:r>
+              <a:rPr lang="zh-CN" altLang="en-US" dirty="0" smtClean="0"/>
+              <a:t>一行内容被</a:t>
+            </a:r>
+            <a:r>
+              <a:rPr lang="zh-CN" altLang="en-US" dirty="0"/>
+              <a:t>分配到这个变量</a:t>
+            </a:r>
+            <a:r>
+              <a:rPr lang="zh-CN" altLang="en-US" dirty="0" smtClean="0"/>
+              <a:t>中</a:t>
+            </a:r>
+            <a:r>
+              <a:rPr lang="zh-CN" altLang="en-US" dirty="0"/>
+              <a:t>。</a:t>
+            </a:r>
+            <a:r>
+              <a:rPr lang="zh-CN" altLang="en-US" dirty="0" smtClean="0"/>
+              <a:t>如果</a:t>
+            </a:r>
+            <a:r>
+              <a:rPr lang="en-US" altLang="zh-CN" dirty="0"/>
+              <a:t>read</a:t>
+            </a:r>
+            <a:r>
+              <a:rPr lang="zh-CN" altLang="en-US" dirty="0"/>
+              <a:t>命令的参数个数超过一</a:t>
+            </a:r>
+            <a:r>
+              <a:rPr lang="zh-CN" altLang="en-US" dirty="0" smtClean="0"/>
+              <a:t>个，</a:t>
+            </a:r>
+            <a:r>
+              <a:rPr lang="zh-CN" altLang="en-US" dirty="0"/>
+              <a:t>则</a:t>
+            </a:r>
+            <a:r>
+              <a:rPr lang="zh-CN" altLang="en-US" dirty="0" smtClean="0"/>
+              <a:t>每个变量将分配一个空格分隔的字符串。小心使用！</a:t>
+            </a:r>
+            <a:r>
+              <a:rPr lang="en-US" altLang="zh-CN" dirty="0" smtClean="0"/>
+              <a:t>e.g. read-file.sh</a:t>
+            </a:r>
+            <a:endParaRPr lang="en-US" dirty="0"/>
           </a:p>
         </p:txBody>
       </p:sp>
     </p:spTree>
     <p:extLst>
       <p:ext uri="{BB962C8B-B14F-4D97-AF65-F5344CB8AC3E}">
-        <p14:creationId xmlns:p14="http://schemas.microsoft.com/office/powerpoint/2010/main" val="236508047"/>
+        <p14:creationId xmlns:p14="http://schemas.microsoft.com/office/powerpoint/2010/main" val="3775336221"/>
       </p:ext>
     </p:extLst>
   </p:cSld>
@@ -23590,6 +23825,631 @@
           <a:p>
             <a:r>
               <a:rPr lang="zh-CN" altLang="en-US" dirty="0" smtClean="0"/>
+              <a:t>文件系统命令</a:t>
+            </a:r>
+            <a:endParaRPr lang="en-US" dirty="0"/>
+          </a:p>
+        </p:txBody>
+      </p:sp>
+      <p:sp>
+        <p:nvSpPr>
+          <p:cNvPr id="3" name="内容占位符 2"/>
+          <p:cNvSpPr>
+            <a:spLocks noGrp="1"/>
+          </p:cNvSpPr>
+          <p:nvPr>
+            <p:ph idx="1"/>
+          </p:nvPr>
+        </p:nvSpPr>
+        <p:spPr/>
+        <p:txBody>
+          <a:bodyPr>
+            <a:normAutofit fontScale="85000" lnSpcReduction="10000"/>
+          </a:bodyPr>
+          <a:lstStyle/>
+          <a:p>
+            <a:r>
+              <a:rPr lang="en-US" altLang="zh-CN" dirty="0" smtClean="0"/>
+              <a:t>cd </a:t>
+            </a:r>
+            <a:r>
+              <a:rPr lang="zh-CN" altLang="en-US" dirty="0" smtClean="0"/>
+              <a:t>修改目录命令。在脚本中用的最多的时候就是当命令需要在指定目录下运行时，需要用它来修改当前工作目录。</a:t>
+            </a:r>
+            <a:endParaRPr lang="en-US" altLang="zh-CN" dirty="0" smtClean="0"/>
+          </a:p>
+          <a:p>
+            <a:r>
+              <a:rPr lang="en-US" dirty="0" err="1" smtClean="0"/>
+              <a:t>pwd</a:t>
+            </a:r>
+            <a:r>
+              <a:rPr lang="en-US" dirty="0" smtClean="0"/>
+              <a:t> </a:t>
+            </a:r>
+            <a:r>
+              <a:rPr lang="zh-CN" altLang="en-US" dirty="0" smtClean="0"/>
+              <a:t>打印工作目录。这将给出用户（或脚本）当前的工作目录，使用这个命令效果与读取內建变量</a:t>
+            </a:r>
+            <a:r>
+              <a:rPr lang="en-US" altLang="zh-CN" dirty="0" smtClean="0"/>
+              <a:t>$PWD</a:t>
+            </a:r>
+            <a:r>
+              <a:rPr lang="zh-CN" altLang="en-US" dirty="0" smtClean="0"/>
+              <a:t>的值等同。</a:t>
+            </a:r>
+            <a:endParaRPr lang="en-US" altLang="zh-CN" dirty="0" smtClean="0"/>
+          </a:p>
+          <a:p>
+            <a:r>
+              <a:rPr lang="en-US" dirty="0" err="1"/>
+              <a:t>pushd</a:t>
+            </a:r>
+            <a:r>
+              <a:rPr lang="en-US" dirty="0"/>
+              <a:t>, </a:t>
+            </a:r>
+            <a:r>
+              <a:rPr lang="en-US" dirty="0" err="1"/>
+              <a:t>popd</a:t>
+            </a:r>
+            <a:r>
+              <a:rPr lang="en-US" dirty="0"/>
+              <a:t>, </a:t>
+            </a:r>
+            <a:r>
+              <a:rPr lang="en-US" dirty="0" smtClean="0"/>
+              <a:t>dirs.</a:t>
+            </a:r>
+          </a:p>
+          <a:p>
+            <a:pPr marL="0" indent="0">
+              <a:buNone/>
+            </a:pPr>
+            <a:r>
+              <a:rPr lang="zh-CN" altLang="en-US" dirty="0" smtClean="0"/>
+              <a:t>这个命令集是一个书签化工作目录的机制，一种在目录中有序的向前</a:t>
+            </a:r>
+            <a:r>
+              <a:rPr lang="zh-CN" altLang="en-US" dirty="0"/>
+              <a:t>或向后</a:t>
+            </a:r>
+            <a:r>
+              <a:rPr lang="zh-CN" altLang="en-US" dirty="0" smtClean="0"/>
+              <a:t>移动的方式。一个后进先出的栈用于跟踪目录列表，可使用选项对目录栈进行不同的操作。</a:t>
+            </a:r>
+            <a:endParaRPr lang="en-US" altLang="zh-CN" dirty="0" smtClean="0"/>
+          </a:p>
+          <a:p>
+            <a:pPr marL="0" indent="0">
+              <a:buNone/>
+            </a:pPr>
+            <a:r>
+              <a:rPr lang="en-US" dirty="0" err="1"/>
+              <a:t>pushd</a:t>
+            </a:r>
+            <a:r>
+              <a:rPr lang="en-US" dirty="0"/>
+              <a:t> </a:t>
+            </a:r>
+            <a:r>
+              <a:rPr lang="en-US" dirty="0" err="1" smtClean="0"/>
+              <a:t>dir</a:t>
+            </a:r>
+            <a:r>
+              <a:rPr lang="en-US" dirty="0" smtClean="0"/>
+              <a:t>-name </a:t>
+            </a:r>
+            <a:r>
+              <a:rPr lang="zh-CN" altLang="en-US" dirty="0" smtClean="0"/>
+              <a:t>把</a:t>
+            </a:r>
+            <a:r>
+              <a:rPr lang="zh-CN" altLang="en-US" dirty="0"/>
+              <a:t>路径</a:t>
+            </a:r>
+            <a:r>
+              <a:rPr lang="en-US" dirty="0" err="1"/>
+              <a:t>dir</a:t>
+            </a:r>
+            <a:r>
+              <a:rPr lang="en-US" dirty="0"/>
+              <a:t>-name</a:t>
+            </a:r>
+            <a:r>
+              <a:rPr lang="zh-CN" altLang="en-US" dirty="0"/>
+              <a:t>压入目录</a:t>
+            </a:r>
+            <a:r>
+              <a:rPr lang="zh-CN" altLang="en-US" dirty="0" smtClean="0"/>
+              <a:t>栈（栈顶），同时</a:t>
+            </a:r>
+            <a:r>
+              <a:rPr lang="zh-CN" altLang="en-US" dirty="0"/>
+              <a:t>修改</a:t>
+            </a:r>
+            <a:r>
+              <a:rPr lang="zh-CN" altLang="en-US" dirty="0" smtClean="0"/>
+              <a:t>当前工作目录为</a:t>
+            </a:r>
+            <a:r>
+              <a:rPr lang="en-US" dirty="0" err="1" smtClean="0"/>
+              <a:t>dir</a:t>
+            </a:r>
+            <a:r>
+              <a:rPr lang="en-US" dirty="0" smtClean="0"/>
+              <a:t>-name</a:t>
+            </a:r>
+            <a:r>
+              <a:rPr lang="zh-CN" altLang="en-US" dirty="0" smtClean="0"/>
+              <a:t>。</a:t>
+            </a:r>
+            <a:endParaRPr lang="en-US" altLang="zh-CN" dirty="0" smtClean="0"/>
+          </a:p>
+          <a:p>
+            <a:pPr marL="0" indent="0">
+              <a:buNone/>
+            </a:pPr>
+            <a:r>
+              <a:rPr lang="en-US" altLang="zh-CN" dirty="0" err="1" smtClean="0"/>
+              <a:t>popd</a:t>
+            </a:r>
+            <a:r>
+              <a:rPr lang="en-US" altLang="zh-CN" dirty="0" smtClean="0"/>
+              <a:t> </a:t>
+            </a:r>
+            <a:r>
+              <a:rPr lang="zh-CN" altLang="en-US" dirty="0" smtClean="0"/>
+              <a:t>移除（弹出）目录栈最顶端的目录路径名，同时修改当前工作目录为当前目录栈最顶端的目录。</a:t>
+            </a:r>
+            <a:endParaRPr lang="en-US" altLang="zh-CN" dirty="0" smtClean="0"/>
+          </a:p>
+          <a:p>
+            <a:pPr marL="0" indent="0">
+              <a:buNone/>
+            </a:pPr>
+            <a:r>
+              <a:rPr lang="zh-CN" altLang="en-US" dirty="0" smtClean="0"/>
+              <a:t>注：无论目录栈如何变化，当前工作目录都是目录栈中最顶端的目录。</a:t>
+            </a:r>
+            <a:endParaRPr lang="en-US" altLang="zh-CN" dirty="0" smtClean="0"/>
+          </a:p>
+          <a:p>
+            <a:pPr marL="0" indent="0">
+              <a:buNone/>
+            </a:pPr>
+            <a:r>
+              <a:rPr lang="en-US" dirty="0" err="1" smtClean="0"/>
+              <a:t>dirs</a:t>
+            </a:r>
+            <a:r>
+              <a:rPr lang="en-US" dirty="0" smtClean="0"/>
+              <a:t> </a:t>
+            </a:r>
+            <a:r>
+              <a:rPr lang="zh-CN" altLang="en-US" dirty="0" smtClean="0"/>
+              <a:t>列出目录栈中的内容（对比</a:t>
+            </a:r>
+            <a:r>
+              <a:rPr lang="en-US" altLang="zh-CN" dirty="0" smtClean="0"/>
+              <a:t>$DIRSTACK</a:t>
+            </a:r>
+            <a:r>
+              <a:rPr lang="zh-CN" altLang="en-US" dirty="0" smtClean="0"/>
+              <a:t>变量内容），一个成功的</a:t>
+            </a:r>
+            <a:r>
+              <a:rPr lang="en-US" altLang="zh-CN" dirty="0" err="1" smtClean="0"/>
+              <a:t>pushd</a:t>
+            </a:r>
+            <a:r>
+              <a:rPr lang="zh-CN" altLang="en-US" dirty="0" smtClean="0"/>
+              <a:t>或者</a:t>
+            </a:r>
+            <a:r>
+              <a:rPr lang="en-US" altLang="zh-CN" dirty="0" err="1" smtClean="0"/>
+              <a:t>popd</a:t>
+            </a:r>
+            <a:r>
+              <a:rPr lang="zh-CN" altLang="en-US" dirty="0" smtClean="0"/>
+              <a:t>都将自动调用</a:t>
+            </a:r>
+            <a:r>
+              <a:rPr lang="en-US" altLang="zh-CN" dirty="0" err="1" smtClean="0"/>
+              <a:t>dirs</a:t>
+            </a:r>
+            <a:r>
+              <a:rPr lang="zh-CN" altLang="en-US" dirty="0" smtClean="0"/>
+              <a:t>。</a:t>
+            </a:r>
+            <a:endParaRPr lang="en-US" altLang="zh-CN" dirty="0" smtClean="0"/>
+          </a:p>
+          <a:p>
+            <a:pPr marL="0" indent="0">
+              <a:buNone/>
+            </a:pPr>
+            <a:r>
+              <a:rPr lang="zh-CN" altLang="en-US" dirty="0" smtClean="0"/>
+              <a:t>对于那些需要灵活改变当前工作目录但避免对目录名称变化进行硬编码的脚本来说，使用这些命令再好不过了。注意隐式的（內建）</a:t>
+            </a:r>
+            <a:r>
+              <a:rPr lang="en-US" altLang="zh-CN" dirty="0" smtClean="0"/>
+              <a:t>$DIRSTACK</a:t>
+            </a:r>
+            <a:r>
+              <a:rPr lang="zh-CN" altLang="en-US" dirty="0" smtClean="0"/>
+              <a:t>数组变量，这个变量可以在脚本中访问，并且保存了目录栈的内容。</a:t>
+            </a:r>
+            <a:r>
+              <a:rPr lang="en-US" altLang="zh-CN" dirty="0" smtClean="0"/>
+              <a:t>e.g. dirstack.sh</a:t>
+            </a:r>
+            <a:endParaRPr lang="en-US" dirty="0"/>
+          </a:p>
+        </p:txBody>
+      </p:sp>
+    </p:spTree>
+    <p:extLst>
+      <p:ext uri="{BB962C8B-B14F-4D97-AF65-F5344CB8AC3E}">
+        <p14:creationId xmlns:p14="http://schemas.microsoft.com/office/powerpoint/2010/main" val="410328630"/>
+      </p:ext>
+    </p:extLst>
+  </p:cSld>
+  <p:clrMapOvr>
+    <a:masterClrMapping/>
+  </p:clrMapOvr>
+</p:sld>
+</file>
+
+<file path=ppt/slides/slide65.xml><?xml version="1.0" encoding="utf-8"?>
+<p:sld xmlns:a="http://schemas.openxmlformats.org/drawingml/2006/main" xmlns:r="http://schemas.openxmlformats.org/officeDocument/2006/relationships" xmlns:p="http://schemas.openxmlformats.org/presentationml/2006/main">
+  <p:cSld>
+    <p:spTree>
+      <p:nvGrpSpPr>
+        <p:cNvPr id="1" name=""/>
+        <p:cNvGrpSpPr/>
+        <p:nvPr/>
+      </p:nvGrpSpPr>
+      <p:grpSpPr>
+        <a:xfrm>
+          <a:off x="0" y="0"/>
+          <a:ext cx="0" cy="0"/>
+          <a:chOff x="0" y="0"/>
+          <a:chExt cx="0" cy="0"/>
+        </a:xfrm>
+      </p:grpSpPr>
+      <p:sp>
+        <p:nvSpPr>
+          <p:cNvPr id="2" name="标题 1"/>
+          <p:cNvSpPr>
+            <a:spLocks noGrp="1"/>
+          </p:cNvSpPr>
+          <p:nvPr>
+            <p:ph type="title"/>
+          </p:nvPr>
+        </p:nvSpPr>
+        <p:spPr/>
+        <p:txBody>
+          <a:bodyPr/>
+          <a:lstStyle/>
+          <a:p>
+            <a:r>
+              <a:rPr lang="zh-CN" altLang="en-US" dirty="0" smtClean="0"/>
+              <a:t>变量操作命令</a:t>
+            </a:r>
+            <a:endParaRPr lang="en-US" dirty="0"/>
+          </a:p>
+        </p:txBody>
+      </p:sp>
+      <p:sp>
+        <p:nvSpPr>
+          <p:cNvPr id="3" name="内容占位符 2"/>
+          <p:cNvSpPr>
+            <a:spLocks noGrp="1"/>
+          </p:cNvSpPr>
+          <p:nvPr>
+            <p:ph idx="1"/>
+          </p:nvPr>
+        </p:nvSpPr>
+        <p:spPr/>
+        <p:txBody>
+          <a:bodyPr/>
+          <a:lstStyle/>
+          <a:p>
+            <a:r>
+              <a:rPr lang="en-US" dirty="0" smtClean="0"/>
+              <a:t>let </a:t>
+            </a:r>
+            <a:r>
+              <a:rPr lang="zh-CN" altLang="en-US" dirty="0" smtClean="0"/>
+              <a:t>执行变量的算术操作。在很多方面，它的功能就像简版的</a:t>
+            </a:r>
+            <a:r>
+              <a:rPr lang="en-US" altLang="zh-CN" dirty="0" err="1" smtClean="0"/>
+              <a:t>expr</a:t>
+            </a:r>
+            <a:r>
+              <a:rPr lang="zh-CN" altLang="en-US" dirty="0" smtClean="0"/>
+              <a:t>命令。</a:t>
+            </a:r>
+            <a:r>
+              <a:rPr lang="en-US" altLang="zh-CN" dirty="0" smtClean="0"/>
+              <a:t>e.g. let.sh</a:t>
+            </a:r>
+          </a:p>
+          <a:p>
+            <a:r>
+              <a:rPr lang="en-US" dirty="0" err="1" smtClean="0"/>
+              <a:t>eval</a:t>
+            </a:r>
+            <a:endParaRPr lang="en-US" dirty="0"/>
+          </a:p>
+          <a:p>
+            <a:pPr marL="0" indent="0">
+              <a:buNone/>
+            </a:pPr>
+            <a:r>
+              <a:rPr lang="en-US" dirty="0" err="1"/>
+              <a:t>eval</a:t>
+            </a:r>
+            <a:r>
+              <a:rPr lang="en-US" dirty="0"/>
+              <a:t> arg1 [arg2] ... [</a:t>
+            </a:r>
+            <a:r>
+              <a:rPr lang="en-US" dirty="0" err="1"/>
+              <a:t>argN</a:t>
+            </a:r>
+            <a:r>
+              <a:rPr lang="en-US" dirty="0" smtClean="0"/>
+              <a:t>]</a:t>
+            </a:r>
+          </a:p>
+          <a:p>
+            <a:pPr marL="0" indent="0">
+              <a:buNone/>
+            </a:pPr>
+            <a:r>
+              <a:rPr lang="zh-CN" altLang="en-US" dirty="0" smtClean="0"/>
+              <a:t>将参数组合成一个表达式或表达式列表，然后对它们求值（</a:t>
+            </a:r>
+            <a:r>
+              <a:rPr lang="en-US" altLang="zh-CN" dirty="0" smtClean="0"/>
+              <a:t>evaluate</a:t>
+            </a:r>
+            <a:r>
+              <a:rPr lang="zh-CN" altLang="en-US" dirty="0" smtClean="0"/>
+              <a:t>）。表达式中的所有变量都将被扩展，最终的结果是将一个字符串转换成一个命令。</a:t>
+            </a:r>
+            <a:endParaRPr lang="en-US" altLang="zh-CN" dirty="0" smtClean="0"/>
+          </a:p>
+          <a:p>
+            <a:pPr marL="0" indent="0">
+              <a:buNone/>
+            </a:pPr>
+            <a:r>
+              <a:rPr lang="en-US" dirty="0" err="1" smtClean="0"/>
+              <a:t>eval</a:t>
+            </a:r>
+            <a:r>
+              <a:rPr lang="zh-CN" altLang="en-US" dirty="0" smtClean="0"/>
+              <a:t>命令常用于从命令行或在脚本中生成代码。</a:t>
+            </a:r>
+            <a:endParaRPr lang="en-US" altLang="zh-CN" dirty="0" smtClean="0"/>
+          </a:p>
+          <a:p>
+            <a:pPr marL="0" indent="0">
+              <a:buNone/>
+            </a:pPr>
+            <a:r>
+              <a:rPr lang="zh-CN" altLang="en-US" dirty="0"/>
+              <a:t>每一</a:t>
+            </a:r>
+            <a:r>
+              <a:rPr lang="zh-CN" altLang="en-US" dirty="0" smtClean="0"/>
+              <a:t>次调用</a:t>
+            </a:r>
+            <a:r>
+              <a:rPr lang="en-US" altLang="zh-CN" dirty="0" err="1" smtClean="0"/>
+              <a:t>eval</a:t>
+            </a:r>
+            <a:r>
+              <a:rPr lang="zh-CN" altLang="en-US" dirty="0" smtClean="0"/>
+              <a:t>将强制重新计算它的参数。</a:t>
+            </a:r>
+            <a:r>
+              <a:rPr lang="en-US" altLang="zh-CN" dirty="0" smtClean="0"/>
+              <a:t>e.g. eval.sh</a:t>
+            </a:r>
+          </a:p>
+          <a:p>
+            <a:r>
+              <a:rPr lang="en-US" altLang="zh-CN" dirty="0"/>
+              <a:t>set</a:t>
+            </a:r>
+            <a:endParaRPr lang="en-US" dirty="0"/>
+          </a:p>
+        </p:txBody>
+      </p:sp>
+    </p:spTree>
+    <p:extLst>
+      <p:ext uri="{BB962C8B-B14F-4D97-AF65-F5344CB8AC3E}">
+        <p14:creationId xmlns:p14="http://schemas.microsoft.com/office/powerpoint/2010/main" val="2019972578"/>
+      </p:ext>
+    </p:extLst>
+  </p:cSld>
+  <p:clrMapOvr>
+    <a:masterClrMapping/>
+  </p:clrMapOvr>
+</p:sld>
+</file>
+
+<file path=ppt/slides/slide66.xml><?xml version="1.0" encoding="utf-8"?>
+<p:sld xmlns:a="http://schemas.openxmlformats.org/drawingml/2006/main" xmlns:r="http://schemas.openxmlformats.org/officeDocument/2006/relationships" xmlns:p="http://schemas.openxmlformats.org/presentationml/2006/main">
+  <p:cSld>
+    <p:spTree>
+      <p:nvGrpSpPr>
+        <p:cNvPr id="1" name=""/>
+        <p:cNvGrpSpPr/>
+        <p:nvPr/>
+      </p:nvGrpSpPr>
+      <p:grpSpPr>
+        <a:xfrm>
+          <a:off x="0" y="0"/>
+          <a:ext cx="0" cy="0"/>
+          <a:chOff x="0" y="0"/>
+          <a:chExt cx="0" cy="0"/>
+        </a:xfrm>
+      </p:grpSpPr>
+      <p:sp>
+        <p:nvSpPr>
+          <p:cNvPr id="2" name="标题 1"/>
+          <p:cNvSpPr>
+            <a:spLocks noGrp="1"/>
+          </p:cNvSpPr>
+          <p:nvPr>
+            <p:ph type="title"/>
+          </p:nvPr>
+        </p:nvSpPr>
+        <p:spPr/>
+        <p:txBody>
+          <a:bodyPr/>
+          <a:lstStyle/>
+          <a:p>
+            <a:r>
+              <a:rPr lang="zh-CN" altLang="en-US" dirty="0" smtClean="0"/>
+              <a:t>高级主题</a:t>
+            </a:r>
+            <a:endParaRPr lang="zh-CN" altLang="en-US" dirty="0"/>
+          </a:p>
+        </p:txBody>
+      </p:sp>
+      <p:sp>
+        <p:nvSpPr>
+          <p:cNvPr id="3" name="内容占位符 2"/>
+          <p:cNvSpPr>
+            <a:spLocks noGrp="1"/>
+          </p:cNvSpPr>
+          <p:nvPr>
+            <p:ph idx="1"/>
+          </p:nvPr>
+        </p:nvSpPr>
+        <p:spPr/>
+        <p:txBody>
+          <a:bodyPr/>
+          <a:lstStyle/>
+          <a:p>
+            <a:r>
+              <a:rPr lang="zh-CN" altLang="en-US" dirty="0" smtClean="0"/>
+              <a:t>数组</a:t>
+            </a:r>
+            <a:endParaRPr lang="en-US" altLang="zh-CN" dirty="0" smtClean="0"/>
+          </a:p>
+          <a:p>
+            <a:r>
+              <a:rPr lang="en-US" altLang="zh-CN" dirty="0" smtClean="0"/>
+              <a:t>I/O</a:t>
+            </a:r>
+            <a:r>
+              <a:rPr lang="zh-CN" altLang="en-US" dirty="0" smtClean="0"/>
+              <a:t>重定向</a:t>
+            </a:r>
+            <a:endParaRPr lang="en-US" altLang="zh-CN" dirty="0" smtClean="0"/>
+          </a:p>
+          <a:p>
+            <a:r>
+              <a:rPr lang="zh-CN" altLang="en-US" dirty="0" smtClean="0"/>
+              <a:t>间接引用</a:t>
+            </a:r>
+            <a:endParaRPr lang="en-US" altLang="zh-CN" dirty="0" smtClean="0"/>
+          </a:p>
+          <a:p>
+            <a:r>
+              <a:rPr lang="zh-CN" altLang="en-US" dirty="0" smtClean="0"/>
+              <a:t>函数</a:t>
+            </a:r>
+            <a:endParaRPr lang="en-US" altLang="zh-CN" dirty="0" smtClean="0"/>
+          </a:p>
+          <a:p>
+            <a:r>
+              <a:rPr lang="zh-CN" altLang="en-US" dirty="0" smtClean="0"/>
+              <a:t>子</a:t>
+            </a:r>
+            <a:r>
+              <a:rPr lang="en-US" altLang="zh-CN" dirty="0" smtClean="0"/>
+              <a:t>shell</a:t>
+            </a:r>
+          </a:p>
+          <a:p>
+            <a:r>
+              <a:rPr lang="en-US" altLang="zh-CN" dirty="0"/>
+              <a:t>Here </a:t>
+            </a:r>
+            <a:r>
+              <a:rPr lang="en-US" altLang="zh-CN" dirty="0" smtClean="0"/>
+              <a:t>Documents</a:t>
+            </a:r>
+          </a:p>
+          <a:p>
+            <a:r>
+              <a:rPr lang="zh-CN" altLang="en-US" dirty="0" smtClean="0"/>
+              <a:t>正则表达式</a:t>
+            </a:r>
+            <a:endParaRPr lang="en-US" altLang="zh-CN" dirty="0" smtClean="0"/>
+          </a:p>
+          <a:p>
+            <a:endParaRPr lang="zh-CN" altLang="en-US" dirty="0"/>
+          </a:p>
+        </p:txBody>
+      </p:sp>
+    </p:spTree>
+    <p:extLst>
+      <p:ext uri="{BB962C8B-B14F-4D97-AF65-F5344CB8AC3E}">
+        <p14:creationId xmlns:p14="http://schemas.microsoft.com/office/powerpoint/2010/main" val="236508047"/>
+      </p:ext>
+    </p:extLst>
+  </p:cSld>
+  <p:clrMapOvr>
+    <a:masterClrMapping/>
+  </p:clrMapOvr>
+</p:sld>
+</file>
+
+<file path=ppt/slides/slide67.xml><?xml version="1.0" encoding="utf-8"?>
+<p:sld xmlns:a="http://schemas.openxmlformats.org/drawingml/2006/main" xmlns:r="http://schemas.openxmlformats.org/officeDocument/2006/relationships" xmlns:p="http://schemas.openxmlformats.org/presentationml/2006/main">
+  <p:cSld>
+    <p:spTree>
+      <p:nvGrpSpPr>
+        <p:cNvPr id="1" name=""/>
+        <p:cNvGrpSpPr/>
+        <p:nvPr/>
+      </p:nvGrpSpPr>
+      <p:grpSpPr>
+        <a:xfrm>
+          <a:off x="0" y="0"/>
+          <a:ext cx="0" cy="0"/>
+          <a:chOff x="0" y="0"/>
+          <a:chExt cx="0" cy="0"/>
+        </a:xfrm>
+      </p:grpSpPr>
+      <p:sp>
+        <p:nvSpPr>
+          <p:cNvPr id="2" name="标题 1"/>
+          <p:cNvSpPr>
+            <a:spLocks noGrp="1"/>
+          </p:cNvSpPr>
+          <p:nvPr>
+            <p:ph type="title"/>
+          </p:nvPr>
+        </p:nvSpPr>
+        <p:spPr/>
+        <p:txBody>
+          <a:bodyPr/>
+          <a:lstStyle/>
+          <a:p>
+            <a:r>
+              <a:rPr lang="zh-CN" altLang="en-US" dirty="0" smtClean="0"/>
               <a:t>实用工具</a:t>
             </a:r>
             <a:endParaRPr lang="zh-CN" altLang="en-US" dirty="0"/>
@@ -23679,7 +24539,7 @@
 </p:sld>
 </file>
 
-<file path=ppt/slides/slide65.xml><?xml version="1.0" encoding="utf-8"?>
+<file path=ppt/slides/slide68.xml><?xml version="1.0" encoding="utf-8"?>
 <p:sld xmlns:a="http://schemas.openxmlformats.org/drawingml/2006/main" xmlns:r="http://schemas.openxmlformats.org/officeDocument/2006/relationships" xmlns:p="http://schemas.openxmlformats.org/presentationml/2006/main">
   <p:cSld>
     <p:spTree>

--- a/Bash-scripting-guid.pptx
+++ b/Bash-scripting-guid.pptx
@@ -70,9 +70,19 @@
     <p:sldId id="326" r:id="rId64"/>
     <p:sldId id="327" r:id="rId65"/>
     <p:sldId id="328" r:id="rId66"/>
-    <p:sldId id="323" r:id="rId67"/>
-    <p:sldId id="267" r:id="rId68"/>
-    <p:sldId id="270" r:id="rId69"/>
+    <p:sldId id="329" r:id="rId67"/>
+    <p:sldId id="330" r:id="rId68"/>
+    <p:sldId id="331" r:id="rId69"/>
+    <p:sldId id="332" r:id="rId70"/>
+    <p:sldId id="333" r:id="rId71"/>
+    <p:sldId id="323" r:id="rId72"/>
+    <p:sldId id="334" r:id="rId73"/>
+    <p:sldId id="335" r:id="rId74"/>
+    <p:sldId id="336" r:id="rId75"/>
+    <p:sldId id="337" r:id="rId76"/>
+    <p:sldId id="338" r:id="rId77"/>
+    <p:sldId id="267" r:id="rId78"/>
+    <p:sldId id="270" r:id="rId79"/>
   </p:sldIdLst>
   <p:sldSz cx="12192000" cy="6858000"/>
   <p:notesSz cx="6858000" cy="9144000"/>
@@ -368,7 +378,7 @@
             <a:fld id="{B61BEF0D-F0BB-DE4B-95CE-6DB70DBA9567}" type="datetimeFigureOut">
               <a:rPr lang="en-US" dirty="0"/>
               <a:pPr/>
-              <a:t>8/8/2016</a:t>
+              <a:t>8/9/2016</a:t>
             </a:fld>
             <a:endParaRPr lang="en-US" dirty="0"/>
           </a:p>
@@ -703,7 +713,7 @@
             <a:fld id="{B61BEF0D-F0BB-DE4B-95CE-6DB70DBA9567}" type="datetimeFigureOut">
               <a:rPr lang="en-US" dirty="0"/>
               <a:pPr/>
-              <a:t>8/8/2016</a:t>
+              <a:t>8/9/2016</a:t>
             </a:fld>
             <a:endParaRPr lang="en-US" dirty="0"/>
           </a:p>
@@ -1101,7 +1111,7 @@
             <a:fld id="{B61BEF0D-F0BB-DE4B-95CE-6DB70DBA9567}" type="datetimeFigureOut">
               <a:rPr lang="en-US" dirty="0"/>
               <a:pPr/>
-              <a:t>8/8/2016</a:t>
+              <a:t>8/9/2016</a:t>
             </a:fld>
             <a:endParaRPr lang="en-US" dirty="0"/>
           </a:p>
@@ -1434,7 +1444,7 @@
             <a:fld id="{B61BEF0D-F0BB-DE4B-95CE-6DB70DBA9567}" type="datetimeFigureOut">
               <a:rPr lang="en-US" dirty="0"/>
               <a:pPr/>
-              <a:t>8/8/2016</a:t>
+              <a:t>8/9/2016</a:t>
             </a:fld>
             <a:endParaRPr lang="en-US" dirty="0"/>
           </a:p>
@@ -1751,7 +1761,7 @@
             <a:fld id="{B61BEF0D-F0BB-DE4B-95CE-6DB70DBA9567}" type="datetimeFigureOut">
               <a:rPr lang="en-US" dirty="0"/>
               <a:pPr/>
-              <a:t>8/8/2016</a:t>
+              <a:t>8/9/2016</a:t>
             </a:fld>
             <a:endParaRPr lang="en-US" dirty="0"/>
           </a:p>
@@ -2144,7 +2154,7 @@
             <a:fld id="{B61BEF0D-F0BB-DE4B-95CE-6DB70DBA9567}" type="datetimeFigureOut">
               <a:rPr lang="en-US" dirty="0"/>
               <a:pPr/>
-              <a:t>8/8/2016</a:t>
+              <a:t>8/9/2016</a:t>
             </a:fld>
             <a:endParaRPr lang="en-US" dirty="0"/>
           </a:p>
@@ -2398,7 +2408,7 @@
             <a:fld id="{B61BEF0D-F0BB-DE4B-95CE-6DB70DBA9567}" type="datetimeFigureOut">
               <a:rPr lang="en-US" dirty="0"/>
               <a:pPr/>
-              <a:t>8/8/2016</a:t>
+              <a:t>8/9/2016</a:t>
             </a:fld>
             <a:endParaRPr lang="en-US" dirty="0"/>
           </a:p>
@@ -2657,7 +2667,7 @@
             <a:fld id="{B61BEF0D-F0BB-DE4B-95CE-6DB70DBA9567}" type="datetimeFigureOut">
               <a:rPr lang="en-US" dirty="0"/>
               <a:pPr/>
-              <a:t>8/8/2016</a:t>
+              <a:t>8/9/2016</a:t>
             </a:fld>
             <a:endParaRPr lang="en-US" dirty="0"/>
           </a:p>
@@ -2916,7 +2926,7 @@
             <a:fld id="{B61BEF0D-F0BB-DE4B-95CE-6DB70DBA9567}" type="datetimeFigureOut">
               <a:rPr lang="en-US" dirty="0"/>
               <a:pPr/>
-              <a:t>8/8/2016</a:t>
+              <a:t>8/9/2016</a:t>
             </a:fld>
             <a:endParaRPr lang="en-US" dirty="0"/>
           </a:p>
@@ -3242,7 +3252,7 @@
             <a:fld id="{B61BEF0D-F0BB-DE4B-95CE-6DB70DBA9567}" type="datetimeFigureOut">
               <a:rPr lang="en-US" dirty="0"/>
               <a:pPr/>
-              <a:t>8/8/2016</a:t>
+              <a:t>8/9/2016</a:t>
             </a:fld>
             <a:endParaRPr lang="en-US" dirty="0"/>
           </a:p>
@@ -3562,7 +3572,7 @@
             <a:fld id="{B61BEF0D-F0BB-DE4B-95CE-6DB70DBA9567}" type="datetimeFigureOut">
               <a:rPr lang="en-US" dirty="0"/>
               <a:pPr/>
-              <a:t>8/8/2016</a:t>
+              <a:t>8/9/2016</a:t>
             </a:fld>
             <a:endParaRPr lang="en-US" dirty="0"/>
           </a:p>
@@ -4016,7 +4026,7 @@
             <a:fld id="{B61BEF0D-F0BB-DE4B-95CE-6DB70DBA9567}" type="datetimeFigureOut">
               <a:rPr lang="en-US" dirty="0"/>
               <a:pPr/>
-              <a:t>8/8/2016</a:t>
+              <a:t>8/9/2016</a:t>
             </a:fld>
             <a:endParaRPr lang="en-US" dirty="0"/>
           </a:p>
@@ -4218,7 +4228,7 @@
             <a:fld id="{B61BEF0D-F0BB-DE4B-95CE-6DB70DBA9567}" type="datetimeFigureOut">
               <a:rPr lang="en-US" dirty="0"/>
               <a:pPr/>
-              <a:t>8/8/2016</a:t>
+              <a:t>8/9/2016</a:t>
             </a:fld>
             <a:endParaRPr lang="en-US" dirty="0"/>
           </a:p>
@@ -4392,7 +4402,7 @@
             <a:fld id="{B61BEF0D-F0BB-DE4B-95CE-6DB70DBA9567}" type="datetimeFigureOut">
               <a:rPr lang="en-US" dirty="0"/>
               <a:pPr/>
-              <a:t>8/8/2016</a:t>
+              <a:t>8/9/2016</a:t>
             </a:fld>
             <a:endParaRPr lang="en-US" dirty="0"/>
           </a:p>
@@ -4722,7 +4732,7 @@
             <a:fld id="{B61BEF0D-F0BB-DE4B-95CE-6DB70DBA9567}" type="datetimeFigureOut">
               <a:rPr lang="en-US" dirty="0"/>
               <a:pPr/>
-              <a:t>8/8/2016</a:t>
+              <a:t>8/9/2016</a:t>
             </a:fld>
             <a:endParaRPr lang="en-US" dirty="0"/>
           </a:p>
@@ -5064,7 +5074,7 @@
             <a:fld id="{B61BEF0D-F0BB-DE4B-95CE-6DB70DBA9567}" type="datetimeFigureOut">
               <a:rPr lang="en-US" dirty="0"/>
               <a:pPr/>
-              <a:t>8/8/2016</a:t>
+              <a:t>8/9/2016</a:t>
             </a:fld>
             <a:endParaRPr lang="en-US" dirty="0"/>
           </a:p>
@@ -7115,7 +7125,7 @@
             <a:fld id="{B61BEF0D-F0BB-DE4B-95CE-6DB70DBA9567}" type="datetimeFigureOut">
               <a:rPr lang="en-US" dirty="0"/>
               <a:pPr/>
-              <a:t>8/8/2016</a:t>
+              <a:t>8/9/2016</a:t>
             </a:fld>
             <a:endParaRPr lang="en-US" dirty="0"/>
           </a:p>
@@ -10635,6 +10645,14 @@
   <p:clrMapOvr>
     <a:masterClrMapping/>
   </p:clrMapOvr>
+  <mc:AlternateContent xmlns:mc="http://schemas.openxmlformats.org/markup-compatibility/2006" xmlns:p14="http://schemas.microsoft.com/office/powerpoint/2010/main">
+    <mc:Choice Requires="p14">
+      <p:transition spd="slow" p14:dur="2000"/>
+    </mc:Choice>
+    <mc:Fallback xmlns="">
+      <p:transition spd="slow"/>
+    </mc:Fallback>
+  </mc:AlternateContent>
   <p:timing>
     <p:tnLst>
       <p:par>
@@ -11192,7 +11210,7 @@
             </a:pPr>
             <a:r>
               <a:rPr lang="en-US" dirty="0" smtClean="0"/>
-              <a:t>$@ </a:t>
+              <a:t>$@</a:t>
             </a:r>
             <a:r>
               <a:rPr lang="zh-CN" altLang="en-US" dirty="0" smtClean="0"/>
@@ -16625,6 +16643,121 @@
               <a:rPr lang="zh-CN" altLang="en-US" dirty="0" smtClean="0"/>
               <a:t>）</a:t>
             </a:r>
+            <a:endParaRPr lang="en-US" altLang="zh-CN" dirty="0" smtClean="0"/>
+          </a:p>
+          <a:p>
+            <a:r>
+              <a:rPr lang="en-US" altLang="zh-CN" dirty="0" smtClean="0"/>
+              <a:t>Shell </a:t>
+            </a:r>
+            <a:r>
+              <a:rPr lang="zh-CN" altLang="en-US" dirty="0" smtClean="0"/>
+              <a:t>的种类：</a:t>
+            </a:r>
+            <a:r>
+              <a:rPr lang="en-US" altLang="zh-CN" dirty="0"/>
+              <a:t>Bourne shell</a:t>
+            </a:r>
+            <a:r>
+              <a:rPr lang="zh-CN" altLang="en-US" dirty="0"/>
+              <a:t>（</a:t>
+            </a:r>
+            <a:r>
+              <a:rPr lang="en-US" altLang="zh-CN" dirty="0" err="1"/>
+              <a:t>sh</a:t>
+            </a:r>
+            <a:r>
+              <a:rPr lang="zh-CN" altLang="en-US" dirty="0" smtClean="0"/>
+              <a:t>）、</a:t>
+            </a:r>
+            <a:r>
+              <a:rPr lang="en-US" altLang="zh-CN" dirty="0"/>
+              <a:t>Bourne Again </a:t>
+            </a:r>
+            <a:r>
+              <a:rPr lang="en-US" altLang="zh-CN" dirty="0" smtClean="0"/>
+              <a:t>shell</a:t>
+            </a:r>
+            <a:r>
+              <a:rPr lang="zh-CN" altLang="en-US" dirty="0" smtClean="0"/>
+              <a:t>（</a:t>
+            </a:r>
+            <a:r>
+              <a:rPr lang="en-US" altLang="zh-CN" dirty="0" smtClean="0"/>
+              <a:t>bash</a:t>
+            </a:r>
+            <a:r>
+              <a:rPr lang="zh-CN" altLang="en-US" dirty="0" smtClean="0"/>
+              <a:t>）、</a:t>
+            </a:r>
+            <a:r>
+              <a:rPr lang="en-US" altLang="zh-CN" dirty="0"/>
+              <a:t>C shell</a:t>
+            </a:r>
+            <a:r>
+              <a:rPr lang="zh-CN" altLang="en-US" dirty="0"/>
+              <a:t>（</a:t>
+            </a:r>
+            <a:r>
+              <a:rPr lang="en-US" altLang="zh-CN" dirty="0" err="1"/>
+              <a:t>csh</a:t>
+            </a:r>
+            <a:r>
+              <a:rPr lang="zh-CN" altLang="en-US" dirty="0" smtClean="0"/>
+              <a:t>）、</a:t>
+            </a:r>
+            <a:r>
+              <a:rPr lang="en-US" altLang="zh-CN" dirty="0" err="1"/>
+              <a:t>Korn</a:t>
+            </a:r>
+            <a:r>
+              <a:rPr lang="en-US" altLang="zh-CN" dirty="0"/>
+              <a:t> shell</a:t>
+            </a:r>
+            <a:r>
+              <a:rPr lang="zh-CN" altLang="en-US" dirty="0"/>
+              <a:t>（</a:t>
+            </a:r>
+            <a:r>
+              <a:rPr lang="en-US" altLang="zh-CN" dirty="0" err="1"/>
+              <a:t>ksh</a:t>
+            </a:r>
+            <a:r>
+              <a:rPr lang="zh-CN" altLang="en-US" dirty="0" smtClean="0"/>
+              <a:t>）、</a:t>
+            </a:r>
+            <a:r>
+              <a:rPr lang="en-US" altLang="zh-CN" dirty="0" smtClean="0"/>
+              <a:t>ash</a:t>
+            </a:r>
+            <a:r>
+              <a:rPr lang="zh-CN" altLang="en-US" dirty="0" smtClean="0"/>
+              <a:t>、</a:t>
+            </a:r>
+            <a:r>
+              <a:rPr lang="en-US" altLang="zh-CN" dirty="0" smtClean="0"/>
+              <a:t>dash</a:t>
+            </a:r>
+            <a:r>
+              <a:rPr lang="zh-CN" altLang="en-US" dirty="0" smtClean="0"/>
+              <a:t>、</a:t>
+            </a:r>
+            <a:r>
+              <a:rPr lang="en-US" altLang="zh-CN" dirty="0" smtClean="0"/>
+              <a:t>fish</a:t>
+            </a:r>
+            <a:r>
+              <a:rPr lang="zh-CN" altLang="en-US" dirty="0" smtClean="0"/>
+              <a:t>、</a:t>
+            </a:r>
+            <a:r>
+              <a:rPr lang="en-US" altLang="zh-CN" dirty="0" err="1" smtClean="0"/>
+              <a:t>zsh</a:t>
+            </a:r>
+            <a:r>
+              <a:rPr lang="zh-CN" altLang="en-US" dirty="0" smtClean="0"/>
+              <a:t>等等。</a:t>
+            </a:r>
             <a:endParaRPr lang="zh-CN" altLang="en-US" dirty="0"/>
           </a:p>
         </p:txBody>
@@ -19678,6 +19811,13 @@
   <p:clrMapOvr>
     <a:masterClrMapping/>
   </p:clrMapOvr>
+  <p:timing>
+    <p:tnLst>
+      <p:par>
+        <p:cTn id="1" dur="indefinite" restart="never" nodeType="tmRoot"/>
+      </p:par>
+    </p:tnLst>
+  </p:timing>
 </p:sld>
 </file>
 
@@ -19899,6 +20039,13 @@
   <p:clrMapOvr>
     <a:masterClrMapping/>
   </p:clrMapOvr>
+  <p:timing>
+    <p:tnLst>
+      <p:par>
+        <p:cTn id="1" dur="indefinite" restart="never" nodeType="tmRoot"/>
+      </p:par>
+    </p:tnLst>
+  </p:timing>
 </p:sld>
 </file>
 
@@ -20192,6 +20339,13 @@
   <p:clrMapOvr>
     <a:masterClrMapping/>
   </p:clrMapOvr>
+  <p:timing>
+    <p:tnLst>
+      <p:par>
+        <p:cTn id="1" dur="indefinite" restart="never" nodeType="tmRoot"/>
+      </p:par>
+    </p:tnLst>
+  </p:timing>
 </p:sld>
 </file>
 
@@ -20711,6 +20865,13 @@
   <p:clrMapOvr>
     <a:masterClrMapping/>
   </p:clrMapOvr>
+  <p:timing>
+    <p:tnLst>
+      <p:par>
+        <p:cTn id="1" dur="indefinite" restart="never" nodeType="tmRoot"/>
+      </p:par>
+    </p:tnLst>
+  </p:timing>
 </p:sld>
 </file>
 
@@ -21078,6 +21239,13 @@
   <p:clrMapOvr>
     <a:masterClrMapping/>
   </p:clrMapOvr>
+  <p:timing>
+    <p:tnLst>
+      <p:par>
+        <p:cTn id="1" dur="indefinite" restart="never" nodeType="tmRoot"/>
+      </p:par>
+    </p:tnLst>
+  </p:timing>
 </p:sld>
 </file>
 
@@ -21348,6 +21516,13 @@
   <p:clrMapOvr>
     <a:masterClrMapping/>
   </p:clrMapOvr>
+  <p:timing>
+    <p:tnLst>
+      <p:par>
+        <p:cTn id="1" dur="indefinite" restart="never" nodeType="tmRoot"/>
+      </p:par>
+    </p:tnLst>
+  </p:timing>
 </p:sld>
 </file>
 
@@ -21561,6 +21736,13 @@
   <p:clrMapOvr>
     <a:masterClrMapping/>
   </p:clrMapOvr>
+  <p:timing>
+    <p:tnLst>
+      <p:par>
+        <p:cTn id="1" dur="indefinite" restart="never" nodeType="tmRoot"/>
+      </p:par>
+    </p:tnLst>
+  </p:timing>
 </p:sld>
 </file>
 
@@ -21909,6 +22091,13 @@
   <p:clrMapOvr>
     <a:masterClrMapping/>
   </p:clrMapOvr>
+  <p:timing>
+    <p:tnLst>
+      <p:par>
+        <p:cTn id="1" dur="indefinite" restart="never" nodeType="tmRoot"/>
+      </p:par>
+    </p:tnLst>
+  </p:timing>
 </p:sld>
 </file>
 
@@ -22155,6 +22344,13 @@
   <p:clrMapOvr>
     <a:masterClrMapping/>
   </p:clrMapOvr>
+  <p:timing>
+    <p:tnLst>
+      <p:par>
+        <p:cTn id="1" dur="indefinite" restart="never" nodeType="tmRoot"/>
+      </p:par>
+    </p:tnLst>
+  </p:timing>
 </p:sld>
 </file>
 
@@ -22408,6 +22604,13 @@
   <p:clrMapOvr>
     <a:masterClrMapping/>
   </p:clrMapOvr>
+  <p:timing>
+    <p:tnLst>
+      <p:par>
+        <p:cTn id="1" dur="indefinite" restart="never" nodeType="tmRoot"/>
+      </p:par>
+    </p:tnLst>
+  </p:timing>
 </p:sld>
 </file>
 
@@ -22820,6 +23023,13 @@
   <p:clrMapOvr>
     <a:masterClrMapping/>
   </p:clrMapOvr>
+  <p:timing>
+    <p:tnLst>
+      <p:par>
+        <p:cTn id="1" dur="indefinite" restart="never" nodeType="tmRoot"/>
+      </p:par>
+    </p:tnLst>
+  </p:timing>
 </p:sld>
 </file>
 
@@ -23008,11 +23218,7 @@
           <a:p>
             <a:r>
               <a:rPr lang="zh-CN" altLang="en-US" dirty="0" smtClean="0"/>
-              <a:t>变量操作</a:t>
-            </a:r>
-            <a:r>
-              <a:rPr lang="zh-CN" altLang="en-US" dirty="0" smtClean="0"/>
-              <a:t>命令</a:t>
+              <a:t>变量操作命令</a:t>
             </a:r>
             <a:endParaRPr lang="en-US" altLang="zh-CN" dirty="0" smtClean="0"/>
           </a:p>
@@ -23042,6 +23248,21 @@
   <p:clrMapOvr>
     <a:masterClrMapping/>
   </p:clrMapOvr>
+  <mc:AlternateContent xmlns:mc="http://schemas.openxmlformats.org/markup-compatibility/2006" xmlns:p14="http://schemas.microsoft.com/office/powerpoint/2010/main">
+    <mc:Choice Requires="p14">
+      <p:transition spd="slow" p14:dur="2000"/>
+    </mc:Choice>
+    <mc:Fallback xmlns="">
+      <p:transition spd="slow"/>
+    </mc:Fallback>
+  </mc:AlternateContent>
+  <p:timing>
+    <p:tnLst>
+      <p:par>
+        <p:cTn id="1" dur="indefinite" restart="never" nodeType="tmRoot"/>
+      </p:par>
+    </p:tnLst>
+  </p:timing>
 </p:sld>
 </file>
 
@@ -23425,6 +23646,13 @@
   <p:clrMapOvr>
     <a:masterClrMapping/>
   </p:clrMapOvr>
+  <p:timing>
+    <p:tnLst>
+      <p:par>
+        <p:cTn id="1" dur="indefinite" restart="never" nodeType="tmRoot"/>
+      </p:par>
+    </p:tnLst>
+  </p:timing>
 </p:sld>
 </file>
 
@@ -23788,6 +24016,13 @@
   <p:clrMapOvr>
     <a:masterClrMapping/>
   </p:clrMapOvr>
+  <p:timing>
+    <p:tnLst>
+      <p:par>
+        <p:cTn id="1" dur="indefinite" restart="never" nodeType="tmRoot"/>
+      </p:par>
+    </p:tnLst>
+  </p:timing>
 </p:sld>
 </file>
 
@@ -24037,7 +24272,7 @@
             </a:r>
             <a:r>
               <a:rPr lang="zh-CN" altLang="en-US" dirty="0" smtClean="0"/>
-              <a:t>变量内容），一个成功的</a:t>
+              <a:t>变量内容），成功执行的</a:t>
             </a:r>
             <a:r>
               <a:rPr lang="en-US" altLang="zh-CN" dirty="0" err="1" smtClean="0"/>
@@ -24099,6 +24334,13 @@
   <p:clrMapOvr>
     <a:masterClrMapping/>
   </p:clrMapOvr>
+  <p:timing>
+    <p:tnLst>
+      <p:par>
+        <p:cTn id="1" dur="indefinite" restart="never" nodeType="tmRoot"/>
+      </p:par>
+    </p:tnLst>
+  </p:timing>
 </p:sld>
 </file>
 
@@ -24154,7 +24396,9 @@
         </p:nvSpPr>
         <p:spPr/>
         <p:txBody>
-          <a:bodyPr/>
+          <a:bodyPr>
+            <a:normAutofit fontScale="92500" lnSpcReduction="10000"/>
+          </a:bodyPr>
           <a:lstStyle/>
           <a:p>
             <a:r>
@@ -24265,8 +24509,123 @@
           </a:p>
           <a:p>
             <a:r>
+              <a:rPr lang="en-US" altLang="zh-CN" dirty="0" smtClean="0"/>
+              <a:t>set </a:t>
+            </a:r>
+            <a:r>
+              <a:rPr lang="zh-CN" altLang="en-US" dirty="0" smtClean="0"/>
+              <a:t>命令用来修改脚本内部变量或选项，它的一个作用是触发选项标志位来决定脚本的行为；另</a:t>
+            </a:r>
+            <a:r>
+              <a:rPr lang="zh-CN" altLang="en-US" dirty="0"/>
+              <a:t>一个作用是以一个命令的</a:t>
+            </a:r>
+            <a:r>
+              <a:rPr lang="zh-CN" altLang="en-US" dirty="0" smtClean="0"/>
+              <a:t>结果（</a:t>
+            </a:r>
+            <a:r>
+              <a:rPr lang="en-US" altLang="zh-CN" dirty="0"/>
+              <a:t>set `command</a:t>
+            </a:r>
+            <a:r>
+              <a:rPr lang="en-US" altLang="zh-CN" dirty="0" smtClean="0"/>
+              <a:t>`</a:t>
+            </a:r>
+            <a:r>
+              <a:rPr lang="zh-CN" altLang="en-US" dirty="0" smtClean="0"/>
+              <a:t>）来</a:t>
+            </a:r>
+            <a:r>
+              <a:rPr lang="zh-CN" altLang="en-US" dirty="0"/>
+              <a:t>重新设置脚本的</a:t>
+            </a:r>
+            <a:r>
+              <a:rPr lang="zh-CN" altLang="en-US" dirty="0" smtClean="0"/>
+              <a:t>位置参数，脚本将解析命令输出中的字段（以空格分隔）。</a:t>
+            </a:r>
+            <a:r>
+              <a:rPr lang="en-US" altLang="zh-CN" dirty="0" smtClean="0"/>
+              <a:t>e.g. set-test.sh</a:t>
+            </a:r>
+          </a:p>
+          <a:p>
+            <a:pPr marL="0" indent="0">
+              <a:buNone/>
+            </a:pPr>
+            <a:r>
+              <a:rPr lang="zh-CN" altLang="en-US" dirty="0"/>
+              <a:t>不使用任何选项或</a:t>
+            </a:r>
+            <a:r>
+              <a:rPr lang="zh-CN" altLang="en-US" dirty="0" smtClean="0"/>
+              <a:t>参数调用</a:t>
+            </a:r>
+            <a:r>
               <a:rPr lang="en-US" altLang="zh-CN" dirty="0"/>
               <a:t>set</a:t>
+            </a:r>
+            <a:r>
+              <a:rPr lang="zh-CN" altLang="en-US" dirty="0" smtClean="0"/>
+              <a:t>命令，将</a:t>
+            </a:r>
+            <a:r>
+              <a:rPr lang="zh-CN" altLang="en-US" dirty="0"/>
+              <a:t>会列出所有的环境</a:t>
+            </a:r>
+            <a:r>
+              <a:rPr lang="zh-CN" altLang="en-US" dirty="0" smtClean="0"/>
+              <a:t>变量以及其他已初始化的变量。</a:t>
+            </a:r>
+            <a:endParaRPr lang="en-US" altLang="zh-CN" dirty="0" smtClean="0"/>
+          </a:p>
+          <a:p>
+            <a:pPr marL="0" indent="0">
+              <a:buNone/>
+            </a:pPr>
+            <a:r>
+              <a:rPr lang="zh-CN" altLang="en-US" dirty="0" smtClean="0"/>
+              <a:t>使用 </a:t>
+            </a:r>
+            <a:r>
+              <a:rPr lang="en-US" altLang="zh-CN" dirty="0" smtClean="0"/>
+              <a:t>- - </a:t>
+            </a:r>
+            <a:r>
+              <a:rPr lang="zh-CN" altLang="en-US" dirty="0" smtClean="0"/>
+              <a:t>选项调用</a:t>
+            </a:r>
+            <a:r>
+              <a:rPr lang="en-US" altLang="zh-CN" dirty="0" smtClean="0"/>
+              <a:t>set</a:t>
+            </a:r>
+            <a:r>
+              <a:rPr lang="zh-CN" altLang="en-US" dirty="0" smtClean="0"/>
+              <a:t>命令，则将位于 </a:t>
+            </a:r>
+            <a:r>
+              <a:rPr lang="en-US" altLang="zh-CN" dirty="0" smtClean="0"/>
+              <a:t>- - </a:t>
+            </a:r>
+            <a:r>
+              <a:rPr lang="zh-CN" altLang="en-US" dirty="0" smtClean="0"/>
+              <a:t>后面的变量内容分配给位置参数，如果 </a:t>
+            </a:r>
+            <a:r>
+              <a:rPr lang="en-US" altLang="zh-CN" dirty="0" smtClean="0"/>
+              <a:t>- - </a:t>
+            </a:r>
+            <a:r>
+              <a:rPr lang="zh-CN" altLang="en-US" dirty="0" smtClean="0"/>
+              <a:t>后面没有跟随变量，则取消位置参数的设置。</a:t>
+            </a:r>
+            <a:r>
+              <a:rPr lang="en-US" altLang="zh-CN" dirty="0" smtClean="0"/>
+              <a:t>e.g</a:t>
+            </a:r>
+            <a:r>
+              <a:rPr lang="en-US" altLang="zh-CN" dirty="0"/>
+              <a:t>. set-variable.sh</a:t>
             </a:r>
             <a:endParaRPr lang="en-US" dirty="0"/>
           </a:p>
@@ -24282,6 +24641,13 @@
   <p:clrMapOvr>
     <a:masterClrMapping/>
   </p:clrMapOvr>
+  <p:timing>
+    <p:tnLst>
+      <p:par>
+        <p:cTn id="1" dur="indefinite" restart="never" nodeType="tmRoot"/>
+      </p:par>
+    </p:tnLst>
+  </p:timing>
 </p:sld>
 </file>
 
@@ -24319,7 +24685,7 @@
           <a:p>
             <a:r>
               <a:rPr lang="zh-CN" altLang="en-US" dirty="0" smtClean="0"/>
-              <a:t>高级主题</a:t>
+              <a:t>变量操作命令</a:t>
             </a:r>
             <a:endParaRPr lang="zh-CN" altLang="en-US" dirty="0"/>
           </a:p>
@@ -24341,64 +24707,279 @@
           <a:lstStyle/>
           <a:p>
             <a:r>
-              <a:rPr lang="zh-CN" altLang="en-US" dirty="0" smtClean="0"/>
-              <a:t>数组</a:t>
+              <a:rPr lang="en-US" altLang="zh-CN" dirty="0" smtClean="0"/>
+              <a:t>unset </a:t>
+            </a:r>
+            <a:r>
+              <a:rPr lang="zh-CN" altLang="en-US" dirty="0" smtClean="0"/>
+              <a:t>命令</a:t>
+            </a:r>
+            <a:r>
+              <a:rPr lang="zh-CN" altLang="en-US" dirty="0"/>
+              <a:t>用来删除一个</a:t>
+            </a:r>
+            <a:r>
+              <a:rPr lang="en-US" altLang="zh-CN" dirty="0"/>
+              <a:t>shell</a:t>
+            </a:r>
+            <a:r>
+              <a:rPr lang="zh-CN" altLang="en-US" dirty="0" smtClean="0"/>
+              <a:t>变量，等效于把</a:t>
+            </a:r>
+            <a:r>
+              <a:rPr lang="zh-CN" altLang="en-US" dirty="0"/>
+              <a:t>这个变量设为</a:t>
+            </a:r>
+            <a:r>
+              <a:rPr lang="en-US" altLang="zh-CN" dirty="0" smtClean="0"/>
+              <a:t>null</a:t>
+            </a:r>
+            <a:r>
+              <a:rPr lang="zh-CN" altLang="en-US" dirty="0"/>
+              <a:t>。</a:t>
+            </a:r>
+            <a:r>
+              <a:rPr lang="zh-CN" altLang="en-US" dirty="0" smtClean="0"/>
+              <a:t>注意</a:t>
+            </a:r>
+            <a:r>
+              <a:rPr lang="zh-CN" altLang="en-US" dirty="0"/>
+              <a:t>：</a:t>
+            </a:r>
+            <a:r>
+              <a:rPr lang="zh-CN" altLang="en-US" dirty="0" smtClean="0"/>
+              <a:t>这个</a:t>
+            </a:r>
+            <a:r>
+              <a:rPr lang="zh-CN" altLang="en-US" dirty="0"/>
+              <a:t>命令对位置参数</a:t>
+            </a:r>
+            <a:r>
+              <a:rPr lang="zh-CN" altLang="en-US" dirty="0" smtClean="0"/>
+              <a:t>无效。</a:t>
+            </a:r>
+            <a:r>
+              <a:rPr lang="en-US" altLang="zh-CN" dirty="0" smtClean="0"/>
+              <a:t>e.g. unset.sh</a:t>
+            </a:r>
+          </a:p>
+          <a:p>
+            <a:r>
+              <a:rPr lang="en-US" altLang="zh-CN" dirty="0" smtClean="0"/>
+              <a:t>export </a:t>
+            </a:r>
+            <a:r>
+              <a:rPr lang="zh-CN" altLang="en-US" dirty="0" smtClean="0"/>
+              <a:t>命令使得</a:t>
+            </a:r>
+            <a:r>
+              <a:rPr lang="zh-CN" altLang="en-US" dirty="0"/>
+              <a:t>被</a:t>
+            </a:r>
+            <a:r>
+              <a:rPr lang="en-US" altLang="zh-CN" dirty="0"/>
+              <a:t>export</a:t>
+            </a:r>
+            <a:r>
+              <a:rPr lang="zh-CN" altLang="en-US" dirty="0"/>
+              <a:t>的变量在所运行</a:t>
+            </a:r>
+            <a:r>
+              <a:rPr lang="zh-CN" altLang="en-US" dirty="0" smtClean="0"/>
+              <a:t>脚本或</a:t>
+            </a:r>
+            <a:r>
+              <a:rPr lang="en-US" altLang="zh-CN" dirty="0" smtClean="0"/>
+              <a:t>shell</a:t>
+            </a:r>
+            <a:r>
+              <a:rPr lang="zh-CN" altLang="en-US" dirty="0" smtClean="0"/>
+              <a:t>的</a:t>
+            </a:r>
+            <a:r>
+              <a:rPr lang="zh-CN" altLang="en-US" dirty="0"/>
+              <a:t>所有子进程中都</a:t>
+            </a:r>
+            <a:r>
+              <a:rPr lang="zh-CN" altLang="en-US" dirty="0" smtClean="0"/>
+              <a:t>可用。</a:t>
             </a:r>
             <a:endParaRPr lang="en-US" altLang="zh-CN" dirty="0" smtClean="0"/>
           </a:p>
           <a:p>
-            <a:r>
-              <a:rPr lang="en-US" altLang="zh-CN" dirty="0" smtClean="0"/>
-              <a:t>I/O</a:t>
-            </a:r>
-            <a:r>
-              <a:rPr lang="zh-CN" altLang="en-US" dirty="0" smtClean="0"/>
-              <a:t>重定向</a:t>
+            <a:pPr marL="0" indent="0">
+              <a:buNone/>
+            </a:pPr>
+            <a:r>
+              <a:rPr lang="zh-CN" altLang="en-US" dirty="0" smtClean="0"/>
+              <a:t>注：无法将</a:t>
+            </a:r>
+            <a:r>
+              <a:rPr lang="zh-CN" altLang="en-US" dirty="0"/>
+              <a:t>变量</a:t>
+            </a:r>
+            <a:r>
+              <a:rPr lang="en-US" altLang="zh-CN" dirty="0"/>
+              <a:t>export</a:t>
+            </a:r>
+            <a:r>
+              <a:rPr lang="zh-CN" altLang="en-US" dirty="0"/>
+              <a:t>到父</a:t>
+            </a:r>
+            <a:r>
+              <a:rPr lang="zh-CN" altLang="en-US" dirty="0" smtClean="0"/>
+              <a:t>进程，即调用</a:t>
+            </a:r>
+            <a:r>
+              <a:rPr lang="zh-CN" altLang="en-US" dirty="0"/>
+              <a:t>这个</a:t>
+            </a:r>
+            <a:r>
+              <a:rPr lang="zh-CN" altLang="en-US" dirty="0" smtClean="0"/>
+              <a:t>脚本或</a:t>
+            </a:r>
+            <a:r>
+              <a:rPr lang="en-US" altLang="zh-CN" dirty="0" smtClean="0"/>
+              <a:t>shell</a:t>
+            </a:r>
+            <a:r>
+              <a:rPr lang="zh-CN" altLang="en-US" dirty="0" smtClean="0"/>
+              <a:t>的进程。</a:t>
             </a:r>
             <a:endParaRPr lang="en-US" altLang="zh-CN" dirty="0" smtClean="0"/>
           </a:p>
           <a:p>
-            <a:r>
-              <a:rPr lang="zh-CN" altLang="en-US" dirty="0" smtClean="0"/>
-              <a:t>间接引用</a:t>
+            <a:pPr marL="0" indent="0">
+              <a:buNone/>
+            </a:pPr>
+            <a:r>
+              <a:rPr lang="zh-CN" altLang="en-US" dirty="0" smtClean="0"/>
+              <a:t>关于</a:t>
+            </a:r>
+            <a:r>
+              <a:rPr lang="en-US" altLang="zh-CN" dirty="0"/>
+              <a:t>export</a:t>
+            </a:r>
+            <a:r>
+              <a:rPr lang="zh-CN" altLang="en-US" dirty="0"/>
+              <a:t>命令的一个重要的用法就是使用在启动文件</a:t>
+            </a:r>
+            <a:r>
+              <a:rPr lang="zh-CN" altLang="en-US" dirty="0" smtClean="0"/>
+              <a:t>中，初始化环境变量，使其在后续的用户进程中可以访问。</a:t>
             </a:r>
             <a:endParaRPr lang="en-US" altLang="zh-CN" dirty="0" smtClean="0"/>
           </a:p>
           <a:p>
-            <a:r>
-              <a:rPr lang="zh-CN" altLang="en-US" dirty="0" smtClean="0"/>
-              <a:t>函数</a:t>
+            <a:pPr marL="0" indent="0">
+              <a:buNone/>
+            </a:pPr>
+            <a:r>
+              <a:rPr lang="en-US" altLang="zh-CN" dirty="0" smtClean="0"/>
+              <a:t>e.g. </a:t>
+            </a:r>
+            <a:r>
+              <a:rPr lang="zh-CN" altLang="en-US" dirty="0" smtClean="0"/>
+              <a:t>使用</a:t>
+            </a:r>
+            <a:r>
+              <a:rPr lang="en-US" altLang="zh-CN" dirty="0"/>
+              <a:t>export</a:t>
+            </a:r>
+            <a:r>
+              <a:rPr lang="zh-CN" altLang="en-US" dirty="0"/>
+              <a:t>命令来将一个变量传递到一个内嵌</a:t>
+            </a:r>
+            <a:r>
+              <a:rPr lang="en-US" altLang="zh-CN" dirty="0" err="1"/>
+              <a:t>awk</a:t>
+            </a:r>
+            <a:r>
+              <a:rPr lang="zh-CN" altLang="en-US" dirty="0"/>
+              <a:t>的脚本</a:t>
+            </a:r>
+            <a:r>
+              <a:rPr lang="zh-CN" altLang="en-US" dirty="0" smtClean="0"/>
+              <a:t>中（</a:t>
+            </a:r>
+            <a:r>
+              <a:rPr lang="en-US" altLang="zh-CN" dirty="0" smtClean="0"/>
+              <a:t>export.sh</a:t>
+            </a:r>
+            <a:r>
+              <a:rPr lang="zh-CN" altLang="en-US" dirty="0" smtClean="0"/>
+              <a:t>）。</a:t>
             </a:r>
             <a:endParaRPr lang="en-US" altLang="zh-CN" dirty="0" smtClean="0"/>
           </a:p>
           <a:p>
             <a:r>
-              <a:rPr lang="zh-CN" altLang="en-US" dirty="0" smtClean="0"/>
-              <a:t>子</a:t>
+              <a:rPr lang="en-US" altLang="zh-CN" dirty="0"/>
+              <a:t>declare, </a:t>
+            </a:r>
+            <a:r>
+              <a:rPr lang="en-US" altLang="zh-CN" dirty="0" smtClean="0"/>
+              <a:t>typeset </a:t>
+            </a:r>
+            <a:r>
+              <a:rPr lang="zh-CN" altLang="en-US" dirty="0" smtClean="0"/>
+              <a:t>用来指定</a:t>
+            </a:r>
+            <a:r>
+              <a:rPr lang="zh-CN" altLang="en-US" dirty="0"/>
+              <a:t>或限制变量的</a:t>
+            </a:r>
+            <a:r>
+              <a:rPr lang="zh-CN" altLang="en-US" dirty="0" smtClean="0"/>
+              <a:t>属性。</a:t>
+            </a:r>
+            <a:endParaRPr lang="en-US" altLang="zh-CN" dirty="0" smtClean="0"/>
+          </a:p>
+          <a:p>
+            <a:r>
+              <a:rPr lang="en-US" altLang="zh-CN" dirty="0" err="1" smtClean="0"/>
+              <a:t>readonly</a:t>
+            </a:r>
+            <a:r>
+              <a:rPr lang="en-US" altLang="zh-CN" dirty="0" smtClean="0"/>
+              <a:t> </a:t>
+            </a:r>
+            <a:r>
+              <a:rPr lang="zh-CN" altLang="en-US" dirty="0" smtClean="0"/>
+              <a:t>与 </a:t>
+            </a:r>
+            <a:r>
+              <a:rPr lang="en-US" altLang="zh-CN" dirty="0" smtClean="0"/>
+              <a:t>declare -r </a:t>
+            </a:r>
+            <a:r>
+              <a:rPr lang="zh-CN" altLang="en-US" dirty="0" smtClean="0"/>
+              <a:t>相同，设置变量为只读。修改只读变量将会产生一个错误信息，这是</a:t>
             </a:r>
             <a:r>
               <a:rPr lang="en-US" altLang="zh-CN" dirty="0" smtClean="0"/>
               <a:t>shell</a:t>
             </a:r>
-          </a:p>
-          <a:p>
-            <a:r>
-              <a:rPr lang="en-US" altLang="zh-CN" dirty="0"/>
-              <a:t>Here </a:t>
-            </a:r>
-            <a:r>
-              <a:rPr lang="en-US" altLang="zh-CN" dirty="0" smtClean="0"/>
-              <a:t>Documents</a:t>
-            </a:r>
-          </a:p>
-          <a:p>
-            <a:r>
-              <a:rPr lang="zh-CN" altLang="en-US" dirty="0" smtClean="0"/>
-              <a:t>正则表达式</a:t>
-            </a:r>
-            <a:endParaRPr lang="en-US" altLang="zh-CN" dirty="0" smtClean="0"/>
-          </a:p>
-          <a:p>
+            <a:r>
+              <a:rPr lang="zh-CN" altLang="en-US" dirty="0" smtClean="0"/>
+              <a:t>对</a:t>
+            </a:r>
+            <a:r>
+              <a:rPr lang="en-US" altLang="zh-CN" dirty="0" smtClean="0"/>
+              <a:t>C</a:t>
+            </a:r>
+            <a:r>
+              <a:rPr lang="zh-CN" altLang="en-US" dirty="0" smtClean="0"/>
+              <a:t>语言的</a:t>
+            </a:r>
+            <a:r>
+              <a:rPr lang="en-US" altLang="zh-CN" dirty="0" err="1" smtClean="0"/>
+              <a:t>const</a:t>
+            </a:r>
+            <a:r>
+              <a:rPr lang="zh-CN" altLang="en-US" dirty="0" smtClean="0"/>
+              <a:t>类型限定符的模拟。</a:t>
+            </a:r>
             <a:endParaRPr lang="zh-CN" altLang="en-US" dirty="0"/>
           </a:p>
         </p:txBody>
@@ -24406,13 +24987,20 @@
     </p:spTree>
     <p:extLst>
       <p:ext uri="{BB962C8B-B14F-4D97-AF65-F5344CB8AC3E}">
-        <p14:creationId xmlns:p14="http://schemas.microsoft.com/office/powerpoint/2010/main" val="236508047"/>
+        <p14:creationId xmlns:p14="http://schemas.microsoft.com/office/powerpoint/2010/main" val="937576371"/>
       </p:ext>
     </p:extLst>
   </p:cSld>
   <p:clrMapOvr>
     <a:masterClrMapping/>
   </p:clrMapOvr>
+  <p:timing>
+    <p:tnLst>
+      <p:par>
+        <p:cTn id="1" dur="indefinite" restart="never" nodeType="tmRoot"/>
+      </p:par>
+    </p:tnLst>
+  </p:timing>
 </p:sld>
 </file>
 
@@ -24450,7 +25038,7 @@
           <a:p>
             <a:r>
               <a:rPr lang="zh-CN" altLang="en-US" dirty="0" smtClean="0"/>
-              <a:t>实用工具</a:t>
+              <a:t>变量操作命令</a:t>
             </a:r>
             <a:endParaRPr lang="zh-CN" altLang="en-US" dirty="0"/>
           </a:p>
@@ -24468,61 +25056,420 @@
         </p:nvSpPr>
         <p:spPr/>
         <p:txBody>
-          <a:bodyPr/>
+          <a:bodyPr>
+            <a:normAutofit fontScale="85000" lnSpcReduction="20000"/>
+          </a:bodyPr>
           <a:lstStyle/>
           <a:p>
             <a:r>
-              <a:rPr lang="en-US" altLang="zh-CN" dirty="0" smtClean="0"/>
-              <a:t>cut </a:t>
-            </a:r>
-            <a:r>
-              <a:rPr lang="zh-CN" altLang="en-US" dirty="0" smtClean="0"/>
-              <a:t>的用法</a:t>
-            </a:r>
-            <a:endParaRPr lang="en-US" altLang="zh-CN" dirty="0"/>
-          </a:p>
-          <a:p>
-            <a:r>
-              <a:rPr lang="en-US" altLang="zh-CN" dirty="0" smtClean="0"/>
-              <a:t>grep </a:t>
-            </a:r>
-            <a:r>
-              <a:rPr lang="zh-CN" altLang="en-US" dirty="0" smtClean="0"/>
-              <a:t>的用法</a:t>
+              <a:rPr lang="en-US" altLang="zh-CN" dirty="0" err="1" smtClean="0"/>
+              <a:t>getopts</a:t>
             </a:r>
             <a:endParaRPr lang="en-US" altLang="zh-CN" dirty="0" smtClean="0"/>
           </a:p>
           <a:p>
-            <a:r>
-              <a:rPr lang="en-US" altLang="zh-CN" dirty="0" smtClean="0"/>
-              <a:t>sed </a:t>
-            </a:r>
-            <a:r>
-              <a:rPr lang="zh-CN" altLang="en-US" dirty="0" smtClean="0"/>
-              <a:t>的用法</a:t>
+            <a:pPr marL="0" indent="0">
+              <a:buNone/>
+            </a:pPr>
+            <a:r>
+              <a:rPr lang="zh-CN" altLang="en-US" dirty="0" smtClean="0"/>
+              <a:t>这个命令是解析传递给脚本的命令行参数的强大工具，它是</a:t>
+            </a:r>
+            <a:r>
+              <a:rPr lang="en-US" altLang="zh-CN" dirty="0" smtClean="0"/>
+              <a:t>bash</a:t>
+            </a:r>
+            <a:r>
+              <a:rPr lang="zh-CN" altLang="en-US" dirty="0" smtClean="0"/>
+              <a:t>模仿</a:t>
+            </a:r>
+            <a:r>
+              <a:rPr lang="en-US" altLang="zh-CN" dirty="0" err="1" smtClean="0"/>
+              <a:t>getopt</a:t>
+            </a:r>
+            <a:r>
+              <a:rPr lang="zh-CN" altLang="en-US" dirty="0" smtClean="0"/>
+              <a:t>外部命令和</a:t>
+            </a:r>
+            <a:r>
+              <a:rPr lang="en-US" altLang="zh-CN" dirty="0" smtClean="0"/>
+              <a:t>C</a:t>
+            </a:r>
+            <a:r>
+              <a:rPr lang="zh-CN" altLang="en-US" dirty="0" smtClean="0"/>
+              <a:t>程序员所熟悉的</a:t>
+            </a:r>
+            <a:r>
+              <a:rPr lang="en-US" altLang="zh-CN" dirty="0" err="1" smtClean="0"/>
+              <a:t>getopt</a:t>
+            </a:r>
+            <a:r>
+              <a:rPr lang="zh-CN" altLang="en-US" dirty="0" smtClean="0"/>
+              <a:t>库函数的功能。它允许传递和连接多个选项及其关联参数到脚本（例如</a:t>
+            </a:r>
+            <a:r>
+              <a:rPr lang="en-US" altLang="zh-CN" dirty="0" err="1" smtClean="0"/>
+              <a:t>scriptname</a:t>
+            </a:r>
+            <a:r>
+              <a:rPr lang="en-US" altLang="zh-CN" dirty="0" smtClean="0"/>
+              <a:t> -</a:t>
+            </a:r>
+            <a:r>
+              <a:rPr lang="en-US" altLang="zh-CN" dirty="0" err="1" smtClean="0"/>
+              <a:t>abc</a:t>
+            </a:r>
+            <a:r>
+              <a:rPr lang="en-US" altLang="zh-CN" dirty="0" smtClean="0"/>
+              <a:t> -e /</a:t>
+            </a:r>
+            <a:r>
+              <a:rPr lang="en-US" altLang="zh-CN" dirty="0" err="1" smtClean="0"/>
+              <a:t>usr</a:t>
+            </a:r>
+            <a:r>
+              <a:rPr lang="en-US" altLang="zh-CN" dirty="0" smtClean="0"/>
+              <a:t>/local</a:t>
+            </a:r>
+            <a:r>
+              <a:rPr lang="zh-CN" altLang="en-US" dirty="0" smtClean="0"/>
+              <a:t>）。</a:t>
             </a:r>
             <a:endParaRPr lang="en-US" altLang="zh-CN" dirty="0" smtClean="0"/>
           </a:p>
           <a:p>
-            <a:r>
-              <a:rPr lang="en-US" altLang="zh-CN" dirty="0" smtClean="0"/>
-              <a:t>awk </a:t>
-            </a:r>
-            <a:r>
-              <a:rPr lang="zh-CN" altLang="en-US" dirty="0" smtClean="0"/>
-              <a:t>的用法</a:t>
+            <a:pPr marL="0" indent="0">
+              <a:buNone/>
+            </a:pPr>
+            <a:r>
+              <a:rPr lang="en-US" altLang="zh-CN" dirty="0" err="1" smtClean="0"/>
+              <a:t>getopts</a:t>
+            </a:r>
+            <a:r>
+              <a:rPr lang="en-US" altLang="zh-CN" dirty="0" smtClean="0"/>
+              <a:t> </a:t>
+            </a:r>
+            <a:r>
+              <a:rPr lang="zh-CN" altLang="en-US" dirty="0" smtClean="0"/>
+              <a:t>结构使用两个隐含变量：</a:t>
+            </a:r>
+            <a:r>
+              <a:rPr lang="en-US" altLang="zh-CN" dirty="0"/>
+              <a:t>$OPTIND </a:t>
+            </a:r>
+            <a:r>
+              <a:rPr lang="zh-CN" altLang="en-US" dirty="0" smtClean="0"/>
+              <a:t>参数指针（选项索引 </a:t>
+            </a:r>
+            <a:r>
+              <a:rPr lang="en-US" altLang="zh-CN" dirty="0" err="1" smtClean="0"/>
+              <a:t>OPTion</a:t>
+            </a:r>
+            <a:r>
+              <a:rPr lang="en-US" altLang="zh-CN" dirty="0" smtClean="0"/>
+              <a:t> </a:t>
+            </a:r>
+            <a:r>
+              <a:rPr lang="en-US" altLang="zh-CN" dirty="0" err="1"/>
+              <a:t>INDex</a:t>
+            </a:r>
+            <a:r>
+              <a:rPr lang="zh-CN" altLang="en-US" dirty="0" smtClean="0"/>
+              <a:t>）和</a:t>
+            </a:r>
+            <a:r>
+              <a:rPr lang="en-US" altLang="zh-CN" dirty="0" smtClean="0"/>
+              <a:t>$OPTARG</a:t>
+            </a:r>
+            <a:r>
+              <a:rPr lang="zh-CN" altLang="en-US" dirty="0" smtClean="0"/>
+              <a:t>（选项参数 </a:t>
+            </a:r>
+            <a:r>
+              <a:rPr lang="en-US" altLang="zh-CN" dirty="0" err="1" smtClean="0"/>
+              <a:t>OPTion</a:t>
+            </a:r>
+            <a:r>
+              <a:rPr lang="en-US" altLang="zh-CN" dirty="0" smtClean="0"/>
+              <a:t> </a:t>
+            </a:r>
+            <a:r>
+              <a:rPr lang="en-US" altLang="zh-CN" dirty="0" err="1" smtClean="0"/>
+              <a:t>ARGument</a:t>
+            </a:r>
+            <a:r>
+              <a:rPr lang="zh-CN" altLang="en-US" dirty="0" smtClean="0"/>
+              <a:t>）（可选的）选项附加</a:t>
+            </a:r>
+            <a:r>
+              <a:rPr lang="zh-CN" altLang="en-US" dirty="0"/>
+              <a:t>参数。在声明</a:t>
+            </a:r>
+            <a:r>
+              <a:rPr lang="zh-CN" altLang="en-US" dirty="0" smtClean="0"/>
+              <a:t>标签（</a:t>
+            </a:r>
+            <a:r>
+              <a:rPr lang="en-US" altLang="zh-CN" dirty="0"/>
+              <a:t>declaration tags </a:t>
+            </a:r>
+            <a:r>
+              <a:rPr lang="zh-CN" altLang="en-US" dirty="0" smtClean="0"/>
+              <a:t>）中，选项名跟随一个冒号表示该选项附带一个关联的参数。</a:t>
             </a:r>
             <a:endParaRPr lang="en-US" altLang="zh-CN" dirty="0" smtClean="0"/>
           </a:p>
           <a:p>
-            <a:endParaRPr lang="zh-CN" altLang="en-US" dirty="0"/>
+            <a:pPr marL="0" indent="0">
+              <a:buNone/>
+            </a:pPr>
+            <a:r>
+              <a:rPr lang="en-US" altLang="zh-CN" dirty="0" err="1" smtClean="0"/>
+              <a:t>getopts</a:t>
+            </a:r>
+            <a:r>
+              <a:rPr lang="en-US" altLang="zh-CN" dirty="0" smtClean="0"/>
+              <a:t> </a:t>
+            </a:r>
+            <a:r>
+              <a:rPr lang="zh-CN" altLang="en-US" dirty="0" smtClean="0"/>
+              <a:t>结构通常组合在</a:t>
+            </a:r>
+            <a:r>
+              <a:rPr lang="zh-CN" altLang="en-US" dirty="0"/>
+              <a:t>一个</a:t>
+            </a:r>
+            <a:r>
+              <a:rPr lang="en-US" altLang="zh-CN" dirty="0"/>
+              <a:t>while</a:t>
+            </a:r>
+            <a:r>
+              <a:rPr lang="zh-CN" altLang="en-US" dirty="0"/>
+              <a:t>循环</a:t>
+            </a:r>
+            <a:r>
+              <a:rPr lang="zh-CN" altLang="en-US" dirty="0" smtClean="0"/>
+              <a:t>中，每次</a:t>
+            </a:r>
+            <a:r>
+              <a:rPr lang="zh-CN" altLang="en-US" dirty="0"/>
+              <a:t>处理一个选项和</a:t>
+            </a:r>
+            <a:r>
+              <a:rPr lang="zh-CN" altLang="en-US" dirty="0" smtClean="0"/>
+              <a:t>参数</a:t>
+            </a:r>
+            <a:r>
+              <a:rPr lang="zh-CN" altLang="en-US" dirty="0"/>
+              <a:t>，</a:t>
+            </a:r>
+            <a:r>
+              <a:rPr lang="zh-CN" altLang="en-US" dirty="0" smtClean="0"/>
+              <a:t>然后</a:t>
+            </a:r>
+            <a:r>
+              <a:rPr lang="zh-CN" altLang="en-US" dirty="0"/>
+              <a:t>增加隐含变量</a:t>
+            </a:r>
+            <a:r>
+              <a:rPr lang="en-US" altLang="zh-CN" dirty="0"/>
+              <a:t>$OPTIND</a:t>
+            </a:r>
+            <a:r>
+              <a:rPr lang="zh-CN" altLang="en-US" dirty="0"/>
+              <a:t>的</a:t>
+            </a:r>
+            <a:r>
+              <a:rPr lang="zh-CN" altLang="en-US" dirty="0" smtClean="0"/>
+              <a:t>值，指向下一个选项。</a:t>
+            </a:r>
+            <a:endParaRPr lang="en-US" altLang="zh-CN" dirty="0" smtClean="0"/>
+          </a:p>
+          <a:p>
+            <a:pPr marL="0" indent="0">
+              <a:buNone/>
+            </a:pPr>
+            <a:r>
+              <a:rPr lang="en-US" altLang="zh-CN" dirty="0" err="1" smtClean="0"/>
+              <a:t>getopts</a:t>
+            </a:r>
+            <a:r>
+              <a:rPr lang="en-US" altLang="zh-CN" dirty="0" smtClean="0"/>
+              <a:t> </a:t>
+            </a:r>
+            <a:r>
+              <a:rPr lang="zh-CN" altLang="en-US" dirty="0" smtClean="0"/>
+              <a:t>结构说明：</a:t>
+            </a:r>
+            <a:r>
+              <a:rPr lang="en-US" altLang="zh-CN" dirty="0" smtClean="0"/>
+              <a:t>e.g. getopts.sh, getopts-example.sh</a:t>
+            </a:r>
+          </a:p>
+          <a:p>
+            <a:pPr>
+              <a:buAutoNum type="arabicPeriod"/>
+            </a:pPr>
+            <a:r>
+              <a:rPr lang="zh-CN" altLang="en-US" dirty="0" smtClean="0"/>
+              <a:t>从命令行</a:t>
+            </a:r>
+            <a:r>
+              <a:rPr lang="zh-CN" altLang="en-US" dirty="0"/>
+              <a:t>传递到脚本中的</a:t>
+            </a:r>
+            <a:r>
+              <a:rPr lang="zh-CN" altLang="en-US" dirty="0" smtClean="0"/>
+              <a:t>参数，前边</a:t>
+            </a:r>
+            <a:r>
+              <a:rPr lang="zh-CN" altLang="en-US" dirty="0"/>
+              <a:t>必须加上一</a:t>
+            </a:r>
+            <a:r>
+              <a:rPr lang="zh-CN" altLang="en-US" dirty="0" smtClean="0"/>
+              <a:t>个破折号（</a:t>
+            </a:r>
+            <a:r>
+              <a:rPr lang="en-US" altLang="zh-CN" dirty="0" smtClean="0"/>
+              <a:t>-</a:t>
+            </a:r>
+            <a:r>
+              <a:rPr lang="zh-CN" altLang="en-US" dirty="0" smtClean="0"/>
+              <a:t>）。</a:t>
+            </a:r>
+            <a:r>
+              <a:rPr lang="en-US" altLang="zh-CN" dirty="0" smtClean="0"/>
+              <a:t>- </a:t>
+            </a:r>
+            <a:r>
+              <a:rPr lang="zh-CN" altLang="en-US" dirty="0" smtClean="0"/>
+              <a:t>前缀使</a:t>
+            </a:r>
+            <a:r>
+              <a:rPr lang="en-US" altLang="zh-CN" dirty="0" err="1" smtClean="0"/>
+              <a:t>getopts</a:t>
+            </a:r>
+            <a:r>
+              <a:rPr lang="zh-CN" altLang="en-US" dirty="0" smtClean="0"/>
+              <a:t>命令解释命令参数为选项。实际上，</a:t>
+            </a:r>
+            <a:r>
+              <a:rPr lang="en-US" altLang="zh-CN" dirty="0" err="1" smtClean="0"/>
+              <a:t>getopts</a:t>
+            </a:r>
+            <a:r>
+              <a:rPr lang="en-US" altLang="zh-CN" dirty="0" smtClean="0"/>
+              <a:t> </a:t>
+            </a:r>
+            <a:r>
+              <a:rPr lang="zh-CN" altLang="en-US" dirty="0" smtClean="0"/>
+              <a:t>命令不会处理缺少 </a:t>
+            </a:r>
+            <a:r>
+              <a:rPr lang="en-US" altLang="zh-CN" dirty="0" smtClean="0"/>
+              <a:t>- </a:t>
+            </a:r>
+            <a:r>
+              <a:rPr lang="zh-CN" altLang="en-US" dirty="0" smtClean="0"/>
+              <a:t>前缀的参数</a:t>
+            </a:r>
+            <a:r>
+              <a:rPr lang="zh-CN" altLang="en-US" dirty="0"/>
+              <a:t>，</a:t>
+            </a:r>
+            <a:r>
+              <a:rPr lang="zh-CN" altLang="en-US" dirty="0" smtClean="0"/>
+              <a:t>在遇到第一个缺少 </a:t>
+            </a:r>
+            <a:r>
+              <a:rPr lang="en-US" altLang="zh-CN" dirty="0" smtClean="0"/>
+              <a:t>- </a:t>
+            </a:r>
+            <a:r>
+              <a:rPr lang="zh-CN" altLang="en-US" dirty="0" smtClean="0"/>
+              <a:t>前缀的参数时，终止选项处理过程。</a:t>
+            </a:r>
+            <a:endParaRPr lang="en-US" altLang="zh-CN" dirty="0" smtClean="0"/>
+          </a:p>
+          <a:p>
+            <a:pPr>
+              <a:buAutoNum type="arabicPeriod"/>
+            </a:pPr>
+            <a:r>
+              <a:rPr lang="en-US" altLang="zh-CN" dirty="0" err="1" smtClean="0"/>
+              <a:t>getopts</a:t>
+            </a:r>
+            <a:r>
+              <a:rPr lang="en-US" altLang="zh-CN" dirty="0" smtClean="0"/>
+              <a:t> </a:t>
+            </a:r>
+            <a:r>
+              <a:rPr lang="zh-CN" altLang="en-US" dirty="0" smtClean="0"/>
+              <a:t>模板与标准的</a:t>
+            </a:r>
+            <a:r>
+              <a:rPr lang="en-US" altLang="zh-CN" dirty="0" smtClean="0"/>
+              <a:t>while</a:t>
+            </a:r>
+            <a:r>
+              <a:rPr lang="zh-CN" altLang="en-US" dirty="0" smtClean="0"/>
+              <a:t>循环有些细微的不同，它缺少 </a:t>
+            </a:r>
+            <a:r>
+              <a:rPr lang="en-US" altLang="zh-CN" dirty="0" smtClean="0"/>
+              <a:t>[ ] </a:t>
+            </a:r>
+            <a:r>
+              <a:rPr lang="zh-CN" altLang="en-US" dirty="0" smtClean="0"/>
+              <a:t>条件判断。</a:t>
+            </a:r>
+            <a:endParaRPr lang="en-US" altLang="zh-CN" dirty="0" smtClean="0"/>
+          </a:p>
+          <a:p>
+            <a:pPr>
+              <a:buAutoNum type="arabicPeriod"/>
+            </a:pPr>
+            <a:r>
+              <a:rPr lang="en-US" altLang="zh-CN" dirty="0" err="1" smtClean="0"/>
+              <a:t>getopts</a:t>
+            </a:r>
+            <a:r>
+              <a:rPr lang="en-US" altLang="zh-CN" dirty="0" smtClean="0"/>
+              <a:t> </a:t>
+            </a:r>
+            <a:r>
+              <a:rPr lang="zh-CN" altLang="en-US" dirty="0" smtClean="0"/>
+              <a:t>结构将取代传统的</a:t>
+            </a:r>
+            <a:r>
+              <a:rPr lang="en-US" altLang="zh-CN" dirty="0" err="1" smtClean="0"/>
+              <a:t>getopt</a:t>
+            </a:r>
+            <a:r>
+              <a:rPr lang="zh-CN" altLang="en-US" dirty="0" smtClean="0"/>
+              <a:t>外部命令。</a:t>
+            </a:r>
+            <a:endParaRPr lang="en-US" altLang="zh-CN" dirty="0" smtClean="0"/>
+          </a:p>
+          <a:p>
+            <a:pPr marL="0" indent="0">
+              <a:buNone/>
+            </a:pPr>
+            <a:r>
+              <a:rPr lang="en-US" altLang="zh-CN" dirty="0" smtClean="0">
+                <a:hlinkClick r:id="rId2"/>
+              </a:rPr>
+              <a:t>http://stackoverflow.com/questions/16483119/example-of-how-to-use-getopts-in-bash</a:t>
+            </a:r>
+            <a:endParaRPr lang="en-US" altLang="zh-CN" dirty="0" smtClean="0"/>
           </a:p>
         </p:txBody>
       </p:sp>
     </p:spTree>
     <p:extLst>
       <p:ext uri="{BB962C8B-B14F-4D97-AF65-F5344CB8AC3E}">
-        <p14:creationId xmlns:p14="http://schemas.microsoft.com/office/powerpoint/2010/main" val="2492421797"/>
+        <p14:creationId xmlns:p14="http://schemas.microsoft.com/office/powerpoint/2010/main" val="933743859"/>
       </p:ext>
     </p:extLst>
   </p:cSld>
@@ -24572,9 +25519,10 @@
           <a:lstStyle/>
           <a:p>
             <a:r>
-              <a:rPr lang="zh-CN" altLang="en-US" dirty="0"/>
-              <a:t>参考</a:t>
-            </a:r>
+              <a:rPr lang="zh-CN" altLang="en-US" dirty="0" smtClean="0"/>
+              <a:t>脚本行为命令</a:t>
+            </a:r>
+            <a:endParaRPr lang="zh-CN" altLang="en-US" dirty="0"/>
           </a:p>
         </p:txBody>
       </p:sp>
@@ -24590,49 +25538,108 @@
         </p:nvSpPr>
         <p:spPr/>
         <p:txBody>
-          <a:bodyPr>
-            <a:normAutofit/>
-          </a:bodyPr>
+          <a:bodyPr/>
           <a:lstStyle/>
           <a:p>
             <a:r>
               <a:rPr lang="en-US" altLang="zh-CN" dirty="0" smtClean="0"/>
-              <a:t>Advanced </a:t>
-            </a:r>
-            <a:r>
-              <a:rPr lang="en-US" altLang="zh-CN" dirty="0"/>
-              <a:t>Bash-Scripting Guide</a:t>
-            </a:r>
-            <a:r>
-              <a:rPr lang="zh-CN" altLang="en-US" dirty="0" smtClean="0"/>
-              <a:t>：</a:t>
+              <a:t>source, . (dot command)</a:t>
+            </a:r>
+          </a:p>
+          <a:p>
+            <a:pPr marL="0" indent="0">
+              <a:buNone/>
+            </a:pPr>
+            <a:r>
+              <a:rPr lang="zh-CN" altLang="en-US" dirty="0" smtClean="0"/>
+              <a:t>在命令行中调用时，该命令将执行一个脚本；在脚本中，</a:t>
+            </a:r>
+            <a:r>
+              <a:rPr lang="en-US" altLang="zh-CN" dirty="0" smtClean="0"/>
+              <a:t>source file-name </a:t>
+            </a:r>
+            <a:r>
+              <a:rPr lang="zh-CN" altLang="en-US" dirty="0" smtClean="0"/>
+              <a:t>将会加载</a:t>
+            </a:r>
+            <a:r>
+              <a:rPr lang="en-US" altLang="zh-CN" dirty="0" smtClean="0"/>
+              <a:t>file-name</a:t>
+            </a:r>
+            <a:r>
+              <a:rPr lang="zh-CN" altLang="en-US" dirty="0" smtClean="0"/>
+              <a:t>文件。</a:t>
+            </a:r>
+            <a:r>
+              <a:rPr lang="en-US" altLang="zh-CN" dirty="0" smtClean="0"/>
+              <a:t>source</a:t>
+            </a:r>
+            <a:r>
+              <a:rPr lang="zh-CN" altLang="en-US" dirty="0" smtClean="0"/>
+              <a:t>（或 </a:t>
+            </a:r>
+            <a:r>
+              <a:rPr lang="en-US" altLang="zh-CN" dirty="0" smtClean="0"/>
+              <a:t>. </a:t>
+            </a:r>
+            <a:r>
+              <a:rPr lang="zh-CN" altLang="en-US" dirty="0" smtClean="0"/>
+              <a:t>命令）一个文件在脚本中导入代码，并附加到脚本中（等效于</a:t>
+            </a:r>
+            <a:r>
+              <a:rPr lang="en-US" altLang="zh-CN" dirty="0" smtClean="0"/>
+              <a:t>C</a:t>
+            </a:r>
+            <a:r>
+              <a:rPr lang="zh-CN" altLang="en-US" dirty="0" smtClean="0"/>
+              <a:t>程序中的</a:t>
+            </a:r>
+            <a:r>
+              <a:rPr lang="en-US" altLang="zh-CN" dirty="0" smtClean="0"/>
+              <a:t>#include</a:t>
+            </a:r>
+            <a:r>
+              <a:rPr lang="zh-CN" altLang="en-US" dirty="0" smtClean="0"/>
+              <a:t>指令）。最终结果如同在</a:t>
+            </a:r>
+            <a:r>
+              <a:rPr lang="en-US" altLang="zh-CN" dirty="0" smtClean="0"/>
+              <a:t>source</a:t>
+            </a:r>
+            <a:r>
+              <a:rPr lang="zh-CN" altLang="en-US" dirty="0"/>
+              <a:t>行位置插入相应文件的内容</a:t>
+            </a:r>
+            <a:r>
+              <a:rPr lang="zh-CN" altLang="en-US" dirty="0" smtClean="0"/>
+              <a:t>。这在</a:t>
+            </a:r>
+            <a:r>
+              <a:rPr lang="zh-CN" altLang="en-US" dirty="0"/>
+              <a:t>多个脚本需要引用相同的</a:t>
+            </a:r>
+            <a:r>
+              <a:rPr lang="zh-CN" altLang="en-US" dirty="0" smtClean="0"/>
+              <a:t>数据或者函数</a:t>
+            </a:r>
+            <a:r>
+              <a:rPr lang="zh-CN" altLang="en-US" dirty="0"/>
+              <a:t>库的情况</a:t>
+            </a:r>
+            <a:r>
+              <a:rPr lang="zh-CN" altLang="en-US" dirty="0" smtClean="0"/>
+              <a:t>下非常有用。</a:t>
             </a:r>
             <a:endParaRPr lang="en-US" altLang="zh-CN" dirty="0" smtClean="0"/>
           </a:p>
           <a:p>
-            <a:pPr marL="0" indent="0">
-              <a:buNone/>
-            </a:pPr>
-            <a:r>
-              <a:rPr lang="en-US" altLang="zh-CN" dirty="0" smtClean="0">
-                <a:hlinkClick r:id="rId2"/>
-              </a:rPr>
-              <a:t>http://www.tldp.org/LDP/abs/html/abs-guide.html</a:t>
-            </a:r>
-            <a:endParaRPr lang="en-US" altLang="zh-CN" dirty="0"/>
-          </a:p>
-          <a:p>
-            <a:r>
-              <a:rPr lang="en-US" altLang="zh-CN" dirty="0" smtClean="0"/>
-              <a:t>sed </a:t>
-            </a:r>
-            <a:r>
-              <a:rPr lang="en-US" altLang="zh-CN" dirty="0"/>
-              <a:t>&amp; awk </a:t>
-            </a:r>
-            <a:r>
-              <a:rPr lang="zh-CN" altLang="en-US" dirty="0" smtClean="0"/>
-              <a:t>概述</a:t>
+            <a:r>
+              <a:rPr lang="en-US" altLang="zh-CN" dirty="0" smtClean="0"/>
+              <a:t>exit </a:t>
+            </a:r>
+            <a:r>
+              <a:rPr lang="zh-CN" altLang="en-US" dirty="0" smtClean="0"/>
+              <a:t>无条件终止一个脚本执行</a:t>
             </a:r>
             <a:endParaRPr lang="en-US" altLang="zh-CN" dirty="0" smtClean="0"/>
           </a:p>
@@ -24641,25 +25648,78 @@
               <a:buNone/>
             </a:pPr>
             <a:r>
-              <a:rPr lang="en-US" altLang="zh-CN" dirty="0" smtClean="0">
-                <a:hlinkClick r:id="rId3"/>
-              </a:rPr>
-              <a:t>http://jarson.in/sed-awk-overview/</a:t>
+              <a:rPr lang="en-US" altLang="zh-CN" dirty="0" smtClean="0"/>
+              <a:t>exit </a:t>
+            </a:r>
+            <a:r>
+              <a:rPr lang="zh-CN" altLang="en-US" dirty="0" smtClean="0"/>
+              <a:t>命令可带一个整型参数，作为脚本的退出状态码返回给</a:t>
+            </a:r>
+            <a:r>
+              <a:rPr lang="en-US" altLang="zh-CN" dirty="0" smtClean="0"/>
+              <a:t>shell</a:t>
+            </a:r>
+            <a:r>
+              <a:rPr lang="zh-CN" altLang="en-US" dirty="0" smtClean="0"/>
+              <a:t>。一种好的习惯是，以</a:t>
+            </a:r>
+            <a:r>
+              <a:rPr lang="en-US" altLang="zh-CN" dirty="0" smtClean="0"/>
+              <a:t>exit 0</a:t>
+            </a:r>
+            <a:r>
+              <a:rPr lang="zh-CN" altLang="en-US" dirty="0" smtClean="0"/>
+              <a:t>退出一个简单的脚本，以表明脚本成功执行。</a:t>
             </a:r>
             <a:endParaRPr lang="en-US" altLang="zh-CN" dirty="0" smtClean="0"/>
           </a:p>
           <a:p>
-            <a:r>
-              <a:rPr lang="en-US" altLang="zh-CN" dirty="0" smtClean="0"/>
-              <a:t>sed </a:t>
-            </a:r>
-            <a:r>
-              <a:rPr lang="zh-CN" altLang="en-US" dirty="0"/>
-              <a:t>学习</a:t>
-            </a:r>
-            <a:r>
-              <a:rPr lang="zh-CN" altLang="en-US" dirty="0" smtClean="0"/>
-              <a:t>手册</a:t>
+            <a:pPr marL="0" indent="0">
+              <a:buNone/>
+            </a:pPr>
+            <a:r>
+              <a:rPr lang="zh-CN" altLang="en-US" dirty="0"/>
+              <a:t>如果不带参数调用</a:t>
+            </a:r>
+            <a:r>
+              <a:rPr lang="en-US" altLang="zh-CN" dirty="0"/>
+              <a:t>exit</a:t>
+            </a:r>
+            <a:r>
+              <a:rPr lang="zh-CN" altLang="en-US" dirty="0" smtClean="0"/>
+              <a:t>命令终止脚本，脚本的退出状态码将会是</a:t>
+            </a:r>
+            <a:r>
+              <a:rPr lang="zh-CN" altLang="en-US" dirty="0"/>
+              <a:t>脚本中最后一个</a:t>
+            </a:r>
+            <a:r>
+              <a:rPr lang="zh-CN" altLang="en-US" dirty="0" smtClean="0"/>
+              <a:t>命令执行的</a:t>
+            </a:r>
+            <a:r>
+              <a:rPr lang="zh-CN" altLang="en-US" dirty="0"/>
+              <a:t>退出状态</a:t>
+            </a:r>
+            <a:r>
+              <a:rPr lang="zh-CN" altLang="en-US" dirty="0" smtClean="0"/>
+              <a:t>码，等价</a:t>
+            </a:r>
+            <a:r>
+              <a:rPr lang="zh-CN" altLang="en-US" dirty="0"/>
+              <a:t>于</a:t>
+            </a:r>
+            <a:r>
+              <a:rPr lang="en-US" altLang="zh-CN" dirty="0"/>
+              <a:t>exit </a:t>
+            </a:r>
+            <a:r>
+              <a:rPr lang="en-US" altLang="zh-CN" dirty="0" smtClean="0"/>
+              <a:t>$?</a:t>
+            </a:r>
+            <a:r>
+              <a:rPr lang="zh-CN" altLang="en-US" dirty="0" smtClean="0"/>
+              <a:t>。</a:t>
             </a:r>
             <a:endParaRPr lang="en-US" altLang="zh-CN" dirty="0" smtClean="0"/>
           </a:p>
@@ -24668,56 +25728,24 @@
               <a:buNone/>
             </a:pPr>
             <a:r>
-              <a:rPr lang="en-US" altLang="zh-CN" dirty="0" smtClean="0">
-                <a:hlinkClick r:id="rId4"/>
-              </a:rPr>
-              <a:t>http://jarson.in/sed-manual/</a:t>
+              <a:rPr lang="en-US" altLang="zh-CN" dirty="0" smtClean="0"/>
+              <a:t>exit </a:t>
+            </a:r>
+            <a:r>
+              <a:rPr lang="zh-CN" altLang="en-US" dirty="0" smtClean="0"/>
+              <a:t>命令也可以用来终止一个子</a:t>
+            </a:r>
+            <a:r>
+              <a:rPr lang="en-US" altLang="zh-CN" dirty="0" smtClean="0"/>
+              <a:t>shell</a:t>
+            </a:r>
+            <a:r>
+              <a:rPr lang="zh-CN" altLang="en-US" dirty="0" smtClean="0"/>
+              <a:t>。</a:t>
             </a:r>
             <a:endParaRPr lang="en-US" altLang="zh-CN" dirty="0" smtClean="0"/>
           </a:p>
           <a:p>
-            <a:r>
-              <a:rPr lang="en-US" altLang="zh-CN" dirty="0" smtClean="0"/>
-              <a:t>sed </a:t>
-            </a:r>
-            <a:r>
-              <a:rPr lang="zh-CN" altLang="en-US" dirty="0"/>
-              <a:t>函数</a:t>
-            </a:r>
-            <a:r>
-              <a:rPr lang="zh-CN" altLang="en-US" dirty="0" smtClean="0"/>
-              <a:t>参数</a:t>
-            </a:r>
-            <a:endParaRPr lang="en-US" altLang="zh-CN" dirty="0" smtClean="0"/>
-          </a:p>
-          <a:p>
-            <a:pPr marL="0" indent="0">
-              <a:buNone/>
-            </a:pPr>
-            <a:r>
-              <a:rPr lang="en-US" altLang="zh-CN" dirty="0" smtClean="0">
-                <a:hlinkClick r:id="rId5"/>
-              </a:rPr>
-              <a:t>http://jarson.in/sed-functions/</a:t>
-            </a:r>
-            <a:endParaRPr lang="en-US" altLang="zh-CN" dirty="0"/>
-          </a:p>
-          <a:p>
-            <a:r>
-              <a:rPr lang="en-US" altLang="zh-CN" dirty="0" smtClean="0"/>
-              <a:t>awk</a:t>
-            </a:r>
-          </a:p>
-          <a:p>
-            <a:pPr marL="0" indent="0">
-              <a:buNone/>
-            </a:pPr>
-            <a:r>
-              <a:rPr lang="en-US" altLang="zh-CN" dirty="0" smtClean="0">
-                <a:hlinkClick r:id="rId6"/>
-              </a:rPr>
-              <a:t>http://www.aslibra.com/doc/awk.htm</a:t>
-            </a:r>
             <a:endParaRPr lang="zh-CN" altLang="en-US" dirty="0"/>
           </a:p>
         </p:txBody>
@@ -24725,20 +25753,174 @@
     </p:spTree>
     <p:extLst>
       <p:ext uri="{BB962C8B-B14F-4D97-AF65-F5344CB8AC3E}">
-        <p14:creationId xmlns:p14="http://schemas.microsoft.com/office/powerpoint/2010/main" val="893627498"/>
+        <p14:creationId xmlns:p14="http://schemas.microsoft.com/office/powerpoint/2010/main" val="1103373510"/>
       </p:ext>
     </p:extLst>
   </p:cSld>
   <p:clrMapOvr>
     <a:masterClrMapping/>
   </p:clrMapOvr>
-  <p:timing>
-    <p:tnLst>
-      <p:par>
-        <p:cTn id="1" dur="indefinite" restart="never" nodeType="tmRoot"/>
-      </p:par>
-    </p:tnLst>
-  </p:timing>
+</p:sld>
+</file>
+
+<file path=ppt/slides/slide69.xml><?xml version="1.0" encoding="utf-8"?>
+<p:sld xmlns:a="http://schemas.openxmlformats.org/drawingml/2006/main" xmlns:r="http://schemas.openxmlformats.org/officeDocument/2006/relationships" xmlns:p="http://schemas.openxmlformats.org/presentationml/2006/main">
+  <p:cSld>
+    <p:spTree>
+      <p:nvGrpSpPr>
+        <p:cNvPr id="1" name=""/>
+        <p:cNvGrpSpPr/>
+        <p:nvPr/>
+      </p:nvGrpSpPr>
+      <p:grpSpPr>
+        <a:xfrm>
+          <a:off x="0" y="0"/>
+          <a:ext cx="0" cy="0"/>
+          <a:chOff x="0" y="0"/>
+          <a:chExt cx="0" cy="0"/>
+        </a:xfrm>
+      </p:grpSpPr>
+      <p:sp>
+        <p:nvSpPr>
+          <p:cNvPr id="2" name="标题 1"/>
+          <p:cNvSpPr>
+            <a:spLocks noGrp="1"/>
+          </p:cNvSpPr>
+          <p:nvPr>
+            <p:ph type="title"/>
+          </p:nvPr>
+        </p:nvSpPr>
+        <p:spPr/>
+        <p:txBody>
+          <a:bodyPr/>
+          <a:lstStyle/>
+          <a:p>
+            <a:r>
+              <a:rPr lang="zh-CN" altLang="en-US" dirty="0" smtClean="0"/>
+              <a:t>脚本行为命令</a:t>
+            </a:r>
+            <a:endParaRPr lang="zh-CN" altLang="en-US" dirty="0"/>
+          </a:p>
+        </p:txBody>
+      </p:sp>
+      <p:sp>
+        <p:nvSpPr>
+          <p:cNvPr id="3" name="内容占位符 2"/>
+          <p:cNvSpPr>
+            <a:spLocks noGrp="1"/>
+          </p:cNvSpPr>
+          <p:nvPr>
+            <p:ph idx="1"/>
+          </p:nvPr>
+        </p:nvSpPr>
+        <p:spPr/>
+        <p:txBody>
+          <a:bodyPr/>
+          <a:lstStyle/>
+          <a:p>
+            <a:r>
+              <a:rPr lang="en-US" altLang="zh-CN" dirty="0" smtClean="0"/>
+              <a:t>exec </a:t>
+            </a:r>
+            <a:r>
+              <a:rPr lang="zh-CN" altLang="en-US" dirty="0" smtClean="0"/>
+              <a:t>内建命令使用指定的命令替换当前的进程。</a:t>
+            </a:r>
+            <a:endParaRPr lang="en-US" altLang="zh-CN" dirty="0" smtClean="0"/>
+          </a:p>
+          <a:p>
+            <a:pPr marL="0" indent="0">
+              <a:buNone/>
+            </a:pPr>
+            <a:r>
+              <a:rPr lang="zh-CN" altLang="en-US" dirty="0" smtClean="0"/>
+              <a:t>通常，当</a:t>
+            </a:r>
+            <a:r>
+              <a:rPr lang="en-US" altLang="zh-CN" dirty="0" smtClean="0"/>
+              <a:t>shell</a:t>
+            </a:r>
+            <a:r>
+              <a:rPr lang="zh-CN" altLang="en-US" dirty="0" smtClean="0"/>
+              <a:t>遇到一个命令，它将</a:t>
+            </a:r>
+            <a:r>
+              <a:rPr lang="en-US" altLang="zh-CN" dirty="0" smtClean="0"/>
+              <a:t>fork</a:t>
+            </a:r>
+            <a:r>
+              <a:rPr lang="zh-CN" altLang="en-US" dirty="0" smtClean="0"/>
+              <a:t>一个子进程来实际执行该命令。使用</a:t>
+            </a:r>
+            <a:r>
+              <a:rPr lang="en-US" altLang="zh-CN" dirty="0" smtClean="0"/>
+              <a:t>exec</a:t>
+            </a:r>
+            <a:r>
+              <a:rPr lang="zh-CN" altLang="en-US" dirty="0" smtClean="0"/>
+              <a:t>内建命令，</a:t>
+            </a:r>
+            <a:r>
+              <a:rPr lang="en-US" altLang="zh-CN" dirty="0" smtClean="0"/>
+              <a:t>shell</a:t>
+            </a:r>
+            <a:r>
+              <a:rPr lang="zh-CN" altLang="en-US" dirty="0" smtClean="0"/>
+              <a:t>就不会</a:t>
+            </a:r>
+            <a:r>
+              <a:rPr lang="en-US" altLang="zh-CN" dirty="0" smtClean="0"/>
+              <a:t>fork</a:t>
+            </a:r>
+            <a:r>
+              <a:rPr lang="zh-CN" altLang="en-US" dirty="0" smtClean="0"/>
+              <a:t>一个子进程，而是直接执行该命令，替换当前</a:t>
+            </a:r>
+            <a:r>
+              <a:rPr lang="en-US" altLang="zh-CN" dirty="0" smtClean="0"/>
+              <a:t>shell</a:t>
+            </a:r>
+            <a:r>
+              <a:rPr lang="zh-CN" altLang="en-US" dirty="0" smtClean="0"/>
+              <a:t>。在脚本中使用，</a:t>
+            </a:r>
+            <a:r>
+              <a:rPr lang="en-US" altLang="zh-CN" dirty="0" smtClean="0"/>
+              <a:t>exec</a:t>
+            </a:r>
+            <a:r>
+              <a:rPr lang="zh-CN" altLang="en-US" dirty="0" smtClean="0"/>
+              <a:t>所执行的命令结束时，也就强制终止脚本。</a:t>
+            </a:r>
+            <a:endParaRPr lang="en-US" altLang="zh-CN" dirty="0" smtClean="0"/>
+          </a:p>
+          <a:p>
+            <a:pPr marL="0" indent="0">
+              <a:buNone/>
+            </a:pPr>
+            <a:r>
+              <a:rPr lang="en-US" altLang="zh-CN" dirty="0" smtClean="0"/>
+              <a:t>e.g. exec.sh</a:t>
+            </a:r>
+          </a:p>
+          <a:p>
+            <a:pPr marL="0" indent="0">
+              <a:buNone/>
+            </a:pPr>
+            <a:endParaRPr lang="zh-CN" altLang="en-US" dirty="0"/>
+          </a:p>
+        </p:txBody>
+      </p:sp>
+    </p:spTree>
+    <p:extLst>
+      <p:ext uri="{BB962C8B-B14F-4D97-AF65-F5344CB8AC3E}">
+        <p14:creationId xmlns:p14="http://schemas.microsoft.com/office/powerpoint/2010/main" val="1410654376"/>
+      </p:ext>
+    </p:extLst>
+  </p:cSld>
+  <p:clrMapOvr>
+    <a:masterClrMapping/>
+  </p:clrMapOvr>
 </p:sld>
 </file>
 
@@ -24935,6 +26117,2010 @@
     <p:extLst>
       <p:ext uri="{BB962C8B-B14F-4D97-AF65-F5344CB8AC3E}">
         <p14:creationId xmlns:p14="http://schemas.microsoft.com/office/powerpoint/2010/main" val="1797661739"/>
+      </p:ext>
+    </p:extLst>
+  </p:cSld>
+  <p:clrMapOvr>
+    <a:masterClrMapping/>
+  </p:clrMapOvr>
+  <p:timing>
+    <p:tnLst>
+      <p:par>
+        <p:cTn id="1" dur="indefinite" restart="never" nodeType="tmRoot"/>
+      </p:par>
+    </p:tnLst>
+  </p:timing>
+</p:sld>
+</file>
+
+<file path=ppt/slides/slide70.xml><?xml version="1.0" encoding="utf-8"?>
+<p:sld xmlns:a="http://schemas.openxmlformats.org/drawingml/2006/main" xmlns:r="http://schemas.openxmlformats.org/officeDocument/2006/relationships" xmlns:p="http://schemas.openxmlformats.org/presentationml/2006/main">
+  <p:cSld>
+    <p:spTree>
+      <p:nvGrpSpPr>
+        <p:cNvPr id="1" name=""/>
+        <p:cNvGrpSpPr/>
+        <p:nvPr/>
+      </p:nvGrpSpPr>
+      <p:grpSpPr>
+        <a:xfrm>
+          <a:off x="0" y="0"/>
+          <a:ext cx="0" cy="0"/>
+          <a:chOff x="0" y="0"/>
+          <a:chExt cx="0" cy="0"/>
+        </a:xfrm>
+      </p:grpSpPr>
+      <p:sp>
+        <p:nvSpPr>
+          <p:cNvPr id="2" name="标题 1"/>
+          <p:cNvSpPr>
+            <a:spLocks noGrp="1"/>
+          </p:cNvSpPr>
+          <p:nvPr>
+            <p:ph type="title"/>
+          </p:nvPr>
+        </p:nvSpPr>
+        <p:spPr/>
+        <p:txBody>
+          <a:bodyPr/>
+          <a:lstStyle/>
+          <a:p>
+            <a:r>
+              <a:rPr lang="zh-CN" altLang="en-US" dirty="0" smtClean="0"/>
+              <a:t>其他命令</a:t>
+            </a:r>
+            <a:endParaRPr lang="zh-CN" altLang="en-US" dirty="0"/>
+          </a:p>
+        </p:txBody>
+      </p:sp>
+      <p:sp>
+        <p:nvSpPr>
+          <p:cNvPr id="3" name="内容占位符 2"/>
+          <p:cNvSpPr>
+            <a:spLocks noGrp="1"/>
+          </p:cNvSpPr>
+          <p:nvPr>
+            <p:ph idx="1"/>
+          </p:nvPr>
+        </p:nvSpPr>
+        <p:spPr/>
+        <p:txBody>
+          <a:bodyPr/>
+          <a:lstStyle/>
+          <a:p>
+            <a:r>
+              <a:rPr lang="en-US" altLang="zh-CN" dirty="0" smtClean="0"/>
+              <a:t>true</a:t>
+            </a:r>
+          </a:p>
+          <a:p>
+            <a:pPr marL="0" indent="0">
+              <a:buNone/>
+            </a:pPr>
+            <a:r>
+              <a:rPr lang="zh-CN" altLang="en-US" dirty="0" smtClean="0"/>
+              <a:t>这</a:t>
+            </a:r>
+            <a:r>
+              <a:rPr lang="zh-CN" altLang="en-US" dirty="0"/>
+              <a:t>是一个</a:t>
+            </a:r>
+            <a:r>
+              <a:rPr lang="zh-CN" altLang="en-US" dirty="0" smtClean="0"/>
+              <a:t>返回（</a:t>
+            </a:r>
+            <a:r>
+              <a:rPr lang="zh-CN" altLang="en-US" dirty="0"/>
+              <a:t>零</a:t>
+            </a:r>
+            <a:r>
+              <a:rPr lang="zh-CN" altLang="en-US" dirty="0" smtClean="0"/>
+              <a:t>）成功</a:t>
+            </a:r>
+            <a:r>
+              <a:rPr lang="zh-CN" altLang="en-US" dirty="0"/>
+              <a:t>退出状态码的</a:t>
+            </a:r>
+            <a:r>
+              <a:rPr lang="zh-CN" altLang="en-US" dirty="0" smtClean="0"/>
+              <a:t>命令，但是</a:t>
+            </a:r>
+            <a:r>
+              <a:rPr lang="zh-CN" altLang="en-US" dirty="0"/>
+              <a:t>除此之外不做任何</a:t>
+            </a:r>
+            <a:r>
+              <a:rPr lang="zh-CN" altLang="en-US" dirty="0" smtClean="0"/>
+              <a:t>事。</a:t>
+            </a:r>
+            <a:r>
+              <a:rPr lang="en-US" altLang="zh-CN" dirty="0" smtClean="0"/>
+              <a:t>e.g. true.sh</a:t>
+            </a:r>
+          </a:p>
+          <a:p>
+            <a:r>
+              <a:rPr lang="en-US" altLang="zh-CN" dirty="0" smtClean="0"/>
+              <a:t>false </a:t>
+            </a:r>
+          </a:p>
+          <a:p>
+            <a:pPr marL="0" indent="0">
+              <a:buNone/>
+            </a:pPr>
+            <a:r>
+              <a:rPr lang="zh-CN" altLang="en-US" dirty="0"/>
+              <a:t>这是一个</a:t>
+            </a:r>
+            <a:r>
+              <a:rPr lang="zh-CN" altLang="en-US" dirty="0" smtClean="0"/>
+              <a:t>返回失败退出</a:t>
+            </a:r>
+            <a:r>
+              <a:rPr lang="zh-CN" altLang="en-US" dirty="0"/>
+              <a:t>状态码的命令，但是除此之外不做任何事</a:t>
+            </a:r>
+            <a:r>
+              <a:rPr lang="zh-CN" altLang="en-US" dirty="0" smtClean="0"/>
+              <a:t>。</a:t>
+            </a:r>
+            <a:r>
+              <a:rPr lang="en-US" altLang="zh-CN" dirty="0" smtClean="0"/>
+              <a:t>e.g. false.sh</a:t>
+            </a:r>
+          </a:p>
+          <a:p>
+            <a:r>
+              <a:rPr lang="en-US" altLang="zh-CN" dirty="0" smtClean="0"/>
+              <a:t>type [</a:t>
+            </a:r>
+            <a:r>
+              <a:rPr lang="en-US" altLang="zh-CN" dirty="0" err="1" smtClean="0"/>
+              <a:t>cmd</a:t>
+            </a:r>
+            <a:r>
+              <a:rPr lang="en-US" altLang="zh-CN" dirty="0" smtClean="0"/>
+              <a:t>]</a:t>
+            </a:r>
+          </a:p>
+          <a:p>
+            <a:pPr marL="0" indent="0">
+              <a:buNone/>
+            </a:pPr>
+            <a:r>
+              <a:rPr lang="zh-CN" altLang="en-US" dirty="0"/>
+              <a:t>与外部命令</a:t>
+            </a:r>
+            <a:r>
+              <a:rPr lang="en-US" altLang="zh-CN" dirty="0"/>
+              <a:t>which</a:t>
+            </a:r>
+            <a:r>
+              <a:rPr lang="zh-CN" altLang="en-US" dirty="0"/>
+              <a:t>很</a:t>
+            </a:r>
+            <a:r>
+              <a:rPr lang="zh-CN" altLang="en-US" dirty="0" smtClean="0"/>
+              <a:t>相像，</a:t>
+            </a:r>
+            <a:r>
+              <a:rPr lang="en-US" altLang="zh-CN" dirty="0" smtClean="0"/>
+              <a:t>type </a:t>
+            </a:r>
+            <a:r>
+              <a:rPr lang="en-US" altLang="zh-CN" dirty="0" err="1" smtClean="0"/>
+              <a:t>cmd</a:t>
+            </a:r>
+            <a:r>
+              <a:rPr lang="en-US" altLang="zh-CN" dirty="0" smtClean="0"/>
+              <a:t> </a:t>
+            </a:r>
+            <a:r>
+              <a:rPr lang="zh-CN" altLang="en-US" dirty="0" smtClean="0"/>
+              <a:t>将</a:t>
+            </a:r>
+            <a:r>
+              <a:rPr lang="zh-CN" altLang="en-US" dirty="0"/>
+              <a:t>会给</a:t>
+            </a:r>
+            <a:r>
+              <a:rPr lang="zh-CN" altLang="en-US" dirty="0" smtClean="0"/>
+              <a:t>出</a:t>
+            </a:r>
+            <a:r>
+              <a:rPr lang="en-US" altLang="zh-CN" dirty="0" smtClean="0"/>
+              <a:t>“</a:t>
+            </a:r>
+            <a:r>
+              <a:rPr lang="en-US" altLang="zh-CN" dirty="0" err="1" smtClean="0"/>
+              <a:t>cmd</a:t>
+            </a:r>
+            <a:r>
+              <a:rPr lang="en-US" altLang="zh-CN" dirty="0" smtClean="0"/>
+              <a:t>”</a:t>
+            </a:r>
+            <a:r>
+              <a:rPr lang="zh-CN" altLang="en-US" dirty="0" smtClean="0"/>
+              <a:t>的</a:t>
+            </a:r>
+            <a:r>
+              <a:rPr lang="zh-CN" altLang="en-US" dirty="0"/>
+              <a:t>完整</a:t>
+            </a:r>
+            <a:r>
+              <a:rPr lang="zh-CN" altLang="en-US" dirty="0" smtClean="0"/>
+              <a:t>路径</a:t>
+            </a:r>
+            <a:r>
+              <a:rPr lang="zh-CN" altLang="en-US" dirty="0"/>
+              <a:t>。</a:t>
+            </a:r>
+            <a:r>
+              <a:rPr lang="zh-CN" altLang="en-US" dirty="0" smtClean="0"/>
+              <a:t>与</a:t>
+            </a:r>
+            <a:r>
+              <a:rPr lang="en-US" altLang="zh-CN" dirty="0"/>
+              <a:t>which</a:t>
+            </a:r>
+            <a:r>
+              <a:rPr lang="zh-CN" altLang="en-US" dirty="0"/>
+              <a:t>命令不同的</a:t>
+            </a:r>
+            <a:r>
+              <a:rPr lang="zh-CN" altLang="en-US" dirty="0" smtClean="0"/>
+              <a:t>是</a:t>
+            </a:r>
+            <a:r>
+              <a:rPr lang="zh-CN" altLang="en-US" dirty="0"/>
+              <a:t>，</a:t>
+            </a:r>
+            <a:r>
+              <a:rPr lang="en-US" altLang="zh-CN" dirty="0" smtClean="0"/>
+              <a:t>type</a:t>
+            </a:r>
+            <a:r>
+              <a:rPr lang="zh-CN" altLang="en-US" dirty="0"/>
+              <a:t>命令是</a:t>
+            </a:r>
+            <a:r>
+              <a:rPr lang="en-US" altLang="zh-CN" dirty="0"/>
+              <a:t>Bash</a:t>
+            </a:r>
+            <a:r>
+              <a:rPr lang="zh-CN" altLang="en-US" dirty="0"/>
+              <a:t>内建</a:t>
+            </a:r>
+            <a:r>
+              <a:rPr lang="zh-CN" altLang="en-US" dirty="0" smtClean="0"/>
+              <a:t>命令</a:t>
+            </a:r>
+            <a:r>
+              <a:rPr lang="zh-CN" altLang="en-US" dirty="0"/>
+              <a:t>。</a:t>
+            </a:r>
+            <a:r>
+              <a:rPr lang="en-US" altLang="zh-CN" dirty="0" smtClean="0"/>
+              <a:t>-a </a:t>
+            </a:r>
+            <a:r>
+              <a:rPr lang="zh-CN" altLang="en-US" dirty="0" smtClean="0"/>
+              <a:t>是</a:t>
+            </a:r>
+            <a:r>
+              <a:rPr lang="en-US" altLang="zh-CN" dirty="0"/>
+              <a:t>type</a:t>
+            </a:r>
+            <a:r>
+              <a:rPr lang="zh-CN" altLang="en-US" dirty="0"/>
+              <a:t>命令的一个非常有用的</a:t>
+            </a:r>
+            <a:r>
+              <a:rPr lang="zh-CN" altLang="en-US" dirty="0" smtClean="0"/>
+              <a:t>选项</a:t>
+            </a:r>
+            <a:r>
+              <a:rPr lang="zh-CN" altLang="en-US" dirty="0"/>
+              <a:t>，</a:t>
+            </a:r>
+            <a:r>
+              <a:rPr lang="zh-CN" altLang="en-US" dirty="0" smtClean="0"/>
+              <a:t>它</a:t>
+            </a:r>
+            <a:r>
+              <a:rPr lang="zh-CN" altLang="en-US" dirty="0"/>
+              <a:t>用来鉴别参数是关键字还是内建</a:t>
+            </a:r>
+            <a:r>
+              <a:rPr lang="zh-CN" altLang="en-US" dirty="0" smtClean="0"/>
+              <a:t>命令</a:t>
+            </a:r>
+            <a:r>
+              <a:rPr lang="zh-CN" altLang="en-US" dirty="0"/>
+              <a:t>，</a:t>
+            </a:r>
+            <a:r>
+              <a:rPr lang="zh-CN" altLang="en-US" dirty="0" smtClean="0"/>
+              <a:t>也</a:t>
+            </a:r>
+            <a:r>
+              <a:rPr lang="zh-CN" altLang="en-US" dirty="0"/>
+              <a:t>可以用来定位同名的系统</a:t>
+            </a:r>
+            <a:r>
+              <a:rPr lang="zh-CN" altLang="en-US" dirty="0" smtClean="0"/>
+              <a:t>命令。</a:t>
+            </a:r>
+            <a:endParaRPr lang="en-US" altLang="zh-CN" dirty="0" smtClean="0"/>
+          </a:p>
+          <a:p>
+            <a:pPr marL="0" indent="0">
+              <a:buNone/>
+            </a:pPr>
+            <a:r>
+              <a:rPr lang="en-US" altLang="zh-CN" dirty="0" smtClean="0"/>
+              <a:t>type -a test</a:t>
+            </a:r>
+          </a:p>
+          <a:p>
+            <a:r>
+              <a:rPr lang="en-US" altLang="zh-CN" dirty="0" smtClean="0"/>
+              <a:t>help</a:t>
+            </a:r>
+          </a:p>
+          <a:p>
+            <a:pPr marL="0" indent="0">
+              <a:buNone/>
+            </a:pPr>
+            <a:r>
+              <a:rPr lang="zh-CN" altLang="en-US" dirty="0"/>
+              <a:t>获得</a:t>
+            </a:r>
+            <a:r>
+              <a:rPr lang="en-US" altLang="zh-CN" dirty="0"/>
+              <a:t>shell</a:t>
+            </a:r>
+            <a:r>
+              <a:rPr lang="zh-CN" altLang="en-US" dirty="0"/>
+              <a:t>内建</a:t>
+            </a:r>
+            <a:r>
+              <a:rPr lang="zh-CN" altLang="en-US" dirty="0" smtClean="0"/>
+              <a:t>命令简短的</a:t>
+            </a:r>
+            <a:r>
+              <a:rPr lang="zh-CN" altLang="en-US" dirty="0"/>
+              <a:t>使用</a:t>
+            </a:r>
+            <a:r>
+              <a:rPr lang="zh-CN" altLang="en-US" dirty="0" smtClean="0"/>
+              <a:t>总结</a:t>
+            </a:r>
+            <a:r>
+              <a:rPr lang="zh-CN" altLang="en-US" dirty="0"/>
+              <a:t>。</a:t>
+            </a:r>
+            <a:r>
+              <a:rPr lang="zh-CN" altLang="en-US" dirty="0" smtClean="0"/>
+              <a:t>与</a:t>
+            </a:r>
+            <a:r>
+              <a:rPr lang="en-US" altLang="zh-CN" dirty="0" err="1"/>
+              <a:t>whatis</a:t>
+            </a:r>
+            <a:r>
+              <a:rPr lang="zh-CN" altLang="en-US" dirty="0"/>
+              <a:t>命令比较</a:t>
+            </a:r>
+            <a:r>
+              <a:rPr lang="zh-CN" altLang="en-US" dirty="0" smtClean="0"/>
+              <a:t>象</a:t>
+            </a:r>
+            <a:r>
+              <a:rPr lang="zh-CN" altLang="en-US" dirty="0"/>
+              <a:t>，</a:t>
+            </a:r>
+            <a:r>
+              <a:rPr lang="zh-CN" altLang="en-US" dirty="0" smtClean="0"/>
+              <a:t>但</a:t>
+            </a:r>
+            <a:r>
+              <a:rPr lang="en-US" altLang="zh-CN" dirty="0"/>
+              <a:t>help</a:t>
+            </a:r>
+            <a:r>
+              <a:rPr lang="zh-CN" altLang="en-US" dirty="0"/>
+              <a:t>命令是内建</a:t>
+            </a:r>
+            <a:r>
+              <a:rPr lang="zh-CN" altLang="en-US" dirty="0" smtClean="0"/>
+              <a:t>命令。</a:t>
+            </a:r>
+            <a:endParaRPr lang="en-US" altLang="zh-CN" dirty="0"/>
+          </a:p>
+          <a:p>
+            <a:pPr marL="0" indent="0">
+              <a:buNone/>
+            </a:pPr>
+            <a:endParaRPr lang="en-US" altLang="zh-CN" dirty="0" smtClean="0"/>
+          </a:p>
+          <a:p>
+            <a:pPr marL="0" indent="0">
+              <a:buNone/>
+            </a:pPr>
+            <a:endParaRPr lang="zh-CN" altLang="en-US" dirty="0"/>
+          </a:p>
+        </p:txBody>
+      </p:sp>
+    </p:spTree>
+    <p:extLst>
+      <p:ext uri="{BB962C8B-B14F-4D97-AF65-F5344CB8AC3E}">
+        <p14:creationId xmlns:p14="http://schemas.microsoft.com/office/powerpoint/2010/main" val="3036861422"/>
+      </p:ext>
+    </p:extLst>
+  </p:cSld>
+  <p:clrMapOvr>
+    <a:masterClrMapping/>
+  </p:clrMapOvr>
+</p:sld>
+</file>
+
+<file path=ppt/slides/slide71.xml><?xml version="1.0" encoding="utf-8"?>
+<p:sld xmlns:a="http://schemas.openxmlformats.org/drawingml/2006/main" xmlns:r="http://schemas.openxmlformats.org/officeDocument/2006/relationships" xmlns:p="http://schemas.openxmlformats.org/presentationml/2006/main">
+  <p:cSld>
+    <p:spTree>
+      <p:nvGrpSpPr>
+        <p:cNvPr id="1" name=""/>
+        <p:cNvGrpSpPr/>
+        <p:nvPr/>
+      </p:nvGrpSpPr>
+      <p:grpSpPr>
+        <a:xfrm>
+          <a:off x="0" y="0"/>
+          <a:ext cx="0" cy="0"/>
+          <a:chOff x="0" y="0"/>
+          <a:chExt cx="0" cy="0"/>
+        </a:xfrm>
+      </p:grpSpPr>
+      <p:sp>
+        <p:nvSpPr>
+          <p:cNvPr id="2" name="标题 1"/>
+          <p:cNvSpPr>
+            <a:spLocks noGrp="1"/>
+          </p:cNvSpPr>
+          <p:nvPr>
+            <p:ph type="title"/>
+          </p:nvPr>
+        </p:nvSpPr>
+        <p:spPr/>
+        <p:txBody>
+          <a:bodyPr/>
+          <a:lstStyle/>
+          <a:p>
+            <a:r>
+              <a:rPr lang="zh-CN" altLang="en-US" dirty="0" smtClean="0"/>
+              <a:t>高级主题</a:t>
+            </a:r>
+            <a:endParaRPr lang="zh-CN" altLang="en-US" dirty="0"/>
+          </a:p>
+        </p:txBody>
+      </p:sp>
+      <p:sp>
+        <p:nvSpPr>
+          <p:cNvPr id="3" name="内容占位符 2"/>
+          <p:cNvSpPr>
+            <a:spLocks noGrp="1"/>
+          </p:cNvSpPr>
+          <p:nvPr>
+            <p:ph idx="1"/>
+          </p:nvPr>
+        </p:nvSpPr>
+        <p:spPr/>
+        <p:txBody>
+          <a:bodyPr/>
+          <a:lstStyle/>
+          <a:p>
+            <a:r>
+              <a:rPr lang="zh-CN" altLang="en-US" dirty="0" smtClean="0"/>
+              <a:t>数组</a:t>
+            </a:r>
+            <a:endParaRPr lang="en-US" altLang="zh-CN" dirty="0" smtClean="0"/>
+          </a:p>
+          <a:p>
+            <a:r>
+              <a:rPr lang="zh-CN" altLang="en-US" dirty="0" smtClean="0"/>
+              <a:t>函数</a:t>
+            </a:r>
+            <a:endParaRPr lang="en-US" altLang="zh-CN" dirty="0" smtClean="0"/>
+          </a:p>
+          <a:p>
+            <a:r>
+              <a:rPr lang="zh-CN" altLang="en-US" dirty="0" smtClean="0"/>
+              <a:t>子</a:t>
+            </a:r>
+            <a:r>
+              <a:rPr lang="en-US" altLang="zh-CN" dirty="0" smtClean="0"/>
+              <a:t>shell</a:t>
+            </a:r>
+          </a:p>
+          <a:p>
+            <a:r>
+              <a:rPr lang="zh-CN" altLang="en-US" dirty="0" smtClean="0"/>
+              <a:t>间接引用</a:t>
+            </a:r>
+            <a:endParaRPr lang="en-US" altLang="zh-CN" dirty="0" smtClean="0"/>
+          </a:p>
+          <a:p>
+            <a:r>
+              <a:rPr lang="en-US" altLang="zh-CN" dirty="0" smtClean="0"/>
+              <a:t>I/O</a:t>
+            </a:r>
+            <a:r>
+              <a:rPr lang="zh-CN" altLang="en-US" dirty="0" smtClean="0"/>
+              <a:t>重定向</a:t>
+            </a:r>
+            <a:endParaRPr lang="en-US" altLang="zh-CN" dirty="0" smtClean="0"/>
+          </a:p>
+          <a:p>
+            <a:r>
+              <a:rPr lang="en-US" altLang="zh-CN" dirty="0" smtClean="0"/>
+              <a:t>Here </a:t>
+            </a:r>
+            <a:r>
+              <a:rPr lang="en-US" altLang="zh-CN" dirty="0" smtClean="0"/>
+              <a:t>Documents</a:t>
+            </a:r>
+          </a:p>
+          <a:p>
+            <a:r>
+              <a:rPr lang="zh-CN" altLang="en-US" dirty="0" smtClean="0"/>
+              <a:t>正则表达式</a:t>
+            </a:r>
+            <a:endParaRPr lang="en-US" altLang="zh-CN" dirty="0" smtClean="0"/>
+          </a:p>
+          <a:p>
+            <a:endParaRPr lang="zh-CN" altLang="en-US" dirty="0"/>
+          </a:p>
+        </p:txBody>
+      </p:sp>
+    </p:spTree>
+    <p:extLst>
+      <p:ext uri="{BB962C8B-B14F-4D97-AF65-F5344CB8AC3E}">
+        <p14:creationId xmlns:p14="http://schemas.microsoft.com/office/powerpoint/2010/main" val="236508047"/>
+      </p:ext>
+    </p:extLst>
+  </p:cSld>
+  <p:clrMapOvr>
+    <a:masterClrMapping/>
+  </p:clrMapOvr>
+  <p:timing>
+    <p:tnLst>
+      <p:par>
+        <p:cTn id="1" dur="indefinite" restart="never" nodeType="tmRoot"/>
+      </p:par>
+    </p:tnLst>
+  </p:timing>
+</p:sld>
+</file>
+
+<file path=ppt/slides/slide72.xml><?xml version="1.0" encoding="utf-8"?>
+<p:sld xmlns:a="http://schemas.openxmlformats.org/drawingml/2006/main" xmlns:r="http://schemas.openxmlformats.org/officeDocument/2006/relationships" xmlns:p="http://schemas.openxmlformats.org/presentationml/2006/main">
+  <p:cSld>
+    <p:spTree>
+      <p:nvGrpSpPr>
+        <p:cNvPr id="1" name=""/>
+        <p:cNvGrpSpPr/>
+        <p:nvPr/>
+      </p:nvGrpSpPr>
+      <p:grpSpPr>
+        <a:xfrm>
+          <a:off x="0" y="0"/>
+          <a:ext cx="0" cy="0"/>
+          <a:chOff x="0" y="0"/>
+          <a:chExt cx="0" cy="0"/>
+        </a:xfrm>
+      </p:grpSpPr>
+      <p:sp>
+        <p:nvSpPr>
+          <p:cNvPr id="2" name="标题 1"/>
+          <p:cNvSpPr>
+            <a:spLocks noGrp="1"/>
+          </p:cNvSpPr>
+          <p:nvPr>
+            <p:ph type="title"/>
+          </p:nvPr>
+        </p:nvSpPr>
+        <p:spPr/>
+        <p:txBody>
+          <a:bodyPr/>
+          <a:lstStyle/>
+          <a:p>
+            <a:r>
+              <a:rPr lang="zh-CN" altLang="en-US" dirty="0" smtClean="0"/>
+              <a:t>数组</a:t>
+            </a:r>
+            <a:endParaRPr lang="zh-CN" altLang="en-US" dirty="0"/>
+          </a:p>
+        </p:txBody>
+      </p:sp>
+      <p:sp>
+        <p:nvSpPr>
+          <p:cNvPr id="3" name="内容占位符 2"/>
+          <p:cNvSpPr>
+            <a:spLocks noGrp="1"/>
+          </p:cNvSpPr>
+          <p:nvPr>
+            <p:ph idx="1"/>
+          </p:nvPr>
+        </p:nvSpPr>
+        <p:spPr/>
+        <p:txBody>
+          <a:bodyPr/>
+          <a:lstStyle/>
+          <a:p>
+            <a:pPr marL="0" indent="0">
+              <a:buNone/>
+            </a:pPr>
+            <a:r>
+              <a:rPr lang="en-US" altLang="zh-CN" dirty="0"/>
+              <a:t>Bash</a:t>
+            </a:r>
+            <a:r>
+              <a:rPr lang="zh-CN" altLang="en-US" dirty="0"/>
+              <a:t>支持一维数</a:t>
+            </a:r>
+            <a:r>
+              <a:rPr lang="zh-CN" altLang="en-US" dirty="0" smtClean="0"/>
+              <a:t>组</a:t>
+            </a:r>
+            <a:r>
+              <a:rPr lang="zh-CN" altLang="en-US" dirty="0"/>
+              <a:t>，</a:t>
+            </a:r>
+            <a:r>
+              <a:rPr lang="zh-CN" altLang="en-US" dirty="0" smtClean="0"/>
+              <a:t>数组元素初始化可以使用</a:t>
+            </a:r>
+            <a:r>
+              <a:rPr lang="en-US" altLang="zh-CN" dirty="0" smtClean="0"/>
+              <a:t>variable[xx]</a:t>
+            </a:r>
+            <a:r>
+              <a:rPr lang="zh-CN" altLang="en-US" dirty="0"/>
+              <a:t>表示法</a:t>
+            </a:r>
+            <a:r>
+              <a:rPr lang="zh-CN" altLang="en-US" dirty="0" smtClean="0"/>
+              <a:t>。另外</a:t>
+            </a:r>
+            <a:r>
+              <a:rPr lang="zh-CN" altLang="en-US" dirty="0"/>
+              <a:t>，</a:t>
+            </a:r>
+            <a:r>
+              <a:rPr lang="zh-CN" altLang="en-US" dirty="0" smtClean="0"/>
+              <a:t>脚本</a:t>
+            </a:r>
+            <a:r>
+              <a:rPr lang="zh-CN" altLang="en-US" dirty="0"/>
+              <a:t>可以使用</a:t>
+            </a:r>
+            <a:r>
+              <a:rPr lang="en-US" altLang="zh-CN" dirty="0"/>
+              <a:t>declare -a variable</a:t>
+            </a:r>
+            <a:r>
+              <a:rPr lang="zh-CN" altLang="en-US" dirty="0"/>
+              <a:t>语句来指定一个</a:t>
+            </a:r>
+            <a:r>
+              <a:rPr lang="zh-CN" altLang="en-US" dirty="0" smtClean="0"/>
+              <a:t>数组。解</a:t>
+            </a:r>
+            <a:r>
+              <a:rPr lang="zh-CN" altLang="en-US" dirty="0"/>
+              <a:t>引用一个数组</a:t>
+            </a:r>
+            <a:r>
+              <a:rPr lang="zh-CN" altLang="en-US" dirty="0" smtClean="0"/>
+              <a:t>元素（</a:t>
+            </a:r>
+            <a:r>
+              <a:rPr lang="zh-CN" altLang="en-US" dirty="0"/>
+              <a:t>也就是取值</a:t>
+            </a:r>
+            <a:r>
+              <a:rPr lang="zh-CN" altLang="en-US" dirty="0" smtClean="0"/>
+              <a:t>），使用花括号表示法，也即</a:t>
+            </a:r>
+            <a:r>
+              <a:rPr lang="en-US" altLang="zh-CN" dirty="0" smtClean="0"/>
+              <a:t>${element[xx]}</a:t>
+            </a:r>
+            <a:r>
+              <a:rPr lang="zh-CN" altLang="en-US" dirty="0" smtClean="0"/>
+              <a:t>。</a:t>
+            </a:r>
+            <a:endParaRPr lang="en-US" altLang="zh-CN" dirty="0" smtClean="0"/>
+          </a:p>
+          <a:p>
+            <a:pPr marL="0" indent="0">
+              <a:buNone/>
+            </a:pPr>
+            <a:r>
+              <a:rPr lang="zh-CN" altLang="en-US" dirty="0"/>
+              <a:t>一</a:t>
+            </a:r>
+            <a:r>
+              <a:rPr lang="zh-CN" altLang="en-US" dirty="0" smtClean="0"/>
+              <a:t>个简便的方式初始化整个数组，使用 </a:t>
+            </a:r>
+            <a:r>
+              <a:rPr lang="en-US" altLang="zh-CN" dirty="0"/>
+              <a:t>array=( element1 element2 ... </a:t>
+            </a:r>
+            <a:r>
+              <a:rPr lang="en-US" altLang="zh-CN" dirty="0" err="1"/>
+              <a:t>elementN</a:t>
+            </a:r>
+            <a:r>
+              <a:rPr lang="en-US" altLang="zh-CN" dirty="0"/>
+              <a:t> </a:t>
+            </a:r>
+            <a:r>
+              <a:rPr lang="en-US" altLang="zh-CN" dirty="0" smtClean="0"/>
+              <a:t>) </a:t>
+            </a:r>
+            <a:r>
+              <a:rPr lang="zh-CN" altLang="en-US" dirty="0" smtClean="0"/>
+              <a:t>表示法。</a:t>
+            </a:r>
+            <a:endParaRPr lang="en-US" altLang="zh-CN" dirty="0" smtClean="0"/>
+          </a:p>
+          <a:p>
+            <a:pPr marL="0" indent="0">
+              <a:buNone/>
+            </a:pPr>
+            <a:r>
+              <a:rPr lang="en-US" altLang="zh-CN" dirty="0" smtClean="0"/>
+              <a:t>e.g. </a:t>
+            </a:r>
+            <a:r>
+              <a:rPr lang="zh-CN" altLang="en-US" dirty="0" smtClean="0"/>
+              <a:t>简单的数组使用 </a:t>
+            </a:r>
+            <a:r>
+              <a:rPr lang="en-US" altLang="zh-CN" dirty="0" smtClean="0"/>
+              <a:t>array.sh</a:t>
+            </a:r>
+          </a:p>
+          <a:p>
+            <a:pPr marL="0" indent="0">
+              <a:buNone/>
+            </a:pPr>
+            <a:r>
+              <a:rPr lang="zh-CN" altLang="en-US" dirty="0"/>
+              <a:t>数组元素有它们独特的</a:t>
+            </a:r>
+            <a:r>
+              <a:rPr lang="zh-CN" altLang="en-US" dirty="0" smtClean="0"/>
+              <a:t>语法，甚至</a:t>
+            </a:r>
+            <a:r>
+              <a:rPr lang="zh-CN" altLang="en-US" dirty="0"/>
+              <a:t>标准</a:t>
+            </a:r>
+            <a:r>
+              <a:rPr lang="en-US" altLang="zh-CN" dirty="0"/>
+              <a:t>Bash</a:t>
+            </a:r>
+            <a:r>
+              <a:rPr lang="zh-CN" altLang="en-US" dirty="0"/>
+              <a:t>命令和</a:t>
+            </a:r>
+            <a:r>
+              <a:rPr lang="zh-CN" altLang="en-US" dirty="0" smtClean="0"/>
+              <a:t>操作符</a:t>
+            </a:r>
+            <a:r>
+              <a:rPr lang="zh-CN" altLang="en-US" dirty="0"/>
+              <a:t>，</a:t>
+            </a:r>
+            <a:r>
+              <a:rPr lang="zh-CN" altLang="en-US" dirty="0" smtClean="0"/>
+              <a:t>都</a:t>
+            </a:r>
+            <a:r>
+              <a:rPr lang="zh-CN" altLang="en-US" dirty="0"/>
+              <a:t>有特殊的选项用以配合数组</a:t>
+            </a:r>
+            <a:r>
+              <a:rPr lang="zh-CN" altLang="en-US" dirty="0" smtClean="0"/>
+              <a:t>操作。</a:t>
+            </a:r>
+            <a:r>
+              <a:rPr lang="en-US" altLang="zh-CN" dirty="0" smtClean="0"/>
+              <a:t>e.g. array-ops.sh</a:t>
+            </a:r>
+          </a:p>
+          <a:p>
+            <a:pPr marL="0" indent="0">
+              <a:buNone/>
+            </a:pPr>
+            <a:r>
+              <a:rPr lang="zh-CN" altLang="en-US" dirty="0" smtClean="0"/>
+              <a:t>大部分标准的字符串操作适用于数组。</a:t>
+            </a:r>
+            <a:r>
+              <a:rPr lang="en-US" altLang="zh-CN" dirty="0" smtClean="0"/>
+              <a:t>e.g. array-strops.sh</a:t>
+            </a:r>
+          </a:p>
+          <a:p>
+            <a:pPr marL="0" indent="0">
+              <a:buNone/>
+            </a:pPr>
+            <a:endParaRPr lang="zh-CN" altLang="en-US" dirty="0"/>
+          </a:p>
+        </p:txBody>
+      </p:sp>
+    </p:spTree>
+    <p:extLst>
+      <p:ext uri="{BB962C8B-B14F-4D97-AF65-F5344CB8AC3E}">
+        <p14:creationId xmlns:p14="http://schemas.microsoft.com/office/powerpoint/2010/main" val="3126638757"/>
+      </p:ext>
+    </p:extLst>
+  </p:cSld>
+  <p:clrMapOvr>
+    <a:masterClrMapping/>
+  </p:clrMapOvr>
+</p:sld>
+</file>
+
+<file path=ppt/slides/slide73.xml><?xml version="1.0" encoding="utf-8"?>
+<p:sld xmlns:a="http://schemas.openxmlformats.org/drawingml/2006/main" xmlns:r="http://schemas.openxmlformats.org/officeDocument/2006/relationships" xmlns:p="http://schemas.openxmlformats.org/presentationml/2006/main">
+  <p:cSld>
+    <p:spTree>
+      <p:nvGrpSpPr>
+        <p:cNvPr id="1" name=""/>
+        <p:cNvGrpSpPr/>
+        <p:nvPr/>
+      </p:nvGrpSpPr>
+      <p:grpSpPr>
+        <a:xfrm>
+          <a:off x="0" y="0"/>
+          <a:ext cx="0" cy="0"/>
+          <a:chOff x="0" y="0"/>
+          <a:chExt cx="0" cy="0"/>
+        </a:xfrm>
+      </p:grpSpPr>
+      <p:sp>
+        <p:nvSpPr>
+          <p:cNvPr id="2" name="标题 1"/>
+          <p:cNvSpPr>
+            <a:spLocks noGrp="1"/>
+          </p:cNvSpPr>
+          <p:nvPr>
+            <p:ph type="title"/>
+          </p:nvPr>
+        </p:nvSpPr>
+        <p:spPr/>
+        <p:txBody>
+          <a:bodyPr/>
+          <a:lstStyle/>
+          <a:p>
+            <a:r>
+              <a:rPr lang="zh-CN" altLang="en-US" dirty="0"/>
+              <a:t>函数</a:t>
+            </a:r>
+          </a:p>
+        </p:txBody>
+      </p:sp>
+      <p:sp>
+        <p:nvSpPr>
+          <p:cNvPr id="3" name="内容占位符 2"/>
+          <p:cNvSpPr>
+            <a:spLocks noGrp="1"/>
+          </p:cNvSpPr>
+          <p:nvPr>
+            <p:ph idx="1"/>
+          </p:nvPr>
+        </p:nvSpPr>
+        <p:spPr/>
+        <p:txBody>
+          <a:bodyPr>
+            <a:normAutofit lnSpcReduction="10000"/>
+          </a:bodyPr>
+          <a:lstStyle/>
+          <a:p>
+            <a:pPr marL="0" indent="0">
+              <a:buNone/>
+            </a:pPr>
+            <a:r>
+              <a:rPr lang="zh-CN" altLang="en-US" dirty="0" smtClean="0"/>
+              <a:t>与“</a:t>
+            </a:r>
+            <a:r>
+              <a:rPr lang="zh-CN" altLang="en-US" dirty="0"/>
+              <a:t>真正的</a:t>
+            </a:r>
+            <a:r>
+              <a:rPr lang="zh-CN" altLang="en-US" dirty="0" smtClean="0"/>
+              <a:t>” 编程语言一样</a:t>
+            </a:r>
+            <a:r>
+              <a:rPr lang="zh-CN" altLang="en-US" dirty="0"/>
+              <a:t>，</a:t>
+            </a:r>
+            <a:r>
+              <a:rPr lang="en-US" altLang="zh-CN" dirty="0" smtClean="0"/>
+              <a:t>Bash</a:t>
+            </a:r>
+            <a:r>
+              <a:rPr lang="zh-CN" altLang="en-US" dirty="0"/>
+              <a:t>也有</a:t>
+            </a:r>
+            <a:r>
+              <a:rPr lang="zh-CN" altLang="en-US" dirty="0" smtClean="0"/>
+              <a:t>函数</a:t>
+            </a:r>
+            <a:r>
+              <a:rPr lang="zh-CN" altLang="en-US" dirty="0"/>
+              <a:t>，</a:t>
+            </a:r>
+            <a:r>
+              <a:rPr lang="zh-CN" altLang="en-US" dirty="0" smtClean="0"/>
+              <a:t>虽然</a:t>
+            </a:r>
+            <a:r>
+              <a:rPr lang="zh-CN" altLang="en-US" dirty="0"/>
+              <a:t>在某些实现方面稍有</a:t>
+            </a:r>
+            <a:r>
+              <a:rPr lang="zh-CN" altLang="en-US" dirty="0" smtClean="0"/>
+              <a:t>限制</a:t>
+            </a:r>
+            <a:r>
+              <a:rPr lang="zh-CN" altLang="en-US" dirty="0"/>
+              <a:t>。</a:t>
+            </a:r>
+            <a:r>
+              <a:rPr lang="zh-CN" altLang="en-US" dirty="0" smtClean="0"/>
+              <a:t>一</a:t>
+            </a:r>
+            <a:r>
+              <a:rPr lang="zh-CN" altLang="en-US" dirty="0"/>
+              <a:t>个函数就是一个</a:t>
+            </a:r>
+            <a:r>
+              <a:rPr lang="zh-CN" altLang="en-US" dirty="0" smtClean="0"/>
+              <a:t>子程序</a:t>
+            </a:r>
+            <a:r>
+              <a:rPr lang="zh-CN" altLang="en-US" dirty="0"/>
+              <a:t>，</a:t>
+            </a:r>
+            <a:r>
+              <a:rPr lang="zh-CN" altLang="en-US" dirty="0" smtClean="0"/>
+              <a:t>用于</a:t>
+            </a:r>
+            <a:r>
+              <a:rPr lang="zh-CN" altLang="en-US" dirty="0"/>
+              <a:t>实现一系列操作的代码</a:t>
+            </a:r>
+            <a:r>
+              <a:rPr lang="zh-CN" altLang="en-US" dirty="0" smtClean="0"/>
+              <a:t>块</a:t>
+            </a:r>
+            <a:r>
+              <a:rPr lang="zh-CN" altLang="en-US" dirty="0"/>
+              <a:t>，</a:t>
+            </a:r>
+            <a:r>
+              <a:rPr lang="zh-CN" altLang="en-US" dirty="0" smtClean="0"/>
+              <a:t>它</a:t>
+            </a:r>
+            <a:r>
+              <a:rPr lang="zh-CN" altLang="en-US" dirty="0"/>
+              <a:t>是完成特定任务</a:t>
+            </a:r>
+            <a:r>
+              <a:rPr lang="zh-CN" altLang="en-US" dirty="0" smtClean="0"/>
+              <a:t>的“黑盒子”。</a:t>
+            </a:r>
+            <a:r>
+              <a:rPr lang="en-US" altLang="zh-CN" dirty="0" smtClean="0"/>
+              <a:t> </a:t>
+            </a:r>
+            <a:r>
+              <a:rPr lang="zh-CN" altLang="en-US" dirty="0"/>
+              <a:t>当存在重复</a:t>
+            </a:r>
+            <a:r>
+              <a:rPr lang="zh-CN" altLang="en-US" dirty="0" smtClean="0"/>
+              <a:t>代码，或者</a:t>
+            </a:r>
+            <a:r>
+              <a:rPr lang="zh-CN" altLang="en-US" dirty="0"/>
+              <a:t>当一个任务只需要轻微修改</a:t>
+            </a:r>
+            <a:r>
+              <a:rPr lang="zh-CN" altLang="en-US" dirty="0" smtClean="0"/>
+              <a:t>就可以重复</a:t>
+            </a:r>
+            <a:r>
+              <a:rPr lang="zh-CN" altLang="en-US" dirty="0"/>
+              <a:t>使用的</a:t>
+            </a:r>
+            <a:r>
+              <a:rPr lang="zh-CN" altLang="en-US" dirty="0" smtClean="0"/>
+              <a:t>时候，就需要</a:t>
+            </a:r>
+            <a:r>
+              <a:rPr lang="zh-CN" altLang="en-US" dirty="0"/>
+              <a:t>考虑使用函数</a:t>
+            </a:r>
+            <a:r>
+              <a:rPr lang="zh-CN" altLang="en-US" dirty="0" smtClean="0"/>
+              <a:t>了。函数形式：</a:t>
+            </a:r>
+            <a:endParaRPr lang="en-US" altLang="zh-CN" dirty="0" smtClean="0"/>
+          </a:p>
+          <a:p>
+            <a:pPr marL="0" indent="0">
+              <a:buNone/>
+            </a:pPr>
+            <a:r>
+              <a:rPr lang="en-US" altLang="zh-CN" dirty="0"/>
+              <a:t>function </a:t>
+            </a:r>
+            <a:r>
+              <a:rPr lang="en-US" altLang="zh-CN" dirty="0" err="1"/>
+              <a:t>function_name</a:t>
+            </a:r>
+            <a:r>
+              <a:rPr lang="en-US" altLang="zh-CN" dirty="0"/>
+              <a:t> { </a:t>
+            </a:r>
+          </a:p>
+          <a:p>
+            <a:pPr marL="0" indent="0">
+              <a:buNone/>
+            </a:pPr>
+            <a:r>
+              <a:rPr lang="en-US" altLang="zh-CN" dirty="0"/>
+              <a:t>command... </a:t>
+            </a:r>
+          </a:p>
+          <a:p>
+            <a:pPr marL="0" indent="0">
+              <a:buNone/>
+            </a:pPr>
+            <a:r>
+              <a:rPr lang="en-US" altLang="zh-CN" dirty="0"/>
+              <a:t>} </a:t>
+            </a:r>
+          </a:p>
+          <a:p>
+            <a:pPr marL="0" indent="0">
+              <a:buNone/>
+            </a:pPr>
+            <a:r>
+              <a:rPr lang="zh-CN" altLang="en-US" dirty="0" smtClean="0"/>
+              <a:t>或</a:t>
+            </a:r>
+            <a:endParaRPr lang="en-US" altLang="zh-CN" dirty="0"/>
+          </a:p>
+          <a:p>
+            <a:pPr marL="0" indent="0">
+              <a:buNone/>
+            </a:pPr>
+            <a:r>
+              <a:rPr lang="en-US" altLang="zh-CN" dirty="0" err="1"/>
+              <a:t>function_name</a:t>
+            </a:r>
+            <a:r>
+              <a:rPr lang="en-US" altLang="zh-CN" dirty="0"/>
+              <a:t> () { </a:t>
+            </a:r>
+          </a:p>
+          <a:p>
+            <a:pPr marL="0" indent="0">
+              <a:buNone/>
+            </a:pPr>
+            <a:r>
+              <a:rPr lang="en-US" altLang="zh-CN" dirty="0"/>
+              <a:t>command... </a:t>
+            </a:r>
+          </a:p>
+          <a:p>
+            <a:pPr marL="0" indent="0">
+              <a:buNone/>
+            </a:pPr>
+            <a:r>
+              <a:rPr lang="en-US" altLang="zh-CN" dirty="0"/>
+              <a:t>} </a:t>
+            </a:r>
+            <a:endParaRPr lang="en-US" altLang="zh-CN" dirty="0" smtClean="0"/>
+          </a:p>
+          <a:p>
+            <a:pPr marL="0" indent="0">
+              <a:buNone/>
+            </a:pPr>
+            <a:r>
+              <a:rPr lang="zh-CN" altLang="en-US" dirty="0" smtClean="0"/>
+              <a:t>第二种形式可移植性更好些，也是</a:t>
+            </a:r>
+            <a:r>
+              <a:rPr lang="en-US" altLang="zh-CN" dirty="0" smtClean="0"/>
+              <a:t>C</a:t>
+            </a:r>
+            <a:r>
+              <a:rPr lang="zh-CN" altLang="en-US" dirty="0" smtClean="0"/>
+              <a:t>程序员更喜欢的形式。</a:t>
+            </a:r>
+            <a:endParaRPr lang="en-US" altLang="zh-CN" dirty="0" smtClean="0"/>
+          </a:p>
+        </p:txBody>
+      </p:sp>
+    </p:spTree>
+    <p:extLst>
+      <p:ext uri="{BB962C8B-B14F-4D97-AF65-F5344CB8AC3E}">
+        <p14:creationId xmlns:p14="http://schemas.microsoft.com/office/powerpoint/2010/main" val="465369078"/>
+      </p:ext>
+    </p:extLst>
+  </p:cSld>
+  <p:clrMapOvr>
+    <a:masterClrMapping/>
+  </p:clrMapOvr>
+</p:sld>
+</file>
+
+<file path=ppt/slides/slide74.xml><?xml version="1.0" encoding="utf-8"?>
+<p:sld xmlns:a="http://schemas.openxmlformats.org/drawingml/2006/main" xmlns:r="http://schemas.openxmlformats.org/officeDocument/2006/relationships" xmlns:p="http://schemas.openxmlformats.org/presentationml/2006/main">
+  <p:cSld>
+    <p:spTree>
+      <p:nvGrpSpPr>
+        <p:cNvPr id="1" name=""/>
+        <p:cNvGrpSpPr/>
+        <p:nvPr/>
+      </p:nvGrpSpPr>
+      <p:grpSpPr>
+        <a:xfrm>
+          <a:off x="0" y="0"/>
+          <a:ext cx="0" cy="0"/>
+          <a:chOff x="0" y="0"/>
+          <a:chExt cx="0" cy="0"/>
+        </a:xfrm>
+      </p:grpSpPr>
+      <p:sp>
+        <p:nvSpPr>
+          <p:cNvPr id="2" name="标题 1"/>
+          <p:cNvSpPr>
+            <a:spLocks noGrp="1"/>
+          </p:cNvSpPr>
+          <p:nvPr>
+            <p:ph type="title"/>
+          </p:nvPr>
+        </p:nvSpPr>
+        <p:spPr/>
+        <p:txBody>
+          <a:bodyPr/>
+          <a:lstStyle/>
+          <a:p>
+            <a:r>
+              <a:rPr lang="zh-CN" altLang="en-US" dirty="0" smtClean="0"/>
+              <a:t>函数</a:t>
+            </a:r>
+            <a:endParaRPr lang="zh-CN" altLang="en-US" dirty="0"/>
+          </a:p>
+        </p:txBody>
+      </p:sp>
+      <p:sp>
+        <p:nvSpPr>
+          <p:cNvPr id="3" name="内容占位符 2"/>
+          <p:cNvSpPr>
+            <a:spLocks noGrp="1"/>
+          </p:cNvSpPr>
+          <p:nvPr>
+            <p:ph idx="1"/>
+          </p:nvPr>
+        </p:nvSpPr>
+        <p:spPr/>
+        <p:txBody>
+          <a:bodyPr>
+            <a:normAutofit fontScale="85000" lnSpcReduction="20000"/>
+          </a:bodyPr>
+          <a:lstStyle/>
+          <a:p>
+            <a:pPr marL="0" indent="0">
+              <a:buNone/>
+            </a:pPr>
+            <a:r>
+              <a:rPr lang="zh-CN" altLang="en-US" dirty="0"/>
+              <a:t>跟</a:t>
+            </a:r>
+            <a:r>
+              <a:rPr lang="en-US" altLang="zh-CN" dirty="0"/>
+              <a:t>C</a:t>
+            </a:r>
+            <a:r>
+              <a:rPr lang="zh-CN" altLang="en-US" dirty="0"/>
+              <a:t>语言一样，函数的左大括号也可以写在下一行中：</a:t>
+            </a:r>
+            <a:endParaRPr lang="en-US" altLang="zh-CN" dirty="0"/>
+          </a:p>
+          <a:p>
+            <a:pPr marL="0" indent="0">
+              <a:buNone/>
+            </a:pPr>
+            <a:r>
+              <a:rPr lang="en-US" altLang="zh-CN" dirty="0" err="1"/>
+              <a:t>function_name</a:t>
+            </a:r>
+            <a:r>
+              <a:rPr lang="en-US" altLang="zh-CN" dirty="0"/>
+              <a:t> () </a:t>
+            </a:r>
+          </a:p>
+          <a:p>
+            <a:pPr marL="0" indent="0">
+              <a:buNone/>
+            </a:pPr>
+            <a:r>
+              <a:rPr lang="en-US" altLang="zh-CN" dirty="0"/>
+              <a:t>{ </a:t>
+            </a:r>
+          </a:p>
+          <a:p>
+            <a:pPr marL="0" indent="0">
+              <a:buNone/>
+            </a:pPr>
+            <a:r>
+              <a:rPr lang="en-US" altLang="zh-CN" dirty="0"/>
+              <a:t>command... </a:t>
+            </a:r>
+          </a:p>
+          <a:p>
+            <a:pPr marL="0" indent="0">
+              <a:buNone/>
+            </a:pPr>
+            <a:r>
+              <a:rPr lang="en-US" altLang="zh-CN" dirty="0"/>
+              <a:t>} </a:t>
+            </a:r>
+            <a:endParaRPr lang="en-US" altLang="zh-CN" dirty="0" smtClean="0"/>
+          </a:p>
+          <a:p>
+            <a:pPr marL="0" indent="0">
+              <a:buNone/>
+            </a:pPr>
+            <a:r>
+              <a:rPr lang="zh-CN" altLang="en-US" dirty="0"/>
+              <a:t>一</a:t>
+            </a:r>
+            <a:r>
+              <a:rPr lang="zh-CN" altLang="en-US" dirty="0" smtClean="0"/>
+              <a:t>个函数可以被“</a:t>
+            </a:r>
+            <a:r>
+              <a:rPr lang="zh-CN" altLang="en-US" dirty="0"/>
+              <a:t>压缩</a:t>
+            </a:r>
+            <a:r>
+              <a:rPr lang="zh-CN" altLang="en-US" dirty="0" smtClean="0"/>
+              <a:t>” 成一行：</a:t>
+            </a:r>
+            <a:endParaRPr lang="en-US" altLang="zh-CN" dirty="0" smtClean="0"/>
+          </a:p>
+          <a:p>
+            <a:pPr marL="0" indent="0">
+              <a:buNone/>
+            </a:pPr>
+            <a:r>
+              <a:rPr lang="en-US" altLang="zh-CN" dirty="0"/>
+              <a:t>fun () { echo "This is a function"; echo; }</a:t>
+            </a:r>
+          </a:p>
+          <a:p>
+            <a:pPr marL="0" indent="0">
+              <a:buNone/>
+            </a:pPr>
+            <a:r>
+              <a:rPr lang="en-US" altLang="zh-CN" dirty="0"/>
+              <a:t>#                                 </a:t>
+            </a:r>
+            <a:r>
+              <a:rPr lang="en-US" altLang="zh-CN" dirty="0" smtClean="0"/>
+              <a:t>                ^         ^</a:t>
+            </a:r>
+          </a:p>
+          <a:p>
+            <a:pPr marL="0" indent="0">
+              <a:buNone/>
+            </a:pPr>
+            <a:r>
+              <a:rPr lang="zh-CN" altLang="en-US" dirty="0" smtClean="0"/>
+              <a:t>然而，这种情况下，函数中的最后一个命令必须</a:t>
+            </a:r>
+            <a:r>
+              <a:rPr lang="zh-CN" altLang="en-US" dirty="0"/>
+              <a:t>以</a:t>
+            </a:r>
+            <a:r>
+              <a:rPr lang="zh-CN" altLang="en-US" dirty="0" smtClean="0"/>
+              <a:t> </a:t>
+            </a:r>
+            <a:r>
+              <a:rPr lang="en-US" altLang="zh-CN" dirty="0" smtClean="0"/>
+              <a:t>; </a:t>
+            </a:r>
+            <a:r>
+              <a:rPr lang="zh-CN" altLang="en-US" dirty="0" smtClean="0"/>
+              <a:t>号结束。</a:t>
+            </a:r>
+            <a:endParaRPr lang="en-US" altLang="zh-CN" dirty="0" smtClean="0"/>
+          </a:p>
+          <a:p>
+            <a:pPr marL="0" indent="0">
+              <a:buNone/>
+            </a:pPr>
+            <a:r>
+              <a:rPr lang="en-US" altLang="zh-CN" dirty="0"/>
+              <a:t>fun () { echo "This is a function"; echo } # Error!</a:t>
+            </a:r>
+          </a:p>
+          <a:p>
+            <a:pPr marL="0" indent="0">
+              <a:buNone/>
+            </a:pPr>
+            <a:r>
+              <a:rPr lang="en-US" altLang="zh-CN" dirty="0"/>
+              <a:t>#                                       </a:t>
+            </a:r>
+            <a:r>
+              <a:rPr lang="en-US" altLang="zh-CN" dirty="0" smtClean="0"/>
+              <a:t>                      ^</a:t>
+            </a:r>
+            <a:endParaRPr lang="en-US" altLang="zh-CN" dirty="0"/>
+          </a:p>
+          <a:p>
+            <a:pPr marL="0" indent="0">
+              <a:buNone/>
+            </a:pPr>
+            <a:r>
+              <a:rPr lang="en-US" altLang="zh-CN" dirty="0"/>
+              <a:t>fun2 () { echo "Even a single-command function? Yes!"; }</a:t>
+            </a:r>
+          </a:p>
+          <a:p>
+            <a:pPr marL="0" indent="0">
+              <a:buNone/>
+            </a:pPr>
+            <a:r>
+              <a:rPr lang="en-US" altLang="zh-CN" dirty="0"/>
+              <a:t>#                                                    </a:t>
+            </a:r>
+            <a:r>
+              <a:rPr lang="en-US" altLang="zh-CN" dirty="0" smtClean="0"/>
+              <a:t>                                        ^</a:t>
+            </a:r>
+          </a:p>
+        </p:txBody>
+      </p:sp>
+    </p:spTree>
+    <p:extLst>
+      <p:ext uri="{BB962C8B-B14F-4D97-AF65-F5344CB8AC3E}">
+        <p14:creationId xmlns:p14="http://schemas.microsoft.com/office/powerpoint/2010/main" val="419188431"/>
+      </p:ext>
+    </p:extLst>
+  </p:cSld>
+  <p:clrMapOvr>
+    <a:masterClrMapping/>
+  </p:clrMapOvr>
+</p:sld>
+</file>
+
+<file path=ppt/slides/slide75.xml><?xml version="1.0" encoding="utf-8"?>
+<p:sld xmlns:a="http://schemas.openxmlformats.org/drawingml/2006/main" xmlns:r="http://schemas.openxmlformats.org/officeDocument/2006/relationships" xmlns:p="http://schemas.openxmlformats.org/presentationml/2006/main">
+  <p:cSld>
+    <p:spTree>
+      <p:nvGrpSpPr>
+        <p:cNvPr id="1" name=""/>
+        <p:cNvGrpSpPr/>
+        <p:nvPr/>
+      </p:nvGrpSpPr>
+      <p:grpSpPr>
+        <a:xfrm>
+          <a:off x="0" y="0"/>
+          <a:ext cx="0" cy="0"/>
+          <a:chOff x="0" y="0"/>
+          <a:chExt cx="0" cy="0"/>
+        </a:xfrm>
+      </p:grpSpPr>
+      <p:sp>
+        <p:nvSpPr>
+          <p:cNvPr id="2" name="标题 1"/>
+          <p:cNvSpPr>
+            <a:spLocks noGrp="1"/>
+          </p:cNvSpPr>
+          <p:nvPr>
+            <p:ph type="title"/>
+          </p:nvPr>
+        </p:nvSpPr>
+        <p:spPr/>
+        <p:txBody>
+          <a:bodyPr/>
+          <a:lstStyle/>
+          <a:p>
+            <a:r>
+              <a:rPr lang="zh-CN" altLang="en-US" dirty="0" smtClean="0"/>
+              <a:t>函数</a:t>
+            </a:r>
+            <a:endParaRPr lang="zh-CN" altLang="en-US" dirty="0"/>
+          </a:p>
+        </p:txBody>
+      </p:sp>
+      <p:sp>
+        <p:nvSpPr>
+          <p:cNvPr id="3" name="内容占位符 2"/>
+          <p:cNvSpPr>
+            <a:spLocks noGrp="1"/>
+          </p:cNvSpPr>
+          <p:nvPr>
+            <p:ph idx="1"/>
+          </p:nvPr>
+        </p:nvSpPr>
+        <p:spPr/>
+        <p:txBody>
+          <a:bodyPr/>
+          <a:lstStyle/>
+          <a:p>
+            <a:pPr marL="0" indent="0">
+              <a:buNone/>
+            </a:pPr>
+            <a:r>
+              <a:rPr lang="zh-CN" altLang="en-US" dirty="0"/>
+              <a:t>只需要简单的调用函数名，就可以调用或触发一个函数，一个函数调用等同于一个命令</a:t>
+            </a:r>
+            <a:r>
+              <a:rPr lang="zh-CN" altLang="en-US" dirty="0" smtClean="0"/>
+              <a:t>。</a:t>
+            </a:r>
+            <a:endParaRPr lang="en-US" altLang="zh-CN" dirty="0" smtClean="0"/>
+          </a:p>
+          <a:p>
+            <a:pPr marL="0" indent="0">
+              <a:buNone/>
+            </a:pPr>
+            <a:r>
+              <a:rPr lang="zh-CN" altLang="en-US" dirty="0"/>
+              <a:t>函数定义必须在第一次调用函数之前</a:t>
+            </a:r>
+            <a:r>
+              <a:rPr lang="zh-CN" altLang="en-US" dirty="0" smtClean="0"/>
+              <a:t>完成</a:t>
+            </a:r>
+            <a:r>
+              <a:rPr lang="zh-CN" altLang="en-US" dirty="0"/>
+              <a:t>，</a:t>
+            </a:r>
+            <a:r>
+              <a:rPr lang="zh-CN" altLang="en-US" dirty="0" smtClean="0"/>
+              <a:t>没有</a:t>
+            </a:r>
+            <a:r>
+              <a:rPr lang="zh-CN" altLang="en-US" dirty="0"/>
+              <a:t>像</a:t>
+            </a:r>
+            <a:r>
+              <a:rPr lang="en-US" altLang="zh-CN" dirty="0"/>
+              <a:t>C</a:t>
+            </a:r>
+            <a:r>
+              <a:rPr lang="zh-CN" altLang="en-US" dirty="0" smtClean="0"/>
+              <a:t>中“声明”一个函数的方法。</a:t>
+            </a:r>
+            <a:r>
+              <a:rPr lang="en-US" altLang="zh-CN" dirty="0" smtClean="0"/>
+              <a:t>e.g. function.sh</a:t>
+            </a:r>
+          </a:p>
+          <a:p>
+            <a:pPr marL="0" indent="0">
+              <a:buNone/>
+            </a:pPr>
+            <a:r>
+              <a:rPr lang="zh-CN" altLang="en-US" dirty="0" smtClean="0"/>
+              <a:t>函数</a:t>
+            </a:r>
+            <a:r>
+              <a:rPr lang="zh-CN" altLang="en-US" dirty="0"/>
+              <a:t>体</a:t>
+            </a:r>
+            <a:r>
+              <a:rPr lang="zh-CN" altLang="en-US" dirty="0" smtClean="0"/>
+              <a:t>不能为空。</a:t>
+            </a:r>
+            <a:r>
+              <a:rPr lang="en-US" altLang="zh-CN" dirty="0" smtClean="0"/>
+              <a:t>e.g. empty-function.sh</a:t>
+            </a:r>
+          </a:p>
+          <a:p>
+            <a:pPr marL="0" indent="0">
+              <a:buNone/>
+            </a:pPr>
+            <a:r>
+              <a:rPr lang="zh-CN" altLang="en-US" dirty="0" smtClean="0"/>
+              <a:t>同一脚本中的重名函数，后定义的函数将覆盖先定义的函数。</a:t>
+            </a:r>
+            <a:r>
+              <a:rPr lang="en-US" altLang="zh-CN" dirty="0" smtClean="0"/>
+              <a:t>e.g. duplicate-function.sh</a:t>
+            </a:r>
+            <a:endParaRPr lang="zh-CN" altLang="en-US" dirty="0"/>
+          </a:p>
+          <a:p>
+            <a:pPr marL="0" indent="0">
+              <a:buNone/>
+            </a:pPr>
+            <a:endParaRPr lang="zh-CN" altLang="en-US" dirty="0"/>
+          </a:p>
+        </p:txBody>
+      </p:sp>
+    </p:spTree>
+    <p:extLst>
+      <p:ext uri="{BB962C8B-B14F-4D97-AF65-F5344CB8AC3E}">
+        <p14:creationId xmlns:p14="http://schemas.microsoft.com/office/powerpoint/2010/main" val="1148753609"/>
+      </p:ext>
+    </p:extLst>
+  </p:cSld>
+  <p:clrMapOvr>
+    <a:masterClrMapping/>
+  </p:clrMapOvr>
+</p:sld>
+</file>
+
+<file path=ppt/slides/slide76.xml><?xml version="1.0" encoding="utf-8"?>
+<p:sld xmlns:a="http://schemas.openxmlformats.org/drawingml/2006/main" xmlns:r="http://schemas.openxmlformats.org/officeDocument/2006/relationships" xmlns:p="http://schemas.openxmlformats.org/presentationml/2006/main">
+  <p:cSld>
+    <p:spTree>
+      <p:nvGrpSpPr>
+        <p:cNvPr id="1" name=""/>
+        <p:cNvGrpSpPr/>
+        <p:nvPr/>
+      </p:nvGrpSpPr>
+      <p:grpSpPr>
+        <a:xfrm>
+          <a:off x="0" y="0"/>
+          <a:ext cx="0" cy="0"/>
+          <a:chOff x="0" y="0"/>
+          <a:chExt cx="0" cy="0"/>
+        </a:xfrm>
+      </p:grpSpPr>
+      <p:sp>
+        <p:nvSpPr>
+          <p:cNvPr id="2" name="标题 1"/>
+          <p:cNvSpPr>
+            <a:spLocks noGrp="1"/>
+          </p:cNvSpPr>
+          <p:nvPr>
+            <p:ph type="title"/>
+          </p:nvPr>
+        </p:nvSpPr>
+        <p:spPr/>
+        <p:txBody>
+          <a:bodyPr/>
+          <a:lstStyle/>
+          <a:p>
+            <a:r>
+              <a:rPr lang="zh-CN" altLang="en-US" dirty="0" smtClean="0"/>
+              <a:t>子</a:t>
+            </a:r>
+            <a:r>
+              <a:rPr lang="en-US" altLang="zh-CN" dirty="0" smtClean="0"/>
+              <a:t>shell</a:t>
+            </a:r>
+            <a:endParaRPr lang="zh-CN" altLang="en-US" dirty="0"/>
+          </a:p>
+        </p:txBody>
+      </p:sp>
+      <p:sp>
+        <p:nvSpPr>
+          <p:cNvPr id="3" name="内容占位符 2"/>
+          <p:cNvSpPr>
+            <a:spLocks noGrp="1"/>
+          </p:cNvSpPr>
+          <p:nvPr>
+            <p:ph idx="1"/>
+          </p:nvPr>
+        </p:nvSpPr>
+        <p:spPr/>
+        <p:txBody>
+          <a:bodyPr/>
+          <a:lstStyle/>
+          <a:p>
+            <a:pPr marL="0" indent="0">
+              <a:buNone/>
+            </a:pPr>
+            <a:r>
+              <a:rPr lang="zh-CN" altLang="en-US" dirty="0" smtClean="0"/>
+              <a:t>子</a:t>
+            </a:r>
+            <a:r>
+              <a:rPr lang="en-US" altLang="zh-CN" dirty="0" smtClean="0"/>
+              <a:t>shell</a:t>
+            </a:r>
+            <a:r>
+              <a:rPr lang="zh-CN" altLang="en-US" dirty="0" smtClean="0"/>
+              <a:t>是由</a:t>
+            </a:r>
+            <a:r>
+              <a:rPr lang="en-US" altLang="zh-CN" dirty="0" smtClean="0"/>
+              <a:t>shell</a:t>
+            </a:r>
+            <a:r>
+              <a:rPr lang="zh-CN" altLang="en-US" dirty="0" smtClean="0"/>
+              <a:t>或</a:t>
+            </a:r>
+            <a:r>
+              <a:rPr lang="en-US" altLang="zh-CN" dirty="0" smtClean="0"/>
+              <a:t>shell</a:t>
+            </a:r>
+            <a:r>
+              <a:rPr lang="zh-CN" altLang="en-US" dirty="0" smtClean="0"/>
+              <a:t>脚本启动的子进程，执行一个</a:t>
+            </a:r>
+            <a:r>
+              <a:rPr lang="en-US" altLang="zh-CN" dirty="0" smtClean="0"/>
+              <a:t>shell</a:t>
+            </a:r>
+            <a:r>
+              <a:rPr lang="zh-CN" altLang="en-US" dirty="0" smtClean="0"/>
+              <a:t>脚本将启动一个新进程，一个子</a:t>
+            </a:r>
+            <a:r>
+              <a:rPr lang="en-US" altLang="zh-CN" dirty="0" smtClean="0"/>
+              <a:t>shell</a:t>
+            </a:r>
+            <a:r>
+              <a:rPr lang="zh-CN" altLang="en-US" dirty="0" smtClean="0"/>
+              <a:t>。</a:t>
+            </a:r>
+            <a:endParaRPr lang="en-US" altLang="zh-CN" dirty="0" smtClean="0"/>
+          </a:p>
+          <a:p>
+            <a:pPr marL="0" indent="0">
+              <a:buNone/>
+            </a:pPr>
+            <a:endParaRPr lang="zh-CN" altLang="en-US" dirty="0"/>
+          </a:p>
+        </p:txBody>
+      </p:sp>
+    </p:spTree>
+    <p:extLst>
+      <p:ext uri="{BB962C8B-B14F-4D97-AF65-F5344CB8AC3E}">
+        <p14:creationId xmlns:p14="http://schemas.microsoft.com/office/powerpoint/2010/main" val="2416205484"/>
+      </p:ext>
+    </p:extLst>
+  </p:cSld>
+  <p:clrMapOvr>
+    <a:masterClrMapping/>
+  </p:clrMapOvr>
+</p:sld>
+</file>
+
+<file path=ppt/slides/slide77.xml><?xml version="1.0" encoding="utf-8"?>
+<p:sld xmlns:a="http://schemas.openxmlformats.org/drawingml/2006/main" xmlns:r="http://schemas.openxmlformats.org/officeDocument/2006/relationships" xmlns:p="http://schemas.openxmlformats.org/presentationml/2006/main">
+  <p:cSld>
+    <p:spTree>
+      <p:nvGrpSpPr>
+        <p:cNvPr id="1" name=""/>
+        <p:cNvGrpSpPr/>
+        <p:nvPr/>
+      </p:nvGrpSpPr>
+      <p:grpSpPr>
+        <a:xfrm>
+          <a:off x="0" y="0"/>
+          <a:ext cx="0" cy="0"/>
+          <a:chOff x="0" y="0"/>
+          <a:chExt cx="0" cy="0"/>
+        </a:xfrm>
+      </p:grpSpPr>
+      <p:sp>
+        <p:nvSpPr>
+          <p:cNvPr id="2" name="标题 1"/>
+          <p:cNvSpPr>
+            <a:spLocks noGrp="1"/>
+          </p:cNvSpPr>
+          <p:nvPr>
+            <p:ph type="title"/>
+          </p:nvPr>
+        </p:nvSpPr>
+        <p:spPr/>
+        <p:txBody>
+          <a:bodyPr/>
+          <a:lstStyle/>
+          <a:p>
+            <a:r>
+              <a:rPr lang="zh-CN" altLang="en-US" dirty="0" smtClean="0"/>
+              <a:t>实用工具</a:t>
+            </a:r>
+            <a:endParaRPr lang="zh-CN" altLang="en-US" dirty="0"/>
+          </a:p>
+        </p:txBody>
+      </p:sp>
+      <p:sp>
+        <p:nvSpPr>
+          <p:cNvPr id="3" name="内容占位符 2"/>
+          <p:cNvSpPr>
+            <a:spLocks noGrp="1"/>
+          </p:cNvSpPr>
+          <p:nvPr>
+            <p:ph idx="1"/>
+          </p:nvPr>
+        </p:nvSpPr>
+        <p:spPr/>
+        <p:txBody>
+          <a:bodyPr/>
+          <a:lstStyle/>
+          <a:p>
+            <a:r>
+              <a:rPr lang="en-US" altLang="zh-CN" dirty="0" smtClean="0"/>
+              <a:t>cut </a:t>
+            </a:r>
+            <a:r>
+              <a:rPr lang="zh-CN" altLang="en-US" dirty="0" smtClean="0"/>
+              <a:t>的用法</a:t>
+            </a:r>
+            <a:endParaRPr lang="en-US" altLang="zh-CN" dirty="0"/>
+          </a:p>
+          <a:p>
+            <a:r>
+              <a:rPr lang="en-US" altLang="zh-CN" dirty="0" smtClean="0"/>
+              <a:t>grep </a:t>
+            </a:r>
+            <a:r>
+              <a:rPr lang="zh-CN" altLang="en-US" dirty="0" smtClean="0"/>
+              <a:t>的用法</a:t>
+            </a:r>
+            <a:endParaRPr lang="en-US" altLang="zh-CN" dirty="0" smtClean="0"/>
+          </a:p>
+          <a:p>
+            <a:r>
+              <a:rPr lang="en-US" altLang="zh-CN" dirty="0" smtClean="0"/>
+              <a:t>sed </a:t>
+            </a:r>
+            <a:r>
+              <a:rPr lang="zh-CN" altLang="en-US" dirty="0" smtClean="0"/>
+              <a:t>的用法</a:t>
+            </a:r>
+            <a:endParaRPr lang="en-US" altLang="zh-CN" dirty="0" smtClean="0"/>
+          </a:p>
+          <a:p>
+            <a:r>
+              <a:rPr lang="en-US" altLang="zh-CN" dirty="0" smtClean="0"/>
+              <a:t>awk </a:t>
+            </a:r>
+            <a:r>
+              <a:rPr lang="zh-CN" altLang="en-US" dirty="0" smtClean="0"/>
+              <a:t>的用法</a:t>
+            </a:r>
+            <a:endParaRPr lang="en-US" altLang="zh-CN" dirty="0" smtClean="0"/>
+          </a:p>
+          <a:p>
+            <a:endParaRPr lang="zh-CN" altLang="en-US" dirty="0"/>
+          </a:p>
+        </p:txBody>
+      </p:sp>
+    </p:spTree>
+    <p:extLst>
+      <p:ext uri="{BB962C8B-B14F-4D97-AF65-F5344CB8AC3E}">
+        <p14:creationId xmlns:p14="http://schemas.microsoft.com/office/powerpoint/2010/main" val="2492421797"/>
+      </p:ext>
+    </p:extLst>
+  </p:cSld>
+  <p:clrMapOvr>
+    <a:masterClrMapping/>
+  </p:clrMapOvr>
+  <p:timing>
+    <p:tnLst>
+      <p:par>
+        <p:cTn id="1" dur="indefinite" restart="never" nodeType="tmRoot"/>
+      </p:par>
+    </p:tnLst>
+  </p:timing>
+</p:sld>
+</file>
+
+<file path=ppt/slides/slide78.xml><?xml version="1.0" encoding="utf-8"?>
+<p:sld xmlns:a="http://schemas.openxmlformats.org/drawingml/2006/main" xmlns:r="http://schemas.openxmlformats.org/officeDocument/2006/relationships" xmlns:p="http://schemas.openxmlformats.org/presentationml/2006/main">
+  <p:cSld>
+    <p:spTree>
+      <p:nvGrpSpPr>
+        <p:cNvPr id="1" name=""/>
+        <p:cNvGrpSpPr/>
+        <p:nvPr/>
+      </p:nvGrpSpPr>
+      <p:grpSpPr>
+        <a:xfrm>
+          <a:off x="0" y="0"/>
+          <a:ext cx="0" cy="0"/>
+          <a:chOff x="0" y="0"/>
+          <a:chExt cx="0" cy="0"/>
+        </a:xfrm>
+      </p:grpSpPr>
+      <p:sp>
+        <p:nvSpPr>
+          <p:cNvPr id="2" name="标题 1"/>
+          <p:cNvSpPr>
+            <a:spLocks noGrp="1"/>
+          </p:cNvSpPr>
+          <p:nvPr>
+            <p:ph type="title"/>
+          </p:nvPr>
+        </p:nvSpPr>
+        <p:spPr/>
+        <p:txBody>
+          <a:bodyPr/>
+          <a:lstStyle/>
+          <a:p>
+            <a:r>
+              <a:rPr lang="zh-CN" altLang="en-US" dirty="0"/>
+              <a:t>参考</a:t>
+            </a:r>
+          </a:p>
+        </p:txBody>
+      </p:sp>
+      <p:sp>
+        <p:nvSpPr>
+          <p:cNvPr id="3" name="内容占位符 2"/>
+          <p:cNvSpPr>
+            <a:spLocks noGrp="1"/>
+          </p:cNvSpPr>
+          <p:nvPr>
+            <p:ph idx="1"/>
+          </p:nvPr>
+        </p:nvSpPr>
+        <p:spPr/>
+        <p:txBody>
+          <a:bodyPr>
+            <a:normAutofit/>
+          </a:bodyPr>
+          <a:lstStyle/>
+          <a:p>
+            <a:r>
+              <a:rPr lang="en-US" altLang="zh-CN" dirty="0" smtClean="0"/>
+              <a:t>Advanced </a:t>
+            </a:r>
+            <a:r>
+              <a:rPr lang="en-US" altLang="zh-CN" dirty="0"/>
+              <a:t>Bash-Scripting Guide</a:t>
+            </a:r>
+            <a:r>
+              <a:rPr lang="zh-CN" altLang="en-US" dirty="0" smtClean="0"/>
+              <a:t>：</a:t>
+            </a:r>
+            <a:endParaRPr lang="en-US" altLang="zh-CN" dirty="0" smtClean="0"/>
+          </a:p>
+          <a:p>
+            <a:pPr marL="0" indent="0">
+              <a:buNone/>
+            </a:pPr>
+            <a:r>
+              <a:rPr lang="en-US" altLang="zh-CN" dirty="0" smtClean="0">
+                <a:hlinkClick r:id="rId2"/>
+              </a:rPr>
+              <a:t>http://www.tldp.org/LDP/abs/html/abs-guide.html</a:t>
+            </a:r>
+            <a:endParaRPr lang="en-US" altLang="zh-CN" dirty="0"/>
+          </a:p>
+          <a:p>
+            <a:r>
+              <a:rPr lang="en-US" altLang="zh-CN" dirty="0" smtClean="0"/>
+              <a:t>sed </a:t>
+            </a:r>
+            <a:r>
+              <a:rPr lang="en-US" altLang="zh-CN" dirty="0"/>
+              <a:t>&amp; awk </a:t>
+            </a:r>
+            <a:r>
+              <a:rPr lang="zh-CN" altLang="en-US" dirty="0" smtClean="0"/>
+              <a:t>概述</a:t>
+            </a:r>
+            <a:endParaRPr lang="en-US" altLang="zh-CN" dirty="0" smtClean="0"/>
+          </a:p>
+          <a:p>
+            <a:pPr marL="0" indent="0">
+              <a:buNone/>
+            </a:pPr>
+            <a:r>
+              <a:rPr lang="en-US" altLang="zh-CN" dirty="0" smtClean="0">
+                <a:hlinkClick r:id="rId3"/>
+              </a:rPr>
+              <a:t>http://jarson.in/sed-awk-overview/</a:t>
+            </a:r>
+            <a:endParaRPr lang="en-US" altLang="zh-CN" dirty="0" smtClean="0"/>
+          </a:p>
+          <a:p>
+            <a:r>
+              <a:rPr lang="en-US" altLang="zh-CN" dirty="0" smtClean="0"/>
+              <a:t>sed </a:t>
+            </a:r>
+            <a:r>
+              <a:rPr lang="zh-CN" altLang="en-US" dirty="0"/>
+              <a:t>学习</a:t>
+            </a:r>
+            <a:r>
+              <a:rPr lang="zh-CN" altLang="en-US" dirty="0" smtClean="0"/>
+              <a:t>手册</a:t>
+            </a:r>
+            <a:endParaRPr lang="en-US" altLang="zh-CN" dirty="0" smtClean="0"/>
+          </a:p>
+          <a:p>
+            <a:pPr marL="0" indent="0">
+              <a:buNone/>
+            </a:pPr>
+            <a:r>
+              <a:rPr lang="en-US" altLang="zh-CN" dirty="0" smtClean="0">
+                <a:hlinkClick r:id="rId4"/>
+              </a:rPr>
+              <a:t>http://jarson.in/sed-manual/</a:t>
+            </a:r>
+            <a:endParaRPr lang="en-US" altLang="zh-CN" dirty="0" smtClean="0"/>
+          </a:p>
+          <a:p>
+            <a:r>
+              <a:rPr lang="en-US" altLang="zh-CN" dirty="0" smtClean="0"/>
+              <a:t>sed </a:t>
+            </a:r>
+            <a:r>
+              <a:rPr lang="zh-CN" altLang="en-US" dirty="0"/>
+              <a:t>函数</a:t>
+            </a:r>
+            <a:r>
+              <a:rPr lang="zh-CN" altLang="en-US" dirty="0" smtClean="0"/>
+              <a:t>参数</a:t>
+            </a:r>
+            <a:endParaRPr lang="en-US" altLang="zh-CN" dirty="0" smtClean="0"/>
+          </a:p>
+          <a:p>
+            <a:pPr marL="0" indent="0">
+              <a:buNone/>
+            </a:pPr>
+            <a:r>
+              <a:rPr lang="en-US" altLang="zh-CN" dirty="0" smtClean="0">
+                <a:hlinkClick r:id="rId5"/>
+              </a:rPr>
+              <a:t>http://jarson.in/sed-functions/</a:t>
+            </a:r>
+            <a:endParaRPr lang="en-US" altLang="zh-CN" dirty="0"/>
+          </a:p>
+          <a:p>
+            <a:r>
+              <a:rPr lang="en-US" altLang="zh-CN" dirty="0" smtClean="0"/>
+              <a:t>awk</a:t>
+            </a:r>
+          </a:p>
+          <a:p>
+            <a:pPr marL="0" indent="0">
+              <a:buNone/>
+            </a:pPr>
+            <a:r>
+              <a:rPr lang="en-US" altLang="zh-CN" dirty="0" smtClean="0">
+                <a:hlinkClick r:id="rId6"/>
+              </a:rPr>
+              <a:t>http://www.aslibra.com/doc/awk.htm</a:t>
+            </a:r>
+            <a:endParaRPr lang="zh-CN" altLang="en-US" dirty="0"/>
+          </a:p>
+        </p:txBody>
+      </p:sp>
+    </p:spTree>
+    <p:extLst>
+      <p:ext uri="{BB962C8B-B14F-4D97-AF65-F5344CB8AC3E}">
+        <p14:creationId xmlns:p14="http://schemas.microsoft.com/office/powerpoint/2010/main" val="893627498"/>
       </p:ext>
     </p:extLst>
   </p:cSld>

--- a/Bash-scripting-guid.pptx
+++ b/Bash-scripting-guid.pptx
@@ -26664,11 +26664,7 @@
           <a:p>
             <a:r>
               <a:rPr lang="en-US" altLang="zh-CN" dirty="0" smtClean="0"/>
-              <a:t>Here </a:t>
-            </a:r>
-            <a:r>
-              <a:rPr lang="en-US" altLang="zh-CN" dirty="0" smtClean="0"/>
-              <a:t>Documents</a:t>
+              <a:t>Here Documents</a:t>
             </a:r>
           </a:p>
           <a:p>
@@ -27794,6 +27790,169 @@
             <a:pPr marL="0" indent="0">
               <a:buNone/>
             </a:pPr>
+            <a:r>
+              <a:rPr lang="zh-CN" altLang="en-US" dirty="0"/>
+              <a:t>圆括号中的命令</a:t>
+            </a:r>
+            <a:r>
+              <a:rPr lang="zh-CN" altLang="en-US" dirty="0" smtClean="0"/>
+              <a:t>列表：</a:t>
+            </a:r>
+            <a:endParaRPr lang="en-US" altLang="zh-CN" dirty="0" smtClean="0"/>
+          </a:p>
+          <a:p>
+            <a:pPr marL="0" indent="0">
+              <a:buNone/>
+            </a:pPr>
+            <a:r>
+              <a:rPr lang="en-US" altLang="zh-CN" dirty="0"/>
+              <a:t>( command1; command2; command3; ... )</a:t>
+            </a:r>
+          </a:p>
+          <a:p>
+            <a:pPr marL="0" indent="0">
+              <a:buNone/>
+            </a:pPr>
+            <a:r>
+              <a:rPr lang="en-US" altLang="zh-CN" dirty="0" smtClean="0"/>
+              <a:t>	</a:t>
+            </a:r>
+            <a:r>
+              <a:rPr lang="zh-CN" altLang="en-US" dirty="0"/>
+              <a:t>圆括号中命令列表的命令将会运行在一个子</a:t>
+            </a:r>
+            <a:r>
+              <a:rPr lang="en-US" altLang="zh-CN" dirty="0"/>
+              <a:t>shell</a:t>
+            </a:r>
+            <a:r>
+              <a:rPr lang="zh-CN" altLang="en-US" dirty="0" smtClean="0"/>
+              <a:t>中。</a:t>
+            </a:r>
+            <a:endParaRPr lang="en-US" altLang="zh-CN" dirty="0" smtClean="0"/>
+          </a:p>
+          <a:p>
+            <a:pPr marL="0" indent="0">
+              <a:buNone/>
+            </a:pPr>
+            <a:r>
+              <a:rPr lang="zh-CN" altLang="en-US" dirty="0"/>
+              <a:t>子</a:t>
+            </a:r>
+            <a:r>
+              <a:rPr lang="en-US" altLang="zh-CN" dirty="0"/>
+              <a:t>shell</a:t>
+            </a:r>
+            <a:r>
+              <a:rPr lang="zh-CN" altLang="en-US" dirty="0"/>
+              <a:t>中的变量对于子</a:t>
+            </a:r>
+            <a:r>
+              <a:rPr lang="en-US" altLang="zh-CN" dirty="0"/>
+              <a:t>shell</a:t>
+            </a:r>
+            <a:r>
+              <a:rPr lang="zh-CN" altLang="en-US" dirty="0"/>
+              <a:t>之外的代码块</a:t>
+            </a:r>
+            <a:r>
+              <a:rPr lang="zh-CN" altLang="en-US" dirty="0" smtClean="0"/>
+              <a:t>来说</a:t>
+            </a:r>
+            <a:r>
+              <a:rPr lang="zh-CN" altLang="en-US" dirty="0"/>
+              <a:t>，</a:t>
+            </a:r>
+            <a:r>
+              <a:rPr lang="zh-CN" altLang="en-US" dirty="0" smtClean="0"/>
+              <a:t>是</a:t>
+            </a:r>
+            <a:r>
+              <a:rPr lang="zh-CN" altLang="en-US" dirty="0"/>
+              <a:t>不可见</a:t>
+            </a:r>
+            <a:r>
+              <a:rPr lang="zh-CN" altLang="en-US" dirty="0" smtClean="0"/>
+              <a:t>的</a:t>
+            </a:r>
+            <a:r>
+              <a:rPr lang="zh-CN" altLang="en-US" dirty="0"/>
+              <a:t>。</a:t>
+            </a:r>
+            <a:r>
+              <a:rPr lang="zh-CN" altLang="en-US" dirty="0" smtClean="0"/>
+              <a:t>当然</a:t>
+            </a:r>
+            <a:r>
+              <a:rPr lang="zh-CN" altLang="en-US" dirty="0"/>
+              <a:t>，</a:t>
+            </a:r>
+            <a:r>
+              <a:rPr lang="zh-CN" altLang="en-US" dirty="0" smtClean="0"/>
+              <a:t>父</a:t>
+            </a:r>
+            <a:r>
+              <a:rPr lang="zh-CN" altLang="en-US" dirty="0"/>
+              <a:t>进程也不能访问这些</a:t>
+            </a:r>
+            <a:r>
+              <a:rPr lang="zh-CN" altLang="en-US" dirty="0" smtClean="0"/>
+              <a:t>变量</a:t>
+            </a:r>
+            <a:r>
+              <a:rPr lang="zh-CN" altLang="en-US" dirty="0"/>
+              <a:t>，</a:t>
+            </a:r>
+            <a:r>
+              <a:rPr lang="zh-CN" altLang="en-US" dirty="0" smtClean="0"/>
+              <a:t>父</a:t>
+            </a:r>
+            <a:r>
+              <a:rPr lang="zh-CN" altLang="en-US" dirty="0"/>
+              <a:t>进程指的是产生这个子</a:t>
+            </a:r>
+            <a:r>
+              <a:rPr lang="en-US" altLang="zh-CN" dirty="0"/>
+              <a:t>shell</a:t>
+            </a:r>
+            <a:r>
+              <a:rPr lang="zh-CN" altLang="en-US" dirty="0"/>
+              <a:t>的</a:t>
+            </a:r>
+            <a:r>
+              <a:rPr lang="en-US" altLang="zh-CN" dirty="0" smtClean="0"/>
+              <a:t>shell</a:t>
+            </a:r>
+            <a:r>
+              <a:rPr lang="zh-CN" altLang="en-US" dirty="0"/>
+              <a:t>。</a:t>
+            </a:r>
+            <a:r>
+              <a:rPr lang="zh-CN" altLang="en-US" dirty="0" smtClean="0"/>
+              <a:t>事实上</a:t>
+            </a:r>
+            <a:r>
+              <a:rPr lang="zh-CN" altLang="en-US" dirty="0"/>
+              <a:t>，</a:t>
+            </a:r>
+            <a:r>
+              <a:rPr lang="zh-CN" altLang="en-US" dirty="0" smtClean="0"/>
+              <a:t>这些变量局部于子进程。</a:t>
+            </a:r>
+            <a:endParaRPr lang="en-US" altLang="zh-CN" dirty="0" smtClean="0"/>
+          </a:p>
+          <a:p>
+            <a:pPr marL="0" indent="0">
+              <a:buNone/>
+            </a:pPr>
+            <a:r>
+              <a:rPr lang="en-US" altLang="zh-CN" dirty="0" smtClean="0"/>
+              <a:t>e.g. </a:t>
+            </a:r>
+            <a:r>
+              <a:rPr lang="en-US" altLang="zh-CN" smtClean="0"/>
+              <a:t>subshell.sh</a:t>
+            </a:r>
             <a:endParaRPr lang="zh-CN" altLang="en-US" dirty="0"/>
           </a:p>
         </p:txBody>
